--- a/miscellaneous/presentations/20200825_labmtg.pptx
+++ b/miscellaneous/presentations/20200825_labmtg.pptx
@@ -20,8 +20,8 @@
     <p:sldId id="277" r:id="rId11"/>
     <p:sldId id="278" r:id="rId12"/>
     <p:sldId id="280" r:id="rId13"/>
-    <p:sldId id="282" r:id="rId14"/>
-    <p:sldId id="283" r:id="rId15"/>
+    <p:sldId id="283" r:id="rId14"/>
+    <p:sldId id="282" r:id="rId15"/>
   </p:sldIdLst>
   <p:sldSz cx="12192000" cy="6858000"/>
   <p:notesSz cx="6858000" cy="9144000"/>
@@ -141,6 +141,813 @@
 </file>
 
 <file path=ppt/diagrams/colors1.xml><?xml version="1.0" encoding="utf-8"?>
+<dgm:colorsDef xmlns:dgm="http://schemas.openxmlformats.org/drawingml/2006/diagram" xmlns:a="http://schemas.openxmlformats.org/drawingml/2006/main" uniqueId="urn:microsoft.com/office/officeart/2005/8/colors/accent0_2">
+  <dgm:title val=""/>
+  <dgm:desc val=""/>
+  <dgm:catLst>
+    <dgm:cat type="mainScheme" pri="10200"/>
+  </dgm:catLst>
+  <dgm:styleLbl name="node0">
+    <dgm:fillClrLst meth="repeat">
+      <a:schemeClr val="lt1"/>
+    </dgm:fillClrLst>
+    <dgm:linClrLst meth="repeat">
+      <a:schemeClr val="dk2">
+        <a:shade val="80000"/>
+      </a:schemeClr>
+    </dgm:linClrLst>
+    <dgm:effectClrLst/>
+    <dgm:txLinClrLst/>
+    <dgm:txFillClrLst meth="repeat">
+      <a:schemeClr val="dk2"/>
+    </dgm:txFillClrLst>
+    <dgm:txEffectClrLst/>
+  </dgm:styleLbl>
+  <dgm:styleLbl name="node1">
+    <dgm:fillClrLst meth="repeat">
+      <a:schemeClr val="lt1"/>
+    </dgm:fillClrLst>
+    <dgm:linClrLst meth="repeat">
+      <a:schemeClr val="dk2">
+        <a:shade val="80000"/>
+      </a:schemeClr>
+    </dgm:linClrLst>
+    <dgm:effectClrLst/>
+    <dgm:txLinClrLst/>
+    <dgm:txFillClrLst meth="repeat">
+      <a:schemeClr val="dk2"/>
+    </dgm:txFillClrLst>
+    <dgm:txEffectClrLst/>
+  </dgm:styleLbl>
+  <dgm:styleLbl name="alignNode1">
+    <dgm:fillClrLst meth="repeat">
+      <a:schemeClr val="lt1"/>
+    </dgm:fillClrLst>
+    <dgm:linClrLst meth="repeat">
+      <a:schemeClr val="dk2">
+        <a:shade val="80000"/>
+      </a:schemeClr>
+    </dgm:linClrLst>
+    <dgm:effectClrLst/>
+    <dgm:txLinClrLst/>
+    <dgm:txFillClrLst meth="repeat">
+      <a:schemeClr val="dk2"/>
+    </dgm:txFillClrLst>
+    <dgm:txEffectClrLst/>
+  </dgm:styleLbl>
+  <dgm:styleLbl name="lnNode1">
+    <dgm:fillClrLst meth="repeat">
+      <a:schemeClr val="lt1"/>
+    </dgm:fillClrLst>
+    <dgm:linClrLst meth="repeat">
+      <a:schemeClr val="dk2">
+        <a:shade val="80000"/>
+      </a:schemeClr>
+    </dgm:linClrLst>
+    <dgm:effectClrLst/>
+    <dgm:txLinClrLst/>
+    <dgm:txFillClrLst meth="repeat">
+      <a:schemeClr val="dk2"/>
+    </dgm:txFillClrLst>
+    <dgm:txEffectClrLst/>
+  </dgm:styleLbl>
+  <dgm:styleLbl name="vennNode1">
+    <dgm:fillClrLst meth="repeat">
+      <a:schemeClr val="lt1">
+        <a:alpha val="50000"/>
+      </a:schemeClr>
+    </dgm:fillClrLst>
+    <dgm:linClrLst meth="repeat">
+      <a:schemeClr val="dk2">
+        <a:shade val="80000"/>
+      </a:schemeClr>
+    </dgm:linClrLst>
+    <dgm:effectClrLst/>
+    <dgm:txLinClrLst/>
+    <dgm:txFillClrLst/>
+    <dgm:txEffectClrLst/>
+  </dgm:styleLbl>
+  <dgm:styleLbl name="node2">
+    <dgm:fillClrLst meth="repeat">
+      <a:schemeClr val="lt1"/>
+    </dgm:fillClrLst>
+    <dgm:linClrLst meth="repeat">
+      <a:schemeClr val="dk2">
+        <a:shade val="80000"/>
+      </a:schemeClr>
+    </dgm:linClrLst>
+    <dgm:effectClrLst/>
+    <dgm:txLinClrLst/>
+    <dgm:txFillClrLst meth="repeat">
+      <a:schemeClr val="dk2"/>
+    </dgm:txFillClrLst>
+    <dgm:txEffectClrLst/>
+  </dgm:styleLbl>
+  <dgm:styleLbl name="node3">
+    <dgm:fillClrLst meth="repeat">
+      <a:schemeClr val="lt1"/>
+    </dgm:fillClrLst>
+    <dgm:linClrLst meth="repeat">
+      <a:schemeClr val="dk2">
+        <a:shade val="80000"/>
+      </a:schemeClr>
+    </dgm:linClrLst>
+    <dgm:effectClrLst/>
+    <dgm:txLinClrLst/>
+    <dgm:txFillClrLst meth="repeat">
+      <a:schemeClr val="dk2"/>
+    </dgm:txFillClrLst>
+    <dgm:txEffectClrLst/>
+  </dgm:styleLbl>
+  <dgm:styleLbl name="node4">
+    <dgm:fillClrLst meth="repeat">
+      <a:schemeClr val="lt1"/>
+    </dgm:fillClrLst>
+    <dgm:linClrLst meth="repeat">
+      <a:schemeClr val="dk2">
+        <a:shade val="80000"/>
+      </a:schemeClr>
+    </dgm:linClrLst>
+    <dgm:effectClrLst/>
+    <dgm:txLinClrLst/>
+    <dgm:txFillClrLst meth="repeat">
+      <a:schemeClr val="dk2"/>
+    </dgm:txFillClrLst>
+    <dgm:txEffectClrLst/>
+  </dgm:styleLbl>
+  <dgm:styleLbl name="fgImgPlace1">
+    <dgm:fillClrLst meth="repeat">
+      <a:schemeClr val="dk2">
+        <a:tint val="40000"/>
+      </a:schemeClr>
+    </dgm:fillClrLst>
+    <dgm:linClrLst meth="repeat">
+      <a:schemeClr val="dk2">
+        <a:shade val="80000"/>
+      </a:schemeClr>
+    </dgm:linClrLst>
+    <dgm:effectClrLst/>
+    <dgm:txLinClrLst/>
+    <dgm:txFillClrLst meth="repeat">
+      <a:schemeClr val="lt1"/>
+    </dgm:txFillClrLst>
+    <dgm:txEffectClrLst/>
+  </dgm:styleLbl>
+  <dgm:styleLbl name="alignImgPlace1">
+    <dgm:fillClrLst meth="repeat">
+      <a:schemeClr val="dk2">
+        <a:tint val="40000"/>
+      </a:schemeClr>
+    </dgm:fillClrLst>
+    <dgm:linClrLst meth="repeat">
+      <a:schemeClr val="dk2">
+        <a:shade val="80000"/>
+      </a:schemeClr>
+    </dgm:linClrLst>
+    <dgm:effectClrLst/>
+    <dgm:txLinClrLst/>
+    <dgm:txFillClrLst meth="repeat">
+      <a:schemeClr val="lt1"/>
+    </dgm:txFillClrLst>
+    <dgm:txEffectClrLst/>
+  </dgm:styleLbl>
+  <dgm:styleLbl name="bgImgPlace1">
+    <dgm:fillClrLst meth="repeat">
+      <a:schemeClr val="dk2">
+        <a:tint val="40000"/>
+      </a:schemeClr>
+    </dgm:fillClrLst>
+    <dgm:linClrLst meth="repeat">
+      <a:schemeClr val="dk2">
+        <a:shade val="80000"/>
+      </a:schemeClr>
+    </dgm:linClrLst>
+    <dgm:effectClrLst/>
+    <dgm:txLinClrLst/>
+    <dgm:txFillClrLst meth="repeat">
+      <a:schemeClr val="lt1"/>
+    </dgm:txFillClrLst>
+    <dgm:txEffectClrLst/>
+  </dgm:styleLbl>
+  <dgm:styleLbl name="sibTrans2D1">
+    <dgm:fillClrLst meth="repeat">
+      <a:schemeClr val="dk2">
+        <a:tint val="60000"/>
+      </a:schemeClr>
+    </dgm:fillClrLst>
+    <dgm:linClrLst meth="repeat">
+      <a:schemeClr val="dk2">
+        <a:tint val="60000"/>
+      </a:schemeClr>
+    </dgm:linClrLst>
+    <dgm:effectClrLst/>
+    <dgm:txLinClrLst/>
+    <dgm:txFillClrLst meth="repeat">
+      <a:schemeClr val="dk2"/>
+    </dgm:txFillClrLst>
+    <dgm:txEffectClrLst/>
+  </dgm:styleLbl>
+  <dgm:styleLbl name="fgSibTrans2D1">
+    <dgm:fillClrLst meth="repeat">
+      <a:schemeClr val="dk2">
+        <a:tint val="60000"/>
+      </a:schemeClr>
+    </dgm:fillClrLst>
+    <dgm:linClrLst meth="repeat">
+      <a:schemeClr val="dk2">
+        <a:tint val="60000"/>
+      </a:schemeClr>
+    </dgm:linClrLst>
+    <dgm:effectClrLst/>
+    <dgm:txLinClrLst/>
+    <dgm:txFillClrLst meth="repeat">
+      <a:schemeClr val="dk2"/>
+    </dgm:txFillClrLst>
+    <dgm:txEffectClrLst/>
+  </dgm:styleLbl>
+  <dgm:styleLbl name="bgSibTrans2D1">
+    <dgm:fillClrLst meth="repeat">
+      <a:schemeClr val="dk2">
+        <a:tint val="60000"/>
+      </a:schemeClr>
+    </dgm:fillClrLst>
+    <dgm:linClrLst meth="repeat">
+      <a:schemeClr val="dk2">
+        <a:tint val="60000"/>
+      </a:schemeClr>
+    </dgm:linClrLst>
+    <dgm:effectClrLst/>
+    <dgm:txLinClrLst/>
+    <dgm:txFillClrLst meth="repeat">
+      <a:schemeClr val="dk2"/>
+    </dgm:txFillClrLst>
+    <dgm:txEffectClrLst/>
+  </dgm:styleLbl>
+  <dgm:styleLbl name="sibTrans1D1">
+    <dgm:fillClrLst meth="repeat">
+      <a:schemeClr val="dk2"/>
+    </dgm:fillClrLst>
+    <dgm:linClrLst meth="repeat">
+      <a:schemeClr val="dk2"/>
+    </dgm:linClrLst>
+    <dgm:effectClrLst/>
+    <dgm:txLinClrLst/>
+    <dgm:txFillClrLst meth="repeat">
+      <a:schemeClr val="tx1"/>
+    </dgm:txFillClrLst>
+    <dgm:txEffectClrLst/>
+  </dgm:styleLbl>
+  <dgm:styleLbl name="callout">
+    <dgm:fillClrLst meth="repeat">
+      <a:schemeClr val="dk2"/>
+    </dgm:fillClrLst>
+    <dgm:linClrLst meth="repeat">
+      <a:schemeClr val="dk2"/>
+    </dgm:linClrLst>
+    <dgm:effectClrLst/>
+    <dgm:txLinClrLst/>
+    <dgm:txFillClrLst meth="repeat">
+      <a:schemeClr val="tx1"/>
+    </dgm:txFillClrLst>
+    <dgm:txEffectClrLst/>
+  </dgm:styleLbl>
+  <dgm:styleLbl name="asst0">
+    <dgm:fillClrLst meth="repeat">
+      <a:schemeClr val="lt1"/>
+    </dgm:fillClrLst>
+    <dgm:linClrLst meth="repeat">
+      <a:schemeClr val="dk2">
+        <a:shade val="80000"/>
+      </a:schemeClr>
+    </dgm:linClrLst>
+    <dgm:effectClrLst/>
+    <dgm:txLinClrLst/>
+    <dgm:txFillClrLst meth="repeat">
+      <a:schemeClr val="dk2"/>
+    </dgm:txFillClrLst>
+    <dgm:txEffectClrLst/>
+  </dgm:styleLbl>
+  <dgm:styleLbl name="asst1">
+    <dgm:fillClrLst meth="repeat">
+      <a:schemeClr val="lt1"/>
+    </dgm:fillClrLst>
+    <dgm:linClrLst meth="repeat">
+      <a:schemeClr val="dk2">
+        <a:shade val="80000"/>
+      </a:schemeClr>
+    </dgm:linClrLst>
+    <dgm:effectClrLst/>
+    <dgm:txLinClrLst/>
+    <dgm:txFillClrLst meth="repeat">
+      <a:schemeClr val="dk2"/>
+    </dgm:txFillClrLst>
+    <dgm:txEffectClrLst/>
+  </dgm:styleLbl>
+  <dgm:styleLbl name="asst2">
+    <dgm:fillClrLst meth="repeat">
+      <a:schemeClr val="lt1"/>
+    </dgm:fillClrLst>
+    <dgm:linClrLst meth="repeat">
+      <a:schemeClr val="dk2">
+        <a:shade val="80000"/>
+      </a:schemeClr>
+    </dgm:linClrLst>
+    <dgm:effectClrLst/>
+    <dgm:txLinClrLst/>
+    <dgm:txFillClrLst meth="repeat">
+      <a:schemeClr val="dk2"/>
+    </dgm:txFillClrLst>
+    <dgm:txEffectClrLst/>
+  </dgm:styleLbl>
+  <dgm:styleLbl name="asst3">
+    <dgm:fillClrLst meth="repeat">
+      <a:schemeClr val="lt1"/>
+    </dgm:fillClrLst>
+    <dgm:linClrLst meth="repeat">
+      <a:schemeClr val="dk2">
+        <a:shade val="80000"/>
+      </a:schemeClr>
+    </dgm:linClrLst>
+    <dgm:effectClrLst/>
+    <dgm:txLinClrLst/>
+    <dgm:txFillClrLst meth="repeat">
+      <a:schemeClr val="dk2"/>
+    </dgm:txFillClrLst>
+    <dgm:txEffectClrLst/>
+  </dgm:styleLbl>
+  <dgm:styleLbl name="asst4">
+    <dgm:fillClrLst meth="repeat">
+      <a:schemeClr val="lt1"/>
+    </dgm:fillClrLst>
+    <dgm:linClrLst meth="repeat">
+      <a:schemeClr val="dk2">
+        <a:shade val="80000"/>
+      </a:schemeClr>
+    </dgm:linClrLst>
+    <dgm:effectClrLst/>
+    <dgm:txLinClrLst/>
+    <dgm:txFillClrLst meth="repeat">
+      <a:schemeClr val="dk2"/>
+    </dgm:txFillClrLst>
+    <dgm:txEffectClrLst/>
+  </dgm:styleLbl>
+  <dgm:styleLbl name="parChTrans2D1">
+    <dgm:fillClrLst meth="repeat">
+      <a:schemeClr val="dk2">
+        <a:tint val="60000"/>
+      </a:schemeClr>
+    </dgm:fillClrLst>
+    <dgm:linClrLst meth="repeat">
+      <a:schemeClr val="dk2">
+        <a:tint val="60000"/>
+      </a:schemeClr>
+    </dgm:linClrLst>
+    <dgm:effectClrLst/>
+    <dgm:txLinClrLst/>
+    <dgm:txFillClrLst/>
+    <dgm:txEffectClrLst/>
+  </dgm:styleLbl>
+  <dgm:styleLbl name="parChTrans2D2">
+    <dgm:fillClrLst meth="repeat">
+      <a:schemeClr val="dk2"/>
+    </dgm:fillClrLst>
+    <dgm:linClrLst meth="repeat">
+      <a:schemeClr val="dk2"/>
+    </dgm:linClrLst>
+    <dgm:effectClrLst/>
+    <dgm:txLinClrLst/>
+    <dgm:txFillClrLst/>
+    <dgm:txEffectClrLst/>
+  </dgm:styleLbl>
+  <dgm:styleLbl name="parChTrans2D3">
+    <dgm:fillClrLst meth="repeat">
+      <a:schemeClr val="dk2"/>
+    </dgm:fillClrLst>
+    <dgm:linClrLst meth="repeat">
+      <a:schemeClr val="dk2"/>
+    </dgm:linClrLst>
+    <dgm:effectClrLst/>
+    <dgm:txLinClrLst/>
+    <dgm:txFillClrLst/>
+    <dgm:txEffectClrLst/>
+  </dgm:styleLbl>
+  <dgm:styleLbl name="parChTrans2D4">
+    <dgm:fillClrLst meth="repeat">
+      <a:schemeClr val="dk2"/>
+    </dgm:fillClrLst>
+    <dgm:linClrLst meth="repeat">
+      <a:schemeClr val="dk2"/>
+    </dgm:linClrLst>
+    <dgm:effectClrLst/>
+    <dgm:txLinClrLst/>
+    <dgm:txFillClrLst meth="repeat">
+      <a:schemeClr val="lt1"/>
+    </dgm:txFillClrLst>
+    <dgm:txEffectClrLst/>
+  </dgm:styleLbl>
+  <dgm:styleLbl name="parChTrans1D1">
+    <dgm:fillClrLst meth="repeat">
+      <a:schemeClr val="dk2"/>
+    </dgm:fillClrLst>
+    <dgm:linClrLst meth="repeat">
+      <a:schemeClr val="dk2">
+        <a:shade val="60000"/>
+      </a:schemeClr>
+    </dgm:linClrLst>
+    <dgm:effectClrLst/>
+    <dgm:txLinClrLst/>
+    <dgm:txFillClrLst meth="repeat">
+      <a:schemeClr val="tx1"/>
+    </dgm:txFillClrLst>
+    <dgm:txEffectClrLst/>
+  </dgm:styleLbl>
+  <dgm:styleLbl name="parChTrans1D2">
+    <dgm:fillClrLst meth="repeat">
+      <a:schemeClr val="dk2"/>
+    </dgm:fillClrLst>
+    <dgm:linClrLst meth="repeat">
+      <a:schemeClr val="dk2">
+        <a:shade val="60000"/>
+      </a:schemeClr>
+    </dgm:linClrLst>
+    <dgm:effectClrLst/>
+    <dgm:txLinClrLst/>
+    <dgm:txFillClrLst meth="repeat">
+      <a:schemeClr val="tx1"/>
+    </dgm:txFillClrLst>
+    <dgm:txEffectClrLst/>
+  </dgm:styleLbl>
+  <dgm:styleLbl name="parChTrans1D3">
+    <dgm:fillClrLst meth="repeat">
+      <a:schemeClr val="dk2"/>
+    </dgm:fillClrLst>
+    <dgm:linClrLst meth="repeat">
+      <a:schemeClr val="dk2">
+        <a:shade val="80000"/>
+      </a:schemeClr>
+    </dgm:linClrLst>
+    <dgm:effectClrLst/>
+    <dgm:txLinClrLst/>
+    <dgm:txFillClrLst meth="repeat">
+      <a:schemeClr val="tx1"/>
+    </dgm:txFillClrLst>
+    <dgm:txEffectClrLst/>
+  </dgm:styleLbl>
+  <dgm:styleLbl name="parChTrans1D4">
+    <dgm:fillClrLst meth="repeat">
+      <a:schemeClr val="dk2"/>
+    </dgm:fillClrLst>
+    <dgm:linClrLst meth="repeat">
+      <a:schemeClr val="dk2">
+        <a:shade val="80000"/>
+      </a:schemeClr>
+    </dgm:linClrLst>
+    <dgm:effectClrLst/>
+    <dgm:txLinClrLst/>
+    <dgm:txFillClrLst meth="repeat">
+      <a:schemeClr val="tx1"/>
+    </dgm:txFillClrLst>
+    <dgm:txEffectClrLst/>
+  </dgm:styleLbl>
+  <dgm:styleLbl name="fgAcc1">
+    <dgm:fillClrLst meth="repeat">
+      <a:schemeClr val="dk2">
+        <a:alpha val="90000"/>
+        <a:tint val="40000"/>
+      </a:schemeClr>
+    </dgm:fillClrLst>
+    <dgm:linClrLst meth="repeat">
+      <a:schemeClr val="dk2"/>
+    </dgm:linClrLst>
+    <dgm:effectClrLst/>
+    <dgm:txLinClrLst/>
+    <dgm:txFillClrLst meth="repeat">
+      <a:schemeClr val="dk2"/>
+    </dgm:txFillClrLst>
+    <dgm:txEffectClrLst/>
+  </dgm:styleLbl>
+  <dgm:styleLbl name="conFgAcc1">
+    <dgm:fillClrLst meth="repeat">
+      <a:schemeClr val="dk2">
+        <a:alpha val="90000"/>
+        <a:tint val="40000"/>
+      </a:schemeClr>
+    </dgm:fillClrLst>
+    <dgm:linClrLst meth="repeat">
+      <a:schemeClr val="dk2"/>
+    </dgm:linClrLst>
+    <dgm:effectClrLst/>
+    <dgm:txLinClrLst/>
+    <dgm:txFillClrLst meth="repeat">
+      <a:schemeClr val="dk2"/>
+    </dgm:txFillClrLst>
+    <dgm:txEffectClrLst/>
+  </dgm:styleLbl>
+  <dgm:styleLbl name="alignAcc1">
+    <dgm:fillClrLst meth="repeat">
+      <a:schemeClr val="dk2">
+        <a:alpha val="90000"/>
+        <a:tint val="40000"/>
+      </a:schemeClr>
+    </dgm:fillClrLst>
+    <dgm:linClrLst meth="repeat">
+      <a:schemeClr val="dk2"/>
+    </dgm:linClrLst>
+    <dgm:effectClrLst/>
+    <dgm:txLinClrLst/>
+    <dgm:txFillClrLst meth="repeat">
+      <a:schemeClr val="dk2"/>
+    </dgm:txFillClrLst>
+    <dgm:txEffectClrLst/>
+  </dgm:styleLbl>
+  <dgm:styleLbl name="trAlignAcc1">
+    <dgm:fillClrLst meth="repeat">
+      <a:schemeClr val="dk2">
+        <a:alpha val="40000"/>
+        <a:tint val="40000"/>
+      </a:schemeClr>
+    </dgm:fillClrLst>
+    <dgm:linClrLst meth="repeat">
+      <a:schemeClr val="dk2"/>
+    </dgm:linClrLst>
+    <dgm:effectClrLst/>
+    <dgm:txLinClrLst/>
+    <dgm:txFillClrLst meth="repeat">
+      <a:schemeClr val="dk2"/>
+    </dgm:txFillClrLst>
+    <dgm:txEffectClrLst/>
+  </dgm:styleLbl>
+  <dgm:styleLbl name="bgAcc1">
+    <dgm:fillClrLst meth="repeat">
+      <a:schemeClr val="dk2">
+        <a:alpha val="90000"/>
+        <a:tint val="40000"/>
+      </a:schemeClr>
+    </dgm:fillClrLst>
+    <dgm:linClrLst meth="repeat">
+      <a:schemeClr val="dk2"/>
+    </dgm:linClrLst>
+    <dgm:effectClrLst/>
+    <dgm:txLinClrLst/>
+    <dgm:txFillClrLst meth="repeat">
+      <a:schemeClr val="dk2"/>
+    </dgm:txFillClrLst>
+    <dgm:txEffectClrLst/>
+  </dgm:styleLbl>
+  <dgm:styleLbl name="solidFgAcc1">
+    <dgm:fillClrLst meth="repeat">
+      <a:schemeClr val="lt1"/>
+    </dgm:fillClrLst>
+    <dgm:linClrLst meth="repeat">
+      <a:schemeClr val="dk2"/>
+    </dgm:linClrLst>
+    <dgm:effectClrLst/>
+    <dgm:txLinClrLst/>
+    <dgm:txFillClrLst meth="repeat">
+      <a:schemeClr val="dk2"/>
+    </dgm:txFillClrLst>
+    <dgm:txEffectClrLst/>
+  </dgm:styleLbl>
+  <dgm:styleLbl name="solidAlignAcc1">
+    <dgm:fillClrLst meth="repeat">
+      <a:schemeClr val="lt1"/>
+    </dgm:fillClrLst>
+    <dgm:linClrLst meth="repeat">
+      <a:schemeClr val="dk2"/>
+    </dgm:linClrLst>
+    <dgm:effectClrLst/>
+    <dgm:txLinClrLst/>
+    <dgm:txFillClrLst meth="repeat">
+      <a:schemeClr val="dk2"/>
+    </dgm:txFillClrLst>
+    <dgm:txEffectClrLst/>
+  </dgm:styleLbl>
+  <dgm:styleLbl name="solidBgAcc1">
+    <dgm:fillClrLst meth="repeat">
+      <a:schemeClr val="lt1"/>
+    </dgm:fillClrLst>
+    <dgm:linClrLst meth="repeat">
+      <a:schemeClr val="dk2"/>
+    </dgm:linClrLst>
+    <dgm:effectClrLst/>
+    <dgm:txLinClrLst/>
+    <dgm:txFillClrLst meth="repeat">
+      <a:schemeClr val="dk2"/>
+    </dgm:txFillClrLst>
+    <dgm:txEffectClrLst/>
+  </dgm:styleLbl>
+  <dgm:styleLbl name="fgAccFollowNode1">
+    <dgm:fillClrLst meth="repeat">
+      <a:schemeClr val="lt1">
+        <a:alpha val="90000"/>
+        <a:tint val="40000"/>
+      </a:schemeClr>
+    </dgm:fillClrLst>
+    <dgm:linClrLst meth="repeat">
+      <a:schemeClr val="dk2">
+        <a:alpha val="90000"/>
+      </a:schemeClr>
+    </dgm:linClrLst>
+    <dgm:effectClrLst/>
+    <dgm:txLinClrLst/>
+    <dgm:txFillClrLst meth="repeat">
+      <a:schemeClr val="dk2"/>
+    </dgm:txFillClrLst>
+    <dgm:txEffectClrLst/>
+  </dgm:styleLbl>
+  <dgm:styleLbl name="alignAccFollowNode1">
+    <dgm:fillClrLst meth="repeat">
+      <a:schemeClr val="lt1">
+        <a:alpha val="90000"/>
+        <a:tint val="40000"/>
+      </a:schemeClr>
+    </dgm:fillClrLst>
+    <dgm:linClrLst meth="repeat">
+      <a:schemeClr val="dk2">
+        <a:alpha val="90000"/>
+      </a:schemeClr>
+    </dgm:linClrLst>
+    <dgm:effectClrLst/>
+    <dgm:txLinClrLst/>
+    <dgm:txFillClrLst meth="repeat">
+      <a:schemeClr val="dk2"/>
+    </dgm:txFillClrLst>
+    <dgm:txEffectClrLst/>
+  </dgm:styleLbl>
+  <dgm:styleLbl name="bgAccFollowNode1">
+    <dgm:fillClrLst meth="repeat">
+      <a:schemeClr val="lt1">
+        <a:alpha val="90000"/>
+        <a:tint val="40000"/>
+      </a:schemeClr>
+    </dgm:fillClrLst>
+    <dgm:linClrLst meth="repeat">
+      <a:schemeClr val="dk2">
+        <a:alpha val="90000"/>
+      </a:schemeClr>
+    </dgm:linClrLst>
+    <dgm:effectClrLst/>
+    <dgm:txLinClrLst/>
+    <dgm:txFillClrLst meth="repeat">
+      <a:schemeClr val="dk2"/>
+    </dgm:txFillClrLst>
+    <dgm:txEffectClrLst/>
+  </dgm:styleLbl>
+  <dgm:styleLbl name="fgAcc0">
+    <dgm:fillClrLst meth="repeat">
+      <a:schemeClr val="dk2">
+        <a:alpha val="90000"/>
+        <a:tint val="40000"/>
+      </a:schemeClr>
+    </dgm:fillClrLst>
+    <dgm:linClrLst meth="repeat">
+      <a:schemeClr val="dk2"/>
+    </dgm:linClrLst>
+    <dgm:effectClrLst/>
+    <dgm:txLinClrLst/>
+    <dgm:txFillClrLst meth="repeat">
+      <a:schemeClr val="dk2"/>
+    </dgm:txFillClrLst>
+    <dgm:txEffectClrLst/>
+  </dgm:styleLbl>
+  <dgm:styleLbl name="fgAcc2">
+    <dgm:fillClrLst meth="repeat">
+      <a:schemeClr val="dk2">
+        <a:alpha val="90000"/>
+        <a:tint val="40000"/>
+      </a:schemeClr>
+    </dgm:fillClrLst>
+    <dgm:linClrLst meth="repeat">
+      <a:schemeClr val="dk2"/>
+    </dgm:linClrLst>
+    <dgm:effectClrLst/>
+    <dgm:txLinClrLst/>
+    <dgm:txFillClrLst meth="repeat">
+      <a:schemeClr val="dk2"/>
+    </dgm:txFillClrLst>
+    <dgm:txEffectClrLst/>
+  </dgm:styleLbl>
+  <dgm:styleLbl name="fgAcc3">
+    <dgm:fillClrLst meth="repeat">
+      <a:schemeClr val="dk2">
+        <a:alpha val="90000"/>
+        <a:tint val="40000"/>
+      </a:schemeClr>
+    </dgm:fillClrLst>
+    <dgm:linClrLst meth="repeat">
+      <a:schemeClr val="dk2"/>
+    </dgm:linClrLst>
+    <dgm:effectClrLst/>
+    <dgm:txLinClrLst/>
+    <dgm:txFillClrLst meth="repeat">
+      <a:schemeClr val="dk2"/>
+    </dgm:txFillClrLst>
+    <dgm:txEffectClrLst/>
+  </dgm:styleLbl>
+  <dgm:styleLbl name="fgAcc4">
+    <dgm:fillClrLst meth="repeat">
+      <a:schemeClr val="dk2">
+        <a:alpha val="90000"/>
+        <a:tint val="40000"/>
+      </a:schemeClr>
+    </dgm:fillClrLst>
+    <dgm:linClrLst meth="repeat">
+      <a:schemeClr val="dk2"/>
+    </dgm:linClrLst>
+    <dgm:effectClrLst/>
+    <dgm:txLinClrLst/>
+    <dgm:txFillClrLst meth="repeat">
+      <a:schemeClr val="dk2"/>
+    </dgm:txFillClrLst>
+    <dgm:txEffectClrLst/>
+  </dgm:styleLbl>
+  <dgm:styleLbl name="bgShp">
+    <dgm:fillClrLst meth="repeat">
+      <a:schemeClr val="dk2">
+        <a:tint val="40000"/>
+      </a:schemeClr>
+    </dgm:fillClrLst>
+    <dgm:linClrLst meth="repeat">
+      <a:schemeClr val="dk2"/>
+    </dgm:linClrLst>
+    <dgm:effectClrLst/>
+    <dgm:txLinClrLst/>
+    <dgm:txFillClrLst meth="repeat">
+      <a:schemeClr val="dk1"/>
+    </dgm:txFillClrLst>
+    <dgm:txEffectClrLst/>
+  </dgm:styleLbl>
+  <dgm:styleLbl name="dkBgShp">
+    <dgm:fillClrLst meth="repeat">
+      <a:schemeClr val="dk2">
+        <a:shade val="80000"/>
+      </a:schemeClr>
+    </dgm:fillClrLst>
+    <dgm:linClrLst meth="repeat">
+      <a:schemeClr val="dk2"/>
+    </dgm:linClrLst>
+    <dgm:effectClrLst/>
+    <dgm:txLinClrLst/>
+    <dgm:txFillClrLst meth="repeat">
+      <a:schemeClr val="lt2"/>
+    </dgm:txFillClrLst>
+    <dgm:txEffectClrLst/>
+  </dgm:styleLbl>
+  <dgm:styleLbl name="trBgShp">
+    <dgm:fillClrLst meth="repeat">
+      <a:schemeClr val="dk2">
+        <a:tint val="50000"/>
+        <a:alpha val="40000"/>
+      </a:schemeClr>
+    </dgm:fillClrLst>
+    <dgm:linClrLst meth="repeat">
+      <a:schemeClr val="dk2"/>
+    </dgm:linClrLst>
+    <dgm:effectClrLst/>
+    <dgm:txLinClrLst/>
+    <dgm:txFillClrLst meth="repeat">
+      <a:schemeClr val="lt2"/>
+    </dgm:txFillClrLst>
+    <dgm:txEffectClrLst/>
+  </dgm:styleLbl>
+  <dgm:styleLbl name="fgShp">
+    <dgm:fillClrLst meth="repeat">
+      <a:schemeClr val="dk2">
+        <a:tint val="60000"/>
+      </a:schemeClr>
+    </dgm:fillClrLst>
+    <dgm:linClrLst meth="repeat">
+      <a:schemeClr val="lt1"/>
+    </dgm:linClrLst>
+    <dgm:effectClrLst/>
+    <dgm:txLinClrLst/>
+    <dgm:txFillClrLst meth="repeat">
+      <a:schemeClr val="dk2"/>
+    </dgm:txFillClrLst>
+    <dgm:txEffectClrLst/>
+  </dgm:styleLbl>
+  <dgm:styleLbl name="revTx">
+    <dgm:fillClrLst meth="repeat">
+      <a:schemeClr val="lt1">
+        <a:alpha val="0"/>
+      </a:schemeClr>
+    </dgm:fillClrLst>
+    <dgm:linClrLst meth="repeat">
+      <a:schemeClr val="dk2">
+        <a:alpha val="0"/>
+      </a:schemeClr>
+    </dgm:linClrLst>
+    <dgm:effectClrLst/>
+    <dgm:txLinClrLst/>
+    <dgm:txFillClrLst meth="repeat">
+      <a:schemeClr val="tx1"/>
+    </dgm:txFillClrLst>
+    <dgm:txEffectClrLst/>
+  </dgm:styleLbl>
+</dgm:colorsDef>
+</file>
+
+<file path=ppt/diagrams/colors2.xml><?xml version="1.0" encoding="utf-8"?>
 <dgm:colorsDef xmlns:dgm="http://schemas.openxmlformats.org/drawingml/2006/diagram" xmlns:a="http://schemas.openxmlformats.org/drawingml/2006/main" uniqueId="urn:microsoft.com/office/officeart/2005/8/colors/accent0_2">
   <dgm:title val=""/>
   <dgm:desc val=""/>
@@ -1329,7 +2136,1100 @@
 </dgm:dataModel>
 </file>
 
+<file path=ppt/diagrams/data2.xml><?xml version="1.0" encoding="utf-8"?>
+<dgm:dataModel xmlns:dgm="http://schemas.openxmlformats.org/drawingml/2006/diagram" xmlns:a="http://schemas.openxmlformats.org/drawingml/2006/main">
+  <dgm:ptLst>
+    <dgm:pt modelId="{F614EAEA-60EF-B045-A363-0E3758185095}" type="doc">
+      <dgm:prSet loTypeId="urn:microsoft.com/office/officeart/2005/8/layout/cycle1" loCatId="" qsTypeId="urn:microsoft.com/office/officeart/2005/8/quickstyle/simple1" qsCatId="simple" csTypeId="urn:microsoft.com/office/officeart/2005/8/colors/accent0_2" csCatId="mainScheme" phldr="1"/>
+      <dgm:spPr/>
+      <dgm:t>
+        <a:bodyPr/>
+        <a:lstStyle/>
+        <a:p>
+          <a:endParaRPr lang="en-US"/>
+        </a:p>
+      </dgm:t>
+    </dgm:pt>
+    <dgm:pt modelId="{929B4777-E928-2D44-99F2-9E02A3194C2D}">
+      <dgm:prSet phldrT="[Text]"/>
+      <dgm:spPr/>
+      <dgm:t>
+        <a:bodyPr/>
+        <a:lstStyle/>
+        <a:p>
+          <a:r>
+            <a:rPr lang="en-US" dirty="0"/>
+            <a:t> </a:t>
+          </a:r>
+        </a:p>
+      </dgm:t>
+    </dgm:pt>
+    <dgm:pt modelId="{8BC94024-02E8-8442-B77F-4967ADBC6CFF}" type="parTrans" cxnId="{03DCC18E-641C-4A46-931C-192443618581}">
+      <dgm:prSet/>
+      <dgm:spPr/>
+      <dgm:t>
+        <a:bodyPr/>
+        <a:lstStyle/>
+        <a:p>
+          <a:endParaRPr lang="en-US"/>
+        </a:p>
+      </dgm:t>
+    </dgm:pt>
+    <dgm:pt modelId="{E95F4ADB-50AC-8A4C-93D4-06BAA0EB36F4}" type="sibTrans" cxnId="{03DCC18E-641C-4A46-931C-192443618581}">
+      <dgm:prSet/>
+      <dgm:spPr/>
+      <dgm:t>
+        <a:bodyPr/>
+        <a:lstStyle/>
+        <a:p>
+          <a:endParaRPr lang="en-US"/>
+        </a:p>
+      </dgm:t>
+    </dgm:pt>
+    <dgm:pt modelId="{9B946133-DC9F-B548-856E-0858F3169FA8}">
+      <dgm:prSet phldrT="[Text]"/>
+      <dgm:spPr/>
+      <dgm:t>
+        <a:bodyPr/>
+        <a:lstStyle/>
+        <a:p>
+          <a:r>
+            <a:rPr lang="en-US" dirty="0"/>
+            <a:t> </a:t>
+          </a:r>
+        </a:p>
+      </dgm:t>
+    </dgm:pt>
+    <dgm:pt modelId="{FA213A72-EAD5-5247-9E73-B7F735C343DF}" type="parTrans" cxnId="{FC82B00B-9512-DE4C-836C-BCF11BA09DC1}">
+      <dgm:prSet/>
+      <dgm:spPr/>
+      <dgm:t>
+        <a:bodyPr/>
+        <a:lstStyle/>
+        <a:p>
+          <a:endParaRPr lang="en-US"/>
+        </a:p>
+      </dgm:t>
+    </dgm:pt>
+    <dgm:pt modelId="{4BAD9CE2-3B8E-AE4B-A29D-B356F6E4D47C}" type="sibTrans" cxnId="{FC82B00B-9512-DE4C-836C-BCF11BA09DC1}">
+      <dgm:prSet/>
+      <dgm:spPr/>
+      <dgm:t>
+        <a:bodyPr/>
+        <a:lstStyle/>
+        <a:p>
+          <a:endParaRPr lang="en-US"/>
+        </a:p>
+      </dgm:t>
+    </dgm:pt>
+    <dgm:pt modelId="{41857A07-9656-EC44-A6B3-D1C65DC77685}">
+      <dgm:prSet phldrT="[Text]"/>
+      <dgm:spPr/>
+      <dgm:t>
+        <a:bodyPr/>
+        <a:lstStyle/>
+        <a:p>
+          <a:r>
+            <a:rPr lang="en-US" dirty="0"/>
+            <a:t> </a:t>
+          </a:r>
+        </a:p>
+      </dgm:t>
+    </dgm:pt>
+    <dgm:pt modelId="{CB288919-0F20-BB44-9C44-67720ED07DC5}" type="parTrans" cxnId="{37FAD290-2330-9547-BBD2-24302C56224E}">
+      <dgm:prSet/>
+      <dgm:spPr/>
+      <dgm:t>
+        <a:bodyPr/>
+        <a:lstStyle/>
+        <a:p>
+          <a:endParaRPr lang="en-US"/>
+        </a:p>
+      </dgm:t>
+    </dgm:pt>
+    <dgm:pt modelId="{2AA23939-7A9A-CD43-8DAB-1BFBB160D2A9}" type="sibTrans" cxnId="{37FAD290-2330-9547-BBD2-24302C56224E}">
+      <dgm:prSet/>
+      <dgm:spPr/>
+      <dgm:t>
+        <a:bodyPr/>
+        <a:lstStyle/>
+        <a:p>
+          <a:endParaRPr lang="en-US"/>
+        </a:p>
+      </dgm:t>
+    </dgm:pt>
+    <dgm:pt modelId="{D92434B8-EB5B-8848-924B-307F3160899D}">
+      <dgm:prSet phldrT="[Text]"/>
+      <dgm:spPr/>
+      <dgm:t>
+        <a:bodyPr/>
+        <a:lstStyle/>
+        <a:p>
+          <a:r>
+            <a:rPr lang="en-US" dirty="0"/>
+            <a:t> </a:t>
+          </a:r>
+        </a:p>
+      </dgm:t>
+    </dgm:pt>
+    <dgm:pt modelId="{BC62BA3B-8C99-344D-9FC6-0EBED4D35B24}" type="parTrans" cxnId="{DA995F11-D2CD-0747-AD04-3137EBF1D79A}">
+      <dgm:prSet/>
+      <dgm:spPr/>
+      <dgm:t>
+        <a:bodyPr/>
+        <a:lstStyle/>
+        <a:p>
+          <a:endParaRPr lang="en-US"/>
+        </a:p>
+      </dgm:t>
+    </dgm:pt>
+    <dgm:pt modelId="{44CDDD68-0AE8-1048-BF78-F547600DD765}" type="sibTrans" cxnId="{DA995F11-D2CD-0747-AD04-3137EBF1D79A}">
+      <dgm:prSet/>
+      <dgm:spPr/>
+      <dgm:t>
+        <a:bodyPr/>
+        <a:lstStyle/>
+        <a:p>
+          <a:endParaRPr lang="en-US"/>
+        </a:p>
+      </dgm:t>
+    </dgm:pt>
+    <dgm:pt modelId="{C5A6AB9D-91D8-664A-B98A-C7CD9D161425}">
+      <dgm:prSet phldrT="[Text]"/>
+      <dgm:spPr/>
+      <dgm:t>
+        <a:bodyPr/>
+        <a:lstStyle/>
+        <a:p>
+          <a:r>
+            <a:rPr lang="en-US" dirty="0"/>
+            <a:t> </a:t>
+          </a:r>
+        </a:p>
+      </dgm:t>
+    </dgm:pt>
+    <dgm:pt modelId="{33C2411D-299E-2144-8817-0F89928496F0}" type="parTrans" cxnId="{3EF92A05-DD9C-1040-ADDE-54150AB45DF0}">
+      <dgm:prSet/>
+      <dgm:spPr/>
+      <dgm:t>
+        <a:bodyPr/>
+        <a:lstStyle/>
+        <a:p>
+          <a:endParaRPr lang="en-US"/>
+        </a:p>
+      </dgm:t>
+    </dgm:pt>
+    <dgm:pt modelId="{0953A09E-A2FC-8641-AE81-DC72167E6591}" type="sibTrans" cxnId="{3EF92A05-DD9C-1040-ADDE-54150AB45DF0}">
+      <dgm:prSet/>
+      <dgm:spPr/>
+      <dgm:t>
+        <a:bodyPr/>
+        <a:lstStyle/>
+        <a:p>
+          <a:endParaRPr lang="en-US"/>
+        </a:p>
+      </dgm:t>
+    </dgm:pt>
+    <dgm:pt modelId="{6C44EC70-1BEE-E440-94B1-366EECF0D4DD}">
+      <dgm:prSet/>
+      <dgm:spPr/>
+      <dgm:t>
+        <a:bodyPr/>
+        <a:lstStyle/>
+        <a:p>
+          <a:endParaRPr lang="en-US"/>
+        </a:p>
+      </dgm:t>
+    </dgm:pt>
+    <dgm:pt modelId="{CC76C5C7-7954-F148-BB1E-99EBCAE2BCE4}" type="parTrans" cxnId="{89E6C873-7BE0-9849-8909-E801862CB122}">
+      <dgm:prSet/>
+      <dgm:spPr/>
+      <dgm:t>
+        <a:bodyPr/>
+        <a:lstStyle/>
+        <a:p>
+          <a:endParaRPr lang="en-US"/>
+        </a:p>
+      </dgm:t>
+    </dgm:pt>
+    <dgm:pt modelId="{BF5384D4-87AF-7F45-89D1-D2E8B15D730B}" type="sibTrans" cxnId="{89E6C873-7BE0-9849-8909-E801862CB122}">
+      <dgm:prSet/>
+      <dgm:spPr/>
+      <dgm:t>
+        <a:bodyPr/>
+        <a:lstStyle/>
+        <a:p>
+          <a:endParaRPr lang="en-US"/>
+        </a:p>
+      </dgm:t>
+    </dgm:pt>
+    <dgm:pt modelId="{A452763E-8874-604E-95DC-284B060532A4}" type="pres">
+      <dgm:prSet presAssocID="{F614EAEA-60EF-B045-A363-0E3758185095}" presName="cycle" presStyleCnt="0">
+        <dgm:presLayoutVars>
+          <dgm:dir/>
+          <dgm:resizeHandles val="exact"/>
+        </dgm:presLayoutVars>
+      </dgm:prSet>
+      <dgm:spPr/>
+    </dgm:pt>
+    <dgm:pt modelId="{6D44DE58-5729-1345-BFE9-4909F51F0BBB}" type="pres">
+      <dgm:prSet presAssocID="{929B4777-E928-2D44-99F2-9E02A3194C2D}" presName="dummy" presStyleCnt="0"/>
+      <dgm:spPr/>
+    </dgm:pt>
+    <dgm:pt modelId="{14940865-2C34-E540-B8F4-5B5481B8F75E}" type="pres">
+      <dgm:prSet presAssocID="{929B4777-E928-2D44-99F2-9E02A3194C2D}" presName="node" presStyleLbl="revTx" presStyleIdx="0" presStyleCnt="6">
+        <dgm:presLayoutVars>
+          <dgm:bulletEnabled val="1"/>
+        </dgm:presLayoutVars>
+      </dgm:prSet>
+      <dgm:spPr/>
+    </dgm:pt>
+    <dgm:pt modelId="{934C93EC-4007-4542-80CF-F9C5D725D2D0}" type="pres">
+      <dgm:prSet presAssocID="{E95F4ADB-50AC-8A4C-93D4-06BAA0EB36F4}" presName="sibTrans" presStyleLbl="node1" presStyleIdx="0" presStyleCnt="6"/>
+      <dgm:spPr/>
+    </dgm:pt>
+    <dgm:pt modelId="{043178FA-B445-444E-A2FC-AAEA88E9FE6F}" type="pres">
+      <dgm:prSet presAssocID="{9B946133-DC9F-B548-856E-0858F3169FA8}" presName="dummy" presStyleCnt="0"/>
+      <dgm:spPr/>
+    </dgm:pt>
+    <dgm:pt modelId="{A39626CD-FAE4-394A-99A2-E2CB171F5C8C}" type="pres">
+      <dgm:prSet presAssocID="{9B946133-DC9F-B548-856E-0858F3169FA8}" presName="node" presStyleLbl="revTx" presStyleIdx="1" presStyleCnt="6">
+        <dgm:presLayoutVars>
+          <dgm:bulletEnabled val="1"/>
+        </dgm:presLayoutVars>
+      </dgm:prSet>
+      <dgm:spPr/>
+    </dgm:pt>
+    <dgm:pt modelId="{C706A535-B6D0-CF45-A865-317E40362A8F}" type="pres">
+      <dgm:prSet presAssocID="{4BAD9CE2-3B8E-AE4B-A29D-B356F6E4D47C}" presName="sibTrans" presStyleLbl="node1" presStyleIdx="1" presStyleCnt="6"/>
+      <dgm:spPr/>
+    </dgm:pt>
+    <dgm:pt modelId="{08C8CE54-D97B-454C-A5F5-35945C5717A5}" type="pres">
+      <dgm:prSet presAssocID="{41857A07-9656-EC44-A6B3-D1C65DC77685}" presName="dummy" presStyleCnt="0"/>
+      <dgm:spPr/>
+    </dgm:pt>
+    <dgm:pt modelId="{7732C34B-403D-6B43-8A7D-ECE41D8BB032}" type="pres">
+      <dgm:prSet presAssocID="{41857A07-9656-EC44-A6B3-D1C65DC77685}" presName="node" presStyleLbl="revTx" presStyleIdx="2" presStyleCnt="6">
+        <dgm:presLayoutVars>
+          <dgm:bulletEnabled val="1"/>
+        </dgm:presLayoutVars>
+      </dgm:prSet>
+      <dgm:spPr/>
+    </dgm:pt>
+    <dgm:pt modelId="{89C95E3D-E56F-6142-9266-3C93460C8B8D}" type="pres">
+      <dgm:prSet presAssocID="{2AA23939-7A9A-CD43-8DAB-1BFBB160D2A9}" presName="sibTrans" presStyleLbl="node1" presStyleIdx="2" presStyleCnt="6"/>
+      <dgm:spPr/>
+    </dgm:pt>
+    <dgm:pt modelId="{F3047FD4-B88B-D94A-B6C0-CBE3BBE03DDA}" type="pres">
+      <dgm:prSet presAssocID="{D92434B8-EB5B-8848-924B-307F3160899D}" presName="dummy" presStyleCnt="0"/>
+      <dgm:spPr/>
+    </dgm:pt>
+    <dgm:pt modelId="{BCFD3CAF-6867-0244-9512-C5610CC81065}" type="pres">
+      <dgm:prSet presAssocID="{D92434B8-EB5B-8848-924B-307F3160899D}" presName="node" presStyleLbl="revTx" presStyleIdx="3" presStyleCnt="6">
+        <dgm:presLayoutVars>
+          <dgm:bulletEnabled val="1"/>
+        </dgm:presLayoutVars>
+      </dgm:prSet>
+      <dgm:spPr/>
+    </dgm:pt>
+    <dgm:pt modelId="{38349559-4D5F-F14F-83AC-16BEA504F693}" type="pres">
+      <dgm:prSet presAssocID="{44CDDD68-0AE8-1048-BF78-F547600DD765}" presName="sibTrans" presStyleLbl="node1" presStyleIdx="3" presStyleCnt="6"/>
+      <dgm:spPr/>
+    </dgm:pt>
+    <dgm:pt modelId="{7E859055-1413-4641-983D-69DD21C4BBEF}" type="pres">
+      <dgm:prSet presAssocID="{C5A6AB9D-91D8-664A-B98A-C7CD9D161425}" presName="dummy" presStyleCnt="0"/>
+      <dgm:spPr/>
+    </dgm:pt>
+    <dgm:pt modelId="{77C7656B-7194-1C4E-BBD6-FD12259B3327}" type="pres">
+      <dgm:prSet presAssocID="{C5A6AB9D-91D8-664A-B98A-C7CD9D161425}" presName="node" presStyleLbl="revTx" presStyleIdx="4" presStyleCnt="6">
+        <dgm:presLayoutVars>
+          <dgm:bulletEnabled val="1"/>
+        </dgm:presLayoutVars>
+      </dgm:prSet>
+      <dgm:spPr/>
+    </dgm:pt>
+    <dgm:pt modelId="{DCF14260-0C01-2146-B7B9-437AFDBB6130}" type="pres">
+      <dgm:prSet presAssocID="{0953A09E-A2FC-8641-AE81-DC72167E6591}" presName="sibTrans" presStyleLbl="node1" presStyleIdx="4" presStyleCnt="6"/>
+      <dgm:spPr/>
+    </dgm:pt>
+    <dgm:pt modelId="{8CAE0426-1DFF-2B4C-B285-7F6DFC39CAB0}" type="pres">
+      <dgm:prSet presAssocID="{6C44EC70-1BEE-E440-94B1-366EECF0D4DD}" presName="dummy" presStyleCnt="0"/>
+      <dgm:spPr/>
+    </dgm:pt>
+    <dgm:pt modelId="{AB6408C1-32BC-9A4C-BF6C-DFF9F466A712}" type="pres">
+      <dgm:prSet presAssocID="{6C44EC70-1BEE-E440-94B1-366EECF0D4DD}" presName="node" presStyleLbl="revTx" presStyleIdx="5" presStyleCnt="6">
+        <dgm:presLayoutVars>
+          <dgm:bulletEnabled val="1"/>
+        </dgm:presLayoutVars>
+      </dgm:prSet>
+      <dgm:spPr/>
+    </dgm:pt>
+    <dgm:pt modelId="{CE26F8B0-CDD1-AE4E-9863-9063391C53E3}" type="pres">
+      <dgm:prSet presAssocID="{BF5384D4-87AF-7F45-89D1-D2E8B15D730B}" presName="sibTrans" presStyleLbl="node1" presStyleIdx="5" presStyleCnt="6"/>
+      <dgm:spPr/>
+    </dgm:pt>
+  </dgm:ptLst>
+  <dgm:cxnLst>
+    <dgm:cxn modelId="{3EF92A05-DD9C-1040-ADDE-54150AB45DF0}" srcId="{F614EAEA-60EF-B045-A363-0E3758185095}" destId="{C5A6AB9D-91D8-664A-B98A-C7CD9D161425}" srcOrd="4" destOrd="0" parTransId="{33C2411D-299E-2144-8817-0F89928496F0}" sibTransId="{0953A09E-A2FC-8641-AE81-DC72167E6591}"/>
+    <dgm:cxn modelId="{FC82B00B-9512-DE4C-836C-BCF11BA09DC1}" srcId="{F614EAEA-60EF-B045-A363-0E3758185095}" destId="{9B946133-DC9F-B548-856E-0858F3169FA8}" srcOrd="1" destOrd="0" parTransId="{FA213A72-EAD5-5247-9E73-B7F735C343DF}" sibTransId="{4BAD9CE2-3B8E-AE4B-A29D-B356F6E4D47C}"/>
+    <dgm:cxn modelId="{DA995F11-D2CD-0747-AD04-3137EBF1D79A}" srcId="{F614EAEA-60EF-B045-A363-0E3758185095}" destId="{D92434B8-EB5B-8848-924B-307F3160899D}" srcOrd="3" destOrd="0" parTransId="{BC62BA3B-8C99-344D-9FC6-0EBED4D35B24}" sibTransId="{44CDDD68-0AE8-1048-BF78-F547600DD765}"/>
+    <dgm:cxn modelId="{CC290A1F-4BDB-5440-858E-1748AF4644E1}" type="presOf" srcId="{F614EAEA-60EF-B045-A363-0E3758185095}" destId="{A452763E-8874-604E-95DC-284B060532A4}" srcOrd="0" destOrd="0" presId="urn:microsoft.com/office/officeart/2005/8/layout/cycle1"/>
+    <dgm:cxn modelId="{EBDDEA22-4B42-F44A-82FA-3B6456E7772B}" type="presOf" srcId="{6C44EC70-1BEE-E440-94B1-366EECF0D4DD}" destId="{AB6408C1-32BC-9A4C-BF6C-DFF9F466A712}" srcOrd="0" destOrd="0" presId="urn:microsoft.com/office/officeart/2005/8/layout/cycle1"/>
+    <dgm:cxn modelId="{6245C92A-66B3-6647-BE33-9D46946141C9}" type="presOf" srcId="{D92434B8-EB5B-8848-924B-307F3160899D}" destId="{BCFD3CAF-6867-0244-9512-C5610CC81065}" srcOrd="0" destOrd="0" presId="urn:microsoft.com/office/officeart/2005/8/layout/cycle1"/>
+    <dgm:cxn modelId="{4110044C-866D-614A-9798-AF7117B7896C}" type="presOf" srcId="{929B4777-E928-2D44-99F2-9E02A3194C2D}" destId="{14940865-2C34-E540-B8F4-5B5481B8F75E}" srcOrd="0" destOrd="0" presId="urn:microsoft.com/office/officeart/2005/8/layout/cycle1"/>
+    <dgm:cxn modelId="{1D79405C-2E51-5048-92EA-42E96E5903A5}" type="presOf" srcId="{44CDDD68-0AE8-1048-BF78-F547600DD765}" destId="{38349559-4D5F-F14F-83AC-16BEA504F693}" srcOrd="0" destOrd="0" presId="urn:microsoft.com/office/officeart/2005/8/layout/cycle1"/>
+    <dgm:cxn modelId="{89E6C873-7BE0-9849-8909-E801862CB122}" srcId="{F614EAEA-60EF-B045-A363-0E3758185095}" destId="{6C44EC70-1BEE-E440-94B1-366EECF0D4DD}" srcOrd="5" destOrd="0" parTransId="{CC76C5C7-7954-F148-BB1E-99EBCAE2BCE4}" sibTransId="{BF5384D4-87AF-7F45-89D1-D2E8B15D730B}"/>
+    <dgm:cxn modelId="{03DCC18E-641C-4A46-931C-192443618581}" srcId="{F614EAEA-60EF-B045-A363-0E3758185095}" destId="{929B4777-E928-2D44-99F2-9E02A3194C2D}" srcOrd="0" destOrd="0" parTransId="{8BC94024-02E8-8442-B77F-4967ADBC6CFF}" sibTransId="{E95F4ADB-50AC-8A4C-93D4-06BAA0EB36F4}"/>
+    <dgm:cxn modelId="{37FAD290-2330-9547-BBD2-24302C56224E}" srcId="{F614EAEA-60EF-B045-A363-0E3758185095}" destId="{41857A07-9656-EC44-A6B3-D1C65DC77685}" srcOrd="2" destOrd="0" parTransId="{CB288919-0F20-BB44-9C44-67720ED07DC5}" sibTransId="{2AA23939-7A9A-CD43-8DAB-1BFBB160D2A9}"/>
+    <dgm:cxn modelId="{E0ECDB9A-4CFB-6345-A7DD-CCBF05470A44}" type="presOf" srcId="{E95F4ADB-50AC-8A4C-93D4-06BAA0EB36F4}" destId="{934C93EC-4007-4542-80CF-F9C5D725D2D0}" srcOrd="0" destOrd="0" presId="urn:microsoft.com/office/officeart/2005/8/layout/cycle1"/>
+    <dgm:cxn modelId="{B082ECC2-9957-284A-9FC7-6817EF1AC815}" type="presOf" srcId="{0953A09E-A2FC-8641-AE81-DC72167E6591}" destId="{DCF14260-0C01-2146-B7B9-437AFDBB6130}" srcOrd="0" destOrd="0" presId="urn:microsoft.com/office/officeart/2005/8/layout/cycle1"/>
+    <dgm:cxn modelId="{18B1E3C5-C559-C445-BAA7-353D8900C051}" type="presOf" srcId="{9B946133-DC9F-B548-856E-0858F3169FA8}" destId="{A39626CD-FAE4-394A-99A2-E2CB171F5C8C}" srcOrd="0" destOrd="0" presId="urn:microsoft.com/office/officeart/2005/8/layout/cycle1"/>
+    <dgm:cxn modelId="{126A00CD-879E-4848-848B-F6264BAD9519}" type="presOf" srcId="{BF5384D4-87AF-7F45-89D1-D2E8B15D730B}" destId="{CE26F8B0-CDD1-AE4E-9863-9063391C53E3}" srcOrd="0" destOrd="0" presId="urn:microsoft.com/office/officeart/2005/8/layout/cycle1"/>
+    <dgm:cxn modelId="{CD8930D1-C1F5-8640-AF86-010C358F68BC}" type="presOf" srcId="{C5A6AB9D-91D8-664A-B98A-C7CD9D161425}" destId="{77C7656B-7194-1C4E-BBD6-FD12259B3327}" srcOrd="0" destOrd="0" presId="urn:microsoft.com/office/officeart/2005/8/layout/cycle1"/>
+    <dgm:cxn modelId="{48730CD3-9C3E-A441-931A-24B9E60DF7B1}" type="presOf" srcId="{4BAD9CE2-3B8E-AE4B-A29D-B356F6E4D47C}" destId="{C706A535-B6D0-CF45-A865-317E40362A8F}" srcOrd="0" destOrd="0" presId="urn:microsoft.com/office/officeart/2005/8/layout/cycle1"/>
+    <dgm:cxn modelId="{959735E7-37C3-C847-B605-683ED7B76134}" type="presOf" srcId="{41857A07-9656-EC44-A6B3-D1C65DC77685}" destId="{7732C34B-403D-6B43-8A7D-ECE41D8BB032}" srcOrd="0" destOrd="0" presId="urn:microsoft.com/office/officeart/2005/8/layout/cycle1"/>
+    <dgm:cxn modelId="{DFAC43F8-9174-8B47-B7CB-851955720557}" type="presOf" srcId="{2AA23939-7A9A-CD43-8DAB-1BFBB160D2A9}" destId="{89C95E3D-E56F-6142-9266-3C93460C8B8D}" srcOrd="0" destOrd="0" presId="urn:microsoft.com/office/officeart/2005/8/layout/cycle1"/>
+    <dgm:cxn modelId="{A71037C2-DD3C-F846-BF74-05904A8DE8F2}" type="presParOf" srcId="{A452763E-8874-604E-95DC-284B060532A4}" destId="{6D44DE58-5729-1345-BFE9-4909F51F0BBB}" srcOrd="0" destOrd="0" presId="urn:microsoft.com/office/officeart/2005/8/layout/cycle1"/>
+    <dgm:cxn modelId="{618AB82B-E473-794F-A965-BFE1344C4CF2}" type="presParOf" srcId="{A452763E-8874-604E-95DC-284B060532A4}" destId="{14940865-2C34-E540-B8F4-5B5481B8F75E}" srcOrd="1" destOrd="0" presId="urn:microsoft.com/office/officeart/2005/8/layout/cycle1"/>
+    <dgm:cxn modelId="{9DDA186E-DB30-4046-BC71-6FA43E9A49CC}" type="presParOf" srcId="{A452763E-8874-604E-95DC-284B060532A4}" destId="{934C93EC-4007-4542-80CF-F9C5D725D2D0}" srcOrd="2" destOrd="0" presId="urn:microsoft.com/office/officeart/2005/8/layout/cycle1"/>
+    <dgm:cxn modelId="{79827DAE-8141-1841-9425-C078BA6F03DF}" type="presParOf" srcId="{A452763E-8874-604E-95DC-284B060532A4}" destId="{043178FA-B445-444E-A2FC-AAEA88E9FE6F}" srcOrd="3" destOrd="0" presId="urn:microsoft.com/office/officeart/2005/8/layout/cycle1"/>
+    <dgm:cxn modelId="{128CC221-B6A7-1E49-A13A-893C92FCFB37}" type="presParOf" srcId="{A452763E-8874-604E-95DC-284B060532A4}" destId="{A39626CD-FAE4-394A-99A2-E2CB171F5C8C}" srcOrd="4" destOrd="0" presId="urn:microsoft.com/office/officeart/2005/8/layout/cycle1"/>
+    <dgm:cxn modelId="{1B28684C-ED5A-4B4A-ADB5-7CB3B3A0DAE2}" type="presParOf" srcId="{A452763E-8874-604E-95DC-284B060532A4}" destId="{C706A535-B6D0-CF45-A865-317E40362A8F}" srcOrd="5" destOrd="0" presId="urn:microsoft.com/office/officeart/2005/8/layout/cycle1"/>
+    <dgm:cxn modelId="{9A7970FC-8155-664A-B640-78434D50DC25}" type="presParOf" srcId="{A452763E-8874-604E-95DC-284B060532A4}" destId="{08C8CE54-D97B-454C-A5F5-35945C5717A5}" srcOrd="6" destOrd="0" presId="urn:microsoft.com/office/officeart/2005/8/layout/cycle1"/>
+    <dgm:cxn modelId="{39BEAA01-3870-A141-8643-615CD5A3AA38}" type="presParOf" srcId="{A452763E-8874-604E-95DC-284B060532A4}" destId="{7732C34B-403D-6B43-8A7D-ECE41D8BB032}" srcOrd="7" destOrd="0" presId="urn:microsoft.com/office/officeart/2005/8/layout/cycle1"/>
+    <dgm:cxn modelId="{3B7A3D0C-A19C-A748-9C24-0936E9E89E35}" type="presParOf" srcId="{A452763E-8874-604E-95DC-284B060532A4}" destId="{89C95E3D-E56F-6142-9266-3C93460C8B8D}" srcOrd="8" destOrd="0" presId="urn:microsoft.com/office/officeart/2005/8/layout/cycle1"/>
+    <dgm:cxn modelId="{27A66F6E-64A2-F545-8F3D-A279854A01B0}" type="presParOf" srcId="{A452763E-8874-604E-95DC-284B060532A4}" destId="{F3047FD4-B88B-D94A-B6C0-CBE3BBE03DDA}" srcOrd="9" destOrd="0" presId="urn:microsoft.com/office/officeart/2005/8/layout/cycle1"/>
+    <dgm:cxn modelId="{8108286D-82A0-CC4A-AD4E-07C3255F67FC}" type="presParOf" srcId="{A452763E-8874-604E-95DC-284B060532A4}" destId="{BCFD3CAF-6867-0244-9512-C5610CC81065}" srcOrd="10" destOrd="0" presId="urn:microsoft.com/office/officeart/2005/8/layout/cycle1"/>
+    <dgm:cxn modelId="{8A1D1596-4A57-BF4A-9747-1500859D37B6}" type="presParOf" srcId="{A452763E-8874-604E-95DC-284B060532A4}" destId="{38349559-4D5F-F14F-83AC-16BEA504F693}" srcOrd="11" destOrd="0" presId="urn:microsoft.com/office/officeart/2005/8/layout/cycle1"/>
+    <dgm:cxn modelId="{6E8E5F72-B658-FA41-815E-209F3D4EF67D}" type="presParOf" srcId="{A452763E-8874-604E-95DC-284B060532A4}" destId="{7E859055-1413-4641-983D-69DD21C4BBEF}" srcOrd="12" destOrd="0" presId="urn:microsoft.com/office/officeart/2005/8/layout/cycle1"/>
+    <dgm:cxn modelId="{BDA1B64C-D767-F54B-9DCE-FDBCD4FA0E49}" type="presParOf" srcId="{A452763E-8874-604E-95DC-284B060532A4}" destId="{77C7656B-7194-1C4E-BBD6-FD12259B3327}" srcOrd="13" destOrd="0" presId="urn:microsoft.com/office/officeart/2005/8/layout/cycle1"/>
+    <dgm:cxn modelId="{211B3ECC-832B-F24B-87B4-DBFAF44097FC}" type="presParOf" srcId="{A452763E-8874-604E-95DC-284B060532A4}" destId="{DCF14260-0C01-2146-B7B9-437AFDBB6130}" srcOrd="14" destOrd="0" presId="urn:microsoft.com/office/officeart/2005/8/layout/cycle1"/>
+    <dgm:cxn modelId="{D391B822-B3E8-4945-9EE0-F5A37ACBD01B}" type="presParOf" srcId="{A452763E-8874-604E-95DC-284B060532A4}" destId="{8CAE0426-1DFF-2B4C-B285-7F6DFC39CAB0}" srcOrd="15" destOrd="0" presId="urn:microsoft.com/office/officeart/2005/8/layout/cycle1"/>
+    <dgm:cxn modelId="{77CE20A6-D344-CC4C-B8B9-726ACAB2FEC3}" type="presParOf" srcId="{A452763E-8874-604E-95DC-284B060532A4}" destId="{AB6408C1-32BC-9A4C-BF6C-DFF9F466A712}" srcOrd="16" destOrd="0" presId="urn:microsoft.com/office/officeart/2005/8/layout/cycle1"/>
+    <dgm:cxn modelId="{585DF1D7-F69B-8544-A2A4-AB00C808CFF5}" type="presParOf" srcId="{A452763E-8874-604E-95DC-284B060532A4}" destId="{CE26F8B0-CDD1-AE4E-9863-9063391C53E3}" srcOrd="17" destOrd="0" presId="urn:microsoft.com/office/officeart/2005/8/layout/cycle1"/>
+  </dgm:cxnLst>
+  <dgm:bg/>
+  <dgm:whole/>
+  <dgm:extLst>
+    <a:ext uri="http://schemas.microsoft.com/office/drawing/2008/diagram">
+      <dsp:dataModelExt xmlns:dsp="http://schemas.microsoft.com/office/drawing/2008/diagram" relId="rId6" minVer="http://schemas.openxmlformats.org/drawingml/2006/diagram"/>
+    </a:ext>
+  </dgm:extLst>
+</dgm:dataModel>
+</file>
+
 <file path=ppt/diagrams/drawing1.xml><?xml version="1.0" encoding="utf-8"?>
+<dsp:drawing xmlns:dgm="http://schemas.openxmlformats.org/drawingml/2006/diagram" xmlns:dsp="http://schemas.microsoft.com/office/drawing/2008/diagram" xmlns:a="http://schemas.openxmlformats.org/drawingml/2006/main">
+  <dsp:spTree>
+    <dsp:nvGrpSpPr>
+      <dsp:cNvPr id="0" name=""/>
+      <dsp:cNvGrpSpPr/>
+    </dsp:nvGrpSpPr>
+    <dsp:grpSpPr/>
+    <dsp:sp modelId="{14940865-2C34-E540-B8F4-5B5481B8F75E}">
+      <dsp:nvSpPr>
+        <dsp:cNvPr id="0" name=""/>
+        <dsp:cNvSpPr/>
+      </dsp:nvSpPr>
+      <dsp:spPr>
+        <a:xfrm>
+          <a:off x="648427" y="61272"/>
+          <a:ext cx="193529" cy="193529"/>
+        </a:xfrm>
+        <a:prstGeom prst="rect">
+          <a:avLst/>
+        </a:prstGeom>
+        <a:noFill/>
+        <a:ln>
+          <a:noFill/>
+        </a:ln>
+        <a:effectLst/>
+      </dsp:spPr>
+      <dsp:style>
+        <a:lnRef idx="0">
+          <a:scrgbClr r="0" g="0" b="0"/>
+        </a:lnRef>
+        <a:fillRef idx="0">
+          <a:scrgbClr r="0" g="0" b="0"/>
+        </a:fillRef>
+        <a:effectRef idx="0">
+          <a:scrgbClr r="0" g="0" b="0"/>
+        </a:effectRef>
+        <a:fontRef idx="minor"/>
+      </dsp:style>
+      <dsp:txBody>
+        <a:bodyPr spcFirstLastPara="0" vert="horz" wrap="square" lIns="13970" tIns="13970" rIns="13970" bIns="13970" numCol="1" spcCol="1270" anchor="ctr" anchorCtr="0">
+          <a:noAutofit/>
+        </a:bodyPr>
+        <a:lstStyle/>
+        <a:p>
+          <a:pPr marL="0" lvl="0" indent="0" algn="ctr" defTabSz="488950">
+            <a:lnSpc>
+              <a:spcPct val="90000"/>
+            </a:lnSpc>
+            <a:spcBef>
+              <a:spcPct val="0"/>
+            </a:spcBef>
+            <a:spcAft>
+              <a:spcPct val="35000"/>
+            </a:spcAft>
+            <a:buNone/>
+          </a:pPr>
+          <a:r>
+            <a:rPr lang="en-US" sz="1100" kern="1200" dirty="0"/>
+            <a:t> </a:t>
+          </a:r>
+        </a:p>
+      </dsp:txBody>
+      <dsp:txXfrm>
+        <a:off x="648427" y="61272"/>
+        <a:ext cx="193529" cy="193529"/>
+      </dsp:txXfrm>
+    </dsp:sp>
+    <dsp:sp modelId="{934C93EC-4007-4542-80CF-F9C5D725D2D0}">
+      <dsp:nvSpPr>
+        <dsp:cNvPr id="0" name=""/>
+        <dsp:cNvSpPr/>
+      </dsp:nvSpPr>
+      <dsp:spPr>
+        <a:xfrm>
+          <a:off x="56244" y="59271"/>
+          <a:ext cx="945852" cy="945852"/>
+        </a:xfrm>
+        <a:prstGeom prst="circularArrow">
+          <a:avLst>
+            <a:gd name="adj1" fmla="val 3990"/>
+            <a:gd name="adj2" fmla="val 250290"/>
+            <a:gd name="adj3" fmla="val 20573170"/>
+            <a:gd name="adj4" fmla="val 18982995"/>
+            <a:gd name="adj5" fmla="val 4655"/>
+          </a:avLst>
+        </a:prstGeom>
+        <a:solidFill>
+          <a:schemeClr val="lt1">
+            <a:hueOff val="0"/>
+            <a:satOff val="0"/>
+            <a:lumOff val="0"/>
+            <a:alphaOff val="0"/>
+          </a:schemeClr>
+        </a:solidFill>
+        <a:ln w="12700" cap="flat" cmpd="sng" algn="ctr">
+          <a:solidFill>
+            <a:schemeClr val="dk2">
+              <a:shade val="80000"/>
+              <a:hueOff val="0"/>
+              <a:satOff val="0"/>
+              <a:lumOff val="0"/>
+              <a:alphaOff val="0"/>
+            </a:schemeClr>
+          </a:solidFill>
+          <a:prstDash val="solid"/>
+          <a:miter lim="800000"/>
+        </a:ln>
+        <a:effectLst/>
+      </dsp:spPr>
+      <dsp:style>
+        <a:lnRef idx="2">
+          <a:scrgbClr r="0" g="0" b="0"/>
+        </a:lnRef>
+        <a:fillRef idx="1">
+          <a:scrgbClr r="0" g="0" b="0"/>
+        </a:fillRef>
+        <a:effectRef idx="0">
+          <a:scrgbClr r="0" g="0" b="0"/>
+        </a:effectRef>
+        <a:fontRef idx="minor">
+          <a:schemeClr val="lt1"/>
+        </a:fontRef>
+      </dsp:style>
+    </dsp:sp>
+    <dsp:sp modelId="{A39626CD-FAE4-394A-99A2-E2CB171F5C8C}">
+      <dsp:nvSpPr>
+        <dsp:cNvPr id="0" name=""/>
+        <dsp:cNvSpPr/>
+      </dsp:nvSpPr>
+      <dsp:spPr>
+        <a:xfrm>
+          <a:off x="864448" y="435433"/>
+          <a:ext cx="193529" cy="193529"/>
+        </a:xfrm>
+        <a:prstGeom prst="rect">
+          <a:avLst/>
+        </a:prstGeom>
+        <a:noFill/>
+        <a:ln>
+          <a:noFill/>
+        </a:ln>
+        <a:effectLst/>
+      </dsp:spPr>
+      <dsp:style>
+        <a:lnRef idx="0">
+          <a:scrgbClr r="0" g="0" b="0"/>
+        </a:lnRef>
+        <a:fillRef idx="0">
+          <a:scrgbClr r="0" g="0" b="0"/>
+        </a:fillRef>
+        <a:effectRef idx="0">
+          <a:scrgbClr r="0" g="0" b="0"/>
+        </a:effectRef>
+        <a:fontRef idx="minor"/>
+      </dsp:style>
+      <dsp:txBody>
+        <a:bodyPr spcFirstLastPara="0" vert="horz" wrap="square" lIns="13970" tIns="13970" rIns="13970" bIns="13970" numCol="1" spcCol="1270" anchor="ctr" anchorCtr="0">
+          <a:noAutofit/>
+        </a:bodyPr>
+        <a:lstStyle/>
+        <a:p>
+          <a:pPr marL="0" lvl="0" indent="0" algn="ctr" defTabSz="488950">
+            <a:lnSpc>
+              <a:spcPct val="90000"/>
+            </a:lnSpc>
+            <a:spcBef>
+              <a:spcPct val="0"/>
+            </a:spcBef>
+            <a:spcAft>
+              <a:spcPct val="35000"/>
+            </a:spcAft>
+            <a:buNone/>
+          </a:pPr>
+          <a:r>
+            <a:rPr lang="en-US" sz="1100" kern="1200" dirty="0"/>
+            <a:t> </a:t>
+          </a:r>
+        </a:p>
+      </dsp:txBody>
+      <dsp:txXfrm>
+        <a:off x="864448" y="435433"/>
+        <a:ext cx="193529" cy="193529"/>
+      </dsp:txXfrm>
+    </dsp:sp>
+    <dsp:sp modelId="{C706A535-B6D0-CF45-A865-317E40362A8F}">
+      <dsp:nvSpPr>
+        <dsp:cNvPr id="0" name=""/>
+        <dsp:cNvSpPr/>
+      </dsp:nvSpPr>
+      <dsp:spPr>
+        <a:xfrm>
+          <a:off x="56244" y="59271"/>
+          <a:ext cx="945852" cy="945852"/>
+        </a:xfrm>
+        <a:prstGeom prst="circularArrow">
+          <a:avLst>
+            <a:gd name="adj1" fmla="val 3990"/>
+            <a:gd name="adj2" fmla="val 250290"/>
+            <a:gd name="adj3" fmla="val 2366715"/>
+            <a:gd name="adj4" fmla="val 776540"/>
+            <a:gd name="adj5" fmla="val 4655"/>
+          </a:avLst>
+        </a:prstGeom>
+        <a:solidFill>
+          <a:schemeClr val="lt1">
+            <a:hueOff val="0"/>
+            <a:satOff val="0"/>
+            <a:lumOff val="0"/>
+            <a:alphaOff val="0"/>
+          </a:schemeClr>
+        </a:solidFill>
+        <a:ln w="12700" cap="flat" cmpd="sng" algn="ctr">
+          <a:solidFill>
+            <a:schemeClr val="dk2">
+              <a:shade val="80000"/>
+              <a:hueOff val="0"/>
+              <a:satOff val="0"/>
+              <a:lumOff val="0"/>
+              <a:alphaOff val="0"/>
+            </a:schemeClr>
+          </a:solidFill>
+          <a:prstDash val="solid"/>
+          <a:miter lim="800000"/>
+        </a:ln>
+        <a:effectLst/>
+      </dsp:spPr>
+      <dsp:style>
+        <a:lnRef idx="2">
+          <a:scrgbClr r="0" g="0" b="0"/>
+        </a:lnRef>
+        <a:fillRef idx="1">
+          <a:scrgbClr r="0" g="0" b="0"/>
+        </a:fillRef>
+        <a:effectRef idx="0">
+          <a:scrgbClr r="0" g="0" b="0"/>
+        </a:effectRef>
+        <a:fontRef idx="minor">
+          <a:schemeClr val="lt1"/>
+        </a:fontRef>
+      </dsp:style>
+    </dsp:sp>
+    <dsp:sp modelId="{7732C34B-403D-6B43-8A7D-ECE41D8BB032}">
+      <dsp:nvSpPr>
+        <dsp:cNvPr id="0" name=""/>
+        <dsp:cNvSpPr/>
+      </dsp:nvSpPr>
+      <dsp:spPr>
+        <a:xfrm>
+          <a:off x="648427" y="809593"/>
+          <a:ext cx="193529" cy="193529"/>
+        </a:xfrm>
+        <a:prstGeom prst="rect">
+          <a:avLst/>
+        </a:prstGeom>
+        <a:noFill/>
+        <a:ln>
+          <a:noFill/>
+        </a:ln>
+        <a:effectLst/>
+      </dsp:spPr>
+      <dsp:style>
+        <a:lnRef idx="0">
+          <a:scrgbClr r="0" g="0" b="0"/>
+        </a:lnRef>
+        <a:fillRef idx="0">
+          <a:scrgbClr r="0" g="0" b="0"/>
+        </a:fillRef>
+        <a:effectRef idx="0">
+          <a:scrgbClr r="0" g="0" b="0"/>
+        </a:effectRef>
+        <a:fontRef idx="minor"/>
+      </dsp:style>
+      <dsp:txBody>
+        <a:bodyPr spcFirstLastPara="0" vert="horz" wrap="square" lIns="13970" tIns="13970" rIns="13970" bIns="13970" numCol="1" spcCol="1270" anchor="ctr" anchorCtr="0">
+          <a:noAutofit/>
+        </a:bodyPr>
+        <a:lstStyle/>
+        <a:p>
+          <a:pPr marL="0" lvl="0" indent="0" algn="ctr" defTabSz="488950">
+            <a:lnSpc>
+              <a:spcPct val="90000"/>
+            </a:lnSpc>
+            <a:spcBef>
+              <a:spcPct val="0"/>
+            </a:spcBef>
+            <a:spcAft>
+              <a:spcPct val="35000"/>
+            </a:spcAft>
+            <a:buNone/>
+          </a:pPr>
+          <a:r>
+            <a:rPr lang="en-US" sz="1100" kern="1200" dirty="0"/>
+            <a:t> </a:t>
+          </a:r>
+        </a:p>
+      </dsp:txBody>
+      <dsp:txXfrm>
+        <a:off x="648427" y="809593"/>
+        <a:ext cx="193529" cy="193529"/>
+      </dsp:txXfrm>
+    </dsp:sp>
+    <dsp:sp modelId="{89C95E3D-E56F-6142-9266-3C93460C8B8D}">
+      <dsp:nvSpPr>
+        <dsp:cNvPr id="0" name=""/>
+        <dsp:cNvSpPr/>
+      </dsp:nvSpPr>
+      <dsp:spPr>
+        <a:xfrm>
+          <a:off x="56244" y="59271"/>
+          <a:ext cx="945852" cy="945852"/>
+        </a:xfrm>
+        <a:prstGeom prst="circularArrow">
+          <a:avLst>
+            <a:gd name="adj1" fmla="val 3990"/>
+            <a:gd name="adj2" fmla="val 250290"/>
+            <a:gd name="adj3" fmla="val 6111114"/>
+            <a:gd name="adj4" fmla="val 4438596"/>
+            <a:gd name="adj5" fmla="val 4655"/>
+          </a:avLst>
+        </a:prstGeom>
+        <a:solidFill>
+          <a:schemeClr val="lt1">
+            <a:hueOff val="0"/>
+            <a:satOff val="0"/>
+            <a:lumOff val="0"/>
+            <a:alphaOff val="0"/>
+          </a:schemeClr>
+        </a:solidFill>
+        <a:ln w="12700" cap="flat" cmpd="sng" algn="ctr">
+          <a:solidFill>
+            <a:schemeClr val="dk2">
+              <a:shade val="80000"/>
+              <a:hueOff val="0"/>
+              <a:satOff val="0"/>
+              <a:lumOff val="0"/>
+              <a:alphaOff val="0"/>
+            </a:schemeClr>
+          </a:solidFill>
+          <a:prstDash val="solid"/>
+          <a:miter lim="800000"/>
+        </a:ln>
+        <a:effectLst/>
+      </dsp:spPr>
+      <dsp:style>
+        <a:lnRef idx="2">
+          <a:scrgbClr r="0" g="0" b="0"/>
+        </a:lnRef>
+        <a:fillRef idx="1">
+          <a:scrgbClr r="0" g="0" b="0"/>
+        </a:fillRef>
+        <a:effectRef idx="0">
+          <a:scrgbClr r="0" g="0" b="0"/>
+        </a:effectRef>
+        <a:fontRef idx="minor">
+          <a:schemeClr val="lt1"/>
+        </a:fontRef>
+      </dsp:style>
+    </dsp:sp>
+    <dsp:sp modelId="{BCFD3CAF-6867-0244-9512-C5610CC81065}">
+      <dsp:nvSpPr>
+        <dsp:cNvPr id="0" name=""/>
+        <dsp:cNvSpPr/>
+      </dsp:nvSpPr>
+      <dsp:spPr>
+        <a:xfrm>
+          <a:off x="216384" y="809593"/>
+          <a:ext cx="193529" cy="193529"/>
+        </a:xfrm>
+        <a:prstGeom prst="rect">
+          <a:avLst/>
+        </a:prstGeom>
+        <a:noFill/>
+        <a:ln>
+          <a:noFill/>
+        </a:ln>
+        <a:effectLst/>
+      </dsp:spPr>
+      <dsp:style>
+        <a:lnRef idx="0">
+          <a:scrgbClr r="0" g="0" b="0"/>
+        </a:lnRef>
+        <a:fillRef idx="0">
+          <a:scrgbClr r="0" g="0" b="0"/>
+        </a:fillRef>
+        <a:effectRef idx="0">
+          <a:scrgbClr r="0" g="0" b="0"/>
+        </a:effectRef>
+        <a:fontRef idx="minor"/>
+      </dsp:style>
+      <dsp:txBody>
+        <a:bodyPr spcFirstLastPara="0" vert="horz" wrap="square" lIns="13970" tIns="13970" rIns="13970" bIns="13970" numCol="1" spcCol="1270" anchor="ctr" anchorCtr="0">
+          <a:noAutofit/>
+        </a:bodyPr>
+        <a:lstStyle/>
+        <a:p>
+          <a:pPr marL="0" lvl="0" indent="0" algn="ctr" defTabSz="488950">
+            <a:lnSpc>
+              <a:spcPct val="90000"/>
+            </a:lnSpc>
+            <a:spcBef>
+              <a:spcPct val="0"/>
+            </a:spcBef>
+            <a:spcAft>
+              <a:spcPct val="35000"/>
+            </a:spcAft>
+            <a:buNone/>
+          </a:pPr>
+          <a:r>
+            <a:rPr lang="en-US" sz="1100" kern="1200" dirty="0"/>
+            <a:t> </a:t>
+          </a:r>
+        </a:p>
+      </dsp:txBody>
+      <dsp:txXfrm>
+        <a:off x="216384" y="809593"/>
+        <a:ext cx="193529" cy="193529"/>
+      </dsp:txXfrm>
+    </dsp:sp>
+    <dsp:sp modelId="{38349559-4D5F-F14F-83AC-16BEA504F693}">
+      <dsp:nvSpPr>
+        <dsp:cNvPr id="0" name=""/>
+        <dsp:cNvSpPr/>
+      </dsp:nvSpPr>
+      <dsp:spPr>
+        <a:xfrm>
+          <a:off x="56244" y="59271"/>
+          <a:ext cx="945852" cy="945852"/>
+        </a:xfrm>
+        <a:prstGeom prst="circularArrow">
+          <a:avLst>
+            <a:gd name="adj1" fmla="val 3990"/>
+            <a:gd name="adj2" fmla="val 250290"/>
+            <a:gd name="adj3" fmla="val 9773170"/>
+            <a:gd name="adj4" fmla="val 8182995"/>
+            <a:gd name="adj5" fmla="val 4655"/>
+          </a:avLst>
+        </a:prstGeom>
+        <a:solidFill>
+          <a:schemeClr val="lt1">
+            <a:hueOff val="0"/>
+            <a:satOff val="0"/>
+            <a:lumOff val="0"/>
+            <a:alphaOff val="0"/>
+          </a:schemeClr>
+        </a:solidFill>
+        <a:ln w="12700" cap="flat" cmpd="sng" algn="ctr">
+          <a:solidFill>
+            <a:schemeClr val="dk2">
+              <a:shade val="80000"/>
+              <a:hueOff val="0"/>
+              <a:satOff val="0"/>
+              <a:lumOff val="0"/>
+              <a:alphaOff val="0"/>
+            </a:schemeClr>
+          </a:solidFill>
+          <a:prstDash val="solid"/>
+          <a:miter lim="800000"/>
+        </a:ln>
+        <a:effectLst/>
+      </dsp:spPr>
+      <dsp:style>
+        <a:lnRef idx="2">
+          <a:scrgbClr r="0" g="0" b="0"/>
+        </a:lnRef>
+        <a:fillRef idx="1">
+          <a:scrgbClr r="0" g="0" b="0"/>
+        </a:fillRef>
+        <a:effectRef idx="0">
+          <a:scrgbClr r="0" g="0" b="0"/>
+        </a:effectRef>
+        <a:fontRef idx="minor">
+          <a:schemeClr val="lt1"/>
+        </a:fontRef>
+      </dsp:style>
+    </dsp:sp>
+    <dsp:sp modelId="{77C7656B-7194-1C4E-BBD6-FD12259B3327}">
+      <dsp:nvSpPr>
+        <dsp:cNvPr id="0" name=""/>
+        <dsp:cNvSpPr/>
+      </dsp:nvSpPr>
+      <dsp:spPr>
+        <a:xfrm>
+          <a:off x="362" y="435433"/>
+          <a:ext cx="193529" cy="193529"/>
+        </a:xfrm>
+        <a:prstGeom prst="rect">
+          <a:avLst/>
+        </a:prstGeom>
+        <a:noFill/>
+        <a:ln>
+          <a:noFill/>
+        </a:ln>
+        <a:effectLst/>
+      </dsp:spPr>
+      <dsp:style>
+        <a:lnRef idx="0">
+          <a:scrgbClr r="0" g="0" b="0"/>
+        </a:lnRef>
+        <a:fillRef idx="0">
+          <a:scrgbClr r="0" g="0" b="0"/>
+        </a:fillRef>
+        <a:effectRef idx="0">
+          <a:scrgbClr r="0" g="0" b="0"/>
+        </a:effectRef>
+        <a:fontRef idx="minor"/>
+      </dsp:style>
+      <dsp:txBody>
+        <a:bodyPr spcFirstLastPara="0" vert="horz" wrap="square" lIns="13970" tIns="13970" rIns="13970" bIns="13970" numCol="1" spcCol="1270" anchor="ctr" anchorCtr="0">
+          <a:noAutofit/>
+        </a:bodyPr>
+        <a:lstStyle/>
+        <a:p>
+          <a:pPr marL="0" lvl="0" indent="0" algn="ctr" defTabSz="488950">
+            <a:lnSpc>
+              <a:spcPct val="90000"/>
+            </a:lnSpc>
+            <a:spcBef>
+              <a:spcPct val="0"/>
+            </a:spcBef>
+            <a:spcAft>
+              <a:spcPct val="35000"/>
+            </a:spcAft>
+            <a:buNone/>
+          </a:pPr>
+          <a:r>
+            <a:rPr lang="en-US" sz="1100" kern="1200" dirty="0"/>
+            <a:t> </a:t>
+          </a:r>
+        </a:p>
+      </dsp:txBody>
+      <dsp:txXfrm>
+        <a:off x="362" y="435433"/>
+        <a:ext cx="193529" cy="193529"/>
+      </dsp:txXfrm>
+    </dsp:sp>
+    <dsp:sp modelId="{DCF14260-0C01-2146-B7B9-437AFDBB6130}">
+      <dsp:nvSpPr>
+        <dsp:cNvPr id="0" name=""/>
+        <dsp:cNvSpPr/>
+      </dsp:nvSpPr>
+      <dsp:spPr>
+        <a:xfrm>
+          <a:off x="56244" y="59271"/>
+          <a:ext cx="945852" cy="945852"/>
+        </a:xfrm>
+        <a:prstGeom prst="circularArrow">
+          <a:avLst>
+            <a:gd name="adj1" fmla="val 3990"/>
+            <a:gd name="adj2" fmla="val 250290"/>
+            <a:gd name="adj3" fmla="val 13166715"/>
+            <a:gd name="adj4" fmla="val 11576540"/>
+            <a:gd name="adj5" fmla="val 4655"/>
+          </a:avLst>
+        </a:prstGeom>
+        <a:solidFill>
+          <a:schemeClr val="lt1">
+            <a:hueOff val="0"/>
+            <a:satOff val="0"/>
+            <a:lumOff val="0"/>
+            <a:alphaOff val="0"/>
+          </a:schemeClr>
+        </a:solidFill>
+        <a:ln w="12700" cap="flat" cmpd="sng" algn="ctr">
+          <a:solidFill>
+            <a:schemeClr val="dk2">
+              <a:shade val="80000"/>
+              <a:hueOff val="0"/>
+              <a:satOff val="0"/>
+              <a:lumOff val="0"/>
+              <a:alphaOff val="0"/>
+            </a:schemeClr>
+          </a:solidFill>
+          <a:prstDash val="solid"/>
+          <a:miter lim="800000"/>
+        </a:ln>
+        <a:effectLst/>
+      </dsp:spPr>
+      <dsp:style>
+        <a:lnRef idx="2">
+          <a:scrgbClr r="0" g="0" b="0"/>
+        </a:lnRef>
+        <a:fillRef idx="1">
+          <a:scrgbClr r="0" g="0" b="0"/>
+        </a:fillRef>
+        <a:effectRef idx="0">
+          <a:scrgbClr r="0" g="0" b="0"/>
+        </a:effectRef>
+        <a:fontRef idx="minor">
+          <a:schemeClr val="lt1"/>
+        </a:fontRef>
+      </dsp:style>
+    </dsp:sp>
+    <dsp:sp modelId="{AB6408C1-32BC-9A4C-BF6C-DFF9F466A712}">
+      <dsp:nvSpPr>
+        <dsp:cNvPr id="0" name=""/>
+        <dsp:cNvSpPr/>
+      </dsp:nvSpPr>
+      <dsp:spPr>
+        <a:xfrm>
+          <a:off x="216384" y="61272"/>
+          <a:ext cx="193529" cy="193529"/>
+        </a:xfrm>
+        <a:prstGeom prst="rect">
+          <a:avLst/>
+        </a:prstGeom>
+        <a:noFill/>
+        <a:ln>
+          <a:noFill/>
+        </a:ln>
+        <a:effectLst/>
+      </dsp:spPr>
+      <dsp:style>
+        <a:lnRef idx="0">
+          <a:scrgbClr r="0" g="0" b="0"/>
+        </a:lnRef>
+        <a:fillRef idx="0">
+          <a:scrgbClr r="0" g="0" b="0"/>
+        </a:fillRef>
+        <a:effectRef idx="0">
+          <a:scrgbClr r="0" g="0" b="0"/>
+        </a:effectRef>
+        <a:fontRef idx="minor"/>
+      </dsp:style>
+      <dsp:txBody>
+        <a:bodyPr spcFirstLastPara="0" vert="horz" wrap="square" lIns="13970" tIns="13970" rIns="13970" bIns="13970" numCol="1" spcCol="1270" anchor="ctr" anchorCtr="0">
+          <a:noAutofit/>
+        </a:bodyPr>
+        <a:lstStyle/>
+        <a:p>
+          <a:pPr marL="0" lvl="0" indent="0" algn="ctr" defTabSz="488950">
+            <a:lnSpc>
+              <a:spcPct val="90000"/>
+            </a:lnSpc>
+            <a:spcBef>
+              <a:spcPct val="0"/>
+            </a:spcBef>
+            <a:spcAft>
+              <a:spcPct val="35000"/>
+            </a:spcAft>
+            <a:buNone/>
+          </a:pPr>
+          <a:endParaRPr lang="en-US" sz="1100" kern="1200"/>
+        </a:p>
+      </dsp:txBody>
+      <dsp:txXfrm>
+        <a:off x="216384" y="61272"/>
+        <a:ext cx="193529" cy="193529"/>
+      </dsp:txXfrm>
+    </dsp:sp>
+    <dsp:sp modelId="{CE26F8B0-CDD1-AE4E-9863-9063391C53E3}">
+      <dsp:nvSpPr>
+        <dsp:cNvPr id="0" name=""/>
+        <dsp:cNvSpPr/>
+      </dsp:nvSpPr>
+      <dsp:spPr>
+        <a:xfrm>
+          <a:off x="56244" y="59271"/>
+          <a:ext cx="945852" cy="945852"/>
+        </a:xfrm>
+        <a:prstGeom prst="circularArrow">
+          <a:avLst>
+            <a:gd name="adj1" fmla="val 3990"/>
+            <a:gd name="adj2" fmla="val 250290"/>
+            <a:gd name="adj3" fmla="val 16911114"/>
+            <a:gd name="adj4" fmla="val 15238596"/>
+            <a:gd name="adj5" fmla="val 4655"/>
+          </a:avLst>
+        </a:prstGeom>
+        <a:solidFill>
+          <a:schemeClr val="lt1">
+            <a:hueOff val="0"/>
+            <a:satOff val="0"/>
+            <a:lumOff val="0"/>
+            <a:alphaOff val="0"/>
+          </a:schemeClr>
+        </a:solidFill>
+        <a:ln w="12700" cap="flat" cmpd="sng" algn="ctr">
+          <a:solidFill>
+            <a:schemeClr val="dk2">
+              <a:shade val="80000"/>
+              <a:hueOff val="0"/>
+              <a:satOff val="0"/>
+              <a:lumOff val="0"/>
+              <a:alphaOff val="0"/>
+            </a:schemeClr>
+          </a:solidFill>
+          <a:prstDash val="solid"/>
+          <a:miter lim="800000"/>
+        </a:ln>
+        <a:effectLst/>
+      </dsp:spPr>
+      <dsp:style>
+        <a:lnRef idx="2">
+          <a:scrgbClr r="0" g="0" b="0"/>
+        </a:lnRef>
+        <a:fillRef idx="1">
+          <a:scrgbClr r="0" g="0" b="0"/>
+        </a:fillRef>
+        <a:effectRef idx="0">
+          <a:scrgbClr r="0" g="0" b="0"/>
+        </a:effectRef>
+        <a:fontRef idx="minor">
+          <a:schemeClr val="lt1"/>
+        </a:fontRef>
+      </dsp:style>
+    </dsp:sp>
+  </dsp:spTree>
+</dsp:drawing>
+</file>
+
+<file path=ppt/diagrams/drawing2.xml><?xml version="1.0" encoding="utf-8"?>
 <dsp:drawing xmlns:dgm="http://schemas.openxmlformats.org/drawingml/2006/diagram" xmlns:dsp="http://schemas.microsoft.com/office/drawing/2008/diagram" xmlns:a="http://schemas.openxmlformats.org/drawingml/2006/main">
   <dsp:spTree>
     <dsp:nvGrpSpPr>
@@ -2238,7 +4138,1239 @@
 </dgm:layoutDef>
 </file>
 
+<file path=ppt/diagrams/layout2.xml><?xml version="1.0" encoding="utf-8"?>
+<dgm:layoutDef xmlns:dgm="http://schemas.openxmlformats.org/drawingml/2006/diagram" xmlns:a="http://schemas.openxmlformats.org/drawingml/2006/main" uniqueId="urn:microsoft.com/office/officeart/2005/8/layout/cycle1">
+  <dgm:title val=""/>
+  <dgm:desc val=""/>
+  <dgm:catLst>
+    <dgm:cat type="cycle" pri="2000"/>
+  </dgm:catLst>
+  <dgm:sampData>
+    <dgm:dataModel>
+      <dgm:ptLst>
+        <dgm:pt modelId="0" type="doc"/>
+        <dgm:pt modelId="1">
+          <dgm:prSet phldr="1"/>
+        </dgm:pt>
+        <dgm:pt modelId="2">
+          <dgm:prSet phldr="1"/>
+        </dgm:pt>
+        <dgm:pt modelId="3">
+          <dgm:prSet phldr="1"/>
+        </dgm:pt>
+        <dgm:pt modelId="4">
+          <dgm:prSet phldr="1"/>
+        </dgm:pt>
+        <dgm:pt modelId="5">
+          <dgm:prSet phldr="1"/>
+        </dgm:pt>
+      </dgm:ptLst>
+      <dgm:cxnLst>
+        <dgm:cxn modelId="6" srcId="0" destId="1" srcOrd="0" destOrd="0"/>
+        <dgm:cxn modelId="7" srcId="0" destId="2" srcOrd="1" destOrd="0"/>
+        <dgm:cxn modelId="8" srcId="0" destId="3" srcOrd="2" destOrd="0"/>
+        <dgm:cxn modelId="9" srcId="0" destId="4" srcOrd="3" destOrd="0"/>
+        <dgm:cxn modelId="10" srcId="0" destId="5" srcOrd="4" destOrd="0"/>
+      </dgm:cxnLst>
+      <dgm:bg/>
+      <dgm:whole/>
+    </dgm:dataModel>
+  </dgm:sampData>
+  <dgm:styleData>
+    <dgm:dataModel>
+      <dgm:ptLst>
+        <dgm:pt modelId="0" type="doc"/>
+        <dgm:pt modelId="1"/>
+        <dgm:pt modelId="2"/>
+        <dgm:pt modelId="3"/>
+      </dgm:ptLst>
+      <dgm:cxnLst>
+        <dgm:cxn modelId="4" srcId="0" destId="1" srcOrd="0" destOrd="0"/>
+        <dgm:cxn modelId="5" srcId="0" destId="2" srcOrd="1" destOrd="0"/>
+        <dgm:cxn modelId="6" srcId="0" destId="3" srcOrd="2" destOrd="0"/>
+      </dgm:cxnLst>
+      <dgm:bg/>
+      <dgm:whole/>
+    </dgm:dataModel>
+  </dgm:styleData>
+  <dgm:clrData>
+    <dgm:dataModel>
+      <dgm:ptLst>
+        <dgm:pt modelId="0" type="doc"/>
+        <dgm:pt modelId="1"/>
+        <dgm:pt modelId="2"/>
+        <dgm:pt modelId="3"/>
+        <dgm:pt modelId="4"/>
+        <dgm:pt modelId="5"/>
+        <dgm:pt modelId="6"/>
+      </dgm:ptLst>
+      <dgm:cxnLst>
+        <dgm:cxn modelId="7" srcId="0" destId="1" srcOrd="0" destOrd="0"/>
+        <dgm:cxn modelId="8" srcId="0" destId="2" srcOrd="1" destOrd="0"/>
+        <dgm:cxn modelId="9" srcId="0" destId="3" srcOrd="2" destOrd="0"/>
+        <dgm:cxn modelId="10" srcId="0" destId="4" srcOrd="3" destOrd="0"/>
+        <dgm:cxn modelId="11" srcId="0" destId="5" srcOrd="4" destOrd="0"/>
+        <dgm:cxn modelId="12" srcId="0" destId="6" srcOrd="5" destOrd="0"/>
+      </dgm:cxnLst>
+      <dgm:bg/>
+      <dgm:whole/>
+    </dgm:dataModel>
+  </dgm:clrData>
+  <dgm:layoutNode name="cycle">
+    <dgm:varLst>
+      <dgm:dir/>
+      <dgm:resizeHandles val="exact"/>
+    </dgm:varLst>
+    <dgm:choose name="Name0">
+      <dgm:if name="Name1" func="var" arg="dir" op="equ" val="norm">
+        <dgm:alg type="cycle">
+          <dgm:param type="stAng" val="0"/>
+          <dgm:param type="spanAng" val="360"/>
+        </dgm:alg>
+      </dgm:if>
+      <dgm:else name="Name2">
+        <dgm:alg type="cycle">
+          <dgm:param type="stAng" val="0"/>
+          <dgm:param type="spanAng" val="-360"/>
+        </dgm:alg>
+      </dgm:else>
+    </dgm:choose>
+    <dgm:shape xmlns:r="http://schemas.openxmlformats.org/officeDocument/2006/relationships" r:blip="">
+      <dgm:adjLst/>
+    </dgm:shape>
+    <dgm:presOf/>
+    <dgm:choose name="Name3">
+      <dgm:if name="Name4" func="var" arg="dir" op="equ" val="norm">
+        <dgm:constrLst>
+          <dgm:constr type="diam" val="1"/>
+          <dgm:constr type="w" for="ch" forName="node" refType="w"/>
+          <dgm:constr type="w" for="ch" ptType="sibTrans" refType="w" refFor="ch" refForName="node" fact="0.5"/>
+          <dgm:constr type="h" for="ch" ptType="sibTrans" op="equ"/>
+          <dgm:constr type="diam" for="ch" ptType="sibTrans" refType="diam" op="equ"/>
+          <dgm:constr type="sibSp" refType="w" refFor="ch" refForName="node" fact="0.15"/>
+          <dgm:constr type="w" for="ch" forName="dummy" refType="sibSp" fact="2.8"/>
+          <dgm:constr type="primFontSz" for="ch" forName="node" op="equ" val="65"/>
+        </dgm:constrLst>
+      </dgm:if>
+      <dgm:else name="Name5">
+        <dgm:constrLst>
+          <dgm:constr type="diam" val="1"/>
+          <dgm:constr type="w" for="ch" forName="node" refType="w"/>
+          <dgm:constr type="w" for="ch" ptType="sibTrans" refType="w" refFor="ch" refForName="node" fact="0.5"/>
+          <dgm:constr type="h" for="ch" ptType="sibTrans" op="equ"/>
+          <dgm:constr type="diam" for="ch" ptType="sibTrans" refType="diam" op="equ" fact="-1"/>
+          <dgm:constr type="sibSp" refType="w" refFor="ch" refForName="node" fact="0.15"/>
+          <dgm:constr type="w" for="ch" forName="dummy" refType="sibSp" fact="2.8"/>
+          <dgm:constr type="primFontSz" for="ch" forName="node" op="equ" val="65"/>
+        </dgm:constrLst>
+      </dgm:else>
+    </dgm:choose>
+    <dgm:ruleLst>
+      <dgm:rule type="diam" val="INF" fact="NaN" max="NaN"/>
+    </dgm:ruleLst>
+    <dgm:forEach name="nodesForEach" axis="ch" ptType="node">
+      <dgm:choose name="Name6">
+        <dgm:if name="Name7" axis="par ch" ptType="doc node" func="cnt" op="gt" val="1">
+          <dgm:layoutNode name="dummy">
+            <dgm:alg type="sp"/>
+            <dgm:shape xmlns:r="http://schemas.openxmlformats.org/officeDocument/2006/relationships" r:blip="">
+              <dgm:adjLst/>
+            </dgm:shape>
+            <dgm:presOf/>
+            <dgm:constrLst>
+              <dgm:constr type="h" refType="w"/>
+            </dgm:constrLst>
+            <dgm:ruleLst/>
+          </dgm:layoutNode>
+        </dgm:if>
+        <dgm:else name="Name8"/>
+      </dgm:choose>
+      <dgm:layoutNode name="node" styleLbl="revTx">
+        <dgm:varLst>
+          <dgm:bulletEnabled val="1"/>
+        </dgm:varLst>
+        <dgm:alg type="tx">
+          <dgm:param type="txAnchorVertCh" val="mid"/>
+        </dgm:alg>
+        <dgm:shape xmlns:r="http://schemas.openxmlformats.org/officeDocument/2006/relationships" type="rect" r:blip="">
+          <dgm:adjLst/>
+        </dgm:shape>
+        <dgm:presOf axis="desOrSelf" ptType="node"/>
+        <dgm:constrLst>
+          <dgm:constr type="h" refType="w"/>
+          <dgm:constr type="lMarg" refType="primFontSz" fact="0.1"/>
+          <dgm:constr type="rMarg" refType="primFontSz" fact="0.1"/>
+          <dgm:constr type="tMarg" refType="primFontSz" fact="0.1"/>
+          <dgm:constr type="bMarg" refType="primFontSz" fact="0.1"/>
+        </dgm:constrLst>
+        <dgm:ruleLst>
+          <dgm:rule type="primFontSz" val="5" fact="NaN" max="NaN"/>
+        </dgm:ruleLst>
+      </dgm:layoutNode>
+      <dgm:choose name="Name9">
+        <dgm:if name="Name10" axis="par ch" ptType="doc node" func="cnt" op="gt" val="1">
+          <dgm:forEach name="Name11" axis="followSib" ptType="sibTrans" hideLastTrans="0" cnt="1">
+            <dgm:layoutNode name="sibTrans" styleLbl="node1">
+              <dgm:alg type="conn">
+                <dgm:param type="connRout" val="curve"/>
+                <dgm:param type="begPts" val="radial"/>
+                <dgm:param type="endPts" val="radial"/>
+              </dgm:alg>
+              <dgm:shape xmlns:r="http://schemas.openxmlformats.org/officeDocument/2006/relationships" type="conn" r:blip="">
+                <dgm:adjLst/>
+              </dgm:shape>
+              <dgm:presOf axis="self"/>
+              <dgm:constrLst>
+                <dgm:constr type="h" refType="w" fact="0.65"/>
+                <dgm:constr type="begPad"/>
+                <dgm:constr type="endPad"/>
+              </dgm:constrLst>
+              <dgm:ruleLst/>
+            </dgm:layoutNode>
+          </dgm:forEach>
+        </dgm:if>
+        <dgm:else name="Name12"/>
+      </dgm:choose>
+    </dgm:forEach>
+  </dgm:layoutNode>
+</dgm:layoutDef>
+</file>
+
 <file path=ppt/diagrams/quickStyle1.xml><?xml version="1.0" encoding="utf-8"?>
+<dgm:styleDef xmlns:dgm="http://schemas.openxmlformats.org/drawingml/2006/diagram" xmlns:a="http://schemas.openxmlformats.org/drawingml/2006/main" uniqueId="urn:microsoft.com/office/officeart/2005/8/quickstyle/simple1">
+  <dgm:title val=""/>
+  <dgm:desc val=""/>
+  <dgm:catLst>
+    <dgm:cat type="simple" pri="10100"/>
+  </dgm:catLst>
+  <dgm:scene3d>
+    <a:camera prst="orthographicFront"/>
+    <a:lightRig rig="threePt" dir="t"/>
+  </dgm:scene3d>
+  <dgm:styleLbl name="node0">
+    <dgm:scene3d>
+      <a:camera prst="orthographicFront"/>
+      <a:lightRig rig="threePt" dir="t"/>
+    </dgm:scene3d>
+    <dgm:sp3d/>
+    <dgm:txPr/>
+    <dgm:style>
+      <a:lnRef idx="2">
+        <a:scrgbClr r="0" g="0" b="0"/>
+      </a:lnRef>
+      <a:fillRef idx="1">
+        <a:scrgbClr r="0" g="0" b="0"/>
+      </a:fillRef>
+      <a:effectRef idx="0">
+        <a:scrgbClr r="0" g="0" b="0"/>
+      </a:effectRef>
+      <a:fontRef idx="minor">
+        <a:schemeClr val="lt1"/>
+      </a:fontRef>
+    </dgm:style>
+  </dgm:styleLbl>
+  <dgm:styleLbl name="lnNode1">
+    <dgm:scene3d>
+      <a:camera prst="orthographicFront"/>
+      <a:lightRig rig="threePt" dir="t"/>
+    </dgm:scene3d>
+    <dgm:sp3d/>
+    <dgm:txPr/>
+    <dgm:style>
+      <a:lnRef idx="2">
+        <a:scrgbClr r="0" g="0" b="0"/>
+      </a:lnRef>
+      <a:fillRef idx="1">
+        <a:scrgbClr r="0" g="0" b="0"/>
+      </a:fillRef>
+      <a:effectRef idx="0">
+        <a:scrgbClr r="0" g="0" b="0"/>
+      </a:effectRef>
+      <a:fontRef idx="minor">
+        <a:schemeClr val="lt1"/>
+      </a:fontRef>
+    </dgm:style>
+  </dgm:styleLbl>
+  <dgm:styleLbl name="vennNode1">
+    <dgm:scene3d>
+      <a:camera prst="orthographicFront"/>
+      <a:lightRig rig="threePt" dir="t"/>
+    </dgm:scene3d>
+    <dgm:sp3d/>
+    <dgm:txPr/>
+    <dgm:style>
+      <a:lnRef idx="2">
+        <a:scrgbClr r="0" g="0" b="0"/>
+      </a:lnRef>
+      <a:fillRef idx="1">
+        <a:scrgbClr r="0" g="0" b="0"/>
+      </a:fillRef>
+      <a:effectRef idx="0">
+        <a:scrgbClr r="0" g="0" b="0"/>
+      </a:effectRef>
+      <a:fontRef idx="minor">
+        <a:schemeClr val="tx1"/>
+      </a:fontRef>
+    </dgm:style>
+  </dgm:styleLbl>
+  <dgm:styleLbl name="alignNode1">
+    <dgm:scene3d>
+      <a:camera prst="orthographicFront"/>
+      <a:lightRig rig="threePt" dir="t"/>
+    </dgm:scene3d>
+    <dgm:sp3d/>
+    <dgm:txPr/>
+    <dgm:style>
+      <a:lnRef idx="2">
+        <a:scrgbClr r="0" g="0" b="0"/>
+      </a:lnRef>
+      <a:fillRef idx="1">
+        <a:scrgbClr r="0" g="0" b="0"/>
+      </a:fillRef>
+      <a:effectRef idx="0">
+        <a:scrgbClr r="0" g="0" b="0"/>
+      </a:effectRef>
+      <a:fontRef idx="minor">
+        <a:schemeClr val="lt1"/>
+      </a:fontRef>
+    </dgm:style>
+  </dgm:styleLbl>
+  <dgm:styleLbl name="node1">
+    <dgm:scene3d>
+      <a:camera prst="orthographicFront"/>
+      <a:lightRig rig="threePt" dir="t"/>
+    </dgm:scene3d>
+    <dgm:sp3d/>
+    <dgm:txPr/>
+    <dgm:style>
+      <a:lnRef idx="2">
+        <a:scrgbClr r="0" g="0" b="0"/>
+      </a:lnRef>
+      <a:fillRef idx="1">
+        <a:scrgbClr r="0" g="0" b="0"/>
+      </a:fillRef>
+      <a:effectRef idx="0">
+        <a:scrgbClr r="0" g="0" b="0"/>
+      </a:effectRef>
+      <a:fontRef idx="minor">
+        <a:schemeClr val="lt1"/>
+      </a:fontRef>
+    </dgm:style>
+  </dgm:styleLbl>
+  <dgm:styleLbl name="node2">
+    <dgm:scene3d>
+      <a:camera prst="orthographicFront"/>
+      <a:lightRig rig="threePt" dir="t"/>
+    </dgm:scene3d>
+    <dgm:sp3d/>
+    <dgm:txPr/>
+    <dgm:style>
+      <a:lnRef idx="2">
+        <a:scrgbClr r="0" g="0" b="0"/>
+      </a:lnRef>
+      <a:fillRef idx="1">
+        <a:scrgbClr r="0" g="0" b="0"/>
+      </a:fillRef>
+      <a:effectRef idx="0">
+        <a:scrgbClr r="0" g="0" b="0"/>
+      </a:effectRef>
+      <a:fontRef idx="minor">
+        <a:schemeClr val="lt1"/>
+      </a:fontRef>
+    </dgm:style>
+  </dgm:styleLbl>
+  <dgm:styleLbl name="node3">
+    <dgm:scene3d>
+      <a:camera prst="orthographicFront"/>
+      <a:lightRig rig="threePt" dir="t"/>
+    </dgm:scene3d>
+    <dgm:sp3d/>
+    <dgm:txPr/>
+    <dgm:style>
+      <a:lnRef idx="2">
+        <a:scrgbClr r="0" g="0" b="0"/>
+      </a:lnRef>
+      <a:fillRef idx="1">
+        <a:scrgbClr r="0" g="0" b="0"/>
+      </a:fillRef>
+      <a:effectRef idx="0">
+        <a:scrgbClr r="0" g="0" b="0"/>
+      </a:effectRef>
+      <a:fontRef idx="minor">
+        <a:schemeClr val="lt1"/>
+      </a:fontRef>
+    </dgm:style>
+  </dgm:styleLbl>
+  <dgm:styleLbl name="node4">
+    <dgm:scene3d>
+      <a:camera prst="orthographicFront"/>
+      <a:lightRig rig="threePt" dir="t"/>
+    </dgm:scene3d>
+    <dgm:sp3d/>
+    <dgm:txPr/>
+    <dgm:style>
+      <a:lnRef idx="2">
+        <a:scrgbClr r="0" g="0" b="0"/>
+      </a:lnRef>
+      <a:fillRef idx="1">
+        <a:scrgbClr r="0" g="0" b="0"/>
+      </a:fillRef>
+      <a:effectRef idx="0">
+        <a:scrgbClr r="0" g="0" b="0"/>
+      </a:effectRef>
+      <a:fontRef idx="minor">
+        <a:schemeClr val="lt1"/>
+      </a:fontRef>
+    </dgm:style>
+  </dgm:styleLbl>
+  <dgm:styleLbl name="fgImgPlace1">
+    <dgm:scene3d>
+      <a:camera prst="orthographicFront"/>
+      <a:lightRig rig="threePt" dir="t"/>
+    </dgm:scene3d>
+    <dgm:sp3d/>
+    <dgm:txPr/>
+    <dgm:style>
+      <a:lnRef idx="2">
+        <a:scrgbClr r="0" g="0" b="0"/>
+      </a:lnRef>
+      <a:fillRef idx="1">
+        <a:scrgbClr r="0" g="0" b="0"/>
+      </a:fillRef>
+      <a:effectRef idx="0">
+        <a:scrgbClr r="0" g="0" b="0"/>
+      </a:effectRef>
+      <a:fontRef idx="minor"/>
+    </dgm:style>
+  </dgm:styleLbl>
+  <dgm:styleLbl name="alignImgPlace1">
+    <dgm:scene3d>
+      <a:camera prst="orthographicFront"/>
+      <a:lightRig rig="threePt" dir="t"/>
+    </dgm:scene3d>
+    <dgm:sp3d/>
+    <dgm:txPr/>
+    <dgm:style>
+      <a:lnRef idx="2">
+        <a:scrgbClr r="0" g="0" b="0"/>
+      </a:lnRef>
+      <a:fillRef idx="1">
+        <a:scrgbClr r="0" g="0" b="0"/>
+      </a:fillRef>
+      <a:effectRef idx="0">
+        <a:scrgbClr r="0" g="0" b="0"/>
+      </a:effectRef>
+      <a:fontRef idx="minor"/>
+    </dgm:style>
+  </dgm:styleLbl>
+  <dgm:styleLbl name="bgImgPlace1">
+    <dgm:scene3d>
+      <a:camera prst="orthographicFront"/>
+      <a:lightRig rig="threePt" dir="t"/>
+    </dgm:scene3d>
+    <dgm:sp3d/>
+    <dgm:txPr/>
+    <dgm:style>
+      <a:lnRef idx="2">
+        <a:scrgbClr r="0" g="0" b="0"/>
+      </a:lnRef>
+      <a:fillRef idx="1">
+        <a:scrgbClr r="0" g="0" b="0"/>
+      </a:fillRef>
+      <a:effectRef idx="0">
+        <a:scrgbClr r="0" g="0" b="0"/>
+      </a:effectRef>
+      <a:fontRef idx="minor"/>
+    </dgm:style>
+  </dgm:styleLbl>
+  <dgm:styleLbl name="sibTrans2D1">
+    <dgm:scene3d>
+      <a:camera prst="orthographicFront"/>
+      <a:lightRig rig="threePt" dir="t"/>
+    </dgm:scene3d>
+    <dgm:sp3d/>
+    <dgm:txPr/>
+    <dgm:style>
+      <a:lnRef idx="0">
+        <a:scrgbClr r="0" g="0" b="0"/>
+      </a:lnRef>
+      <a:fillRef idx="1">
+        <a:scrgbClr r="0" g="0" b="0"/>
+      </a:fillRef>
+      <a:effectRef idx="0">
+        <a:scrgbClr r="0" g="0" b="0"/>
+      </a:effectRef>
+      <a:fontRef idx="minor">
+        <a:schemeClr val="lt1"/>
+      </a:fontRef>
+    </dgm:style>
+  </dgm:styleLbl>
+  <dgm:styleLbl name="fgSibTrans2D1">
+    <dgm:scene3d>
+      <a:camera prst="orthographicFront"/>
+      <a:lightRig rig="threePt" dir="t"/>
+    </dgm:scene3d>
+    <dgm:sp3d/>
+    <dgm:txPr/>
+    <dgm:style>
+      <a:lnRef idx="0">
+        <a:scrgbClr r="0" g="0" b="0"/>
+      </a:lnRef>
+      <a:fillRef idx="1">
+        <a:scrgbClr r="0" g="0" b="0"/>
+      </a:fillRef>
+      <a:effectRef idx="0">
+        <a:scrgbClr r="0" g="0" b="0"/>
+      </a:effectRef>
+      <a:fontRef idx="minor">
+        <a:schemeClr val="lt1"/>
+      </a:fontRef>
+    </dgm:style>
+  </dgm:styleLbl>
+  <dgm:styleLbl name="bgSibTrans2D1">
+    <dgm:scene3d>
+      <a:camera prst="orthographicFront"/>
+      <a:lightRig rig="threePt" dir="t"/>
+    </dgm:scene3d>
+    <dgm:sp3d/>
+    <dgm:txPr/>
+    <dgm:style>
+      <a:lnRef idx="0">
+        <a:scrgbClr r="0" g="0" b="0"/>
+      </a:lnRef>
+      <a:fillRef idx="1">
+        <a:scrgbClr r="0" g="0" b="0"/>
+      </a:fillRef>
+      <a:effectRef idx="0">
+        <a:scrgbClr r="0" g="0" b="0"/>
+      </a:effectRef>
+      <a:fontRef idx="minor">
+        <a:schemeClr val="lt1"/>
+      </a:fontRef>
+    </dgm:style>
+  </dgm:styleLbl>
+  <dgm:styleLbl name="sibTrans1D1">
+    <dgm:scene3d>
+      <a:camera prst="orthographicFront"/>
+      <a:lightRig rig="threePt" dir="t"/>
+    </dgm:scene3d>
+    <dgm:sp3d/>
+    <dgm:txPr/>
+    <dgm:style>
+      <a:lnRef idx="1">
+        <a:scrgbClr r="0" g="0" b="0"/>
+      </a:lnRef>
+      <a:fillRef idx="0">
+        <a:scrgbClr r="0" g="0" b="0"/>
+      </a:fillRef>
+      <a:effectRef idx="0">
+        <a:scrgbClr r="0" g="0" b="0"/>
+      </a:effectRef>
+      <a:fontRef idx="minor"/>
+    </dgm:style>
+  </dgm:styleLbl>
+  <dgm:styleLbl name="callout">
+    <dgm:scene3d>
+      <a:camera prst="orthographicFront"/>
+      <a:lightRig rig="threePt" dir="t"/>
+    </dgm:scene3d>
+    <dgm:sp3d/>
+    <dgm:txPr/>
+    <dgm:style>
+      <a:lnRef idx="2">
+        <a:scrgbClr r="0" g="0" b="0"/>
+      </a:lnRef>
+      <a:fillRef idx="1">
+        <a:scrgbClr r="0" g="0" b="0"/>
+      </a:fillRef>
+      <a:effectRef idx="0">
+        <a:scrgbClr r="0" g="0" b="0"/>
+      </a:effectRef>
+      <a:fontRef idx="minor"/>
+    </dgm:style>
+  </dgm:styleLbl>
+  <dgm:styleLbl name="asst0">
+    <dgm:scene3d>
+      <a:camera prst="orthographicFront"/>
+      <a:lightRig rig="threePt" dir="t"/>
+    </dgm:scene3d>
+    <dgm:sp3d/>
+    <dgm:txPr/>
+    <dgm:style>
+      <a:lnRef idx="2">
+        <a:scrgbClr r="0" g="0" b="0"/>
+      </a:lnRef>
+      <a:fillRef idx="1">
+        <a:scrgbClr r="0" g="0" b="0"/>
+      </a:fillRef>
+      <a:effectRef idx="0">
+        <a:scrgbClr r="0" g="0" b="0"/>
+      </a:effectRef>
+      <a:fontRef idx="minor">
+        <a:schemeClr val="lt1"/>
+      </a:fontRef>
+    </dgm:style>
+  </dgm:styleLbl>
+  <dgm:styleLbl name="asst1">
+    <dgm:scene3d>
+      <a:camera prst="orthographicFront"/>
+      <a:lightRig rig="threePt" dir="t"/>
+    </dgm:scene3d>
+    <dgm:sp3d/>
+    <dgm:txPr/>
+    <dgm:style>
+      <a:lnRef idx="2">
+        <a:scrgbClr r="0" g="0" b="0"/>
+      </a:lnRef>
+      <a:fillRef idx="1">
+        <a:scrgbClr r="0" g="0" b="0"/>
+      </a:fillRef>
+      <a:effectRef idx="0">
+        <a:scrgbClr r="0" g="0" b="0"/>
+      </a:effectRef>
+      <a:fontRef idx="minor">
+        <a:schemeClr val="lt1"/>
+      </a:fontRef>
+    </dgm:style>
+  </dgm:styleLbl>
+  <dgm:styleLbl name="asst2">
+    <dgm:scene3d>
+      <a:camera prst="orthographicFront"/>
+      <a:lightRig rig="threePt" dir="t"/>
+    </dgm:scene3d>
+    <dgm:sp3d/>
+    <dgm:txPr/>
+    <dgm:style>
+      <a:lnRef idx="2">
+        <a:scrgbClr r="0" g="0" b="0"/>
+      </a:lnRef>
+      <a:fillRef idx="1">
+        <a:scrgbClr r="0" g="0" b="0"/>
+      </a:fillRef>
+      <a:effectRef idx="0">
+        <a:scrgbClr r="0" g="0" b="0"/>
+      </a:effectRef>
+      <a:fontRef idx="minor">
+        <a:schemeClr val="lt1"/>
+      </a:fontRef>
+    </dgm:style>
+  </dgm:styleLbl>
+  <dgm:styleLbl name="asst3">
+    <dgm:scene3d>
+      <a:camera prst="orthographicFront"/>
+      <a:lightRig rig="threePt" dir="t"/>
+    </dgm:scene3d>
+    <dgm:sp3d/>
+    <dgm:txPr/>
+    <dgm:style>
+      <a:lnRef idx="2">
+        <a:scrgbClr r="0" g="0" b="0"/>
+      </a:lnRef>
+      <a:fillRef idx="1">
+        <a:scrgbClr r="0" g="0" b="0"/>
+      </a:fillRef>
+      <a:effectRef idx="0">
+        <a:scrgbClr r="0" g="0" b="0"/>
+      </a:effectRef>
+      <a:fontRef idx="minor">
+        <a:schemeClr val="lt1"/>
+      </a:fontRef>
+    </dgm:style>
+  </dgm:styleLbl>
+  <dgm:styleLbl name="asst4">
+    <dgm:scene3d>
+      <a:camera prst="orthographicFront"/>
+      <a:lightRig rig="threePt" dir="t"/>
+    </dgm:scene3d>
+    <dgm:sp3d/>
+    <dgm:txPr/>
+    <dgm:style>
+      <a:lnRef idx="2">
+        <a:scrgbClr r="0" g="0" b="0"/>
+      </a:lnRef>
+      <a:fillRef idx="1">
+        <a:scrgbClr r="0" g="0" b="0"/>
+      </a:fillRef>
+      <a:effectRef idx="0">
+        <a:scrgbClr r="0" g="0" b="0"/>
+      </a:effectRef>
+      <a:fontRef idx="minor">
+        <a:schemeClr val="lt1"/>
+      </a:fontRef>
+    </dgm:style>
+  </dgm:styleLbl>
+  <dgm:styleLbl name="parChTrans2D1">
+    <dgm:scene3d>
+      <a:camera prst="orthographicFront"/>
+      <a:lightRig rig="threePt" dir="t"/>
+    </dgm:scene3d>
+    <dgm:sp3d/>
+    <dgm:txPr/>
+    <dgm:style>
+      <a:lnRef idx="2">
+        <a:scrgbClr r="0" g="0" b="0"/>
+      </a:lnRef>
+      <a:fillRef idx="1">
+        <a:scrgbClr r="0" g="0" b="0"/>
+      </a:fillRef>
+      <a:effectRef idx="0">
+        <a:scrgbClr r="0" g="0" b="0"/>
+      </a:effectRef>
+      <a:fontRef idx="minor">
+        <a:schemeClr val="lt1"/>
+      </a:fontRef>
+    </dgm:style>
+  </dgm:styleLbl>
+  <dgm:styleLbl name="parChTrans2D2">
+    <dgm:scene3d>
+      <a:camera prst="orthographicFront"/>
+      <a:lightRig rig="threePt" dir="t"/>
+    </dgm:scene3d>
+    <dgm:sp3d/>
+    <dgm:txPr/>
+    <dgm:style>
+      <a:lnRef idx="2">
+        <a:scrgbClr r="0" g="0" b="0"/>
+      </a:lnRef>
+      <a:fillRef idx="1">
+        <a:scrgbClr r="0" g="0" b="0"/>
+      </a:fillRef>
+      <a:effectRef idx="0">
+        <a:scrgbClr r="0" g="0" b="0"/>
+      </a:effectRef>
+      <a:fontRef idx="minor">
+        <a:schemeClr val="lt1"/>
+      </a:fontRef>
+    </dgm:style>
+  </dgm:styleLbl>
+  <dgm:styleLbl name="parChTrans2D3">
+    <dgm:scene3d>
+      <a:camera prst="orthographicFront"/>
+      <a:lightRig rig="threePt" dir="t"/>
+    </dgm:scene3d>
+    <dgm:sp3d/>
+    <dgm:txPr/>
+    <dgm:style>
+      <a:lnRef idx="2">
+        <a:scrgbClr r="0" g="0" b="0"/>
+      </a:lnRef>
+      <a:fillRef idx="1">
+        <a:scrgbClr r="0" g="0" b="0"/>
+      </a:fillRef>
+      <a:effectRef idx="0">
+        <a:scrgbClr r="0" g="0" b="0"/>
+      </a:effectRef>
+      <a:fontRef idx="minor">
+        <a:schemeClr val="lt1"/>
+      </a:fontRef>
+    </dgm:style>
+  </dgm:styleLbl>
+  <dgm:styleLbl name="parChTrans2D4">
+    <dgm:scene3d>
+      <a:camera prst="orthographicFront"/>
+      <a:lightRig rig="threePt" dir="t"/>
+    </dgm:scene3d>
+    <dgm:sp3d/>
+    <dgm:txPr/>
+    <dgm:style>
+      <a:lnRef idx="2">
+        <a:scrgbClr r="0" g="0" b="0"/>
+      </a:lnRef>
+      <a:fillRef idx="1">
+        <a:scrgbClr r="0" g="0" b="0"/>
+      </a:fillRef>
+      <a:effectRef idx="0">
+        <a:scrgbClr r="0" g="0" b="0"/>
+      </a:effectRef>
+      <a:fontRef idx="minor">
+        <a:schemeClr val="lt1"/>
+      </a:fontRef>
+    </dgm:style>
+  </dgm:styleLbl>
+  <dgm:styleLbl name="parChTrans1D1">
+    <dgm:scene3d>
+      <a:camera prst="orthographicFront"/>
+      <a:lightRig rig="threePt" dir="t"/>
+    </dgm:scene3d>
+    <dgm:sp3d/>
+    <dgm:txPr/>
+    <dgm:style>
+      <a:lnRef idx="2">
+        <a:scrgbClr r="0" g="0" b="0"/>
+      </a:lnRef>
+      <a:fillRef idx="0">
+        <a:scrgbClr r="0" g="0" b="0"/>
+      </a:fillRef>
+      <a:effectRef idx="0">
+        <a:scrgbClr r="0" g="0" b="0"/>
+      </a:effectRef>
+      <a:fontRef idx="minor"/>
+    </dgm:style>
+  </dgm:styleLbl>
+  <dgm:styleLbl name="parChTrans1D2">
+    <dgm:scene3d>
+      <a:camera prst="orthographicFront"/>
+      <a:lightRig rig="threePt" dir="t"/>
+    </dgm:scene3d>
+    <dgm:sp3d/>
+    <dgm:txPr/>
+    <dgm:style>
+      <a:lnRef idx="2">
+        <a:scrgbClr r="0" g="0" b="0"/>
+      </a:lnRef>
+      <a:fillRef idx="0">
+        <a:scrgbClr r="0" g="0" b="0"/>
+      </a:fillRef>
+      <a:effectRef idx="0">
+        <a:scrgbClr r="0" g="0" b="0"/>
+      </a:effectRef>
+      <a:fontRef idx="minor"/>
+    </dgm:style>
+  </dgm:styleLbl>
+  <dgm:styleLbl name="parChTrans1D3">
+    <dgm:scene3d>
+      <a:camera prst="orthographicFront"/>
+      <a:lightRig rig="threePt" dir="t"/>
+    </dgm:scene3d>
+    <dgm:sp3d/>
+    <dgm:txPr/>
+    <dgm:style>
+      <a:lnRef idx="2">
+        <a:scrgbClr r="0" g="0" b="0"/>
+      </a:lnRef>
+      <a:fillRef idx="0">
+        <a:scrgbClr r="0" g="0" b="0"/>
+      </a:fillRef>
+      <a:effectRef idx="0">
+        <a:scrgbClr r="0" g="0" b="0"/>
+      </a:effectRef>
+      <a:fontRef idx="minor"/>
+    </dgm:style>
+  </dgm:styleLbl>
+  <dgm:styleLbl name="parChTrans1D4">
+    <dgm:scene3d>
+      <a:camera prst="orthographicFront"/>
+      <a:lightRig rig="threePt" dir="t"/>
+    </dgm:scene3d>
+    <dgm:sp3d/>
+    <dgm:txPr/>
+    <dgm:style>
+      <a:lnRef idx="2">
+        <a:scrgbClr r="0" g="0" b="0"/>
+      </a:lnRef>
+      <a:fillRef idx="0">
+        <a:scrgbClr r="0" g="0" b="0"/>
+      </a:fillRef>
+      <a:effectRef idx="0">
+        <a:scrgbClr r="0" g="0" b="0"/>
+      </a:effectRef>
+      <a:fontRef idx="minor"/>
+    </dgm:style>
+  </dgm:styleLbl>
+  <dgm:styleLbl name="fgAcc1">
+    <dgm:scene3d>
+      <a:camera prst="orthographicFront"/>
+      <a:lightRig rig="threePt" dir="t"/>
+    </dgm:scene3d>
+    <dgm:sp3d/>
+    <dgm:txPr/>
+    <dgm:style>
+      <a:lnRef idx="2">
+        <a:scrgbClr r="0" g="0" b="0"/>
+      </a:lnRef>
+      <a:fillRef idx="1">
+        <a:scrgbClr r="0" g="0" b="0"/>
+      </a:fillRef>
+      <a:effectRef idx="0">
+        <a:scrgbClr r="0" g="0" b="0"/>
+      </a:effectRef>
+      <a:fontRef idx="minor"/>
+    </dgm:style>
+  </dgm:styleLbl>
+  <dgm:styleLbl name="conFgAcc1">
+    <dgm:scene3d>
+      <a:camera prst="orthographicFront"/>
+      <a:lightRig rig="threePt" dir="t"/>
+    </dgm:scene3d>
+    <dgm:sp3d/>
+    <dgm:txPr/>
+    <dgm:style>
+      <a:lnRef idx="2">
+        <a:scrgbClr r="0" g="0" b="0"/>
+      </a:lnRef>
+      <a:fillRef idx="1">
+        <a:scrgbClr r="0" g="0" b="0"/>
+      </a:fillRef>
+      <a:effectRef idx="0">
+        <a:scrgbClr r="0" g="0" b="0"/>
+      </a:effectRef>
+      <a:fontRef idx="minor"/>
+    </dgm:style>
+  </dgm:styleLbl>
+  <dgm:styleLbl name="alignAcc1">
+    <dgm:scene3d>
+      <a:camera prst="orthographicFront"/>
+      <a:lightRig rig="threePt" dir="t"/>
+    </dgm:scene3d>
+    <dgm:sp3d/>
+    <dgm:txPr/>
+    <dgm:style>
+      <a:lnRef idx="2">
+        <a:scrgbClr r="0" g="0" b="0"/>
+      </a:lnRef>
+      <a:fillRef idx="1">
+        <a:scrgbClr r="0" g="0" b="0"/>
+      </a:fillRef>
+      <a:effectRef idx="0">
+        <a:scrgbClr r="0" g="0" b="0"/>
+      </a:effectRef>
+      <a:fontRef idx="minor"/>
+    </dgm:style>
+  </dgm:styleLbl>
+  <dgm:styleLbl name="trAlignAcc1">
+    <dgm:scene3d>
+      <a:camera prst="orthographicFront"/>
+      <a:lightRig rig="threePt" dir="t"/>
+    </dgm:scene3d>
+    <dgm:sp3d/>
+    <dgm:txPr/>
+    <dgm:style>
+      <a:lnRef idx="1">
+        <a:scrgbClr r="0" g="0" b="0"/>
+      </a:lnRef>
+      <a:fillRef idx="1">
+        <a:scrgbClr r="0" g="0" b="0"/>
+      </a:fillRef>
+      <a:effectRef idx="0">
+        <a:scrgbClr r="0" g="0" b="0"/>
+      </a:effectRef>
+      <a:fontRef idx="minor"/>
+    </dgm:style>
+  </dgm:styleLbl>
+  <dgm:styleLbl name="bgAcc1">
+    <dgm:scene3d>
+      <a:camera prst="orthographicFront"/>
+      <a:lightRig rig="threePt" dir="t"/>
+    </dgm:scene3d>
+    <dgm:sp3d/>
+    <dgm:txPr/>
+    <dgm:style>
+      <a:lnRef idx="2">
+        <a:scrgbClr r="0" g="0" b="0"/>
+      </a:lnRef>
+      <a:fillRef idx="1">
+        <a:scrgbClr r="0" g="0" b="0"/>
+      </a:fillRef>
+      <a:effectRef idx="0">
+        <a:scrgbClr r="0" g="0" b="0"/>
+      </a:effectRef>
+      <a:fontRef idx="minor"/>
+    </dgm:style>
+  </dgm:styleLbl>
+  <dgm:styleLbl name="solidFgAcc1">
+    <dgm:scene3d>
+      <a:camera prst="orthographicFront"/>
+      <a:lightRig rig="threePt" dir="t"/>
+    </dgm:scene3d>
+    <dgm:sp3d/>
+    <dgm:txPr/>
+    <dgm:style>
+      <a:lnRef idx="2">
+        <a:scrgbClr r="0" g="0" b="0"/>
+      </a:lnRef>
+      <a:fillRef idx="1">
+        <a:scrgbClr r="0" g="0" b="0"/>
+      </a:fillRef>
+      <a:effectRef idx="0">
+        <a:scrgbClr r="0" g="0" b="0"/>
+      </a:effectRef>
+      <a:fontRef idx="minor"/>
+    </dgm:style>
+  </dgm:styleLbl>
+  <dgm:styleLbl name="solidAlignAcc1">
+    <dgm:scene3d>
+      <a:camera prst="orthographicFront"/>
+      <a:lightRig rig="threePt" dir="t"/>
+    </dgm:scene3d>
+    <dgm:sp3d/>
+    <dgm:txPr/>
+    <dgm:style>
+      <a:lnRef idx="2">
+        <a:scrgbClr r="0" g="0" b="0"/>
+      </a:lnRef>
+      <a:fillRef idx="1">
+        <a:scrgbClr r="0" g="0" b="0"/>
+      </a:fillRef>
+      <a:effectRef idx="0">
+        <a:scrgbClr r="0" g="0" b="0"/>
+      </a:effectRef>
+      <a:fontRef idx="minor"/>
+    </dgm:style>
+  </dgm:styleLbl>
+  <dgm:styleLbl name="solidBgAcc1">
+    <dgm:scene3d>
+      <a:camera prst="orthographicFront"/>
+      <a:lightRig rig="threePt" dir="t"/>
+    </dgm:scene3d>
+    <dgm:sp3d/>
+    <dgm:txPr/>
+    <dgm:style>
+      <a:lnRef idx="2">
+        <a:scrgbClr r="0" g="0" b="0"/>
+      </a:lnRef>
+      <a:fillRef idx="1">
+        <a:scrgbClr r="0" g="0" b="0"/>
+      </a:fillRef>
+      <a:effectRef idx="0">
+        <a:scrgbClr r="0" g="0" b="0"/>
+      </a:effectRef>
+      <a:fontRef idx="minor"/>
+    </dgm:style>
+  </dgm:styleLbl>
+  <dgm:styleLbl name="fgAccFollowNode1">
+    <dgm:scene3d>
+      <a:camera prst="orthographicFront"/>
+      <a:lightRig rig="threePt" dir="t"/>
+    </dgm:scene3d>
+    <dgm:sp3d/>
+    <dgm:txPr/>
+    <dgm:style>
+      <a:lnRef idx="2">
+        <a:scrgbClr r="0" g="0" b="0"/>
+      </a:lnRef>
+      <a:fillRef idx="1">
+        <a:scrgbClr r="0" g="0" b="0"/>
+      </a:fillRef>
+      <a:effectRef idx="0">
+        <a:scrgbClr r="0" g="0" b="0"/>
+      </a:effectRef>
+      <a:fontRef idx="minor"/>
+    </dgm:style>
+  </dgm:styleLbl>
+  <dgm:styleLbl name="alignAccFollowNode1">
+    <dgm:scene3d>
+      <a:camera prst="orthographicFront"/>
+      <a:lightRig rig="threePt" dir="t"/>
+    </dgm:scene3d>
+    <dgm:sp3d/>
+    <dgm:txPr/>
+    <dgm:style>
+      <a:lnRef idx="2">
+        <a:scrgbClr r="0" g="0" b="0"/>
+      </a:lnRef>
+      <a:fillRef idx="1">
+        <a:scrgbClr r="0" g="0" b="0"/>
+      </a:fillRef>
+      <a:effectRef idx="0">
+        <a:scrgbClr r="0" g="0" b="0"/>
+      </a:effectRef>
+      <a:fontRef idx="minor"/>
+    </dgm:style>
+  </dgm:styleLbl>
+  <dgm:styleLbl name="bgAccFollowNode1">
+    <dgm:scene3d>
+      <a:camera prst="orthographicFront"/>
+      <a:lightRig rig="threePt" dir="t"/>
+    </dgm:scene3d>
+    <dgm:sp3d/>
+    <dgm:txPr/>
+    <dgm:style>
+      <a:lnRef idx="2">
+        <a:scrgbClr r="0" g="0" b="0"/>
+      </a:lnRef>
+      <a:fillRef idx="1">
+        <a:scrgbClr r="0" g="0" b="0"/>
+      </a:fillRef>
+      <a:effectRef idx="0">
+        <a:scrgbClr r="0" g="0" b="0"/>
+      </a:effectRef>
+      <a:fontRef idx="minor"/>
+    </dgm:style>
+  </dgm:styleLbl>
+  <dgm:styleLbl name="fgAcc0">
+    <dgm:scene3d>
+      <a:camera prst="orthographicFront"/>
+      <a:lightRig rig="threePt" dir="t"/>
+    </dgm:scene3d>
+    <dgm:sp3d/>
+    <dgm:txPr/>
+    <dgm:style>
+      <a:lnRef idx="2">
+        <a:scrgbClr r="0" g="0" b="0"/>
+      </a:lnRef>
+      <a:fillRef idx="1">
+        <a:scrgbClr r="0" g="0" b="0"/>
+      </a:fillRef>
+      <a:effectRef idx="0">
+        <a:scrgbClr r="0" g="0" b="0"/>
+      </a:effectRef>
+      <a:fontRef idx="minor"/>
+    </dgm:style>
+  </dgm:styleLbl>
+  <dgm:styleLbl name="fgAcc2">
+    <dgm:scene3d>
+      <a:camera prst="orthographicFront"/>
+      <a:lightRig rig="threePt" dir="t"/>
+    </dgm:scene3d>
+    <dgm:sp3d/>
+    <dgm:txPr/>
+    <dgm:style>
+      <a:lnRef idx="2">
+        <a:scrgbClr r="0" g="0" b="0"/>
+      </a:lnRef>
+      <a:fillRef idx="1">
+        <a:scrgbClr r="0" g="0" b="0"/>
+      </a:fillRef>
+      <a:effectRef idx="0">
+        <a:scrgbClr r="0" g="0" b="0"/>
+      </a:effectRef>
+      <a:fontRef idx="minor"/>
+    </dgm:style>
+  </dgm:styleLbl>
+  <dgm:styleLbl name="fgAcc3">
+    <dgm:scene3d>
+      <a:camera prst="orthographicFront"/>
+      <a:lightRig rig="threePt" dir="t"/>
+    </dgm:scene3d>
+    <dgm:sp3d/>
+    <dgm:txPr/>
+    <dgm:style>
+      <a:lnRef idx="2">
+        <a:scrgbClr r="0" g="0" b="0"/>
+      </a:lnRef>
+      <a:fillRef idx="1">
+        <a:scrgbClr r="0" g="0" b="0"/>
+      </a:fillRef>
+      <a:effectRef idx="0">
+        <a:scrgbClr r="0" g="0" b="0"/>
+      </a:effectRef>
+      <a:fontRef idx="minor"/>
+    </dgm:style>
+  </dgm:styleLbl>
+  <dgm:styleLbl name="fgAcc4">
+    <dgm:scene3d>
+      <a:camera prst="orthographicFront"/>
+      <a:lightRig rig="threePt" dir="t"/>
+    </dgm:scene3d>
+    <dgm:sp3d/>
+    <dgm:txPr/>
+    <dgm:style>
+      <a:lnRef idx="2">
+        <a:scrgbClr r="0" g="0" b="0"/>
+      </a:lnRef>
+      <a:fillRef idx="1">
+        <a:scrgbClr r="0" g="0" b="0"/>
+      </a:fillRef>
+      <a:effectRef idx="0">
+        <a:scrgbClr r="0" g="0" b="0"/>
+      </a:effectRef>
+      <a:fontRef idx="minor"/>
+    </dgm:style>
+  </dgm:styleLbl>
+  <dgm:styleLbl name="bgShp">
+    <dgm:scene3d>
+      <a:camera prst="orthographicFront"/>
+      <a:lightRig rig="threePt" dir="t"/>
+    </dgm:scene3d>
+    <dgm:sp3d/>
+    <dgm:txPr/>
+    <dgm:style>
+      <a:lnRef idx="0">
+        <a:scrgbClr r="0" g="0" b="0"/>
+      </a:lnRef>
+      <a:fillRef idx="1">
+        <a:scrgbClr r="0" g="0" b="0"/>
+      </a:fillRef>
+      <a:effectRef idx="0">
+        <a:scrgbClr r="0" g="0" b="0"/>
+      </a:effectRef>
+      <a:fontRef idx="minor"/>
+    </dgm:style>
+  </dgm:styleLbl>
+  <dgm:styleLbl name="dkBgShp">
+    <dgm:scene3d>
+      <a:camera prst="orthographicFront"/>
+      <a:lightRig rig="threePt" dir="t"/>
+    </dgm:scene3d>
+    <dgm:sp3d/>
+    <dgm:txPr/>
+    <dgm:style>
+      <a:lnRef idx="0">
+        <a:scrgbClr r="0" g="0" b="0"/>
+      </a:lnRef>
+      <a:fillRef idx="1">
+        <a:scrgbClr r="0" g="0" b="0"/>
+      </a:fillRef>
+      <a:effectRef idx="0">
+        <a:scrgbClr r="0" g="0" b="0"/>
+      </a:effectRef>
+      <a:fontRef idx="minor"/>
+    </dgm:style>
+  </dgm:styleLbl>
+  <dgm:styleLbl name="trBgShp">
+    <dgm:scene3d>
+      <a:camera prst="orthographicFront"/>
+      <a:lightRig rig="threePt" dir="t"/>
+    </dgm:scene3d>
+    <dgm:sp3d/>
+    <dgm:txPr/>
+    <dgm:style>
+      <a:lnRef idx="0">
+        <a:scrgbClr r="0" g="0" b="0"/>
+      </a:lnRef>
+      <a:fillRef idx="1">
+        <a:scrgbClr r="0" g="0" b="0"/>
+      </a:fillRef>
+      <a:effectRef idx="0">
+        <a:scrgbClr r="0" g="0" b="0"/>
+      </a:effectRef>
+      <a:fontRef idx="minor"/>
+    </dgm:style>
+  </dgm:styleLbl>
+  <dgm:styleLbl name="fgShp">
+    <dgm:scene3d>
+      <a:camera prst="orthographicFront"/>
+      <a:lightRig rig="threePt" dir="t"/>
+    </dgm:scene3d>
+    <dgm:sp3d/>
+    <dgm:txPr/>
+    <dgm:style>
+      <a:lnRef idx="2">
+        <a:scrgbClr r="0" g="0" b="0"/>
+      </a:lnRef>
+      <a:fillRef idx="1">
+        <a:scrgbClr r="0" g="0" b="0"/>
+      </a:fillRef>
+      <a:effectRef idx="0">
+        <a:scrgbClr r="0" g="0" b="0"/>
+      </a:effectRef>
+      <a:fontRef idx="minor"/>
+    </dgm:style>
+  </dgm:styleLbl>
+  <dgm:styleLbl name="revTx">
+    <dgm:scene3d>
+      <a:camera prst="orthographicFront"/>
+      <a:lightRig rig="threePt" dir="t"/>
+    </dgm:scene3d>
+    <dgm:sp3d/>
+    <dgm:txPr/>
+    <dgm:style>
+      <a:lnRef idx="0">
+        <a:scrgbClr r="0" g="0" b="0"/>
+      </a:lnRef>
+      <a:fillRef idx="0">
+        <a:scrgbClr r="0" g="0" b="0"/>
+      </a:fillRef>
+      <a:effectRef idx="0">
+        <a:scrgbClr r="0" g="0" b="0"/>
+      </a:effectRef>
+      <a:fontRef idx="minor"/>
+    </dgm:style>
+  </dgm:styleLbl>
+</dgm:styleDef>
+</file>
+
+<file path=ppt/diagrams/quickStyle2.xml><?xml version="1.0" encoding="utf-8"?>
 <dgm:styleDef xmlns:dgm="http://schemas.openxmlformats.org/drawingml/2006/diagram" xmlns:a="http://schemas.openxmlformats.org/drawingml/2006/main" uniqueId="urn:microsoft.com/office/officeart/2005/8/quickstyle/simple1">
   <dgm:title val=""/>
   <dgm:desc val=""/>
@@ -3354,7 +6486,7 @@
           <a:p>
             <a:fld id="{1F6016E2-DE12-334C-8C04-EFBA018766FA}" type="datetimeFigureOut">
               <a:rPr lang="en-US" smtClean="0"/>
-              <a:t>8/20/20</a:t>
+              <a:t>8/23/20</a:t>
             </a:fld>
             <a:endParaRPr lang="en-US"/>
           </a:p>
@@ -3619,6 +6751,181 @@
     </a:lvl9pPr>
   </p:notesStyle>
 </p:notesMaster>
+</file>
+
+<file path=ppt/notesSlides/notesSlide1.xml><?xml version="1.0" encoding="utf-8"?>
+<p:notes xmlns:a="http://schemas.openxmlformats.org/drawingml/2006/main" xmlns:r="http://schemas.openxmlformats.org/officeDocument/2006/relationships" xmlns:p="http://schemas.openxmlformats.org/presentationml/2006/main">
+  <p:cSld>
+    <p:spTree>
+      <p:nvGrpSpPr>
+        <p:cNvPr id="1" name=""/>
+        <p:cNvGrpSpPr/>
+        <p:nvPr/>
+      </p:nvGrpSpPr>
+      <p:grpSpPr>
+        <a:xfrm>
+          <a:off x="0" y="0"/>
+          <a:ext cx="0" cy="0"/>
+          <a:chOff x="0" y="0"/>
+          <a:chExt cx="0" cy="0"/>
+        </a:xfrm>
+      </p:grpSpPr>
+      <p:sp>
+        <p:nvSpPr>
+          <p:cNvPr id="2" name="Slide Image Placeholder 1"/>
+          <p:cNvSpPr>
+            <a:spLocks noGrp="1" noRot="1" noChangeAspect="1"/>
+          </p:cNvSpPr>
+          <p:nvPr>
+            <p:ph type="sldImg"/>
+          </p:nvPr>
+        </p:nvSpPr>
+        <p:spPr/>
+      </p:sp>
+      <p:sp>
+        <p:nvSpPr>
+          <p:cNvPr id="3" name="Notes Placeholder 2"/>
+          <p:cNvSpPr>
+            <a:spLocks noGrp="1"/>
+          </p:cNvSpPr>
+          <p:nvPr>
+            <p:ph type="body" idx="1"/>
+          </p:nvPr>
+        </p:nvSpPr>
+        <p:spPr/>
+        <p:txBody>
+          <a:bodyPr/>
+          <a:lstStyle/>
+          <a:p>
+            <a:r>
+              <a:rPr lang="en-US" dirty="0">
+                <a:solidFill>
+                  <a:srgbClr val="FF0000"/>
+                </a:solidFill>
+              </a:rPr>
+              <a:t>Recheck plots</a:t>
+            </a:r>
+          </a:p>
+        </p:txBody>
+      </p:sp>
+      <p:sp>
+        <p:nvSpPr>
+          <p:cNvPr id="4" name="Slide Number Placeholder 3"/>
+          <p:cNvSpPr>
+            <a:spLocks noGrp="1"/>
+          </p:cNvSpPr>
+          <p:nvPr>
+            <p:ph type="sldNum" sz="quarter" idx="5"/>
+          </p:nvPr>
+        </p:nvSpPr>
+        <p:spPr/>
+        <p:txBody>
+          <a:bodyPr/>
+          <a:lstStyle/>
+          <a:p>
+            <a:fld id="{E664AA93-6F0D-5A4C-B7F1-05D840C85487}" type="slidenum">
+              <a:rPr lang="en-US" smtClean="0"/>
+              <a:t>10</a:t>
+            </a:fld>
+            <a:endParaRPr lang="en-US"/>
+          </a:p>
+        </p:txBody>
+      </p:sp>
+    </p:spTree>
+    <p:extLst>
+      <p:ext uri="{BB962C8B-B14F-4D97-AF65-F5344CB8AC3E}">
+        <p14:creationId xmlns:p14="http://schemas.microsoft.com/office/powerpoint/2010/main" val="1608150766"/>
+      </p:ext>
+    </p:extLst>
+  </p:cSld>
+  <p:clrMapOvr>
+    <a:masterClrMapping/>
+  </p:clrMapOvr>
+</p:notes>
+</file>
+
+<file path=ppt/notesSlides/notesSlide2.xml><?xml version="1.0" encoding="utf-8"?>
+<p:notes xmlns:a="http://schemas.openxmlformats.org/drawingml/2006/main" xmlns:r="http://schemas.openxmlformats.org/officeDocument/2006/relationships" xmlns:p="http://schemas.openxmlformats.org/presentationml/2006/main">
+  <p:cSld>
+    <p:spTree>
+      <p:nvGrpSpPr>
+        <p:cNvPr id="1" name=""/>
+        <p:cNvGrpSpPr/>
+        <p:nvPr/>
+      </p:nvGrpSpPr>
+      <p:grpSpPr>
+        <a:xfrm>
+          <a:off x="0" y="0"/>
+          <a:ext cx="0" cy="0"/>
+          <a:chOff x="0" y="0"/>
+          <a:chExt cx="0" cy="0"/>
+        </a:xfrm>
+      </p:grpSpPr>
+      <p:sp>
+        <p:nvSpPr>
+          <p:cNvPr id="2" name="Slide Image Placeholder 1"/>
+          <p:cNvSpPr>
+            <a:spLocks noGrp="1" noRot="1" noChangeAspect="1"/>
+          </p:cNvSpPr>
+          <p:nvPr>
+            <p:ph type="sldImg"/>
+          </p:nvPr>
+        </p:nvSpPr>
+        <p:spPr/>
+      </p:sp>
+      <p:sp>
+        <p:nvSpPr>
+          <p:cNvPr id="3" name="Notes Placeholder 2"/>
+          <p:cNvSpPr>
+            <a:spLocks noGrp="1"/>
+          </p:cNvSpPr>
+          <p:nvPr>
+            <p:ph type="body" idx="1"/>
+          </p:nvPr>
+        </p:nvSpPr>
+        <p:spPr/>
+        <p:txBody>
+          <a:bodyPr/>
+          <a:lstStyle/>
+          <a:p>
+            <a:endParaRPr lang="en-US" dirty="0"/>
+          </a:p>
+        </p:txBody>
+      </p:sp>
+      <p:sp>
+        <p:nvSpPr>
+          <p:cNvPr id="4" name="Slide Number Placeholder 3"/>
+          <p:cNvSpPr>
+            <a:spLocks noGrp="1"/>
+          </p:cNvSpPr>
+          <p:nvPr>
+            <p:ph type="sldNum" sz="quarter" idx="5"/>
+          </p:nvPr>
+        </p:nvSpPr>
+        <p:spPr/>
+        <p:txBody>
+          <a:bodyPr/>
+          <a:lstStyle/>
+          <a:p>
+            <a:fld id="{E664AA93-6F0D-5A4C-B7F1-05D840C85487}" type="slidenum">
+              <a:rPr lang="en-US" smtClean="0"/>
+              <a:t>14</a:t>
+            </a:fld>
+            <a:endParaRPr lang="en-US"/>
+          </a:p>
+        </p:txBody>
+      </p:sp>
+    </p:spTree>
+    <p:extLst>
+      <p:ext uri="{BB962C8B-B14F-4D97-AF65-F5344CB8AC3E}">
+        <p14:creationId xmlns:p14="http://schemas.microsoft.com/office/powerpoint/2010/main" val="537170807"/>
+      </p:ext>
+    </p:extLst>
+  </p:cSld>
+  <p:clrMapOvr>
+    <a:masterClrMapping/>
+  </p:clrMapOvr>
+</p:notes>
 </file>
 
 <file path=ppt/slideLayouts/slideLayout1.xml><?xml version="1.0" encoding="utf-8"?>
@@ -7360,7 +10667,7 @@
           <p:nvPr/>
         </p:nvPicPr>
         <p:blipFill>
-          <a:blip r:embed="rId2"/>
+          <a:blip r:embed="rId3"/>
           <a:stretch>
             <a:fillRect/>
           </a:stretch>
@@ -7390,7 +10697,7 @@
           <p:nvPr/>
         </p:nvPicPr>
         <p:blipFill>
-          <a:blip r:embed="rId3"/>
+          <a:blip r:embed="rId4"/>
           <a:stretch>
             <a:fillRect/>
           </a:stretch>
@@ -8522,96 +11829,6 @@
           </a:p>
         </p:txBody>
       </p:sp>
-      <p:pic>
-        <p:nvPicPr>
-          <p:cNvPr id="6" name="Picture 5" descr="A close up of text on a white background&#10;&#10;Description automatically generated">
-            <a:extLst>
-              <a:ext uri="{FF2B5EF4-FFF2-40B4-BE49-F238E27FC236}">
-                <a16:creationId xmlns:a16="http://schemas.microsoft.com/office/drawing/2014/main" id="{9460AF07-25AB-C94B-ADA7-90739F8FDF30}"/>
-              </a:ext>
-            </a:extLst>
-          </p:cNvPr>
-          <p:cNvPicPr>
-            <a:picLocks noChangeAspect="1"/>
-          </p:cNvPicPr>
-          <p:nvPr/>
-        </p:nvPicPr>
-        <p:blipFill>
-          <a:blip r:embed="rId2"/>
-          <a:stretch>
-            <a:fillRect/>
-          </a:stretch>
-        </p:blipFill>
-        <p:spPr>
-          <a:xfrm>
-            <a:off x="9951638" y="2483977"/>
-            <a:ext cx="2240362" cy="2288715"/>
-          </a:xfrm>
-          <a:prstGeom prst="rect">
-            <a:avLst/>
-          </a:prstGeom>
-        </p:spPr>
-      </p:pic>
-      <p:pic>
-        <p:nvPicPr>
-          <p:cNvPr id="7" name="Picture 6" descr="A screenshot of a cell phone&#10;&#10;Description automatically generated">
-            <a:extLst>
-              <a:ext uri="{FF2B5EF4-FFF2-40B4-BE49-F238E27FC236}">
-                <a16:creationId xmlns:a16="http://schemas.microsoft.com/office/drawing/2014/main" id="{5611C6A8-C399-764C-96E1-3A10064610FD}"/>
-              </a:ext>
-            </a:extLst>
-          </p:cNvPr>
-          <p:cNvPicPr>
-            <a:picLocks noChangeAspect="1"/>
-          </p:cNvPicPr>
-          <p:nvPr/>
-        </p:nvPicPr>
-        <p:blipFill>
-          <a:blip r:embed="rId3"/>
-          <a:stretch>
-            <a:fillRect/>
-          </a:stretch>
-        </p:blipFill>
-        <p:spPr>
-          <a:xfrm>
-            <a:off x="442379" y="1799535"/>
-            <a:ext cx="4702629" cy="3657600"/>
-          </a:xfrm>
-          <a:prstGeom prst="rect">
-            <a:avLst/>
-          </a:prstGeom>
-        </p:spPr>
-      </p:pic>
-      <p:pic>
-        <p:nvPicPr>
-          <p:cNvPr id="8" name="Picture 7" descr="A close up of a map&#10;&#10;Description automatically generated">
-            <a:extLst>
-              <a:ext uri="{FF2B5EF4-FFF2-40B4-BE49-F238E27FC236}">
-                <a16:creationId xmlns:a16="http://schemas.microsoft.com/office/drawing/2014/main" id="{6680EE3A-BE6A-CD49-BB18-BBAF2D5765CA}"/>
-              </a:ext>
-            </a:extLst>
-          </p:cNvPr>
-          <p:cNvPicPr>
-            <a:picLocks noChangeAspect="1"/>
-          </p:cNvPicPr>
-          <p:nvPr/>
-        </p:nvPicPr>
-        <p:blipFill>
-          <a:blip r:embed="rId4"/>
-          <a:stretch>
-            <a:fillRect/>
-          </a:stretch>
-        </p:blipFill>
-        <p:spPr>
-          <a:xfrm>
-            <a:off x="5145008" y="1799535"/>
-            <a:ext cx="4702629" cy="3657600"/>
-          </a:xfrm>
-          <a:prstGeom prst="rect">
-            <a:avLst/>
-          </a:prstGeom>
-        </p:spPr>
-      </p:pic>
       <p:sp>
         <p:nvSpPr>
           <p:cNvPr id="9" name="TextBox 8">
@@ -8673,65 +11890,116 @@
           </a:p>
         </p:txBody>
       </p:sp>
-      <p:pic>
-        <p:nvPicPr>
-          <p:cNvPr id="11" name="Picture 10" descr="A picture containing drawing&#10;&#10;Description automatically generated">
+      <p:grpSp>
+        <p:nvGrpSpPr>
+          <p:cNvPr id="15" name="Group 14">
             <a:extLst>
               <a:ext uri="{FF2B5EF4-FFF2-40B4-BE49-F238E27FC236}">
-                <a16:creationId xmlns:a16="http://schemas.microsoft.com/office/drawing/2014/main" id="{E62A807D-CE73-584E-B84C-93DDBC1A4149}"/>
+                <a16:creationId xmlns:a16="http://schemas.microsoft.com/office/drawing/2014/main" id="{69D164AC-D85F-5C4F-BE97-75112BBB9345}"/>
               </a:ext>
             </a:extLst>
           </p:cNvPr>
-          <p:cNvPicPr>
-            <a:picLocks noChangeAspect="1"/>
-          </p:cNvPicPr>
+          <p:cNvGrpSpPr/>
           <p:nvPr/>
-        </p:nvPicPr>
-        <p:blipFill rotWithShape="1">
-          <a:blip r:embed="rId5"/>
-          <a:srcRect l="48213" r="6998" b="4488"/>
-          <a:stretch/>
-        </p:blipFill>
-        <p:spPr>
+        </p:nvGrpSpPr>
+        <p:grpSpPr>
           <a:xfrm>
-            <a:off x="9999952" y="1994583"/>
-            <a:ext cx="294393" cy="858960"/>
+            <a:off x="9951638" y="1994583"/>
+            <a:ext cx="2240362" cy="2778109"/>
+            <a:chOff x="9951638" y="1994583"/>
+            <a:chExt cx="2240362" cy="2778109"/>
           </a:xfrm>
-          <a:prstGeom prst="rect">
-            <a:avLst/>
-          </a:prstGeom>
-        </p:spPr>
-      </p:pic>
-      <p:pic>
-        <p:nvPicPr>
-          <p:cNvPr id="18" name="Picture 17" descr="A picture containing food, drawing&#10;&#10;Description automatically generated">
-            <a:extLst>
-              <a:ext uri="{FF2B5EF4-FFF2-40B4-BE49-F238E27FC236}">
-                <a16:creationId xmlns:a16="http://schemas.microsoft.com/office/drawing/2014/main" id="{D03D202C-FFA4-0248-A28B-1434468D76D7}"/>
-              </a:ext>
-            </a:extLst>
-          </p:cNvPr>
-          <p:cNvPicPr>
-            <a:picLocks noChangeAspect="1"/>
-          </p:cNvPicPr>
-          <p:nvPr/>
-        </p:nvPicPr>
-        <p:blipFill>
-          <a:blip r:embed="rId6"/>
-          <a:stretch>
-            <a:fillRect/>
-          </a:stretch>
-        </p:blipFill>
-        <p:spPr>
-          <a:xfrm rot="18661440">
-            <a:off x="10372712" y="2660711"/>
-            <a:ext cx="209544" cy="231482"/>
-          </a:xfrm>
-          <a:prstGeom prst="rect">
-            <a:avLst/>
-          </a:prstGeom>
-        </p:spPr>
-      </p:pic>
+        </p:grpSpPr>
+        <p:pic>
+          <p:nvPicPr>
+            <p:cNvPr id="6" name="Picture 5" descr="A close up of text on a white background&#10;&#10;Description automatically generated">
+              <a:extLst>
+                <a:ext uri="{FF2B5EF4-FFF2-40B4-BE49-F238E27FC236}">
+                  <a16:creationId xmlns:a16="http://schemas.microsoft.com/office/drawing/2014/main" id="{9460AF07-25AB-C94B-ADA7-90739F8FDF30}"/>
+                </a:ext>
+              </a:extLst>
+            </p:cNvPr>
+            <p:cNvPicPr>
+              <a:picLocks noChangeAspect="1"/>
+            </p:cNvPicPr>
+            <p:nvPr/>
+          </p:nvPicPr>
+          <p:blipFill>
+            <a:blip r:embed="rId2"/>
+            <a:stretch>
+              <a:fillRect/>
+            </a:stretch>
+          </p:blipFill>
+          <p:spPr>
+            <a:xfrm>
+              <a:off x="9951638" y="2483977"/>
+              <a:ext cx="2240362" cy="2288715"/>
+            </a:xfrm>
+            <a:prstGeom prst="rect">
+              <a:avLst/>
+            </a:prstGeom>
+          </p:spPr>
+        </p:pic>
+        <p:pic>
+          <p:nvPicPr>
+            <p:cNvPr id="11" name="Picture 10" descr="A picture containing drawing&#10;&#10;Description automatically generated">
+              <a:extLst>
+                <a:ext uri="{FF2B5EF4-FFF2-40B4-BE49-F238E27FC236}">
+                  <a16:creationId xmlns:a16="http://schemas.microsoft.com/office/drawing/2014/main" id="{E62A807D-CE73-584E-B84C-93DDBC1A4149}"/>
+                </a:ext>
+              </a:extLst>
+            </p:cNvPr>
+            <p:cNvPicPr>
+              <a:picLocks noChangeAspect="1"/>
+            </p:cNvPicPr>
+            <p:nvPr/>
+          </p:nvPicPr>
+          <p:blipFill rotWithShape="1">
+            <a:blip r:embed="rId3"/>
+            <a:srcRect l="48213" r="6998" b="4488"/>
+            <a:stretch/>
+          </p:blipFill>
+          <p:spPr>
+            <a:xfrm>
+              <a:off x="9999952" y="1994583"/>
+              <a:ext cx="294393" cy="858960"/>
+            </a:xfrm>
+            <a:prstGeom prst="rect">
+              <a:avLst/>
+            </a:prstGeom>
+          </p:spPr>
+        </p:pic>
+        <p:pic>
+          <p:nvPicPr>
+            <p:cNvPr id="18" name="Picture 17" descr="A picture containing food, drawing&#10;&#10;Description automatically generated">
+              <a:extLst>
+                <a:ext uri="{FF2B5EF4-FFF2-40B4-BE49-F238E27FC236}">
+                  <a16:creationId xmlns:a16="http://schemas.microsoft.com/office/drawing/2014/main" id="{D03D202C-FFA4-0248-A28B-1434468D76D7}"/>
+                </a:ext>
+              </a:extLst>
+            </p:cNvPr>
+            <p:cNvPicPr>
+              <a:picLocks noChangeAspect="1"/>
+            </p:cNvPicPr>
+            <p:nvPr/>
+          </p:nvPicPr>
+          <p:blipFill>
+            <a:blip r:embed="rId4"/>
+            <a:stretch>
+              <a:fillRect/>
+            </a:stretch>
+          </p:blipFill>
+          <p:spPr>
+            <a:xfrm rot="18661440">
+              <a:off x="10372712" y="2660711"/>
+              <a:ext cx="209544" cy="231482"/>
+            </a:xfrm>
+            <a:prstGeom prst="rect">
+              <a:avLst/>
+            </a:prstGeom>
+          </p:spPr>
+        </p:pic>
+      </p:grpSp>
       <p:grpSp>
         <p:nvGrpSpPr>
           <p:cNvPr id="19" name="Group 18">
@@ -9185,6 +12453,66 @@
           </a:p>
         </p:txBody>
       </p:sp>
+      <p:pic>
+        <p:nvPicPr>
+          <p:cNvPr id="12" name="Picture 11" descr="A close up of a map&#10;&#10;Description automatically generated">
+            <a:extLst>
+              <a:ext uri="{FF2B5EF4-FFF2-40B4-BE49-F238E27FC236}">
+                <a16:creationId xmlns:a16="http://schemas.microsoft.com/office/drawing/2014/main" id="{6EE89031-6868-0C46-A420-78A1280D6065}"/>
+              </a:ext>
+            </a:extLst>
+          </p:cNvPr>
+          <p:cNvPicPr>
+            <a:picLocks noChangeAspect="1"/>
+          </p:cNvPicPr>
+          <p:nvPr/>
+        </p:nvPicPr>
+        <p:blipFill>
+          <a:blip r:embed="rId5"/>
+          <a:stretch>
+            <a:fillRect/>
+          </a:stretch>
+        </p:blipFill>
+        <p:spPr>
+          <a:xfrm>
+            <a:off x="257500" y="1491671"/>
+            <a:ext cx="4702629" cy="3657600"/>
+          </a:xfrm>
+          <a:prstGeom prst="rect">
+            <a:avLst/>
+          </a:prstGeom>
+        </p:spPr>
+      </p:pic>
+      <p:pic>
+        <p:nvPicPr>
+          <p:cNvPr id="14" name="Picture 13" descr="A close up of a map&#10;&#10;Description automatically generated">
+            <a:extLst>
+              <a:ext uri="{FF2B5EF4-FFF2-40B4-BE49-F238E27FC236}">
+                <a16:creationId xmlns:a16="http://schemas.microsoft.com/office/drawing/2014/main" id="{3A10DC9C-1C4F-B548-9067-84BE80264C07}"/>
+              </a:ext>
+            </a:extLst>
+          </p:cNvPr>
+          <p:cNvPicPr>
+            <a:picLocks noChangeAspect="1"/>
+          </p:cNvPicPr>
+          <p:nvPr/>
+        </p:nvPicPr>
+        <p:blipFill>
+          <a:blip r:embed="rId6"/>
+          <a:stretch>
+            <a:fillRect/>
+          </a:stretch>
+        </p:blipFill>
+        <p:spPr>
+          <a:xfrm>
+            <a:off x="4880558" y="1491671"/>
+            <a:ext cx="4702629" cy="3657600"/>
+          </a:xfrm>
+          <a:prstGeom prst="rect">
+            <a:avLst/>
+          </a:prstGeom>
+        </p:spPr>
+      </p:pic>
     </p:spTree>
     <p:extLst>
       <p:ext uri="{BB962C8B-B14F-4D97-AF65-F5344CB8AC3E}">
@@ -9220,151 +12548,6 @@
           <p:cNvPr id="2" name="Title 1">
             <a:extLst>
               <a:ext uri="{FF2B5EF4-FFF2-40B4-BE49-F238E27FC236}">
-                <a16:creationId xmlns:a16="http://schemas.microsoft.com/office/drawing/2014/main" id="{B0440B8B-EBAA-5A49-98C5-0C5F1A69363D}"/>
-              </a:ext>
-            </a:extLst>
-          </p:cNvPr>
-          <p:cNvSpPr>
-            <a:spLocks noGrp="1"/>
-          </p:cNvSpPr>
-          <p:nvPr>
-            <p:ph type="title"/>
-          </p:nvPr>
-        </p:nvSpPr>
-        <p:spPr/>
-        <p:txBody>
-          <a:bodyPr>
-            <a:normAutofit/>
-          </a:bodyPr>
-          <a:lstStyle/>
-          <a:p>
-            <a:r>
-              <a:rPr lang="en-US" sz="3200" dirty="0"/>
-              <a:t>Summary</a:t>
-            </a:r>
-          </a:p>
-        </p:txBody>
-      </p:sp>
-      <p:sp>
-        <p:nvSpPr>
-          <p:cNvPr id="3" name="Date Placeholder 2">
-            <a:extLst>
-              <a:ext uri="{FF2B5EF4-FFF2-40B4-BE49-F238E27FC236}">
-                <a16:creationId xmlns:a16="http://schemas.microsoft.com/office/drawing/2014/main" id="{77577240-1EE6-E942-BE43-3B35B2247DF1}"/>
-              </a:ext>
-            </a:extLst>
-          </p:cNvPr>
-          <p:cNvSpPr>
-            <a:spLocks noGrp="1"/>
-          </p:cNvSpPr>
-          <p:nvPr>
-            <p:ph type="dt" sz="half" idx="10"/>
-          </p:nvPr>
-        </p:nvSpPr>
-        <p:spPr/>
-        <p:txBody>
-          <a:bodyPr/>
-          <a:lstStyle/>
-          <a:p>
-            <a:r>
-              <a:rPr lang="en-US"/>
-              <a:t>8.25.20</a:t>
-            </a:r>
-          </a:p>
-        </p:txBody>
-      </p:sp>
-      <p:sp>
-        <p:nvSpPr>
-          <p:cNvPr id="4" name="Footer Placeholder 3">
-            <a:extLst>
-              <a:ext uri="{FF2B5EF4-FFF2-40B4-BE49-F238E27FC236}">
-                <a16:creationId xmlns:a16="http://schemas.microsoft.com/office/drawing/2014/main" id="{EF57CF20-4976-8B41-A355-1619953F598C}"/>
-              </a:ext>
-            </a:extLst>
-          </p:cNvPr>
-          <p:cNvSpPr>
-            <a:spLocks noGrp="1"/>
-          </p:cNvSpPr>
-          <p:nvPr>
-            <p:ph type="ftr" sz="quarter" idx="11"/>
-          </p:nvPr>
-        </p:nvSpPr>
-        <p:spPr/>
-        <p:txBody>
-          <a:bodyPr/>
-          <a:lstStyle/>
-          <a:p>
-            <a:r>
-              <a:rPr lang="en-US"/>
-              <a:t>Ankita Roychoudhury</a:t>
-            </a:r>
-          </a:p>
-        </p:txBody>
-      </p:sp>
-      <p:sp>
-        <p:nvSpPr>
-          <p:cNvPr id="5" name="Slide Number Placeholder 4">
-            <a:extLst>
-              <a:ext uri="{FF2B5EF4-FFF2-40B4-BE49-F238E27FC236}">
-                <a16:creationId xmlns:a16="http://schemas.microsoft.com/office/drawing/2014/main" id="{04923221-CA6E-0243-857A-DE5279B7935E}"/>
-              </a:ext>
-            </a:extLst>
-          </p:cNvPr>
-          <p:cNvSpPr>
-            <a:spLocks noGrp="1"/>
-          </p:cNvSpPr>
-          <p:nvPr>
-            <p:ph type="sldNum" sz="quarter" idx="12"/>
-          </p:nvPr>
-        </p:nvSpPr>
-        <p:spPr/>
-        <p:txBody>
-          <a:bodyPr/>
-          <a:lstStyle/>
-          <a:p>
-            <a:fld id="{814F3199-600E-1648-98F9-303CE5CD9389}" type="slidenum">
-              <a:rPr lang="en-US" smtClean="0"/>
-              <a:t>13</a:t>
-            </a:fld>
-            <a:endParaRPr lang="en-US"/>
-          </a:p>
-        </p:txBody>
-      </p:sp>
-    </p:spTree>
-    <p:extLst>
-      <p:ext uri="{BB962C8B-B14F-4D97-AF65-F5344CB8AC3E}">
-        <p14:creationId xmlns:p14="http://schemas.microsoft.com/office/powerpoint/2010/main" val="1715629670"/>
-      </p:ext>
-    </p:extLst>
-  </p:cSld>
-  <p:clrMapOvr>
-    <a:masterClrMapping/>
-  </p:clrMapOvr>
-</p:sld>
-</file>
-
-<file path=ppt/slides/slide14.xml><?xml version="1.0" encoding="utf-8"?>
-<p:sld xmlns:a="http://schemas.openxmlformats.org/drawingml/2006/main" xmlns:r="http://schemas.openxmlformats.org/officeDocument/2006/relationships" xmlns:p="http://schemas.openxmlformats.org/presentationml/2006/main">
-  <p:cSld>
-    <p:spTree>
-      <p:nvGrpSpPr>
-        <p:cNvPr id="1" name=""/>
-        <p:cNvGrpSpPr/>
-        <p:nvPr/>
-      </p:nvGrpSpPr>
-      <p:grpSpPr>
-        <a:xfrm>
-          <a:off x="0" y="0"/>
-          <a:ext cx="0" cy="0"/>
-          <a:chOff x="0" y="0"/>
-          <a:chExt cx="0" cy="0"/>
-        </a:xfrm>
-      </p:grpSpPr>
-      <p:sp>
-        <p:nvSpPr>
-          <p:cNvPr id="2" name="Title 1">
-            <a:extLst>
-              <a:ext uri="{FF2B5EF4-FFF2-40B4-BE49-F238E27FC236}">
                 <a16:creationId xmlns:a16="http://schemas.microsoft.com/office/drawing/2014/main" id="{AA40F01F-2134-1146-86D5-8BD9BEAD3E30}"/>
               </a:ext>
             </a:extLst>
@@ -9623,7 +12806,7 @@
           <a:p>
             <a:fld id="{814F3199-600E-1648-98F9-303CE5CD9389}" type="slidenum">
               <a:rPr lang="en-US" smtClean="0"/>
-              <a:t>14</a:t>
+              <a:t>13</a:t>
             </a:fld>
             <a:endParaRPr lang="en-US"/>
           </a:p>
@@ -9744,6 +12927,937 @@
     <p:extLst>
       <p:ext uri="{BB962C8B-B14F-4D97-AF65-F5344CB8AC3E}">
         <p14:creationId xmlns:p14="http://schemas.microsoft.com/office/powerpoint/2010/main" val="4213980710"/>
+      </p:ext>
+    </p:extLst>
+  </p:cSld>
+  <p:clrMapOvr>
+    <a:masterClrMapping/>
+  </p:clrMapOvr>
+</p:sld>
+</file>
+
+<file path=ppt/slides/slide14.xml><?xml version="1.0" encoding="utf-8"?>
+<p:sld xmlns:a="http://schemas.openxmlformats.org/drawingml/2006/main" xmlns:r="http://schemas.openxmlformats.org/officeDocument/2006/relationships" xmlns:p="http://schemas.openxmlformats.org/presentationml/2006/main">
+  <p:cSld>
+    <p:spTree>
+      <p:nvGrpSpPr>
+        <p:cNvPr id="1" name=""/>
+        <p:cNvGrpSpPr/>
+        <p:nvPr/>
+      </p:nvGrpSpPr>
+      <p:grpSpPr>
+        <a:xfrm>
+          <a:off x="0" y="0"/>
+          <a:ext cx="0" cy="0"/>
+          <a:chOff x="0" y="0"/>
+          <a:chExt cx="0" cy="0"/>
+        </a:xfrm>
+      </p:grpSpPr>
+      <p:sp>
+        <p:nvSpPr>
+          <p:cNvPr id="2" name="Title 1">
+            <a:extLst>
+              <a:ext uri="{FF2B5EF4-FFF2-40B4-BE49-F238E27FC236}">
+                <a16:creationId xmlns:a16="http://schemas.microsoft.com/office/drawing/2014/main" id="{B0440B8B-EBAA-5A49-98C5-0C5F1A69363D}"/>
+              </a:ext>
+            </a:extLst>
+          </p:cNvPr>
+          <p:cNvSpPr>
+            <a:spLocks noGrp="1"/>
+          </p:cNvSpPr>
+          <p:nvPr>
+            <p:ph type="title"/>
+          </p:nvPr>
+        </p:nvSpPr>
+        <p:spPr>
+          <a:xfrm>
+            <a:off x="583571" y="341993"/>
+            <a:ext cx="2178182" cy="1305085"/>
+          </a:xfrm>
+        </p:spPr>
+        <p:txBody>
+          <a:bodyPr>
+            <a:normAutofit/>
+          </a:bodyPr>
+          <a:lstStyle/>
+          <a:p>
+            <a:r>
+              <a:rPr lang="en-US" sz="3200" dirty="0"/>
+              <a:t>Summary</a:t>
+            </a:r>
+          </a:p>
+        </p:txBody>
+      </p:sp>
+      <p:sp>
+        <p:nvSpPr>
+          <p:cNvPr id="3" name="Date Placeholder 2">
+            <a:extLst>
+              <a:ext uri="{FF2B5EF4-FFF2-40B4-BE49-F238E27FC236}">
+                <a16:creationId xmlns:a16="http://schemas.microsoft.com/office/drawing/2014/main" id="{77577240-1EE6-E942-BE43-3B35B2247DF1}"/>
+              </a:ext>
+            </a:extLst>
+          </p:cNvPr>
+          <p:cNvSpPr>
+            <a:spLocks noGrp="1"/>
+          </p:cNvSpPr>
+          <p:nvPr>
+            <p:ph type="dt" sz="half" idx="10"/>
+          </p:nvPr>
+        </p:nvSpPr>
+        <p:spPr/>
+        <p:txBody>
+          <a:bodyPr/>
+          <a:lstStyle/>
+          <a:p>
+            <a:r>
+              <a:rPr lang="en-US"/>
+              <a:t>8.25.20</a:t>
+            </a:r>
+          </a:p>
+        </p:txBody>
+      </p:sp>
+      <p:sp>
+        <p:nvSpPr>
+          <p:cNvPr id="4" name="Footer Placeholder 3">
+            <a:extLst>
+              <a:ext uri="{FF2B5EF4-FFF2-40B4-BE49-F238E27FC236}">
+                <a16:creationId xmlns:a16="http://schemas.microsoft.com/office/drawing/2014/main" id="{EF57CF20-4976-8B41-A355-1619953F598C}"/>
+              </a:ext>
+            </a:extLst>
+          </p:cNvPr>
+          <p:cNvSpPr>
+            <a:spLocks noGrp="1"/>
+          </p:cNvSpPr>
+          <p:nvPr>
+            <p:ph type="ftr" sz="quarter" idx="11"/>
+          </p:nvPr>
+        </p:nvSpPr>
+        <p:spPr/>
+        <p:txBody>
+          <a:bodyPr/>
+          <a:lstStyle/>
+          <a:p>
+            <a:r>
+              <a:rPr lang="en-US"/>
+              <a:t>Ankita Roychoudhury</a:t>
+            </a:r>
+          </a:p>
+        </p:txBody>
+      </p:sp>
+      <p:sp>
+        <p:nvSpPr>
+          <p:cNvPr id="5" name="Slide Number Placeholder 4">
+            <a:extLst>
+              <a:ext uri="{FF2B5EF4-FFF2-40B4-BE49-F238E27FC236}">
+                <a16:creationId xmlns:a16="http://schemas.microsoft.com/office/drawing/2014/main" id="{04923221-CA6E-0243-857A-DE5279B7935E}"/>
+              </a:ext>
+            </a:extLst>
+          </p:cNvPr>
+          <p:cNvSpPr>
+            <a:spLocks noGrp="1"/>
+          </p:cNvSpPr>
+          <p:nvPr>
+            <p:ph type="sldNum" sz="quarter" idx="12"/>
+          </p:nvPr>
+        </p:nvSpPr>
+        <p:spPr/>
+        <p:txBody>
+          <a:bodyPr/>
+          <a:lstStyle/>
+          <a:p>
+            <a:fld id="{814F3199-600E-1648-98F9-303CE5CD9389}" type="slidenum">
+              <a:rPr lang="en-US" smtClean="0"/>
+              <a:t>14</a:t>
+            </a:fld>
+            <a:endParaRPr lang="en-US"/>
+          </a:p>
+        </p:txBody>
+      </p:sp>
+      <p:grpSp>
+        <p:nvGrpSpPr>
+          <p:cNvPr id="32" name="Group 31">
+            <a:extLst>
+              <a:ext uri="{FF2B5EF4-FFF2-40B4-BE49-F238E27FC236}">
+                <a16:creationId xmlns:a16="http://schemas.microsoft.com/office/drawing/2014/main" id="{06D8ADB0-07CE-634C-B57B-D6B80FF07576}"/>
+              </a:ext>
+            </a:extLst>
+          </p:cNvPr>
+          <p:cNvGrpSpPr/>
+          <p:nvPr/>
+        </p:nvGrpSpPr>
+        <p:grpSpPr>
+          <a:xfrm>
+            <a:off x="4627618" y="759121"/>
+            <a:ext cx="3253274" cy="2056656"/>
+            <a:chOff x="2673543" y="2305946"/>
+            <a:chExt cx="6358945" cy="3897417"/>
+          </a:xfrm>
+        </p:grpSpPr>
+        <p:pic>
+          <p:nvPicPr>
+            <p:cNvPr id="33" name="Picture 2">
+              <a:extLst>
+                <a:ext uri="{FF2B5EF4-FFF2-40B4-BE49-F238E27FC236}">
+                  <a16:creationId xmlns:a16="http://schemas.microsoft.com/office/drawing/2014/main" id="{C74F7561-FFA5-0843-8F44-F322C1ED85F1}"/>
+                </a:ext>
+              </a:extLst>
+            </p:cNvPr>
+            <p:cNvPicPr>
+              <a:picLocks noChangeAspect="1" noChangeArrowheads="1"/>
+            </p:cNvPicPr>
+            <p:nvPr/>
+          </p:nvPicPr>
+          <p:blipFill>
+            <a:blip r:embed="rId3">
+              <a:alphaModFix/>
+              <a:extLst>
+                <a:ext uri="{28A0092B-C50C-407E-A947-70E740481C1C}">
+                  <a14:useLocalDpi xmlns:a14="http://schemas.microsoft.com/office/drawing/2010/main" val="0"/>
+                </a:ext>
+              </a:extLst>
+            </a:blip>
+            <a:srcRect/>
+            <a:stretch>
+              <a:fillRect/>
+            </a:stretch>
+          </p:blipFill>
+          <p:spPr bwMode="auto">
+            <a:xfrm>
+              <a:off x="2673543" y="2305946"/>
+              <a:ext cx="6358945" cy="3897417"/>
+            </a:xfrm>
+            <a:prstGeom prst="rect">
+              <a:avLst/>
+            </a:prstGeom>
+            <a:noFill/>
+            <a:extLst>
+              <a:ext uri="{909E8E84-426E-40DD-AFC4-6F175D3DCCD1}">
+                <a14:hiddenFill xmlns:a14="http://schemas.microsoft.com/office/drawing/2010/main">
+                  <a:solidFill>
+                    <a:srgbClr val="FFFFFF"/>
+                  </a:solidFill>
+                </a14:hiddenFill>
+              </a:ext>
+            </a:extLst>
+          </p:spPr>
+        </p:pic>
+        <p:sp>
+          <p:nvSpPr>
+            <p:cNvPr id="34" name="TextBox 33">
+              <a:extLst>
+                <a:ext uri="{FF2B5EF4-FFF2-40B4-BE49-F238E27FC236}">
+                  <a16:creationId xmlns:a16="http://schemas.microsoft.com/office/drawing/2014/main" id="{C386B8CF-F70D-E14C-BD23-49E2E9B5C289}"/>
+                </a:ext>
+              </a:extLst>
+            </p:cNvPr>
+            <p:cNvSpPr txBox="1"/>
+            <p:nvPr/>
+          </p:nvSpPr>
+          <p:spPr>
+            <a:xfrm>
+              <a:off x="4260188" y="3851124"/>
+              <a:ext cx="1447102" cy="524920"/>
+            </a:xfrm>
+            <a:prstGeom prst="rect">
+              <a:avLst/>
+            </a:prstGeom>
+            <a:noFill/>
+          </p:spPr>
+          <p:txBody>
+            <a:bodyPr wrap="square" rtlCol="0">
+              <a:spAutoFit/>
+            </a:bodyPr>
+            <a:lstStyle/>
+            <a:p>
+              <a:r>
+                <a:rPr lang="en-US" sz="1200" dirty="0">
+                  <a:latin typeface="Avenir Book" panose="02000503020000020003" pitchFamily="2" charset="0"/>
+                </a:rPr>
+                <a:t>TX/TL</a:t>
+              </a:r>
+            </a:p>
+          </p:txBody>
+        </p:sp>
+      </p:grpSp>
+      <p:sp>
+        <p:nvSpPr>
+          <p:cNvPr id="56" name="Straight Connector 3">
+            <a:extLst>
+              <a:ext uri="{FF2B5EF4-FFF2-40B4-BE49-F238E27FC236}">
+                <a16:creationId xmlns:a16="http://schemas.microsoft.com/office/drawing/2014/main" id="{B9696477-DA7F-B946-9249-EAA76CD8C70D}"/>
+              </a:ext>
+            </a:extLst>
+          </p:cNvPr>
+          <p:cNvSpPr/>
+          <p:nvPr/>
+        </p:nvSpPr>
+        <p:spPr>
+          <a:xfrm>
+            <a:off x="6254255" y="2771027"/>
+            <a:ext cx="2095500" cy="320040"/>
+          </a:xfrm>
+          <a:custGeom>
+            <a:avLst/>
+            <a:gdLst/>
+            <a:ahLst/>
+            <a:cxnLst/>
+            <a:rect l="0" t="0" r="0" b="0"/>
+            <a:pathLst>
+              <a:path>
+                <a:moveTo>
+                  <a:pt x="0" y="0"/>
+                </a:moveTo>
+                <a:lnTo>
+                  <a:pt x="0" y="161290"/>
+                </a:lnTo>
+                <a:lnTo>
+                  <a:pt x="2095500" y="161290"/>
+                </a:lnTo>
+                <a:lnTo>
+                  <a:pt x="2095500" y="320040"/>
+                </a:lnTo>
+              </a:path>
+            </a:pathLst>
+          </a:custGeom>
+        </p:spPr>
+        <p:style>
+          <a:lnRef idx="1">
+            <a:schemeClr val="dk1"/>
+          </a:lnRef>
+          <a:fillRef idx="0">
+            <a:schemeClr val="dk1"/>
+          </a:fillRef>
+          <a:effectRef idx="0">
+            <a:schemeClr val="dk1"/>
+          </a:effectRef>
+          <a:fontRef idx="minor">
+            <a:schemeClr val="tx1"/>
+          </a:fontRef>
+        </p:style>
+      </p:sp>
+      <p:sp>
+        <p:nvSpPr>
+          <p:cNvPr id="57" name="Straight Connector 4">
+            <a:extLst>
+              <a:ext uri="{FF2B5EF4-FFF2-40B4-BE49-F238E27FC236}">
+                <a16:creationId xmlns:a16="http://schemas.microsoft.com/office/drawing/2014/main" id="{FBC080C6-7F55-1948-B7A2-6049699BF1DA}"/>
+              </a:ext>
+            </a:extLst>
+          </p:cNvPr>
+          <p:cNvSpPr/>
+          <p:nvPr/>
+        </p:nvSpPr>
+        <p:spPr>
+          <a:xfrm>
+            <a:off x="4158755" y="2771027"/>
+            <a:ext cx="2095500" cy="320040"/>
+          </a:xfrm>
+          <a:custGeom>
+            <a:avLst/>
+            <a:gdLst/>
+            <a:ahLst/>
+            <a:cxnLst/>
+            <a:rect l="0" t="0" r="0" b="0"/>
+            <a:pathLst>
+              <a:path>
+                <a:moveTo>
+                  <a:pt x="2095500" y="0"/>
+                </a:moveTo>
+                <a:lnTo>
+                  <a:pt x="2095500" y="161290"/>
+                </a:lnTo>
+                <a:lnTo>
+                  <a:pt x="0" y="161290"/>
+                </a:lnTo>
+                <a:lnTo>
+                  <a:pt x="0" y="320040"/>
+                </a:lnTo>
+              </a:path>
+            </a:pathLst>
+          </a:custGeom>
+        </p:spPr>
+        <p:style>
+          <a:lnRef idx="1">
+            <a:schemeClr val="dk1"/>
+          </a:lnRef>
+          <a:fillRef idx="0">
+            <a:schemeClr val="dk1"/>
+          </a:fillRef>
+          <a:effectRef idx="0">
+            <a:schemeClr val="dk1"/>
+          </a:effectRef>
+          <a:fontRef idx="minor">
+            <a:schemeClr val="tx1"/>
+          </a:fontRef>
+        </p:style>
+      </p:sp>
+      <p:sp>
+        <p:nvSpPr>
+          <p:cNvPr id="63" name="Rounded Rectangle 62">
+            <a:extLst>
+              <a:ext uri="{FF2B5EF4-FFF2-40B4-BE49-F238E27FC236}">
+                <a16:creationId xmlns:a16="http://schemas.microsoft.com/office/drawing/2014/main" id="{0BC7767F-8E5F-674B-BEE5-C6FF7AF59A76}"/>
+              </a:ext>
+            </a:extLst>
+          </p:cNvPr>
+          <p:cNvSpPr/>
+          <p:nvPr/>
+        </p:nvSpPr>
+        <p:spPr>
+          <a:xfrm>
+            <a:off x="2941658" y="3091067"/>
+            <a:ext cx="2434194" cy="1292246"/>
+          </a:xfrm>
+          <a:prstGeom prst="roundRect">
+            <a:avLst/>
+          </a:prstGeom>
+          <a:solidFill>
+            <a:schemeClr val="accent2">
+              <a:lumMod val="40000"/>
+              <a:lumOff val="60000"/>
+            </a:schemeClr>
+          </a:solidFill>
+        </p:spPr>
+        <p:style>
+          <a:lnRef idx="2">
+            <a:schemeClr val="accent2">
+              <a:shade val="50000"/>
+            </a:schemeClr>
+          </a:lnRef>
+          <a:fillRef idx="1">
+            <a:schemeClr val="accent2"/>
+          </a:fillRef>
+          <a:effectRef idx="0">
+            <a:schemeClr val="accent2"/>
+          </a:effectRef>
+          <a:fontRef idx="minor">
+            <a:schemeClr val="lt1"/>
+          </a:fontRef>
+        </p:style>
+        <p:txBody>
+          <a:bodyPr rtlCol="0" anchor="ctr"/>
+          <a:lstStyle/>
+          <a:p>
+            <a:pPr algn="ctr"/>
+            <a:r>
+              <a:rPr lang="en-US" sz="2400" dirty="0">
+                <a:solidFill>
+                  <a:schemeClr val="tx1"/>
+                </a:solidFill>
+                <a:latin typeface="Avenir Book" panose="02000503020000020003" pitchFamily="2" charset="0"/>
+              </a:rPr>
+              <a:t>ATP Synthase</a:t>
+            </a:r>
+          </a:p>
+        </p:txBody>
+      </p:sp>
+      <p:sp>
+        <p:nvSpPr>
+          <p:cNvPr id="64" name="Rounded Rectangle 63">
+            <a:extLst>
+              <a:ext uri="{FF2B5EF4-FFF2-40B4-BE49-F238E27FC236}">
+                <a16:creationId xmlns:a16="http://schemas.microsoft.com/office/drawing/2014/main" id="{B1862627-A21C-A142-A02A-452D0F03416B}"/>
+              </a:ext>
+            </a:extLst>
+          </p:cNvPr>
+          <p:cNvSpPr/>
+          <p:nvPr/>
+        </p:nvSpPr>
+        <p:spPr>
+          <a:xfrm>
+            <a:off x="7132658" y="3110731"/>
+            <a:ext cx="2434194" cy="1292246"/>
+          </a:xfrm>
+          <a:prstGeom prst="roundRect">
+            <a:avLst/>
+          </a:prstGeom>
+          <a:solidFill>
+            <a:schemeClr val="accent2">
+              <a:lumMod val="40000"/>
+              <a:lumOff val="60000"/>
+            </a:schemeClr>
+          </a:solidFill>
+        </p:spPr>
+        <p:style>
+          <a:lnRef idx="2">
+            <a:schemeClr val="accent2">
+              <a:shade val="50000"/>
+            </a:schemeClr>
+          </a:lnRef>
+          <a:fillRef idx="1">
+            <a:schemeClr val="accent2"/>
+          </a:fillRef>
+          <a:effectRef idx="0">
+            <a:schemeClr val="accent2"/>
+          </a:effectRef>
+          <a:fontRef idx="minor">
+            <a:schemeClr val="lt1"/>
+          </a:fontRef>
+        </p:style>
+        <p:txBody>
+          <a:bodyPr rtlCol="0" anchor="ctr"/>
+          <a:lstStyle/>
+          <a:p>
+            <a:pPr algn="ctr"/>
+            <a:r>
+              <a:rPr lang="en-US" sz="2400" dirty="0">
+                <a:solidFill>
+                  <a:schemeClr val="tx1"/>
+                </a:solidFill>
+                <a:latin typeface="Avenir Book" panose="02000503020000020003" pitchFamily="2" charset="0"/>
+              </a:rPr>
+              <a:t>ATP Rheostat</a:t>
+            </a:r>
+          </a:p>
+        </p:txBody>
+      </p:sp>
+      <p:sp>
+        <p:nvSpPr>
+          <p:cNvPr id="66" name="Rounded Rectangle 65">
+            <a:extLst>
+              <a:ext uri="{FF2B5EF4-FFF2-40B4-BE49-F238E27FC236}">
+                <a16:creationId xmlns:a16="http://schemas.microsoft.com/office/drawing/2014/main" id="{56B6F6D9-D16E-3E47-B56A-3BD2C11ACD96}"/>
+              </a:ext>
+            </a:extLst>
+          </p:cNvPr>
+          <p:cNvSpPr/>
+          <p:nvPr/>
+        </p:nvSpPr>
+        <p:spPr>
+          <a:xfrm>
+            <a:off x="4736057" y="4742680"/>
+            <a:ext cx="1639395" cy="1292246"/>
+          </a:xfrm>
+          <a:prstGeom prst="roundRect">
+            <a:avLst/>
+          </a:prstGeom>
+          <a:solidFill>
+            <a:schemeClr val="accent2">
+              <a:lumMod val="40000"/>
+              <a:lumOff val="60000"/>
+            </a:schemeClr>
+          </a:solidFill>
+        </p:spPr>
+        <p:style>
+          <a:lnRef idx="2">
+            <a:schemeClr val="accent2">
+              <a:shade val="50000"/>
+            </a:schemeClr>
+          </a:lnRef>
+          <a:fillRef idx="1">
+            <a:schemeClr val="accent2"/>
+          </a:fillRef>
+          <a:effectRef idx="0">
+            <a:schemeClr val="accent2"/>
+          </a:effectRef>
+          <a:fontRef idx="minor">
+            <a:schemeClr val="lt1"/>
+          </a:fontRef>
+        </p:style>
+        <p:txBody>
+          <a:bodyPr rtlCol="0" anchor="ctr"/>
+          <a:lstStyle/>
+          <a:p>
+            <a:pPr algn="ctr"/>
+            <a:r>
+              <a:rPr lang="en-US" dirty="0">
+                <a:solidFill>
+                  <a:schemeClr val="tx1"/>
+                </a:solidFill>
+                <a:latin typeface="Avenir Book" panose="02000503020000020003" pitchFamily="2" charset="0"/>
+              </a:rPr>
+              <a:t>Temperature Sensitive</a:t>
+            </a:r>
+          </a:p>
+        </p:txBody>
+      </p:sp>
+      <p:cxnSp>
+        <p:nvCxnSpPr>
+          <p:cNvPr id="68" name="Straight Connector 67">
+            <a:extLst>
+              <a:ext uri="{FF2B5EF4-FFF2-40B4-BE49-F238E27FC236}">
+                <a16:creationId xmlns:a16="http://schemas.microsoft.com/office/drawing/2014/main" id="{C3BADA69-E0AE-AF49-B3C7-180C8E35D93E}"/>
+              </a:ext>
+            </a:extLst>
+          </p:cNvPr>
+          <p:cNvCxnSpPr>
+            <a:cxnSpLocks/>
+            <a:stCxn id="64" idx="2"/>
+            <a:endCxn id="69" idx="0"/>
+          </p:cNvCxnSpPr>
+          <p:nvPr/>
+        </p:nvCxnSpPr>
+        <p:spPr>
+          <a:xfrm>
+            <a:off x="8349755" y="4402977"/>
+            <a:ext cx="0" cy="340334"/>
+          </a:xfrm>
+          <a:prstGeom prst="line">
+            <a:avLst/>
+          </a:prstGeom>
+        </p:spPr>
+        <p:style>
+          <a:lnRef idx="1">
+            <a:schemeClr val="dk1"/>
+          </a:lnRef>
+          <a:fillRef idx="0">
+            <a:schemeClr val="dk1"/>
+          </a:fillRef>
+          <a:effectRef idx="0">
+            <a:schemeClr val="dk1"/>
+          </a:effectRef>
+          <a:fontRef idx="minor">
+            <a:schemeClr val="tx1"/>
+          </a:fontRef>
+        </p:style>
+      </p:cxnSp>
+      <p:sp>
+        <p:nvSpPr>
+          <p:cNvPr id="69" name="Rounded Rectangle 68">
+            <a:extLst>
+              <a:ext uri="{FF2B5EF4-FFF2-40B4-BE49-F238E27FC236}">
+                <a16:creationId xmlns:a16="http://schemas.microsoft.com/office/drawing/2014/main" id="{C5469079-FD14-474F-BA2A-716A90FEB6E0}"/>
+              </a:ext>
+            </a:extLst>
+          </p:cNvPr>
+          <p:cNvSpPr/>
+          <p:nvPr/>
+        </p:nvSpPr>
+        <p:spPr>
+          <a:xfrm>
+            <a:off x="7530057" y="4743311"/>
+            <a:ext cx="1639395" cy="1292246"/>
+          </a:xfrm>
+          <a:prstGeom prst="roundRect">
+            <a:avLst/>
+          </a:prstGeom>
+          <a:solidFill>
+            <a:schemeClr val="accent2">
+              <a:lumMod val="40000"/>
+              <a:lumOff val="60000"/>
+            </a:schemeClr>
+          </a:solidFill>
+        </p:spPr>
+        <p:style>
+          <a:lnRef idx="2">
+            <a:schemeClr val="accent2">
+              <a:shade val="50000"/>
+            </a:schemeClr>
+          </a:lnRef>
+          <a:fillRef idx="1">
+            <a:schemeClr val="accent2"/>
+          </a:fillRef>
+          <a:effectRef idx="0">
+            <a:schemeClr val="accent2"/>
+          </a:effectRef>
+          <a:fontRef idx="minor">
+            <a:schemeClr val="lt1"/>
+          </a:fontRef>
+        </p:style>
+        <p:txBody>
+          <a:bodyPr rtlCol="0" anchor="ctr"/>
+          <a:lstStyle/>
+          <a:p>
+            <a:pPr algn="ctr"/>
+            <a:r>
+              <a:rPr lang="en-US" dirty="0">
+                <a:solidFill>
+                  <a:schemeClr val="tx1"/>
+                </a:solidFill>
+                <a:latin typeface="Avenir Book" panose="02000503020000020003" pitchFamily="2" charset="0"/>
+              </a:rPr>
+              <a:t>ssDNA export</a:t>
+            </a:r>
+          </a:p>
+        </p:txBody>
+      </p:sp>
+      <p:sp>
+        <p:nvSpPr>
+          <p:cNvPr id="74" name="Rounded Rectangle 73">
+            <a:extLst>
+              <a:ext uri="{FF2B5EF4-FFF2-40B4-BE49-F238E27FC236}">
+                <a16:creationId xmlns:a16="http://schemas.microsoft.com/office/drawing/2014/main" id="{55E7E6E9-0107-2C4F-A4DA-1654CFB997DD}"/>
+              </a:ext>
+            </a:extLst>
+          </p:cNvPr>
+          <p:cNvSpPr/>
+          <p:nvPr/>
+        </p:nvSpPr>
+        <p:spPr>
+          <a:xfrm>
+            <a:off x="1942056" y="4742680"/>
+            <a:ext cx="1639395" cy="1292246"/>
+          </a:xfrm>
+          <a:prstGeom prst="roundRect">
+            <a:avLst/>
+          </a:prstGeom>
+          <a:solidFill>
+            <a:schemeClr val="accent2">
+              <a:lumMod val="40000"/>
+              <a:lumOff val="60000"/>
+            </a:schemeClr>
+          </a:solidFill>
+        </p:spPr>
+        <p:style>
+          <a:lnRef idx="2">
+            <a:schemeClr val="accent2">
+              <a:shade val="50000"/>
+            </a:schemeClr>
+          </a:lnRef>
+          <a:fillRef idx="1">
+            <a:schemeClr val="accent2"/>
+          </a:fillRef>
+          <a:effectRef idx="0">
+            <a:schemeClr val="accent2"/>
+          </a:effectRef>
+          <a:fontRef idx="minor">
+            <a:schemeClr val="lt1"/>
+          </a:fontRef>
+        </p:style>
+        <p:txBody>
+          <a:bodyPr rtlCol="0" anchor="ctr"/>
+          <a:lstStyle/>
+          <a:p>
+            <a:pPr algn="ctr"/>
+            <a:r>
+              <a:rPr lang="en-US" dirty="0">
+                <a:solidFill>
+                  <a:schemeClr val="tx1"/>
+                </a:solidFill>
+                <a:latin typeface="Avenir Book" panose="02000503020000020003" pitchFamily="2" charset="0"/>
+              </a:rPr>
+              <a:t>ssDNA export</a:t>
+            </a:r>
+          </a:p>
+        </p:txBody>
+      </p:sp>
+      <p:sp>
+        <p:nvSpPr>
+          <p:cNvPr id="75" name="Straight Connector 3">
+            <a:extLst>
+              <a:ext uri="{FF2B5EF4-FFF2-40B4-BE49-F238E27FC236}">
+                <a16:creationId xmlns:a16="http://schemas.microsoft.com/office/drawing/2014/main" id="{1CD798E6-C2C5-264B-B681-EA03549356F0}"/>
+              </a:ext>
+            </a:extLst>
+          </p:cNvPr>
+          <p:cNvSpPr/>
+          <p:nvPr/>
+        </p:nvSpPr>
+        <p:spPr>
+          <a:xfrm>
+            <a:off x="4158755" y="4402977"/>
+            <a:ext cx="1397000" cy="320039"/>
+          </a:xfrm>
+          <a:custGeom>
+            <a:avLst/>
+            <a:gdLst/>
+            <a:ahLst/>
+            <a:cxnLst/>
+            <a:rect l="0" t="0" r="0" b="0"/>
+            <a:pathLst>
+              <a:path>
+                <a:moveTo>
+                  <a:pt x="0" y="0"/>
+                </a:moveTo>
+                <a:lnTo>
+                  <a:pt x="0" y="161289"/>
+                </a:lnTo>
+                <a:lnTo>
+                  <a:pt x="1397000" y="161289"/>
+                </a:lnTo>
+                <a:lnTo>
+                  <a:pt x="1397000" y="320039"/>
+                </a:lnTo>
+              </a:path>
+            </a:pathLst>
+          </a:custGeom>
+        </p:spPr>
+        <p:style>
+          <a:lnRef idx="1">
+            <a:schemeClr val="dk1"/>
+          </a:lnRef>
+          <a:fillRef idx="0">
+            <a:schemeClr val="dk1"/>
+          </a:fillRef>
+          <a:effectRef idx="0">
+            <a:schemeClr val="dk1"/>
+          </a:effectRef>
+          <a:fontRef idx="minor">
+            <a:schemeClr val="tx1"/>
+          </a:fontRef>
+        </p:style>
+      </p:sp>
+      <p:sp>
+        <p:nvSpPr>
+          <p:cNvPr id="76" name="Straight Connector 4">
+            <a:extLst>
+              <a:ext uri="{FF2B5EF4-FFF2-40B4-BE49-F238E27FC236}">
+                <a16:creationId xmlns:a16="http://schemas.microsoft.com/office/drawing/2014/main" id="{B32C763B-8926-5043-AE6E-7C5FAFD4A1C8}"/>
+              </a:ext>
+            </a:extLst>
+          </p:cNvPr>
+          <p:cNvSpPr/>
+          <p:nvPr/>
+        </p:nvSpPr>
+        <p:spPr>
+          <a:xfrm>
+            <a:off x="2761755" y="4402977"/>
+            <a:ext cx="1397000" cy="320039"/>
+          </a:xfrm>
+          <a:custGeom>
+            <a:avLst/>
+            <a:gdLst/>
+            <a:ahLst/>
+            <a:cxnLst/>
+            <a:rect l="0" t="0" r="0" b="0"/>
+            <a:pathLst>
+              <a:path>
+                <a:moveTo>
+                  <a:pt x="1397000" y="0"/>
+                </a:moveTo>
+                <a:lnTo>
+                  <a:pt x="1397000" y="161289"/>
+                </a:lnTo>
+                <a:lnTo>
+                  <a:pt x="0" y="161289"/>
+                </a:lnTo>
+                <a:lnTo>
+                  <a:pt x="0" y="320039"/>
+                </a:lnTo>
+              </a:path>
+            </a:pathLst>
+          </a:custGeom>
+        </p:spPr>
+        <p:style>
+          <a:lnRef idx="1">
+            <a:schemeClr val="dk1"/>
+          </a:lnRef>
+          <a:fillRef idx="0">
+            <a:schemeClr val="dk1"/>
+          </a:fillRef>
+          <a:effectRef idx="0">
+            <a:schemeClr val="dk1"/>
+          </a:effectRef>
+          <a:fontRef idx="minor">
+            <a:schemeClr val="tx1"/>
+          </a:fontRef>
+        </p:style>
+      </p:sp>
+      <p:sp>
+        <p:nvSpPr>
+          <p:cNvPr id="82" name="TextBox 81">
+            <a:extLst>
+              <a:ext uri="{FF2B5EF4-FFF2-40B4-BE49-F238E27FC236}">
+                <a16:creationId xmlns:a16="http://schemas.microsoft.com/office/drawing/2014/main" id="{AA5ED855-C39A-254F-B406-3CD7D1A8FDDB}"/>
+              </a:ext>
+            </a:extLst>
+          </p:cNvPr>
+          <p:cNvSpPr txBox="1"/>
+          <p:nvPr/>
+        </p:nvSpPr>
+        <p:spPr>
+          <a:xfrm>
+            <a:off x="10591719" y="1389841"/>
+            <a:ext cx="840510" cy="461665"/>
+          </a:xfrm>
+          <a:prstGeom prst="rect">
+            <a:avLst/>
+          </a:prstGeom>
+          <a:noFill/>
+        </p:spPr>
+        <p:txBody>
+          <a:bodyPr wrap="square" rtlCol="0">
+            <a:spAutoFit/>
+          </a:bodyPr>
+          <a:lstStyle/>
+          <a:p>
+            <a:r>
+              <a:rPr lang="en-US" sz="2400" dirty="0">
+                <a:latin typeface="Avenir Book" panose="02000503020000020003" pitchFamily="2" charset="0"/>
+              </a:rPr>
+              <a:t>Goal</a:t>
+            </a:r>
+          </a:p>
+        </p:txBody>
+      </p:sp>
+      <p:sp>
+        <p:nvSpPr>
+          <p:cNvPr id="83" name="TextBox 82">
+            <a:extLst>
+              <a:ext uri="{FF2B5EF4-FFF2-40B4-BE49-F238E27FC236}">
+                <a16:creationId xmlns:a16="http://schemas.microsoft.com/office/drawing/2014/main" id="{67DEF479-6DC3-7D4D-8DC0-945B174ECCF8}"/>
+              </a:ext>
+            </a:extLst>
+          </p:cNvPr>
+          <p:cNvSpPr txBox="1"/>
+          <p:nvPr/>
+        </p:nvSpPr>
+        <p:spPr>
+          <a:xfrm>
+            <a:off x="10060051" y="3429000"/>
+            <a:ext cx="1903845" cy="461665"/>
+          </a:xfrm>
+          <a:prstGeom prst="rect">
+            <a:avLst/>
+          </a:prstGeom>
+          <a:noFill/>
+        </p:spPr>
+        <p:txBody>
+          <a:bodyPr wrap="square" rtlCol="0">
+            <a:spAutoFit/>
+          </a:bodyPr>
+          <a:lstStyle/>
+          <a:p>
+            <a:r>
+              <a:rPr lang="en-US" sz="2400" dirty="0">
+                <a:latin typeface="Avenir Book" panose="02000503020000020003" pitchFamily="2" charset="0"/>
+              </a:rPr>
+              <a:t>Mechanisms</a:t>
+            </a:r>
+          </a:p>
+        </p:txBody>
+      </p:sp>
+      <p:sp>
+        <p:nvSpPr>
+          <p:cNvPr id="84" name="TextBox 83">
+            <a:extLst>
+              <a:ext uri="{FF2B5EF4-FFF2-40B4-BE49-F238E27FC236}">
+                <a16:creationId xmlns:a16="http://schemas.microsoft.com/office/drawing/2014/main" id="{177B6628-4B5E-C745-A465-50FA4B345236}"/>
+              </a:ext>
+            </a:extLst>
+          </p:cNvPr>
+          <p:cNvSpPr txBox="1"/>
+          <p:nvPr/>
+        </p:nvSpPr>
+        <p:spPr>
+          <a:xfrm>
+            <a:off x="10504798" y="5407320"/>
+            <a:ext cx="1014349" cy="461665"/>
+          </a:xfrm>
+          <a:prstGeom prst="rect">
+            <a:avLst/>
+          </a:prstGeom>
+          <a:noFill/>
+        </p:spPr>
+        <p:txBody>
+          <a:bodyPr wrap="square" rtlCol="0">
+            <a:spAutoFit/>
+          </a:bodyPr>
+          <a:lstStyle/>
+          <a:p>
+            <a:r>
+              <a:rPr lang="en-US" sz="2400" dirty="0">
+                <a:latin typeface="Avenir Book" panose="02000503020000020003" pitchFamily="2" charset="0"/>
+              </a:rPr>
+              <a:t>Tests</a:t>
+            </a:r>
+          </a:p>
+        </p:txBody>
+      </p:sp>
+    </p:spTree>
+    <p:extLst>
+      <p:ext uri="{BB962C8B-B14F-4D97-AF65-F5344CB8AC3E}">
+        <p14:creationId xmlns:p14="http://schemas.microsoft.com/office/powerpoint/2010/main" val="1715629670"/>
       </p:ext>
     </p:extLst>
   </p:cSld>
@@ -15987,18 +20101,21 @@
             <p:ph type="title"/>
           </p:nvPr>
         </p:nvSpPr>
-        <p:spPr/>
+        <p:spPr>
+          <a:xfrm>
+            <a:off x="189808" y="217473"/>
+            <a:ext cx="10515600" cy="1325563"/>
+          </a:xfrm>
+        </p:spPr>
         <p:txBody>
-          <a:bodyPr/>
+          <a:bodyPr>
+            <a:normAutofit/>
+          </a:bodyPr>
           <a:lstStyle/>
           <a:p>
             <a:r>
-              <a:rPr lang="en-US" dirty="0">
-                <a:solidFill>
-                  <a:srgbClr val="FF0000"/>
-                </a:solidFill>
-              </a:rPr>
-              <a:t>Add combined model once you figure out issue</a:t>
+              <a:rPr lang="en-US" sz="3200" dirty="0"/>
+              <a:t>Combined simulations for ATP Synthase Model</a:t>
             </a:r>
           </a:p>
         </p:txBody>
@@ -16088,6 +20205,968 @@
           </a:p>
         </p:txBody>
       </p:sp>
+      <p:grpSp>
+        <p:nvGrpSpPr>
+          <p:cNvPr id="34" name="Group 33">
+            <a:extLst>
+              <a:ext uri="{FF2B5EF4-FFF2-40B4-BE49-F238E27FC236}">
+                <a16:creationId xmlns:a16="http://schemas.microsoft.com/office/drawing/2014/main" id="{2D363507-1599-4242-8E62-D464AF42BF62}"/>
+              </a:ext>
+            </a:extLst>
+          </p:cNvPr>
+          <p:cNvGrpSpPr/>
+          <p:nvPr/>
+        </p:nvGrpSpPr>
+        <p:grpSpPr>
+          <a:xfrm>
+            <a:off x="6703142" y="1751440"/>
+            <a:ext cx="3386487" cy="3803915"/>
+            <a:chOff x="6703142" y="1751440"/>
+            <a:chExt cx="3386487" cy="3803915"/>
+          </a:xfrm>
+        </p:grpSpPr>
+        <p:grpSp>
+          <p:nvGrpSpPr>
+            <p:cNvPr id="14" name="Group 13">
+              <a:extLst>
+                <a:ext uri="{FF2B5EF4-FFF2-40B4-BE49-F238E27FC236}">
+                  <a16:creationId xmlns:a16="http://schemas.microsoft.com/office/drawing/2014/main" id="{653DF227-79B3-964D-89F7-78B23FF8DEA8}"/>
+                </a:ext>
+              </a:extLst>
+            </p:cNvPr>
+            <p:cNvGrpSpPr/>
+            <p:nvPr/>
+          </p:nvGrpSpPr>
+          <p:grpSpPr>
+            <a:xfrm>
+              <a:off x="6703142" y="1751440"/>
+              <a:ext cx="3386487" cy="3211392"/>
+              <a:chOff x="1110118" y="4050945"/>
+              <a:chExt cx="2592423" cy="2542992"/>
+            </a:xfrm>
+          </p:grpSpPr>
+          <p:sp>
+            <p:nvSpPr>
+              <p:cNvPr id="15" name="Oval 14">
+                <a:extLst>
+                  <a:ext uri="{FF2B5EF4-FFF2-40B4-BE49-F238E27FC236}">
+                    <a16:creationId xmlns:a16="http://schemas.microsoft.com/office/drawing/2014/main" id="{AA574FA8-EF02-8C45-BF62-828C52F7AB0C}"/>
+                  </a:ext>
+                </a:extLst>
+              </p:cNvPr>
+              <p:cNvSpPr/>
+              <p:nvPr/>
+            </p:nvSpPr>
+            <p:spPr>
+              <a:xfrm>
+                <a:off x="1110118" y="4499961"/>
+                <a:ext cx="2118731" cy="2093976"/>
+              </a:xfrm>
+              <a:prstGeom prst="ellipse">
+                <a:avLst/>
+              </a:prstGeom>
+              <a:noFill/>
+              <a:ln w="28575">
+                <a:solidFill>
+                  <a:schemeClr val="tx1"/>
+                </a:solidFill>
+                <a:prstDash val="dash"/>
+                <a:extLst>
+                  <a:ext uri="{C807C97D-BFC1-408E-A445-0C87EB9F89A2}">
+                    <ask:lineSketchStyleProps xmlns:ask="http://schemas.microsoft.com/office/drawing/2018/sketchyshapes" sd="1219033472">
+                      <a:custGeom>
+                        <a:avLst/>
+                        <a:gdLst>
+                          <a:gd name="connsiteX0" fmla="*/ 0 w 2118731"/>
+                          <a:gd name="connsiteY0" fmla="*/ 1048215 h 2096429"/>
+                          <a:gd name="connsiteX1" fmla="*/ 1059366 w 2118731"/>
+                          <a:gd name="connsiteY1" fmla="*/ 0 h 2096429"/>
+                          <a:gd name="connsiteX2" fmla="*/ 2118732 w 2118731"/>
+                          <a:gd name="connsiteY2" fmla="*/ 1048215 h 2096429"/>
+                          <a:gd name="connsiteX3" fmla="*/ 1059366 w 2118731"/>
+                          <a:gd name="connsiteY3" fmla="*/ 2096430 h 2096429"/>
+                          <a:gd name="connsiteX4" fmla="*/ 0 w 2118731"/>
+                          <a:gd name="connsiteY4" fmla="*/ 1048215 h 2096429"/>
+                        </a:gdLst>
+                        <a:ahLst/>
+                        <a:cxnLst>
+                          <a:cxn ang="0">
+                            <a:pos x="connsiteX0" y="connsiteY0"/>
+                          </a:cxn>
+                          <a:cxn ang="0">
+                            <a:pos x="connsiteX1" y="connsiteY1"/>
+                          </a:cxn>
+                          <a:cxn ang="0">
+                            <a:pos x="connsiteX2" y="connsiteY2"/>
+                          </a:cxn>
+                          <a:cxn ang="0">
+                            <a:pos x="connsiteX3" y="connsiteY3"/>
+                          </a:cxn>
+                          <a:cxn ang="0">
+                            <a:pos x="connsiteX4" y="connsiteY4"/>
+                          </a:cxn>
+                        </a:cxnLst>
+                        <a:rect l="l" t="t" r="r" b="b"/>
+                        <a:pathLst>
+                          <a:path w="2118731" h="2096429" extrusionOk="0">
+                            <a:moveTo>
+                              <a:pt x="0" y="1048215"/>
+                            </a:moveTo>
+                            <a:cubicBezTo>
+                              <a:pt x="-108263" y="402523"/>
+                              <a:pt x="355967" y="44410"/>
+                              <a:pt x="1059366" y="0"/>
+                            </a:cubicBezTo>
+                            <a:cubicBezTo>
+                              <a:pt x="1710617" y="13932"/>
+                              <a:pt x="2038481" y="471854"/>
+                              <a:pt x="2118732" y="1048215"/>
+                            </a:cubicBezTo>
+                            <a:cubicBezTo>
+                              <a:pt x="2027995" y="1715738"/>
+                              <a:pt x="1617157" y="2247223"/>
+                              <a:pt x="1059366" y="2096430"/>
+                            </a:cubicBezTo>
+                            <a:cubicBezTo>
+                              <a:pt x="363561" y="2035846"/>
+                              <a:pt x="90874" y="1670548"/>
+                              <a:pt x="0" y="1048215"/>
+                            </a:cubicBezTo>
+                            <a:close/>
+                          </a:path>
+                        </a:pathLst>
+                      </a:custGeom>
+                      <ask:type>
+                        <ask:lineSketchNone/>
+                      </ask:type>
+                    </ask:lineSketchStyleProps>
+                  </a:ext>
+                </a:extLst>
+              </a:ln>
+            </p:spPr>
+            <p:style>
+              <a:lnRef idx="2">
+                <a:schemeClr val="accent1">
+                  <a:shade val="50000"/>
+                </a:schemeClr>
+              </a:lnRef>
+              <a:fillRef idx="1">
+                <a:schemeClr val="accent1"/>
+              </a:fillRef>
+              <a:effectRef idx="0">
+                <a:schemeClr val="accent1"/>
+              </a:effectRef>
+              <a:fontRef idx="minor">
+                <a:schemeClr val="lt1"/>
+              </a:fontRef>
+            </p:style>
+            <p:txBody>
+              <a:bodyPr rtlCol="0" anchor="ctr"/>
+              <a:lstStyle/>
+              <a:p>
+                <a:pPr algn="ctr"/>
+                <a:endParaRPr lang="en-US"/>
+              </a:p>
+            </p:txBody>
+          </p:sp>
+          <p:sp>
+            <p:nvSpPr>
+              <p:cNvPr id="16" name="Freeform 15">
+                <a:extLst>
+                  <a:ext uri="{FF2B5EF4-FFF2-40B4-BE49-F238E27FC236}">
+                    <a16:creationId xmlns:a16="http://schemas.microsoft.com/office/drawing/2014/main" id="{D842231D-5504-8847-85D5-CFC582D3465F}"/>
+                  </a:ext>
+                </a:extLst>
+              </p:cNvPr>
+              <p:cNvSpPr/>
+              <p:nvPr/>
+            </p:nvSpPr>
+            <p:spPr>
+              <a:xfrm>
+                <a:off x="2429303" y="4426304"/>
+                <a:ext cx="675017" cy="678205"/>
+              </a:xfrm>
+              <a:custGeom>
+                <a:avLst/>
+                <a:gdLst>
+                  <a:gd name="connsiteX0" fmla="*/ 678425 w 781664"/>
+                  <a:gd name="connsiteY0" fmla="*/ 0 h 752168"/>
+                  <a:gd name="connsiteX1" fmla="*/ 294967 w 781664"/>
+                  <a:gd name="connsiteY1" fmla="*/ 442451 h 752168"/>
+                  <a:gd name="connsiteX2" fmla="*/ 0 w 781664"/>
+                  <a:gd name="connsiteY2" fmla="*/ 427703 h 752168"/>
+                  <a:gd name="connsiteX3" fmla="*/ 398206 w 781664"/>
+                  <a:gd name="connsiteY3" fmla="*/ 752168 h 752168"/>
+                  <a:gd name="connsiteX4" fmla="*/ 398206 w 781664"/>
+                  <a:gd name="connsiteY4" fmla="*/ 545690 h 752168"/>
+                  <a:gd name="connsiteX5" fmla="*/ 781664 w 781664"/>
+                  <a:gd name="connsiteY5" fmla="*/ 103239 h 752168"/>
+                  <a:gd name="connsiteX6" fmla="*/ 678425 w 781664"/>
+                  <a:gd name="connsiteY6" fmla="*/ 0 h 752168"/>
+                </a:gdLst>
+                <a:ahLst/>
+                <a:cxnLst>
+                  <a:cxn ang="0">
+                    <a:pos x="connsiteX0" y="connsiteY0"/>
+                  </a:cxn>
+                  <a:cxn ang="0">
+                    <a:pos x="connsiteX1" y="connsiteY1"/>
+                  </a:cxn>
+                  <a:cxn ang="0">
+                    <a:pos x="connsiteX2" y="connsiteY2"/>
+                  </a:cxn>
+                  <a:cxn ang="0">
+                    <a:pos x="connsiteX3" y="connsiteY3"/>
+                  </a:cxn>
+                  <a:cxn ang="0">
+                    <a:pos x="connsiteX4" y="connsiteY4"/>
+                  </a:cxn>
+                  <a:cxn ang="0">
+                    <a:pos x="connsiteX5" y="connsiteY5"/>
+                  </a:cxn>
+                  <a:cxn ang="0">
+                    <a:pos x="connsiteX6" y="connsiteY6"/>
+                  </a:cxn>
+                </a:cxnLst>
+                <a:rect l="l" t="t" r="r" b="b"/>
+                <a:pathLst>
+                  <a:path w="781664" h="752168">
+                    <a:moveTo>
+                      <a:pt x="678425" y="0"/>
+                    </a:moveTo>
+                    <a:lnTo>
+                      <a:pt x="294967" y="442451"/>
+                    </a:lnTo>
+                    <a:lnTo>
+                      <a:pt x="0" y="427703"/>
+                    </a:lnTo>
+                    <a:lnTo>
+                      <a:pt x="398206" y="752168"/>
+                    </a:lnTo>
+                    <a:lnTo>
+                      <a:pt x="398206" y="545690"/>
+                    </a:lnTo>
+                    <a:lnTo>
+                      <a:pt x="781664" y="103239"/>
+                    </a:lnTo>
+                    <a:lnTo>
+                      <a:pt x="678425" y="0"/>
+                    </a:lnTo>
+                    <a:close/>
+                  </a:path>
+                </a:pathLst>
+              </a:custGeom>
+              <a:solidFill>
+                <a:schemeClr val="bg1"/>
+              </a:solidFill>
+              <a:ln w="19050">
+                <a:solidFill>
+                  <a:srgbClr val="7030A0"/>
+                </a:solidFill>
+              </a:ln>
+            </p:spPr>
+            <p:style>
+              <a:lnRef idx="2">
+                <a:schemeClr val="accent1">
+                  <a:shade val="50000"/>
+                </a:schemeClr>
+              </a:lnRef>
+              <a:fillRef idx="1">
+                <a:schemeClr val="accent1"/>
+              </a:fillRef>
+              <a:effectRef idx="0">
+                <a:schemeClr val="accent1"/>
+              </a:effectRef>
+              <a:fontRef idx="minor">
+                <a:schemeClr val="lt1"/>
+              </a:fontRef>
+            </p:style>
+            <p:txBody>
+              <a:bodyPr rtlCol="0" anchor="ctr"/>
+              <a:lstStyle/>
+              <a:p>
+                <a:pPr algn="ctr"/>
+                <a:endParaRPr lang="en-US"/>
+              </a:p>
+            </p:txBody>
+          </p:sp>
+          <p:sp>
+            <p:nvSpPr>
+              <p:cNvPr id="17" name="TextBox 16">
+                <a:extLst>
+                  <a:ext uri="{FF2B5EF4-FFF2-40B4-BE49-F238E27FC236}">
+                    <a16:creationId xmlns:a16="http://schemas.microsoft.com/office/drawing/2014/main" id="{F5AC27DB-E380-E44C-BF94-922ECFA5D649}"/>
+                  </a:ext>
+                </a:extLst>
+              </p:cNvPr>
+              <p:cNvSpPr txBox="1"/>
+              <p:nvPr/>
+            </p:nvSpPr>
+            <p:spPr>
+              <a:xfrm>
+                <a:off x="1638099" y="4932583"/>
+                <a:ext cx="630270" cy="219346"/>
+              </a:xfrm>
+              <a:prstGeom prst="rect">
+                <a:avLst/>
+              </a:prstGeom>
+              <a:noFill/>
+            </p:spPr>
+            <p:txBody>
+              <a:bodyPr wrap="square" rtlCol="0">
+                <a:spAutoFit/>
+              </a:bodyPr>
+              <a:lstStyle/>
+              <a:p>
+                <a:r>
+                  <a:rPr lang="en-US" sz="1200" dirty="0">
+                    <a:latin typeface="Avenir Book" panose="02000503020000020003" pitchFamily="2" charset="0"/>
+                  </a:rPr>
+                  <a:t>ADP + Pi</a:t>
+                </a:r>
+              </a:p>
+            </p:txBody>
+          </p:sp>
+          <p:sp>
+            <p:nvSpPr>
+              <p:cNvPr id="18" name="TextBox 17">
+                <a:extLst>
+                  <a:ext uri="{FF2B5EF4-FFF2-40B4-BE49-F238E27FC236}">
+                    <a16:creationId xmlns:a16="http://schemas.microsoft.com/office/drawing/2014/main" id="{7C158046-F00F-4F4D-90CA-C8484FF0D4C2}"/>
+                  </a:ext>
+                </a:extLst>
+              </p:cNvPr>
+              <p:cNvSpPr txBox="1"/>
+              <p:nvPr/>
+            </p:nvSpPr>
+            <p:spPr>
+              <a:xfrm>
+                <a:off x="2485125" y="5245287"/>
+                <a:ext cx="533417" cy="276999"/>
+              </a:xfrm>
+              <a:prstGeom prst="rect">
+                <a:avLst/>
+              </a:prstGeom>
+              <a:noFill/>
+            </p:spPr>
+            <p:txBody>
+              <a:bodyPr wrap="square" rtlCol="0">
+                <a:spAutoFit/>
+              </a:bodyPr>
+              <a:lstStyle/>
+              <a:p>
+                <a:r>
+                  <a:rPr lang="en-US" sz="1200" dirty="0">
+                    <a:latin typeface="Avenir Book" panose="02000503020000020003" pitchFamily="2" charset="0"/>
+                  </a:rPr>
+                  <a:t>ATP</a:t>
+                </a:r>
+              </a:p>
+            </p:txBody>
+          </p:sp>
+          <p:cxnSp>
+            <p:nvCxnSpPr>
+              <p:cNvPr id="19" name="Curved Connector 18">
+                <a:extLst>
+                  <a:ext uri="{FF2B5EF4-FFF2-40B4-BE49-F238E27FC236}">
+                    <a16:creationId xmlns:a16="http://schemas.microsoft.com/office/drawing/2014/main" id="{D363B1BE-8DAB-1340-984E-E1A1CA1770C0}"/>
+                  </a:ext>
+                </a:extLst>
+              </p:cNvPr>
+              <p:cNvCxnSpPr>
+                <a:cxnSpLocks/>
+                <a:endCxn id="18" idx="0"/>
+              </p:cNvCxnSpPr>
+              <p:nvPr/>
+            </p:nvCxnSpPr>
+            <p:spPr>
+              <a:xfrm>
+                <a:off x="2189040" y="5054378"/>
+                <a:ext cx="562794" cy="190909"/>
+              </a:xfrm>
+              <a:prstGeom prst="curvedConnector2">
+                <a:avLst/>
+              </a:prstGeom>
+              <a:ln>
+                <a:tailEnd type="triangle"/>
+              </a:ln>
+            </p:spPr>
+            <p:style>
+              <a:lnRef idx="1">
+                <a:schemeClr val="dk1"/>
+              </a:lnRef>
+              <a:fillRef idx="0">
+                <a:schemeClr val="dk1"/>
+              </a:fillRef>
+              <a:effectRef idx="0">
+                <a:schemeClr val="dk1"/>
+              </a:effectRef>
+              <a:fontRef idx="minor">
+                <a:schemeClr val="tx1"/>
+              </a:fontRef>
+            </p:style>
+          </p:cxnSp>
+          <p:cxnSp>
+            <p:nvCxnSpPr>
+              <p:cNvPr id="20" name="Straight Arrow Connector 19">
+                <a:extLst>
+                  <a:ext uri="{FF2B5EF4-FFF2-40B4-BE49-F238E27FC236}">
+                    <a16:creationId xmlns:a16="http://schemas.microsoft.com/office/drawing/2014/main" id="{0834B1F3-0B4C-2247-84C7-205B53149ED4}"/>
+                  </a:ext>
+                </a:extLst>
+              </p:cNvPr>
+              <p:cNvCxnSpPr>
+                <a:cxnSpLocks/>
+              </p:cNvCxnSpPr>
+              <p:nvPr/>
+            </p:nvCxnSpPr>
+            <p:spPr>
+              <a:xfrm flipH="1">
+                <a:off x="2284980" y="4273293"/>
+                <a:ext cx="943869" cy="1093789"/>
+              </a:xfrm>
+              <a:prstGeom prst="straightConnector1">
+                <a:avLst/>
+              </a:prstGeom>
+              <a:ln>
+                <a:tailEnd type="triangle"/>
+              </a:ln>
+            </p:spPr>
+            <p:style>
+              <a:lnRef idx="1">
+                <a:schemeClr val="dk1"/>
+              </a:lnRef>
+              <a:fillRef idx="0">
+                <a:schemeClr val="dk1"/>
+              </a:fillRef>
+              <a:effectRef idx="0">
+                <a:schemeClr val="dk1"/>
+              </a:effectRef>
+              <a:fontRef idx="minor">
+                <a:schemeClr val="tx1"/>
+              </a:fontRef>
+            </p:style>
+          </p:cxnSp>
+          <p:sp>
+            <p:nvSpPr>
+              <p:cNvPr id="21" name="TextBox 20">
+                <a:extLst>
+                  <a:ext uri="{FF2B5EF4-FFF2-40B4-BE49-F238E27FC236}">
+                    <a16:creationId xmlns:a16="http://schemas.microsoft.com/office/drawing/2014/main" id="{26747224-4F07-9449-BA8E-74359AABEF9B}"/>
+                  </a:ext>
+                </a:extLst>
+              </p:cNvPr>
+              <p:cNvSpPr txBox="1"/>
+              <p:nvPr/>
+            </p:nvSpPr>
+            <p:spPr>
+              <a:xfrm>
+                <a:off x="3228848" y="4050945"/>
+                <a:ext cx="473693" cy="312254"/>
+              </a:xfrm>
+              <a:prstGeom prst="rect">
+                <a:avLst/>
+              </a:prstGeom>
+              <a:noFill/>
+            </p:spPr>
+            <p:txBody>
+              <a:bodyPr wrap="square" rtlCol="0">
+                <a:spAutoFit/>
+              </a:bodyPr>
+              <a:lstStyle/>
+              <a:p>
+                <a:r>
+                  <a:rPr lang="en-US" sz="1600" dirty="0">
+                    <a:latin typeface="Avenir Book" panose="02000503020000020003" pitchFamily="2" charset="0"/>
+                  </a:rPr>
+                  <a:t>H</a:t>
+                </a:r>
+                <a:r>
+                  <a:rPr lang="en-US" sz="1600" baseline="30000" dirty="0">
+                    <a:latin typeface="Avenir Book" panose="02000503020000020003" pitchFamily="2" charset="0"/>
+                  </a:rPr>
+                  <a:t>+</a:t>
+                </a:r>
+                <a:endParaRPr lang="en-US" sz="1600" dirty="0">
+                  <a:latin typeface="Avenir Book" panose="02000503020000020003" pitchFamily="2" charset="0"/>
+                </a:endParaRPr>
+              </a:p>
+            </p:txBody>
+          </p:sp>
+        </p:grpSp>
+        <p:grpSp>
+          <p:nvGrpSpPr>
+            <p:cNvPr id="22" name="Group 21">
+              <a:extLst>
+                <a:ext uri="{FF2B5EF4-FFF2-40B4-BE49-F238E27FC236}">
+                  <a16:creationId xmlns:a16="http://schemas.microsoft.com/office/drawing/2014/main" id="{BAC384DC-CEAE-2945-B9B3-E0A9E9973331}"/>
+                </a:ext>
+              </a:extLst>
+            </p:cNvPr>
+            <p:cNvGrpSpPr/>
+            <p:nvPr/>
+          </p:nvGrpSpPr>
+          <p:grpSpPr>
+            <a:xfrm>
+              <a:off x="8254630" y="4450090"/>
+              <a:ext cx="1213067" cy="1105265"/>
+              <a:chOff x="8976955" y="3570537"/>
+              <a:chExt cx="1213067" cy="1105265"/>
+            </a:xfrm>
+          </p:grpSpPr>
+          <p:sp>
+            <p:nvSpPr>
+              <p:cNvPr id="23" name="Rounded Rectangle 22">
+                <a:extLst>
+                  <a:ext uri="{FF2B5EF4-FFF2-40B4-BE49-F238E27FC236}">
+                    <a16:creationId xmlns:a16="http://schemas.microsoft.com/office/drawing/2014/main" id="{6C93CF75-10FE-FE40-9B37-57FD77F5E570}"/>
+                  </a:ext>
+                </a:extLst>
+              </p:cNvPr>
+              <p:cNvSpPr/>
+              <p:nvPr/>
+            </p:nvSpPr>
+            <p:spPr>
+              <a:xfrm rot="18859408">
+                <a:off x="9292713" y="3663877"/>
+                <a:ext cx="200722" cy="655247"/>
+              </a:xfrm>
+              <a:prstGeom prst="roundRect">
+                <a:avLst/>
+              </a:prstGeom>
+              <a:noFill/>
+              <a:ln w="38100">
+                <a:solidFill>
+                  <a:srgbClr val="00B050"/>
+                </a:solidFill>
+              </a:ln>
+            </p:spPr>
+            <p:style>
+              <a:lnRef idx="2">
+                <a:schemeClr val="accent1">
+                  <a:shade val="50000"/>
+                </a:schemeClr>
+              </a:lnRef>
+              <a:fillRef idx="1">
+                <a:schemeClr val="accent1"/>
+              </a:fillRef>
+              <a:effectRef idx="0">
+                <a:schemeClr val="accent1"/>
+              </a:effectRef>
+              <a:fontRef idx="minor">
+                <a:schemeClr val="lt1"/>
+              </a:fontRef>
+            </p:style>
+            <p:txBody>
+              <a:bodyPr rtlCol="0" anchor="ctr"/>
+              <a:lstStyle/>
+              <a:p>
+                <a:pPr algn="ctr"/>
+                <a:endParaRPr lang="en-US"/>
+              </a:p>
+            </p:txBody>
+          </p:sp>
+          <p:cxnSp>
+            <p:nvCxnSpPr>
+              <p:cNvPr id="24" name="Straight Arrow Connector 23">
+                <a:extLst>
+                  <a:ext uri="{FF2B5EF4-FFF2-40B4-BE49-F238E27FC236}">
+                    <a16:creationId xmlns:a16="http://schemas.microsoft.com/office/drawing/2014/main" id="{49B6E735-3FC5-CA47-9807-36400CB8A346}"/>
+                  </a:ext>
+                </a:extLst>
+              </p:cNvPr>
+              <p:cNvCxnSpPr>
+                <a:cxnSpLocks/>
+              </p:cNvCxnSpPr>
+              <p:nvPr/>
+            </p:nvCxnSpPr>
+            <p:spPr>
+              <a:xfrm>
+                <a:off x="8976955" y="3570537"/>
+                <a:ext cx="845864" cy="827063"/>
+              </a:xfrm>
+              <a:prstGeom prst="straightConnector1">
+                <a:avLst/>
+              </a:prstGeom>
+              <a:ln>
+                <a:tailEnd type="triangle"/>
+              </a:ln>
+            </p:spPr>
+            <p:style>
+              <a:lnRef idx="1">
+                <a:schemeClr val="dk1"/>
+              </a:lnRef>
+              <a:fillRef idx="0">
+                <a:schemeClr val="dk1"/>
+              </a:fillRef>
+              <a:effectRef idx="0">
+                <a:schemeClr val="dk1"/>
+              </a:effectRef>
+              <a:fontRef idx="minor">
+                <a:schemeClr val="tx1"/>
+              </a:fontRef>
+            </p:style>
+          </p:cxnSp>
+          <p:sp>
+            <p:nvSpPr>
+              <p:cNvPr id="25" name="TextBox 24">
+                <a:extLst>
+                  <a:ext uri="{FF2B5EF4-FFF2-40B4-BE49-F238E27FC236}">
+                    <a16:creationId xmlns:a16="http://schemas.microsoft.com/office/drawing/2014/main" id="{CA1D6E22-5BC2-B245-B00F-6FCA9AE54100}"/>
+                  </a:ext>
+                </a:extLst>
+              </p:cNvPr>
+              <p:cNvSpPr txBox="1"/>
+              <p:nvPr/>
+            </p:nvSpPr>
+            <p:spPr>
+              <a:xfrm>
+                <a:off x="9716329" y="4363548"/>
+                <a:ext cx="473693" cy="312254"/>
+              </a:xfrm>
+              <a:prstGeom prst="rect">
+                <a:avLst/>
+              </a:prstGeom>
+              <a:noFill/>
+            </p:spPr>
+            <p:txBody>
+              <a:bodyPr wrap="square" rtlCol="0">
+                <a:spAutoFit/>
+              </a:bodyPr>
+              <a:lstStyle/>
+              <a:p>
+                <a:r>
+                  <a:rPr lang="en-US" sz="1600" dirty="0">
+                    <a:latin typeface="Avenir Book" panose="02000503020000020003" pitchFamily="2" charset="0"/>
+                  </a:rPr>
+                  <a:t>H</a:t>
+                </a:r>
+                <a:r>
+                  <a:rPr lang="en-US" sz="1600" baseline="30000" dirty="0">
+                    <a:latin typeface="Avenir Book" panose="02000503020000020003" pitchFamily="2" charset="0"/>
+                  </a:rPr>
+                  <a:t>+</a:t>
+                </a:r>
+                <a:endParaRPr lang="en-US" sz="1600" dirty="0">
+                  <a:latin typeface="Avenir Book" panose="02000503020000020003" pitchFamily="2" charset="0"/>
+                </a:endParaRPr>
+              </a:p>
+            </p:txBody>
+          </p:sp>
+        </p:grpSp>
+        <p:grpSp>
+          <p:nvGrpSpPr>
+            <p:cNvPr id="26" name="Group 25">
+              <a:extLst>
+                <a:ext uri="{FF2B5EF4-FFF2-40B4-BE49-F238E27FC236}">
+                  <a16:creationId xmlns:a16="http://schemas.microsoft.com/office/drawing/2014/main" id="{6038D714-53F7-4A4E-BE73-12EFB8DE7FB8}"/>
+                </a:ext>
+              </a:extLst>
+            </p:cNvPr>
+            <p:cNvGrpSpPr/>
+            <p:nvPr/>
+          </p:nvGrpSpPr>
+          <p:grpSpPr>
+            <a:xfrm>
+              <a:off x="6904801" y="3141807"/>
+              <a:ext cx="1058341" cy="1227656"/>
+              <a:chOff x="7563364" y="2634161"/>
+              <a:chExt cx="1058341" cy="1227656"/>
+            </a:xfrm>
+          </p:grpSpPr>
+          <p:graphicFrame>
+            <p:nvGraphicFramePr>
+              <p:cNvPr id="27" name="Diagram 26">
+                <a:extLst>
+                  <a:ext uri="{FF2B5EF4-FFF2-40B4-BE49-F238E27FC236}">
+                    <a16:creationId xmlns:a16="http://schemas.microsoft.com/office/drawing/2014/main" id="{F64BB161-C9D0-6344-BFB4-D3D76F12C682}"/>
+                  </a:ext>
+                </a:extLst>
+              </p:cNvPr>
+              <p:cNvGraphicFramePr/>
+              <p:nvPr/>
+            </p:nvGraphicFramePr>
+            <p:xfrm>
+              <a:off x="7563364" y="2797421"/>
+              <a:ext cx="1058341" cy="1064396"/>
+            </p:xfrm>
+            <a:graphic>
+              <a:graphicData uri="http://schemas.openxmlformats.org/drawingml/2006/diagram">
+                <dgm:relIds xmlns:dgm="http://schemas.openxmlformats.org/drawingml/2006/diagram" xmlns:r="http://schemas.openxmlformats.org/officeDocument/2006/relationships" r:dm="rId2" r:lo="rId3" r:qs="rId4" r:cs="rId5"/>
+              </a:graphicData>
+            </a:graphic>
+          </p:graphicFrame>
+          <p:cxnSp>
+            <p:nvCxnSpPr>
+              <p:cNvPr id="28" name="Curved Connector 27">
+                <a:extLst>
+                  <a:ext uri="{FF2B5EF4-FFF2-40B4-BE49-F238E27FC236}">
+                    <a16:creationId xmlns:a16="http://schemas.microsoft.com/office/drawing/2014/main" id="{C2616E04-A3FD-C14B-910B-7E2FAAE99851}"/>
+                  </a:ext>
+                </a:extLst>
+              </p:cNvPr>
+              <p:cNvCxnSpPr>
+                <a:cxnSpLocks/>
+                <a:endCxn id="17" idx="2"/>
+              </p:cNvCxnSpPr>
+              <p:nvPr/>
+            </p:nvCxnSpPr>
+            <p:spPr>
+              <a:xfrm rot="5400000" flipH="1" flipV="1">
+                <a:off x="7943273" y="2669830"/>
+                <a:ext cx="555466" cy="484128"/>
+              </a:xfrm>
+              <a:prstGeom prst="curvedConnector3">
+                <a:avLst>
+                  <a:gd name="adj1" fmla="val 50000"/>
+                </a:avLst>
+              </a:prstGeom>
+              <a:ln>
+                <a:tailEnd type="triangle"/>
+              </a:ln>
+            </p:spPr>
+            <p:style>
+              <a:lnRef idx="1">
+                <a:schemeClr val="dk1"/>
+              </a:lnRef>
+              <a:fillRef idx="0">
+                <a:schemeClr val="dk1"/>
+              </a:fillRef>
+              <a:effectRef idx="0">
+                <a:schemeClr val="dk1"/>
+              </a:effectRef>
+              <a:fontRef idx="minor">
+                <a:schemeClr val="tx1"/>
+              </a:fontRef>
+            </p:style>
+          </p:cxnSp>
+          <p:sp>
+            <p:nvSpPr>
+              <p:cNvPr id="29" name="TextBox 28">
+                <a:extLst>
+                  <a:ext uri="{FF2B5EF4-FFF2-40B4-BE49-F238E27FC236}">
+                    <a16:creationId xmlns:a16="http://schemas.microsoft.com/office/drawing/2014/main" id="{EF7FC300-8A3E-314C-8084-5D04689FA423}"/>
+                  </a:ext>
+                </a:extLst>
+              </p:cNvPr>
+              <p:cNvSpPr txBox="1"/>
+              <p:nvPr/>
+            </p:nvSpPr>
+            <p:spPr>
+              <a:xfrm>
+                <a:off x="7780791" y="3198873"/>
+                <a:ext cx="650418" cy="276999"/>
+              </a:xfrm>
+              <a:prstGeom prst="rect">
+                <a:avLst/>
+              </a:prstGeom>
+              <a:noFill/>
+            </p:spPr>
+            <p:txBody>
+              <a:bodyPr wrap="square" rtlCol="0">
+                <a:spAutoFit/>
+              </a:bodyPr>
+              <a:lstStyle/>
+              <a:p>
+                <a:r>
+                  <a:rPr lang="en-US" sz="1200" dirty="0">
+                    <a:latin typeface="Avenir Book" panose="02000503020000020003" pitchFamily="2" charset="0"/>
+                  </a:rPr>
+                  <a:t>TX/TL</a:t>
+                </a:r>
+              </a:p>
+            </p:txBody>
+          </p:sp>
+        </p:grpSp>
+        <p:sp>
+          <p:nvSpPr>
+            <p:cNvPr id="30" name="TextBox 29">
+              <a:extLst>
+                <a:ext uri="{FF2B5EF4-FFF2-40B4-BE49-F238E27FC236}">
+                  <a16:creationId xmlns:a16="http://schemas.microsoft.com/office/drawing/2014/main" id="{AE75B5DB-49C3-F54B-9198-3FA01208ABAB}"/>
+                </a:ext>
+              </a:extLst>
+            </p:cNvPr>
+            <p:cNvSpPr txBox="1"/>
+            <p:nvPr/>
+          </p:nvSpPr>
+          <p:spPr>
+            <a:xfrm>
+              <a:off x="8319338" y="4061994"/>
+              <a:ext cx="845864" cy="276999"/>
+            </a:xfrm>
+            <a:prstGeom prst="rect">
+              <a:avLst/>
+            </a:prstGeom>
+            <a:noFill/>
+          </p:spPr>
+          <p:txBody>
+            <a:bodyPr wrap="square" rtlCol="0">
+              <a:spAutoFit/>
+            </a:bodyPr>
+            <a:lstStyle/>
+            <a:p>
+              <a:r>
+                <a:rPr lang="en-US" sz="1200" dirty="0">
+                  <a:latin typeface="Avenir Book" panose="02000503020000020003" pitchFamily="2" charset="0"/>
+                </a:rPr>
+                <a:t>ADP + Pi</a:t>
+              </a:r>
+            </a:p>
+          </p:txBody>
+        </p:sp>
+        <p:cxnSp>
+          <p:nvCxnSpPr>
+            <p:cNvPr id="31" name="Curved Connector 30">
+              <a:extLst>
+                <a:ext uri="{FF2B5EF4-FFF2-40B4-BE49-F238E27FC236}">
+                  <a16:creationId xmlns:a16="http://schemas.microsoft.com/office/drawing/2014/main" id="{8B67CCC3-96ED-B24A-8A0C-89CC5CC25A69}"/>
+                </a:ext>
+              </a:extLst>
+            </p:cNvPr>
+            <p:cNvCxnSpPr>
+              <a:cxnSpLocks/>
+            </p:cNvCxnSpPr>
+            <p:nvPr/>
+          </p:nvCxnSpPr>
+          <p:spPr>
+            <a:xfrm flipV="1">
+              <a:off x="8154456" y="4358902"/>
+              <a:ext cx="351611" cy="336440"/>
+            </a:xfrm>
+            <a:prstGeom prst="curvedConnector2">
+              <a:avLst/>
+            </a:prstGeom>
+            <a:ln>
+              <a:tailEnd type="triangle"/>
+            </a:ln>
+          </p:spPr>
+          <p:style>
+            <a:lnRef idx="1">
+              <a:schemeClr val="dk1"/>
+            </a:lnRef>
+            <a:fillRef idx="0">
+              <a:schemeClr val="dk1"/>
+            </a:fillRef>
+            <a:effectRef idx="0">
+              <a:schemeClr val="dk1"/>
+            </a:effectRef>
+            <a:fontRef idx="minor">
+              <a:schemeClr val="tx1"/>
+            </a:fontRef>
+          </p:style>
+        </p:cxnSp>
+        <p:sp>
+          <p:nvSpPr>
+            <p:cNvPr id="32" name="TextBox 31">
+              <a:extLst>
+                <a:ext uri="{FF2B5EF4-FFF2-40B4-BE49-F238E27FC236}">
+                  <a16:creationId xmlns:a16="http://schemas.microsoft.com/office/drawing/2014/main" id="{9DBD1EA9-16B3-7B4B-8402-39837C9381B1}"/>
+                </a:ext>
+              </a:extLst>
+            </p:cNvPr>
+            <p:cNvSpPr txBox="1"/>
+            <p:nvPr/>
+          </p:nvSpPr>
+          <p:spPr>
+            <a:xfrm>
+              <a:off x="7775965" y="4541993"/>
+              <a:ext cx="481729" cy="276999"/>
+            </a:xfrm>
+            <a:prstGeom prst="rect">
+              <a:avLst/>
+            </a:prstGeom>
+            <a:noFill/>
+          </p:spPr>
+          <p:txBody>
+            <a:bodyPr wrap="square" rtlCol="0">
+              <a:spAutoFit/>
+            </a:bodyPr>
+            <a:lstStyle/>
+            <a:p>
+              <a:r>
+                <a:rPr lang="en-US" sz="1200" dirty="0">
+                  <a:latin typeface="Avenir Book" panose="02000503020000020003" pitchFamily="2" charset="0"/>
+                </a:rPr>
+                <a:t>ATP </a:t>
+              </a:r>
+            </a:p>
+          </p:txBody>
+        </p:sp>
+        <p:cxnSp>
+          <p:nvCxnSpPr>
+            <p:cNvPr id="33" name="Curved Connector 32">
+              <a:extLst>
+                <a:ext uri="{FF2B5EF4-FFF2-40B4-BE49-F238E27FC236}">
+                  <a16:creationId xmlns:a16="http://schemas.microsoft.com/office/drawing/2014/main" id="{6B490D79-BC83-094B-83F3-15C2E32801CB}"/>
+                </a:ext>
+              </a:extLst>
+            </p:cNvPr>
+            <p:cNvCxnSpPr>
+              <a:cxnSpLocks/>
+            </p:cNvCxnSpPr>
+            <p:nvPr/>
+          </p:nvCxnSpPr>
+          <p:spPr>
+            <a:xfrm rot="10800000" flipV="1">
+              <a:off x="7668495" y="3506528"/>
+              <a:ext cx="984918" cy="445759"/>
+            </a:xfrm>
+            <a:prstGeom prst="curvedConnector3">
+              <a:avLst>
+                <a:gd name="adj1" fmla="val 3580"/>
+              </a:avLst>
+            </a:prstGeom>
+            <a:ln>
+              <a:tailEnd type="triangle"/>
+            </a:ln>
+          </p:spPr>
+          <p:style>
+            <a:lnRef idx="1">
+              <a:schemeClr val="dk1"/>
+            </a:lnRef>
+            <a:fillRef idx="0">
+              <a:schemeClr val="dk1"/>
+            </a:fillRef>
+            <a:effectRef idx="0">
+              <a:schemeClr val="dk1"/>
+            </a:effectRef>
+            <a:fontRef idx="minor">
+              <a:schemeClr val="tx1"/>
+            </a:fontRef>
+          </p:style>
+        </p:cxnSp>
+      </p:grpSp>
+      <p:pic>
+        <p:nvPicPr>
+          <p:cNvPr id="36" name="Picture 35" descr="A close up of a map&#10;&#10;Description automatically generated">
+            <a:extLst>
+              <a:ext uri="{FF2B5EF4-FFF2-40B4-BE49-F238E27FC236}">
+                <a16:creationId xmlns:a16="http://schemas.microsoft.com/office/drawing/2014/main" id="{C61A7383-078E-9F49-B7CC-7917BFCF2D0C}"/>
+              </a:ext>
+            </a:extLst>
+          </p:cNvPr>
+          <p:cNvPicPr>
+            <a:picLocks noChangeAspect="1"/>
+          </p:cNvPicPr>
+          <p:nvPr/>
+        </p:nvPicPr>
+        <p:blipFill>
+          <a:blip r:embed="rId7"/>
+          <a:stretch>
+            <a:fillRect/>
+          </a:stretch>
+        </p:blipFill>
+        <p:spPr>
+          <a:xfrm>
+            <a:off x="628105" y="1577678"/>
+            <a:ext cx="5878286" cy="4572000"/>
+          </a:xfrm>
+          <a:prstGeom prst="rect">
+            <a:avLst/>
+          </a:prstGeom>
+        </p:spPr>
+      </p:pic>
     </p:spTree>
     <p:extLst>
       <p:ext uri="{BB962C8B-B14F-4D97-AF65-F5344CB8AC3E}">

--- a/miscellaneous/presentations/20200825_labmtg.pptx
+++ b/miscellaneous/presentations/20200825_labmtg.pptx
@@ -2130,7 +2130,7 @@
   <dgm:whole/>
   <dgm:extLst>
     <a:ext uri="http://schemas.microsoft.com/office/drawing/2008/diagram">
-      <dsp:dataModelExt xmlns:dsp="http://schemas.microsoft.com/office/drawing/2008/diagram" relId="rId6" minVer="http://schemas.openxmlformats.org/drawingml/2006/diagram"/>
+      <dsp:dataModelExt xmlns:dsp="http://schemas.microsoft.com/office/drawing/2008/diagram" relId="rId7" minVer="http://schemas.openxmlformats.org/drawingml/2006/diagram"/>
     </a:ext>
   </dgm:extLst>
 </dgm:dataModel>
@@ -2512,7 +2512,7 @@
   <dgm:whole/>
   <dgm:extLst>
     <a:ext uri="http://schemas.microsoft.com/office/drawing/2008/diagram">
-      <dsp:dataModelExt xmlns:dsp="http://schemas.microsoft.com/office/drawing/2008/diagram" relId="rId6" minVer="http://schemas.openxmlformats.org/drawingml/2006/diagram"/>
+      <dsp:dataModelExt xmlns:dsp="http://schemas.microsoft.com/office/drawing/2008/diagram" relId="rId7" minVer="http://schemas.openxmlformats.org/drawingml/2006/diagram"/>
     </a:ext>
   </dgm:extLst>
 </dgm:dataModel>
@@ -6797,14 +6797,7 @@
           <a:bodyPr/>
           <a:lstStyle/>
           <a:p>
-            <a:r>
-              <a:rPr lang="en-US" dirty="0">
-                <a:solidFill>
-                  <a:srgbClr val="FF0000"/>
-                </a:solidFill>
-              </a:rPr>
-              <a:t>Recheck plots</a:t>
-            </a:r>
+            <a:endParaRPr lang="en-US" dirty="0"/>
           </a:p>
         </p:txBody>
       </p:sp>
@@ -6825,6 +6818,265 @@
           <a:p>
             <a:fld id="{E664AA93-6F0D-5A4C-B7F1-05D840C85487}" type="slidenum">
               <a:rPr lang="en-US" smtClean="0"/>
+              <a:t>5</a:t>
+            </a:fld>
+            <a:endParaRPr lang="en-US"/>
+          </a:p>
+        </p:txBody>
+      </p:sp>
+    </p:spTree>
+    <p:extLst>
+      <p:ext uri="{BB962C8B-B14F-4D97-AF65-F5344CB8AC3E}">
+        <p14:creationId xmlns:p14="http://schemas.microsoft.com/office/powerpoint/2010/main" val="4044222828"/>
+      </p:ext>
+    </p:extLst>
+  </p:cSld>
+  <p:clrMapOvr>
+    <a:masterClrMapping/>
+  </p:clrMapOvr>
+</p:notes>
+</file>
+
+<file path=ppt/notesSlides/notesSlide2.xml><?xml version="1.0" encoding="utf-8"?>
+<p:notes xmlns:a="http://schemas.openxmlformats.org/drawingml/2006/main" xmlns:r="http://schemas.openxmlformats.org/officeDocument/2006/relationships" xmlns:p="http://schemas.openxmlformats.org/presentationml/2006/main">
+  <p:cSld>
+    <p:spTree>
+      <p:nvGrpSpPr>
+        <p:cNvPr id="1" name=""/>
+        <p:cNvGrpSpPr/>
+        <p:nvPr/>
+      </p:nvGrpSpPr>
+      <p:grpSpPr>
+        <a:xfrm>
+          <a:off x="0" y="0"/>
+          <a:ext cx="0" cy="0"/>
+          <a:chOff x="0" y="0"/>
+          <a:chExt cx="0" cy="0"/>
+        </a:xfrm>
+      </p:grpSpPr>
+      <p:sp>
+        <p:nvSpPr>
+          <p:cNvPr id="2" name="Slide Image Placeholder 1"/>
+          <p:cNvSpPr>
+            <a:spLocks noGrp="1" noRot="1" noChangeAspect="1"/>
+          </p:cNvSpPr>
+          <p:nvPr>
+            <p:ph type="sldImg"/>
+          </p:nvPr>
+        </p:nvSpPr>
+        <p:spPr/>
+      </p:sp>
+      <p:sp>
+        <p:nvSpPr>
+          <p:cNvPr id="3" name="Notes Placeholder 2"/>
+          <p:cNvSpPr>
+            <a:spLocks noGrp="1"/>
+          </p:cNvSpPr>
+          <p:nvPr>
+            <p:ph type="body" idx="1"/>
+          </p:nvPr>
+        </p:nvSpPr>
+        <p:spPr/>
+        <p:txBody>
+          <a:bodyPr/>
+          <a:lstStyle/>
+          <a:p>
+            <a:endParaRPr lang="en-US" dirty="0"/>
+          </a:p>
+        </p:txBody>
+      </p:sp>
+      <p:sp>
+        <p:nvSpPr>
+          <p:cNvPr id="4" name="Slide Number Placeholder 3"/>
+          <p:cNvSpPr>
+            <a:spLocks noGrp="1"/>
+          </p:cNvSpPr>
+          <p:nvPr>
+            <p:ph type="sldNum" sz="quarter" idx="5"/>
+          </p:nvPr>
+        </p:nvSpPr>
+        <p:spPr/>
+        <p:txBody>
+          <a:bodyPr/>
+          <a:lstStyle/>
+          <a:p>
+            <a:fld id="{E664AA93-6F0D-5A4C-B7F1-05D840C85487}" type="slidenum">
+              <a:rPr lang="en-US" smtClean="0"/>
+              <a:t>8</a:t>
+            </a:fld>
+            <a:endParaRPr lang="en-US"/>
+          </a:p>
+        </p:txBody>
+      </p:sp>
+    </p:spTree>
+    <p:extLst>
+      <p:ext uri="{BB962C8B-B14F-4D97-AF65-F5344CB8AC3E}">
+        <p14:creationId xmlns:p14="http://schemas.microsoft.com/office/powerpoint/2010/main" val="2616987978"/>
+      </p:ext>
+    </p:extLst>
+  </p:cSld>
+  <p:clrMapOvr>
+    <a:masterClrMapping/>
+  </p:clrMapOvr>
+</p:notes>
+</file>
+
+<file path=ppt/notesSlides/notesSlide3.xml><?xml version="1.0" encoding="utf-8"?>
+<p:notes xmlns:a="http://schemas.openxmlformats.org/drawingml/2006/main" xmlns:r="http://schemas.openxmlformats.org/officeDocument/2006/relationships" xmlns:p="http://schemas.openxmlformats.org/presentationml/2006/main">
+  <p:cSld>
+    <p:spTree>
+      <p:nvGrpSpPr>
+        <p:cNvPr id="1" name=""/>
+        <p:cNvGrpSpPr/>
+        <p:nvPr/>
+      </p:nvGrpSpPr>
+      <p:grpSpPr>
+        <a:xfrm>
+          <a:off x="0" y="0"/>
+          <a:ext cx="0" cy="0"/>
+          <a:chOff x="0" y="0"/>
+          <a:chExt cx="0" cy="0"/>
+        </a:xfrm>
+      </p:grpSpPr>
+      <p:sp>
+        <p:nvSpPr>
+          <p:cNvPr id="2" name="Slide Image Placeholder 1"/>
+          <p:cNvSpPr>
+            <a:spLocks noGrp="1" noRot="1" noChangeAspect="1"/>
+          </p:cNvSpPr>
+          <p:nvPr>
+            <p:ph type="sldImg"/>
+          </p:nvPr>
+        </p:nvSpPr>
+        <p:spPr/>
+      </p:sp>
+      <p:sp>
+        <p:nvSpPr>
+          <p:cNvPr id="3" name="Notes Placeholder 2"/>
+          <p:cNvSpPr>
+            <a:spLocks noGrp="1"/>
+          </p:cNvSpPr>
+          <p:nvPr>
+            <p:ph type="body" idx="1"/>
+          </p:nvPr>
+        </p:nvSpPr>
+        <p:spPr/>
+        <p:txBody>
+          <a:bodyPr/>
+          <a:lstStyle/>
+          <a:p>
+            <a:endParaRPr lang="en-US" dirty="0"/>
+          </a:p>
+        </p:txBody>
+      </p:sp>
+      <p:sp>
+        <p:nvSpPr>
+          <p:cNvPr id="4" name="Slide Number Placeholder 3"/>
+          <p:cNvSpPr>
+            <a:spLocks noGrp="1"/>
+          </p:cNvSpPr>
+          <p:nvPr>
+            <p:ph type="sldNum" sz="quarter" idx="5"/>
+          </p:nvPr>
+        </p:nvSpPr>
+        <p:spPr/>
+        <p:txBody>
+          <a:bodyPr/>
+          <a:lstStyle/>
+          <a:p>
+            <a:fld id="{E664AA93-6F0D-5A4C-B7F1-05D840C85487}" type="slidenum">
+              <a:rPr lang="en-US" smtClean="0"/>
+              <a:t>9</a:t>
+            </a:fld>
+            <a:endParaRPr lang="en-US"/>
+          </a:p>
+        </p:txBody>
+      </p:sp>
+    </p:spTree>
+    <p:extLst>
+      <p:ext uri="{BB962C8B-B14F-4D97-AF65-F5344CB8AC3E}">
+        <p14:creationId xmlns:p14="http://schemas.microsoft.com/office/powerpoint/2010/main" val="3301886910"/>
+      </p:ext>
+    </p:extLst>
+  </p:cSld>
+  <p:clrMapOvr>
+    <a:masterClrMapping/>
+  </p:clrMapOvr>
+</p:notes>
+</file>
+
+<file path=ppt/notesSlides/notesSlide4.xml><?xml version="1.0" encoding="utf-8"?>
+<p:notes xmlns:a="http://schemas.openxmlformats.org/drawingml/2006/main" xmlns:r="http://schemas.openxmlformats.org/officeDocument/2006/relationships" xmlns:p="http://schemas.openxmlformats.org/presentationml/2006/main">
+  <p:cSld>
+    <p:spTree>
+      <p:nvGrpSpPr>
+        <p:cNvPr id="1" name=""/>
+        <p:cNvGrpSpPr/>
+        <p:nvPr/>
+      </p:nvGrpSpPr>
+      <p:grpSpPr>
+        <a:xfrm>
+          <a:off x="0" y="0"/>
+          <a:ext cx="0" cy="0"/>
+          <a:chOff x="0" y="0"/>
+          <a:chExt cx="0" cy="0"/>
+        </a:xfrm>
+      </p:grpSpPr>
+      <p:sp>
+        <p:nvSpPr>
+          <p:cNvPr id="2" name="Slide Image Placeholder 1"/>
+          <p:cNvSpPr>
+            <a:spLocks noGrp="1" noRot="1" noChangeAspect="1"/>
+          </p:cNvSpPr>
+          <p:nvPr>
+            <p:ph type="sldImg"/>
+          </p:nvPr>
+        </p:nvSpPr>
+        <p:spPr/>
+      </p:sp>
+      <p:sp>
+        <p:nvSpPr>
+          <p:cNvPr id="3" name="Notes Placeholder 2"/>
+          <p:cNvSpPr>
+            <a:spLocks noGrp="1"/>
+          </p:cNvSpPr>
+          <p:nvPr>
+            <p:ph type="body" idx="1"/>
+          </p:nvPr>
+        </p:nvSpPr>
+        <p:spPr/>
+        <p:txBody>
+          <a:bodyPr/>
+          <a:lstStyle/>
+          <a:p>
+            <a:r>
+              <a:rPr lang="en-US" dirty="0">
+                <a:solidFill>
+                  <a:srgbClr val="FF0000"/>
+                </a:solidFill>
+              </a:rPr>
+              <a:t>Recheck plots</a:t>
+            </a:r>
+          </a:p>
+        </p:txBody>
+      </p:sp>
+      <p:sp>
+        <p:nvSpPr>
+          <p:cNvPr id="4" name="Slide Number Placeholder 3"/>
+          <p:cNvSpPr>
+            <a:spLocks noGrp="1"/>
+          </p:cNvSpPr>
+          <p:nvPr>
+            <p:ph type="sldNum" sz="quarter" idx="5"/>
+          </p:nvPr>
+        </p:nvSpPr>
+        <p:spPr/>
+        <p:txBody>
+          <a:bodyPr/>
+          <a:lstStyle/>
+          <a:p>
+            <a:fld id="{E664AA93-6F0D-5A4C-B7F1-05D840C85487}" type="slidenum">
+              <a:rPr lang="en-US" smtClean="0"/>
               <a:t>10</a:t>
             </a:fld>
             <a:endParaRPr lang="en-US"/>
@@ -6844,7 +7096,91 @@
 </p:notes>
 </file>
 
-<file path=ppt/notesSlides/notesSlide2.xml><?xml version="1.0" encoding="utf-8"?>
+<file path=ppt/notesSlides/notesSlide5.xml><?xml version="1.0" encoding="utf-8"?>
+<p:notes xmlns:a="http://schemas.openxmlformats.org/drawingml/2006/main" xmlns:r="http://schemas.openxmlformats.org/officeDocument/2006/relationships" xmlns:p="http://schemas.openxmlformats.org/presentationml/2006/main">
+  <p:cSld>
+    <p:spTree>
+      <p:nvGrpSpPr>
+        <p:cNvPr id="1" name=""/>
+        <p:cNvGrpSpPr/>
+        <p:nvPr/>
+      </p:nvGrpSpPr>
+      <p:grpSpPr>
+        <a:xfrm>
+          <a:off x="0" y="0"/>
+          <a:ext cx="0" cy="0"/>
+          <a:chOff x="0" y="0"/>
+          <a:chExt cx="0" cy="0"/>
+        </a:xfrm>
+      </p:grpSpPr>
+      <p:sp>
+        <p:nvSpPr>
+          <p:cNvPr id="2" name="Slide Image Placeholder 1"/>
+          <p:cNvSpPr>
+            <a:spLocks noGrp="1" noRot="1" noChangeAspect="1"/>
+          </p:cNvSpPr>
+          <p:nvPr>
+            <p:ph type="sldImg"/>
+          </p:nvPr>
+        </p:nvSpPr>
+        <p:spPr/>
+      </p:sp>
+      <p:sp>
+        <p:nvSpPr>
+          <p:cNvPr id="3" name="Notes Placeholder 2"/>
+          <p:cNvSpPr>
+            <a:spLocks noGrp="1"/>
+          </p:cNvSpPr>
+          <p:nvPr>
+            <p:ph type="body" idx="1"/>
+          </p:nvPr>
+        </p:nvSpPr>
+        <p:spPr/>
+        <p:txBody>
+          <a:bodyPr/>
+          <a:lstStyle/>
+          <a:p>
+            <a:endParaRPr lang="en-US" dirty="0"/>
+          </a:p>
+        </p:txBody>
+      </p:sp>
+      <p:sp>
+        <p:nvSpPr>
+          <p:cNvPr id="4" name="Slide Number Placeholder 3"/>
+          <p:cNvSpPr>
+            <a:spLocks noGrp="1"/>
+          </p:cNvSpPr>
+          <p:nvPr>
+            <p:ph type="sldNum" sz="quarter" idx="5"/>
+          </p:nvPr>
+        </p:nvSpPr>
+        <p:spPr/>
+        <p:txBody>
+          <a:bodyPr/>
+          <a:lstStyle/>
+          <a:p>
+            <a:fld id="{E664AA93-6F0D-5A4C-B7F1-05D840C85487}" type="slidenum">
+              <a:rPr lang="en-US" smtClean="0"/>
+              <a:t>12</a:t>
+            </a:fld>
+            <a:endParaRPr lang="en-US"/>
+          </a:p>
+        </p:txBody>
+      </p:sp>
+    </p:spTree>
+    <p:extLst>
+      <p:ext uri="{BB962C8B-B14F-4D97-AF65-F5344CB8AC3E}">
+        <p14:creationId xmlns:p14="http://schemas.microsoft.com/office/powerpoint/2010/main" val="3922440726"/>
+      </p:ext>
+    </p:extLst>
+  </p:cSld>
+  <p:clrMapOvr>
+    <a:masterClrMapping/>
+  </p:clrMapOvr>
+</p:notes>
+</file>
+
+<file path=ppt/notesSlides/notesSlide6.xml><?xml version="1.0" encoding="utf-8"?>
 <p:notes xmlns:a="http://schemas.openxmlformats.org/drawingml/2006/main" xmlns:r="http://schemas.openxmlformats.org/officeDocument/2006/relationships" xmlns:p="http://schemas.openxmlformats.org/presentationml/2006/main">
   <p:cSld>
     <p:spTree>
@@ -10654,10 +10990,10 @@
       </p:sp>
       <p:pic>
         <p:nvPicPr>
-          <p:cNvPr id="6" name="Picture 5" descr="A screenshot of a cell phone&#10;&#10;Description automatically generated">
+          <p:cNvPr id="9" name="Picture 8" descr="A close up of a map&#10;&#10;Description automatically generated">
             <a:extLst>
               <a:ext uri="{FF2B5EF4-FFF2-40B4-BE49-F238E27FC236}">
-                <a16:creationId xmlns:a16="http://schemas.microsoft.com/office/drawing/2014/main" id="{8C792E52-C05C-C146-8719-0D33CBA76423}"/>
+                <a16:creationId xmlns:a16="http://schemas.microsoft.com/office/drawing/2014/main" id="{22F67FA9-C117-DC44-8775-37020064D2F5}"/>
               </a:ext>
             </a:extLst>
           </p:cNvPr>
@@ -10674,8 +11010,8 @@
         </p:blipFill>
         <p:spPr>
           <a:xfrm>
-            <a:off x="1068265" y="1600200"/>
-            <a:ext cx="4702629" cy="3657600"/>
+            <a:off x="6201653" y="1452774"/>
+            <a:ext cx="5290457" cy="4114800"/>
           </a:xfrm>
           <a:prstGeom prst="rect">
             <a:avLst/>
@@ -10684,10 +11020,10 @@
       </p:pic>
       <p:pic>
         <p:nvPicPr>
-          <p:cNvPr id="7" name="Picture 6" descr="A close up of a map&#10;&#10;Description automatically generated">
+          <p:cNvPr id="11" name="Picture 10" descr="A screenshot of a cell phone&#10;&#10;Description automatically generated">
             <a:extLst>
               <a:ext uri="{FF2B5EF4-FFF2-40B4-BE49-F238E27FC236}">
-                <a16:creationId xmlns:a16="http://schemas.microsoft.com/office/drawing/2014/main" id="{0CE96582-058C-4348-9582-E4CC678216B7}"/>
+                <a16:creationId xmlns:a16="http://schemas.microsoft.com/office/drawing/2014/main" id="{F75DB027-FE91-0D4C-9705-9D0F9D2C7812}"/>
               </a:ext>
             </a:extLst>
           </p:cNvPr>
@@ -10704,8 +11040,8 @@
         </p:blipFill>
         <p:spPr>
           <a:xfrm>
-            <a:off x="6212296" y="1600200"/>
-            <a:ext cx="4702629" cy="3657600"/>
+            <a:off x="699892" y="1452774"/>
+            <a:ext cx="5290457" cy="4114800"/>
           </a:xfrm>
           <a:prstGeom prst="rect">
             <a:avLst/>
@@ -11925,7 +12261,7 @@
             <p:nvPr/>
           </p:nvPicPr>
           <p:blipFill>
-            <a:blip r:embed="rId2"/>
+            <a:blip r:embed="rId3"/>
             <a:stretch>
               <a:fillRect/>
             </a:stretch>
@@ -11955,7 +12291,7 @@
             <p:nvPr/>
           </p:nvPicPr>
           <p:blipFill rotWithShape="1">
-            <a:blip r:embed="rId3"/>
+            <a:blip r:embed="rId4"/>
             <a:srcRect l="48213" r="6998" b="4488"/>
             <a:stretch/>
           </p:blipFill>
@@ -11984,7 +12320,7 @@
             <p:nvPr/>
           </p:nvPicPr>
           <p:blipFill>
-            <a:blip r:embed="rId4"/>
+            <a:blip r:embed="rId5"/>
             <a:stretch>
               <a:fillRect/>
             </a:stretch>
@@ -12014,10 +12350,10 @@
         </p:nvGrpSpPr>
         <p:grpSpPr>
           <a:xfrm>
-            <a:off x="442379" y="5608204"/>
-            <a:ext cx="7033487" cy="837116"/>
-            <a:chOff x="34800014" y="20189177"/>
-            <a:chExt cx="8812265" cy="1296444"/>
+            <a:off x="442379" y="5597002"/>
+            <a:ext cx="7033487" cy="848319"/>
+            <a:chOff x="34800014" y="20171827"/>
+            <a:chExt cx="8812265" cy="1313794"/>
           </a:xfrm>
         </p:grpSpPr>
         <p:sp>
@@ -12287,8 +12623,8 @@
           </p:nvSpPr>
           <p:spPr>
             <a:xfrm>
-              <a:off x="35660307" y="20189177"/>
-              <a:ext cx="1481326" cy="714983"/>
+              <a:off x="35827277" y="20171827"/>
+              <a:ext cx="1481327" cy="714983"/>
             </a:xfrm>
             <a:prstGeom prst="rect">
               <a:avLst/>
@@ -12468,7 +12804,7 @@
           <p:nvPr/>
         </p:nvPicPr>
         <p:blipFill>
-          <a:blip r:embed="rId5"/>
+          <a:blip r:embed="rId6"/>
           <a:stretch>
             <a:fillRect/>
           </a:stretch>
@@ -12498,7 +12834,7 @@
           <p:nvPr/>
         </p:nvPicPr>
         <p:blipFill>
-          <a:blip r:embed="rId6"/>
+          <a:blip r:embed="rId7"/>
           <a:stretch>
             <a:fillRect/>
           </a:stretch>
@@ -16485,41 +16821,11 @@
         <p:grpSpPr>
           <a:xfrm>
             <a:off x="4422757" y="1404613"/>
-            <a:ext cx="6577038" cy="4724400"/>
+            <a:ext cx="6577038" cy="4606669"/>
             <a:chOff x="4498957" y="2611113"/>
-            <a:chExt cx="6577038" cy="4724400"/>
+            <a:chExt cx="6577038" cy="4606669"/>
           </a:xfrm>
         </p:grpSpPr>
-        <p:pic>
-          <p:nvPicPr>
-            <p:cNvPr id="7" name="Picture 6" descr="A close up of a map&#10;&#10;Description automatically generated">
-              <a:extLst>
-                <a:ext uri="{FF2B5EF4-FFF2-40B4-BE49-F238E27FC236}">
-                  <a16:creationId xmlns:a16="http://schemas.microsoft.com/office/drawing/2014/main" id="{4081133B-4A72-1C41-8738-B764A22ABD7E}"/>
-                </a:ext>
-              </a:extLst>
-            </p:cNvPr>
-            <p:cNvPicPr>
-              <a:picLocks noChangeAspect="1"/>
-            </p:cNvPicPr>
-            <p:nvPr/>
-          </p:nvPicPr>
-          <p:blipFill>
-            <a:blip r:embed="rId2"/>
-            <a:stretch>
-              <a:fillRect/>
-            </a:stretch>
-          </p:blipFill>
-          <p:spPr>
-            <a:xfrm>
-              <a:off x="4515536" y="5049513"/>
-              <a:ext cx="4114800" cy="2286000"/>
-            </a:xfrm>
-            <a:prstGeom prst="rect">
-              <a:avLst/>
-            </a:prstGeom>
-          </p:spPr>
-        </p:pic>
         <p:pic>
           <p:nvPicPr>
             <p:cNvPr id="8" name="Picture 7" descr="A screenshot of a cell phone&#10;&#10;Description automatically generated">
@@ -16675,6 +16981,72 @@
           <a:xfrm>
             <a:off x="1058873" y="1490541"/>
             <a:ext cx="1912005" cy="4400144"/>
+          </a:xfrm>
+          <a:prstGeom prst="rect">
+            <a:avLst/>
+          </a:prstGeom>
+        </p:spPr>
+      </p:pic>
+      <p:pic>
+        <p:nvPicPr>
+          <p:cNvPr id="13" name="Picture 12" descr="A close up of a piece of paper&#10;&#10;Description automatically generated">
+            <a:extLst>
+              <a:ext uri="{FF2B5EF4-FFF2-40B4-BE49-F238E27FC236}">
+                <a16:creationId xmlns:a16="http://schemas.microsoft.com/office/drawing/2014/main" id="{67ABAB01-899C-034B-A3D6-58EE90E80B63}"/>
+              </a:ext>
+            </a:extLst>
+          </p:cNvPr>
+          <p:cNvPicPr>
+            <a:picLocks noChangeAspect="1"/>
+          </p:cNvPicPr>
+          <p:nvPr/>
+        </p:nvPicPr>
+        <p:blipFill>
+          <a:blip r:embed="rId7">
+            <a:extLst>
+              <a:ext uri="{28A0092B-C50C-407E-A947-70E740481C1C}">
+                <a14:useLocalDpi xmlns:a14="http://schemas.microsoft.com/office/drawing/2010/main" val="0"/>
+              </a:ext>
+            </a:extLst>
+          </a:blip>
+          <a:stretch>
+            <a:fillRect/>
+          </a:stretch>
+        </p:blipFill>
+        <p:spPr>
+          <a:xfrm>
+            <a:off x="4422757" y="3725282"/>
+            <a:ext cx="4114800" cy="2286000"/>
+          </a:xfrm>
+          <a:prstGeom prst="rect">
+            <a:avLst/>
+          </a:prstGeom>
+        </p:spPr>
+      </p:pic>
+      <p:pic>
+        <p:nvPicPr>
+          <p:cNvPr id="15" name="Picture 14">
+            <a:extLst>
+              <a:ext uri="{FF2B5EF4-FFF2-40B4-BE49-F238E27FC236}">
+                <a16:creationId xmlns:a16="http://schemas.microsoft.com/office/drawing/2014/main" id="{D64719D3-D7A0-154C-A90D-52DEAF819D90}"/>
+              </a:ext>
+            </a:extLst>
+          </p:cNvPr>
+          <p:cNvPicPr>
+            <a:picLocks noChangeAspect="1"/>
+          </p:cNvPicPr>
+          <p:nvPr/>
+        </p:nvPicPr>
+        <p:blipFill>
+          <a:blip r:embed="rId8"/>
+          <a:stretch>
+            <a:fillRect/>
+          </a:stretch>
+        </p:blipFill>
+        <p:spPr>
+          <a:xfrm>
+            <a:off x="4367293" y="1868271"/>
+            <a:ext cx="245865" cy="1264447"/>
           </a:xfrm>
           <a:prstGeom prst="rect">
             <a:avLst/>
@@ -17362,948 +17734,969 @@
           </a:p>
         </p:txBody>
       </p:sp>
-      <p:sp>
-        <p:nvSpPr>
-          <p:cNvPr id="6" name="Rounded Rectangle 5">
+      <p:grpSp>
+        <p:nvGrpSpPr>
+          <p:cNvPr id="26" name="Group 25">
             <a:extLst>
               <a:ext uri="{FF2B5EF4-FFF2-40B4-BE49-F238E27FC236}">
-                <a16:creationId xmlns:a16="http://schemas.microsoft.com/office/drawing/2014/main" id="{34EF7CA4-D94C-AE4C-9CE9-366C95A8066D}"/>
+                <a16:creationId xmlns:a16="http://schemas.microsoft.com/office/drawing/2014/main" id="{9442E02A-10E3-C04F-AB79-9C74E275244E}"/>
               </a:ext>
             </a:extLst>
           </p:cNvPr>
-          <p:cNvSpPr/>
+          <p:cNvGrpSpPr/>
           <p:nvPr/>
-        </p:nvSpPr>
-        <p:spPr>
+        </p:nvGrpSpPr>
+        <p:grpSpPr>
           <a:xfrm>
-            <a:off x="425758" y="1332636"/>
-            <a:ext cx="1943100" cy="1073294"/>
+            <a:off x="425758" y="1107757"/>
+            <a:ext cx="11747493" cy="4430918"/>
+            <a:chOff x="425758" y="1107757"/>
+            <a:chExt cx="11747493" cy="4430918"/>
           </a:xfrm>
-          <a:prstGeom prst="roundRect">
-            <a:avLst/>
-          </a:prstGeom>
-          <a:solidFill>
-            <a:schemeClr val="accent4">
-              <a:lumMod val="20000"/>
-              <a:lumOff val="80000"/>
-            </a:schemeClr>
-          </a:solidFill>
-          <a:ln>
+        </p:grpSpPr>
+        <p:sp>
+          <p:nvSpPr>
+            <p:cNvPr id="6" name="Rounded Rectangle 5">
+              <a:extLst>
+                <a:ext uri="{FF2B5EF4-FFF2-40B4-BE49-F238E27FC236}">
+                  <a16:creationId xmlns:a16="http://schemas.microsoft.com/office/drawing/2014/main" id="{34EF7CA4-D94C-AE4C-9CE9-366C95A8066D}"/>
+                </a:ext>
+              </a:extLst>
+            </p:cNvPr>
+            <p:cNvSpPr/>
+            <p:nvPr/>
+          </p:nvSpPr>
+          <p:spPr>
+            <a:xfrm>
+              <a:off x="425758" y="1332636"/>
+              <a:ext cx="1943100" cy="1073294"/>
+            </a:xfrm>
+            <a:prstGeom prst="roundRect">
+              <a:avLst/>
+            </a:prstGeom>
             <a:solidFill>
+              <a:schemeClr val="accent4">
+                <a:lumMod val="20000"/>
+                <a:lumOff val="80000"/>
+              </a:schemeClr>
+            </a:solidFill>
+            <a:ln>
+              <a:solidFill>
+                <a:schemeClr val="tx1"/>
+              </a:solidFill>
+            </a:ln>
+          </p:spPr>
+          <p:style>
+            <a:lnRef idx="2">
+              <a:schemeClr val="accent1">
+                <a:shade val="50000"/>
+              </a:schemeClr>
+            </a:lnRef>
+            <a:fillRef idx="1">
+              <a:schemeClr val="accent1"/>
+            </a:fillRef>
+            <a:effectRef idx="0">
+              <a:schemeClr val="accent1"/>
+            </a:effectRef>
+            <a:fontRef idx="minor">
+              <a:schemeClr val="lt1"/>
+            </a:fontRef>
+          </p:style>
+          <p:txBody>
+            <a:bodyPr rtlCol="0" anchor="ctr"/>
+            <a:lstStyle/>
+            <a:p>
+              <a:pPr algn="ctr"/>
+              <a:r>
+                <a:rPr lang="en-US" dirty="0">
+                  <a:solidFill>
+                    <a:sysClr val="windowText" lastClr="000000"/>
+                  </a:solidFill>
+                  <a:latin typeface="Avenir Book" panose="02000503020000020003" pitchFamily="2" charset="0"/>
+                </a:rPr>
+                <a:t>ATP Synthase Transcription &amp; Translation</a:t>
+              </a:r>
+            </a:p>
+          </p:txBody>
+        </p:sp>
+        <p:sp>
+          <p:nvSpPr>
+            <p:cNvPr id="7" name="Rounded Rectangle 6">
+              <a:extLst>
+                <a:ext uri="{FF2B5EF4-FFF2-40B4-BE49-F238E27FC236}">
+                  <a16:creationId xmlns:a16="http://schemas.microsoft.com/office/drawing/2014/main" id="{FD8BFEA5-7D47-064A-AF0D-3F53033C334A}"/>
+                </a:ext>
+              </a:extLst>
+            </p:cNvPr>
+            <p:cNvSpPr/>
+            <p:nvPr/>
+          </p:nvSpPr>
+          <p:spPr>
+            <a:xfrm>
+              <a:off x="2860694" y="1332636"/>
+              <a:ext cx="1943100" cy="1073294"/>
+            </a:xfrm>
+            <a:prstGeom prst="roundRect">
+              <a:avLst/>
+            </a:prstGeom>
+            <a:solidFill>
+              <a:schemeClr val="accent4">
+                <a:lumMod val="20000"/>
+                <a:lumOff val="80000"/>
+              </a:schemeClr>
+            </a:solidFill>
+            <a:ln>
+              <a:solidFill>
+                <a:schemeClr val="tx1"/>
+              </a:solidFill>
+            </a:ln>
+          </p:spPr>
+          <p:style>
+            <a:lnRef idx="2">
+              <a:schemeClr val="accent1">
+                <a:shade val="50000"/>
+              </a:schemeClr>
+            </a:lnRef>
+            <a:fillRef idx="1">
+              <a:schemeClr val="accent1"/>
+            </a:fillRef>
+            <a:effectRef idx="0">
+              <a:schemeClr val="accent1"/>
+            </a:effectRef>
+            <a:fontRef idx="minor">
+              <a:schemeClr val="lt1"/>
+            </a:fontRef>
+          </p:style>
+          <p:txBody>
+            <a:bodyPr rtlCol="0" anchor="ctr"/>
+            <a:lstStyle/>
+            <a:p>
+              <a:pPr algn="ctr"/>
+              <a:r>
+                <a:rPr lang="en-US" dirty="0">
+                  <a:solidFill>
+                    <a:sysClr val="windowText" lastClr="000000"/>
+                  </a:solidFill>
+                  <a:latin typeface="Avenir Book" panose="02000503020000020003" pitchFamily="2" charset="0"/>
+                </a:rPr>
+                <a:t>ATP Synthase Membrane Integration</a:t>
+              </a:r>
+            </a:p>
+          </p:txBody>
+        </p:sp>
+        <p:sp>
+          <p:nvSpPr>
+            <p:cNvPr id="8" name="Rounded Rectangle 7">
+              <a:extLst>
+                <a:ext uri="{FF2B5EF4-FFF2-40B4-BE49-F238E27FC236}">
+                  <a16:creationId xmlns:a16="http://schemas.microsoft.com/office/drawing/2014/main" id="{A4CC21EC-B9B0-644D-8B22-F83F2712BEEF}"/>
+                </a:ext>
+              </a:extLst>
+            </p:cNvPr>
+            <p:cNvSpPr/>
+            <p:nvPr/>
+          </p:nvSpPr>
+          <p:spPr>
+            <a:xfrm>
+              <a:off x="5295630" y="1332636"/>
+              <a:ext cx="1943100" cy="1073294"/>
+            </a:xfrm>
+            <a:prstGeom prst="roundRect">
+              <a:avLst/>
+            </a:prstGeom>
+            <a:solidFill>
+              <a:schemeClr val="accent4">
+                <a:lumMod val="20000"/>
+                <a:lumOff val="80000"/>
+              </a:schemeClr>
+            </a:solidFill>
+            <a:ln>
+              <a:solidFill>
+                <a:schemeClr val="tx1"/>
+              </a:solidFill>
+            </a:ln>
+          </p:spPr>
+          <p:style>
+            <a:lnRef idx="2">
+              <a:schemeClr val="accent1">
+                <a:shade val="50000"/>
+              </a:schemeClr>
+            </a:lnRef>
+            <a:fillRef idx="1">
+              <a:schemeClr val="accent1"/>
+            </a:fillRef>
+            <a:effectRef idx="0">
+              <a:schemeClr val="accent1"/>
+            </a:effectRef>
+            <a:fontRef idx="minor">
+              <a:schemeClr val="lt1"/>
+            </a:fontRef>
+          </p:style>
+          <p:txBody>
+            <a:bodyPr rtlCol="0" anchor="ctr"/>
+            <a:lstStyle/>
+            <a:p>
+              <a:pPr algn="ctr"/>
+              <a:r>
+                <a:rPr lang="en-US" dirty="0">
+                  <a:solidFill>
+                    <a:sysClr val="windowText" lastClr="000000"/>
+                  </a:solidFill>
+                  <a:latin typeface="Avenir Book" panose="02000503020000020003" pitchFamily="2" charset="0"/>
+                </a:rPr>
+                <a:t>ATP Synthesis through ATP Synthase</a:t>
+              </a:r>
+            </a:p>
+          </p:txBody>
+        </p:sp>
+        <p:sp>
+          <p:nvSpPr>
+            <p:cNvPr id="9" name="Rounded Rectangle 8">
+              <a:extLst>
+                <a:ext uri="{FF2B5EF4-FFF2-40B4-BE49-F238E27FC236}">
+                  <a16:creationId xmlns:a16="http://schemas.microsoft.com/office/drawing/2014/main" id="{E5DD0724-8EDB-354A-8005-685F9AA9C287}"/>
+                </a:ext>
+              </a:extLst>
+            </p:cNvPr>
+            <p:cNvSpPr/>
+            <p:nvPr/>
+          </p:nvSpPr>
+          <p:spPr>
+            <a:xfrm>
+              <a:off x="425758" y="2773781"/>
+              <a:ext cx="1943100" cy="1073294"/>
+            </a:xfrm>
+            <a:prstGeom prst="roundRect">
+              <a:avLst/>
+            </a:prstGeom>
+            <a:solidFill>
+              <a:schemeClr val="accent6">
+                <a:lumMod val="20000"/>
+                <a:lumOff val="80000"/>
+              </a:schemeClr>
+            </a:solidFill>
+            <a:ln>
+              <a:solidFill>
+                <a:schemeClr val="tx1"/>
+              </a:solidFill>
+            </a:ln>
+          </p:spPr>
+          <p:style>
+            <a:lnRef idx="2">
+              <a:schemeClr val="accent1">
+                <a:shade val="50000"/>
+              </a:schemeClr>
+            </a:lnRef>
+            <a:fillRef idx="1">
+              <a:schemeClr val="accent1"/>
+            </a:fillRef>
+            <a:effectRef idx="0">
+              <a:schemeClr val="accent1"/>
+            </a:effectRef>
+            <a:fontRef idx="minor">
+              <a:schemeClr val="lt1"/>
+            </a:fontRef>
+          </p:style>
+          <p:txBody>
+            <a:bodyPr rtlCol="0" anchor="ctr"/>
+            <a:lstStyle/>
+            <a:p>
+              <a:pPr algn="ctr"/>
+              <a:r>
+                <a:rPr lang="en-US" dirty="0">
+                  <a:solidFill>
+                    <a:sysClr val="windowText" lastClr="000000"/>
+                  </a:solidFill>
+                  <a:latin typeface="Avenir Book" panose="02000503020000020003" pitchFamily="2" charset="0"/>
+                </a:rPr>
+                <a:t>Proton Pump Transcription &amp; Translation</a:t>
+              </a:r>
+            </a:p>
+          </p:txBody>
+        </p:sp>
+        <p:sp>
+          <p:nvSpPr>
+            <p:cNvPr id="10" name="Rounded Rectangle 9">
+              <a:extLst>
+                <a:ext uri="{FF2B5EF4-FFF2-40B4-BE49-F238E27FC236}">
+                  <a16:creationId xmlns:a16="http://schemas.microsoft.com/office/drawing/2014/main" id="{34AFC73E-F847-3346-A5B1-6C1C6E4D4A12}"/>
+                </a:ext>
+              </a:extLst>
+            </p:cNvPr>
+            <p:cNvSpPr/>
+            <p:nvPr/>
+          </p:nvSpPr>
+          <p:spPr>
+            <a:xfrm>
+              <a:off x="2860694" y="2773781"/>
+              <a:ext cx="1943100" cy="1073294"/>
+            </a:xfrm>
+            <a:prstGeom prst="roundRect">
+              <a:avLst/>
+            </a:prstGeom>
+            <a:solidFill>
+              <a:schemeClr val="accent6">
+                <a:lumMod val="20000"/>
+                <a:lumOff val="80000"/>
+              </a:schemeClr>
+            </a:solidFill>
+            <a:ln>
+              <a:solidFill>
+                <a:schemeClr val="tx1"/>
+              </a:solidFill>
+            </a:ln>
+          </p:spPr>
+          <p:style>
+            <a:lnRef idx="2">
+              <a:schemeClr val="accent1">
+                <a:shade val="50000"/>
+              </a:schemeClr>
+            </a:lnRef>
+            <a:fillRef idx="1">
+              <a:schemeClr val="accent1"/>
+            </a:fillRef>
+            <a:effectRef idx="0">
+              <a:schemeClr val="accent1"/>
+            </a:effectRef>
+            <a:fontRef idx="minor">
+              <a:schemeClr val="lt1"/>
+            </a:fontRef>
+          </p:style>
+          <p:txBody>
+            <a:bodyPr rtlCol="0" anchor="ctr"/>
+            <a:lstStyle/>
+            <a:p>
+              <a:pPr algn="ctr"/>
+              <a:r>
+                <a:rPr lang="en-US" dirty="0">
+                  <a:solidFill>
+                    <a:sysClr val="windowText" lastClr="000000"/>
+                  </a:solidFill>
+                  <a:latin typeface="Avenir Book" panose="02000503020000020003" pitchFamily="2" charset="0"/>
+                </a:rPr>
+                <a:t>Proton Pump Membrane Integration</a:t>
+              </a:r>
+            </a:p>
+          </p:txBody>
+        </p:sp>
+        <p:sp>
+          <p:nvSpPr>
+            <p:cNvPr id="11" name="Rounded Rectangle 10">
+              <a:extLst>
+                <a:ext uri="{FF2B5EF4-FFF2-40B4-BE49-F238E27FC236}">
+                  <a16:creationId xmlns:a16="http://schemas.microsoft.com/office/drawing/2014/main" id="{EF2CAC2B-CB31-EE4D-A539-163299CAE7E0}"/>
+                </a:ext>
+              </a:extLst>
+            </p:cNvPr>
+            <p:cNvSpPr/>
+            <p:nvPr/>
+          </p:nvSpPr>
+          <p:spPr>
+            <a:xfrm>
+              <a:off x="5295630" y="2773781"/>
+              <a:ext cx="1943100" cy="1073294"/>
+            </a:xfrm>
+            <a:prstGeom prst="roundRect">
+              <a:avLst/>
+            </a:prstGeom>
+            <a:solidFill>
+              <a:schemeClr val="accent6">
+                <a:lumMod val="20000"/>
+                <a:lumOff val="80000"/>
+              </a:schemeClr>
+            </a:solidFill>
+            <a:ln>
+              <a:solidFill>
+                <a:schemeClr val="tx1"/>
+              </a:solidFill>
+            </a:ln>
+          </p:spPr>
+          <p:style>
+            <a:lnRef idx="2">
+              <a:schemeClr val="accent1">
+                <a:shade val="50000"/>
+              </a:schemeClr>
+            </a:lnRef>
+            <a:fillRef idx="1">
+              <a:schemeClr val="accent1"/>
+            </a:fillRef>
+            <a:effectRef idx="0">
+              <a:schemeClr val="accent1"/>
+            </a:effectRef>
+            <a:fontRef idx="minor">
+              <a:schemeClr val="lt1"/>
+            </a:fontRef>
+          </p:style>
+          <p:txBody>
+            <a:bodyPr rtlCol="0" anchor="ctr"/>
+            <a:lstStyle/>
+            <a:p>
+              <a:pPr algn="ctr"/>
+              <a:r>
+                <a:rPr lang="en-US" sz="1600" dirty="0">
+                  <a:solidFill>
+                    <a:sysClr val="windowText" lastClr="000000"/>
+                  </a:solidFill>
+                  <a:latin typeface="Avenir Book" panose="02000503020000020003" pitchFamily="2" charset="0"/>
+                </a:rPr>
+                <a:t>Proton movement through Proton Pump</a:t>
+              </a:r>
+            </a:p>
+          </p:txBody>
+        </p:sp>
+        <p:sp>
+          <p:nvSpPr>
+            <p:cNvPr id="12" name="Rounded Rectangle 11">
+              <a:extLst>
+                <a:ext uri="{FF2B5EF4-FFF2-40B4-BE49-F238E27FC236}">
+                  <a16:creationId xmlns:a16="http://schemas.microsoft.com/office/drawing/2014/main" id="{A1BBBE7D-AF24-CA4D-B1FF-A2E565CE28EE}"/>
+                </a:ext>
+              </a:extLst>
+            </p:cNvPr>
+            <p:cNvSpPr/>
+            <p:nvPr/>
+          </p:nvSpPr>
+          <p:spPr>
+            <a:xfrm>
+              <a:off x="425758" y="4218415"/>
+              <a:ext cx="1943100" cy="1073294"/>
+            </a:xfrm>
+            <a:prstGeom prst="roundRect">
+              <a:avLst/>
+            </a:prstGeom>
+            <a:solidFill>
+              <a:schemeClr val="accent2">
+                <a:lumMod val="20000"/>
+                <a:lumOff val="80000"/>
+              </a:schemeClr>
+            </a:solidFill>
+            <a:ln>
+              <a:solidFill>
+                <a:schemeClr val="tx1"/>
+              </a:solidFill>
+            </a:ln>
+          </p:spPr>
+          <p:style>
+            <a:lnRef idx="2">
+              <a:schemeClr val="accent1">
+                <a:shade val="50000"/>
+              </a:schemeClr>
+            </a:lnRef>
+            <a:fillRef idx="1">
+              <a:schemeClr val="accent1"/>
+            </a:fillRef>
+            <a:effectRef idx="0">
+              <a:schemeClr val="accent1"/>
+            </a:effectRef>
+            <a:fontRef idx="minor">
+              <a:schemeClr val="lt1"/>
+            </a:fontRef>
+          </p:style>
+          <p:txBody>
+            <a:bodyPr rtlCol="0" anchor="ctr"/>
+            <a:lstStyle/>
+            <a:p>
+              <a:pPr algn="ctr"/>
+              <a:r>
+                <a:rPr lang="en-US" dirty="0">
+                  <a:solidFill>
+                    <a:sysClr val="windowText" lastClr="000000"/>
+                  </a:solidFill>
+                  <a:latin typeface="Avenir Book" panose="02000503020000020003" pitchFamily="2" charset="0"/>
+                </a:rPr>
+                <a:t>ATP Use</a:t>
+              </a:r>
+            </a:p>
+          </p:txBody>
+        </p:sp>
+        <p:cxnSp>
+          <p:nvCxnSpPr>
+            <p:cNvPr id="13" name="Straight Connector 12">
+              <a:extLst>
+                <a:ext uri="{FF2B5EF4-FFF2-40B4-BE49-F238E27FC236}">
+                  <a16:creationId xmlns:a16="http://schemas.microsoft.com/office/drawing/2014/main" id="{626921E6-F3C4-904F-9836-C09F91FA8208}"/>
+                </a:ext>
+              </a:extLst>
+            </p:cNvPr>
+            <p:cNvCxnSpPr>
+              <a:cxnSpLocks/>
+              <a:stCxn id="6" idx="3"/>
+              <a:endCxn id="7" idx="1"/>
+            </p:cNvCxnSpPr>
+            <p:nvPr/>
+          </p:nvCxnSpPr>
+          <p:spPr>
+            <a:xfrm>
+              <a:off x="2368858" y="1869283"/>
+              <a:ext cx="491836" cy="0"/>
+            </a:xfrm>
+            <a:prstGeom prst="line">
+              <a:avLst/>
+            </a:prstGeom>
+          </p:spPr>
+          <p:style>
+            <a:lnRef idx="1">
+              <a:schemeClr val="dk1"/>
+            </a:lnRef>
+            <a:fillRef idx="0">
+              <a:schemeClr val="dk1"/>
+            </a:fillRef>
+            <a:effectRef idx="0">
+              <a:schemeClr val="dk1"/>
+            </a:effectRef>
+            <a:fontRef idx="minor">
               <a:schemeClr val="tx1"/>
-            </a:solidFill>
-          </a:ln>
-        </p:spPr>
-        <p:style>
-          <a:lnRef idx="2">
-            <a:schemeClr val="accent1">
-              <a:shade val="50000"/>
-            </a:schemeClr>
-          </a:lnRef>
-          <a:fillRef idx="1">
-            <a:schemeClr val="accent1"/>
-          </a:fillRef>
-          <a:effectRef idx="0">
-            <a:schemeClr val="accent1"/>
-          </a:effectRef>
-          <a:fontRef idx="minor">
-            <a:schemeClr val="lt1"/>
-          </a:fontRef>
-        </p:style>
-        <p:txBody>
-          <a:bodyPr rtlCol="0" anchor="ctr"/>
-          <a:lstStyle/>
-          <a:p>
-            <a:pPr algn="ctr"/>
-            <a:r>
-              <a:rPr lang="en-US" dirty="0">
-                <a:solidFill>
-                  <a:sysClr val="windowText" lastClr="000000"/>
-                </a:solidFill>
-                <a:latin typeface="Avenir Book" panose="02000503020000020003" pitchFamily="2" charset="0"/>
-              </a:rPr>
-              <a:t>ATP Synthase Transcription &amp; Translation</a:t>
-            </a:r>
-          </a:p>
-        </p:txBody>
-      </p:sp>
-      <p:sp>
-        <p:nvSpPr>
-          <p:cNvPr id="7" name="Rounded Rectangle 6">
-            <a:extLst>
-              <a:ext uri="{FF2B5EF4-FFF2-40B4-BE49-F238E27FC236}">
-                <a16:creationId xmlns:a16="http://schemas.microsoft.com/office/drawing/2014/main" id="{FD8BFEA5-7D47-064A-AF0D-3F53033C334A}"/>
-              </a:ext>
-            </a:extLst>
-          </p:cNvPr>
-          <p:cNvSpPr/>
-          <p:nvPr/>
-        </p:nvSpPr>
-        <p:spPr>
-          <a:xfrm>
-            <a:off x="2860694" y="1332636"/>
-            <a:ext cx="1943100" cy="1073294"/>
-          </a:xfrm>
-          <a:prstGeom prst="roundRect">
-            <a:avLst/>
-          </a:prstGeom>
-          <a:solidFill>
-            <a:schemeClr val="accent4">
-              <a:lumMod val="20000"/>
-              <a:lumOff val="80000"/>
-            </a:schemeClr>
-          </a:solidFill>
-          <a:ln>
-            <a:solidFill>
+            </a:fontRef>
+          </p:style>
+        </p:cxnSp>
+        <p:cxnSp>
+          <p:nvCxnSpPr>
+            <p:cNvPr id="14" name="Straight Connector 13">
+              <a:extLst>
+                <a:ext uri="{FF2B5EF4-FFF2-40B4-BE49-F238E27FC236}">
+                  <a16:creationId xmlns:a16="http://schemas.microsoft.com/office/drawing/2014/main" id="{E6610521-834B-7B4E-940B-3ACAD293A61B}"/>
+                </a:ext>
+              </a:extLst>
+            </p:cNvPr>
+            <p:cNvCxnSpPr>
+              <a:cxnSpLocks/>
+              <a:stCxn id="7" idx="3"/>
+              <a:endCxn id="8" idx="1"/>
+            </p:cNvCxnSpPr>
+            <p:nvPr/>
+          </p:nvCxnSpPr>
+          <p:spPr>
+            <a:xfrm>
+              <a:off x="4803794" y="1869283"/>
+              <a:ext cx="491836" cy="0"/>
+            </a:xfrm>
+            <a:prstGeom prst="line">
+              <a:avLst/>
+            </a:prstGeom>
+          </p:spPr>
+          <p:style>
+            <a:lnRef idx="1">
+              <a:schemeClr val="dk1"/>
+            </a:lnRef>
+            <a:fillRef idx="0">
+              <a:schemeClr val="dk1"/>
+            </a:fillRef>
+            <a:effectRef idx="0">
+              <a:schemeClr val="dk1"/>
+            </a:effectRef>
+            <a:fontRef idx="minor">
               <a:schemeClr val="tx1"/>
-            </a:solidFill>
-          </a:ln>
-        </p:spPr>
-        <p:style>
-          <a:lnRef idx="2">
-            <a:schemeClr val="accent1">
-              <a:shade val="50000"/>
-            </a:schemeClr>
-          </a:lnRef>
-          <a:fillRef idx="1">
-            <a:schemeClr val="accent1"/>
-          </a:fillRef>
-          <a:effectRef idx="0">
-            <a:schemeClr val="accent1"/>
-          </a:effectRef>
-          <a:fontRef idx="minor">
-            <a:schemeClr val="lt1"/>
-          </a:fontRef>
-        </p:style>
-        <p:txBody>
-          <a:bodyPr rtlCol="0" anchor="ctr"/>
-          <a:lstStyle/>
-          <a:p>
-            <a:pPr algn="ctr"/>
-            <a:r>
-              <a:rPr lang="en-US" dirty="0">
-                <a:solidFill>
-                  <a:sysClr val="windowText" lastClr="000000"/>
-                </a:solidFill>
-                <a:latin typeface="Avenir Book" panose="02000503020000020003" pitchFamily="2" charset="0"/>
-              </a:rPr>
-              <a:t>ATP Synthase Membrane Integration</a:t>
-            </a:r>
-          </a:p>
-        </p:txBody>
-      </p:sp>
-      <p:sp>
-        <p:nvSpPr>
-          <p:cNvPr id="8" name="Rounded Rectangle 7">
-            <a:extLst>
-              <a:ext uri="{FF2B5EF4-FFF2-40B4-BE49-F238E27FC236}">
-                <a16:creationId xmlns:a16="http://schemas.microsoft.com/office/drawing/2014/main" id="{A4CC21EC-B9B0-644D-8B22-F83F2712BEEF}"/>
-              </a:ext>
-            </a:extLst>
-          </p:cNvPr>
-          <p:cNvSpPr/>
-          <p:nvPr/>
-        </p:nvSpPr>
-        <p:spPr>
-          <a:xfrm>
-            <a:off x="5295630" y="1332636"/>
-            <a:ext cx="1943100" cy="1073294"/>
-          </a:xfrm>
-          <a:prstGeom prst="roundRect">
-            <a:avLst/>
-          </a:prstGeom>
-          <a:solidFill>
-            <a:schemeClr val="accent4">
-              <a:lumMod val="20000"/>
-              <a:lumOff val="80000"/>
-            </a:schemeClr>
-          </a:solidFill>
-          <a:ln>
-            <a:solidFill>
+            </a:fontRef>
+          </p:style>
+        </p:cxnSp>
+        <p:cxnSp>
+          <p:nvCxnSpPr>
+            <p:cNvPr id="15" name="Straight Connector 14">
+              <a:extLst>
+                <a:ext uri="{FF2B5EF4-FFF2-40B4-BE49-F238E27FC236}">
+                  <a16:creationId xmlns:a16="http://schemas.microsoft.com/office/drawing/2014/main" id="{1343FE1C-F6FD-0B46-B8DB-679BF1C25E04}"/>
+                </a:ext>
+              </a:extLst>
+            </p:cNvPr>
+            <p:cNvCxnSpPr>
+              <a:cxnSpLocks/>
+              <a:stCxn id="9" idx="3"/>
+              <a:endCxn id="10" idx="1"/>
+            </p:cNvCxnSpPr>
+            <p:nvPr/>
+          </p:nvCxnSpPr>
+          <p:spPr>
+            <a:xfrm>
+              <a:off x="2368858" y="3310428"/>
+              <a:ext cx="491836" cy="0"/>
+            </a:xfrm>
+            <a:prstGeom prst="line">
+              <a:avLst/>
+            </a:prstGeom>
+          </p:spPr>
+          <p:style>
+            <a:lnRef idx="1">
+              <a:schemeClr val="dk1"/>
+            </a:lnRef>
+            <a:fillRef idx="0">
+              <a:schemeClr val="dk1"/>
+            </a:fillRef>
+            <a:effectRef idx="0">
+              <a:schemeClr val="dk1"/>
+            </a:effectRef>
+            <a:fontRef idx="minor">
               <a:schemeClr val="tx1"/>
-            </a:solidFill>
-          </a:ln>
-        </p:spPr>
-        <p:style>
-          <a:lnRef idx="2">
-            <a:schemeClr val="accent1">
-              <a:shade val="50000"/>
-            </a:schemeClr>
-          </a:lnRef>
-          <a:fillRef idx="1">
-            <a:schemeClr val="accent1"/>
-          </a:fillRef>
-          <a:effectRef idx="0">
-            <a:schemeClr val="accent1"/>
-          </a:effectRef>
-          <a:fontRef idx="minor">
-            <a:schemeClr val="lt1"/>
-          </a:fontRef>
-        </p:style>
-        <p:txBody>
-          <a:bodyPr rtlCol="0" anchor="ctr"/>
-          <a:lstStyle/>
-          <a:p>
-            <a:pPr algn="ctr"/>
-            <a:r>
-              <a:rPr lang="en-US" dirty="0">
-                <a:solidFill>
-                  <a:sysClr val="windowText" lastClr="000000"/>
-                </a:solidFill>
-                <a:latin typeface="Avenir Book" panose="02000503020000020003" pitchFamily="2" charset="0"/>
-              </a:rPr>
-              <a:t>ATP Synthesis through ATP Synthase</a:t>
-            </a:r>
-          </a:p>
-        </p:txBody>
-      </p:sp>
-      <p:sp>
-        <p:nvSpPr>
-          <p:cNvPr id="9" name="Rounded Rectangle 8">
-            <a:extLst>
-              <a:ext uri="{FF2B5EF4-FFF2-40B4-BE49-F238E27FC236}">
-                <a16:creationId xmlns:a16="http://schemas.microsoft.com/office/drawing/2014/main" id="{E5DD0724-8EDB-354A-8005-685F9AA9C287}"/>
-              </a:ext>
-            </a:extLst>
-          </p:cNvPr>
-          <p:cNvSpPr/>
-          <p:nvPr/>
-        </p:nvSpPr>
-        <p:spPr>
-          <a:xfrm>
-            <a:off x="425758" y="2773781"/>
-            <a:ext cx="1943100" cy="1073294"/>
-          </a:xfrm>
-          <a:prstGeom prst="roundRect">
-            <a:avLst/>
-          </a:prstGeom>
-          <a:solidFill>
-            <a:schemeClr val="accent6">
-              <a:lumMod val="20000"/>
-              <a:lumOff val="80000"/>
-            </a:schemeClr>
-          </a:solidFill>
-          <a:ln>
-            <a:solidFill>
+            </a:fontRef>
+          </p:style>
+        </p:cxnSp>
+        <p:cxnSp>
+          <p:nvCxnSpPr>
+            <p:cNvPr id="16" name="Straight Connector 15">
+              <a:extLst>
+                <a:ext uri="{FF2B5EF4-FFF2-40B4-BE49-F238E27FC236}">
+                  <a16:creationId xmlns:a16="http://schemas.microsoft.com/office/drawing/2014/main" id="{9005D673-B0E6-0E44-8AE1-346CFC9B3581}"/>
+                </a:ext>
+              </a:extLst>
+            </p:cNvPr>
+            <p:cNvCxnSpPr>
+              <a:cxnSpLocks/>
+              <a:stCxn id="10" idx="3"/>
+              <a:endCxn id="11" idx="1"/>
+            </p:cNvCxnSpPr>
+            <p:nvPr/>
+          </p:nvCxnSpPr>
+          <p:spPr>
+            <a:xfrm>
+              <a:off x="4803794" y="3310428"/>
+              <a:ext cx="491836" cy="0"/>
+            </a:xfrm>
+            <a:prstGeom prst="line">
+              <a:avLst/>
+            </a:prstGeom>
+          </p:spPr>
+          <p:style>
+            <a:lnRef idx="1">
+              <a:schemeClr val="dk1"/>
+            </a:lnRef>
+            <a:fillRef idx="0">
+              <a:schemeClr val="dk1"/>
+            </a:fillRef>
+            <a:effectRef idx="0">
+              <a:schemeClr val="dk1"/>
+            </a:effectRef>
+            <a:fontRef idx="minor">
               <a:schemeClr val="tx1"/>
-            </a:solidFill>
-          </a:ln>
-        </p:spPr>
-        <p:style>
-          <a:lnRef idx="2">
-            <a:schemeClr val="accent1">
-              <a:shade val="50000"/>
-            </a:schemeClr>
-          </a:lnRef>
-          <a:fillRef idx="1">
-            <a:schemeClr val="accent1"/>
-          </a:fillRef>
-          <a:effectRef idx="0">
-            <a:schemeClr val="accent1"/>
-          </a:effectRef>
-          <a:fontRef idx="minor">
-            <a:schemeClr val="lt1"/>
-          </a:fontRef>
-        </p:style>
-        <p:txBody>
-          <a:bodyPr rtlCol="0" anchor="ctr"/>
-          <a:lstStyle/>
-          <a:p>
-            <a:pPr algn="ctr"/>
-            <a:r>
-              <a:rPr lang="en-US" dirty="0">
-                <a:solidFill>
-                  <a:sysClr val="windowText" lastClr="000000"/>
-                </a:solidFill>
-                <a:latin typeface="Avenir Book" panose="02000503020000020003" pitchFamily="2" charset="0"/>
-              </a:rPr>
-              <a:t>Proton Pump Transcription &amp; Translation</a:t>
-            </a:r>
-          </a:p>
-        </p:txBody>
-      </p:sp>
-      <p:sp>
-        <p:nvSpPr>
-          <p:cNvPr id="10" name="Rounded Rectangle 9">
-            <a:extLst>
-              <a:ext uri="{FF2B5EF4-FFF2-40B4-BE49-F238E27FC236}">
-                <a16:creationId xmlns:a16="http://schemas.microsoft.com/office/drawing/2014/main" id="{34AFC73E-F847-3346-A5B1-6C1C6E4D4A12}"/>
-              </a:ext>
-            </a:extLst>
-          </p:cNvPr>
-          <p:cNvSpPr/>
-          <p:nvPr/>
-        </p:nvSpPr>
-        <p:spPr>
-          <a:xfrm>
-            <a:off x="2860694" y="2773781"/>
-            <a:ext cx="1943100" cy="1073294"/>
-          </a:xfrm>
-          <a:prstGeom prst="roundRect">
-            <a:avLst/>
-          </a:prstGeom>
-          <a:solidFill>
-            <a:schemeClr val="accent6">
-              <a:lumMod val="20000"/>
-              <a:lumOff val="80000"/>
-            </a:schemeClr>
-          </a:solidFill>
-          <a:ln>
-            <a:solidFill>
+            </a:fontRef>
+          </p:style>
+        </p:cxnSp>
+        <p:cxnSp>
+          <p:nvCxnSpPr>
+            <p:cNvPr id="17" name="Straight Arrow Connector 16">
+              <a:extLst>
+                <a:ext uri="{FF2B5EF4-FFF2-40B4-BE49-F238E27FC236}">
+                  <a16:creationId xmlns:a16="http://schemas.microsoft.com/office/drawing/2014/main" id="{2F532151-FC6E-8A4F-A128-B4C9DDCE0371}"/>
+                </a:ext>
+              </a:extLst>
+            </p:cNvPr>
+            <p:cNvCxnSpPr>
+              <a:cxnSpLocks/>
+              <a:stCxn id="8" idx="3"/>
+            </p:cNvCxnSpPr>
+            <p:nvPr/>
+          </p:nvCxnSpPr>
+          <p:spPr>
+            <a:xfrm>
+              <a:off x="7238730" y="1869283"/>
+              <a:ext cx="775858" cy="0"/>
+            </a:xfrm>
+            <a:prstGeom prst="straightConnector1">
+              <a:avLst/>
+            </a:prstGeom>
+            <a:ln>
+              <a:tailEnd type="triangle"/>
+            </a:ln>
+          </p:spPr>
+          <p:style>
+            <a:lnRef idx="1">
+              <a:schemeClr val="dk1"/>
+            </a:lnRef>
+            <a:fillRef idx="0">
+              <a:schemeClr val="dk1"/>
+            </a:fillRef>
+            <a:effectRef idx="0">
+              <a:schemeClr val="dk1"/>
+            </a:effectRef>
+            <a:fontRef idx="minor">
               <a:schemeClr val="tx1"/>
-            </a:solidFill>
-          </a:ln>
-        </p:spPr>
-        <p:style>
-          <a:lnRef idx="2">
-            <a:schemeClr val="accent1">
-              <a:shade val="50000"/>
-            </a:schemeClr>
-          </a:lnRef>
-          <a:fillRef idx="1">
-            <a:schemeClr val="accent1"/>
-          </a:fillRef>
-          <a:effectRef idx="0">
-            <a:schemeClr val="accent1"/>
-          </a:effectRef>
-          <a:fontRef idx="minor">
-            <a:schemeClr val="lt1"/>
-          </a:fontRef>
-        </p:style>
-        <p:txBody>
-          <a:bodyPr rtlCol="0" anchor="ctr"/>
-          <a:lstStyle/>
-          <a:p>
-            <a:pPr algn="ctr"/>
-            <a:r>
-              <a:rPr lang="en-US" dirty="0">
-                <a:solidFill>
-                  <a:sysClr val="windowText" lastClr="000000"/>
-                </a:solidFill>
-                <a:latin typeface="Avenir Book" panose="02000503020000020003" pitchFamily="2" charset="0"/>
-              </a:rPr>
-              <a:t>Proton Pump Membrane Integration</a:t>
-            </a:r>
-          </a:p>
-        </p:txBody>
-      </p:sp>
-      <p:sp>
-        <p:nvSpPr>
-          <p:cNvPr id="11" name="Rounded Rectangle 10">
-            <a:extLst>
-              <a:ext uri="{FF2B5EF4-FFF2-40B4-BE49-F238E27FC236}">
-                <a16:creationId xmlns:a16="http://schemas.microsoft.com/office/drawing/2014/main" id="{EF2CAC2B-CB31-EE4D-A539-163299CAE7E0}"/>
-              </a:ext>
-            </a:extLst>
-          </p:cNvPr>
-          <p:cNvSpPr/>
-          <p:nvPr/>
-        </p:nvSpPr>
-        <p:spPr>
-          <a:xfrm>
-            <a:off x="5295630" y="2773781"/>
-            <a:ext cx="1943100" cy="1073294"/>
-          </a:xfrm>
-          <a:prstGeom prst="roundRect">
-            <a:avLst/>
-          </a:prstGeom>
-          <a:solidFill>
-            <a:schemeClr val="accent6">
-              <a:lumMod val="20000"/>
-              <a:lumOff val="80000"/>
-            </a:schemeClr>
-          </a:solidFill>
-          <a:ln>
-            <a:solidFill>
+            </a:fontRef>
+          </p:style>
+        </p:cxnSp>
+        <p:cxnSp>
+          <p:nvCxnSpPr>
+            <p:cNvPr id="18" name="Straight Arrow Connector 17">
+              <a:extLst>
+                <a:ext uri="{FF2B5EF4-FFF2-40B4-BE49-F238E27FC236}">
+                  <a16:creationId xmlns:a16="http://schemas.microsoft.com/office/drawing/2014/main" id="{DFC5AF85-2BC1-1346-B04F-F65DACD1B225}"/>
+                </a:ext>
+              </a:extLst>
+            </p:cNvPr>
+            <p:cNvCxnSpPr>
+              <a:cxnSpLocks/>
+              <a:stCxn id="11" idx="3"/>
+            </p:cNvCxnSpPr>
+            <p:nvPr/>
+          </p:nvCxnSpPr>
+          <p:spPr>
+            <a:xfrm>
+              <a:off x="7238730" y="3310428"/>
+              <a:ext cx="775858" cy="0"/>
+            </a:xfrm>
+            <a:prstGeom prst="straightConnector1">
+              <a:avLst/>
+            </a:prstGeom>
+            <a:ln>
+              <a:tailEnd type="triangle"/>
+            </a:ln>
+          </p:spPr>
+          <p:style>
+            <a:lnRef idx="1">
+              <a:schemeClr val="dk1"/>
+            </a:lnRef>
+            <a:fillRef idx="0">
+              <a:schemeClr val="dk1"/>
+            </a:fillRef>
+            <a:effectRef idx="0">
+              <a:schemeClr val="dk1"/>
+            </a:effectRef>
+            <a:fontRef idx="minor">
               <a:schemeClr val="tx1"/>
-            </a:solidFill>
-          </a:ln>
-        </p:spPr>
-        <p:style>
-          <a:lnRef idx="2">
-            <a:schemeClr val="accent1">
-              <a:shade val="50000"/>
-            </a:schemeClr>
-          </a:lnRef>
-          <a:fillRef idx="1">
-            <a:schemeClr val="accent1"/>
-          </a:fillRef>
-          <a:effectRef idx="0">
-            <a:schemeClr val="accent1"/>
-          </a:effectRef>
-          <a:fontRef idx="minor">
-            <a:schemeClr val="lt1"/>
-          </a:fontRef>
-        </p:style>
-        <p:txBody>
-          <a:bodyPr rtlCol="0" anchor="ctr"/>
-          <a:lstStyle/>
-          <a:p>
-            <a:pPr algn="ctr"/>
-            <a:r>
-              <a:rPr lang="en-US" sz="1600" dirty="0">
-                <a:solidFill>
-                  <a:sysClr val="windowText" lastClr="000000"/>
-                </a:solidFill>
-                <a:latin typeface="Avenir Book" panose="02000503020000020003" pitchFamily="2" charset="0"/>
-              </a:rPr>
-              <a:t>Proton movement through Proton Pump</a:t>
-            </a:r>
-          </a:p>
-        </p:txBody>
-      </p:sp>
-      <p:sp>
-        <p:nvSpPr>
-          <p:cNvPr id="12" name="Rounded Rectangle 11">
-            <a:extLst>
-              <a:ext uri="{FF2B5EF4-FFF2-40B4-BE49-F238E27FC236}">
-                <a16:creationId xmlns:a16="http://schemas.microsoft.com/office/drawing/2014/main" id="{A1BBBE7D-AF24-CA4D-B1FF-A2E565CE28EE}"/>
-              </a:ext>
-            </a:extLst>
-          </p:cNvPr>
-          <p:cNvSpPr/>
-          <p:nvPr/>
-        </p:nvSpPr>
-        <p:spPr>
-          <a:xfrm>
-            <a:off x="425758" y="4218415"/>
-            <a:ext cx="1943100" cy="1073294"/>
-          </a:xfrm>
-          <a:prstGeom prst="roundRect">
-            <a:avLst/>
-          </a:prstGeom>
-          <a:solidFill>
-            <a:schemeClr val="accent2">
-              <a:lumMod val="20000"/>
-              <a:lumOff val="80000"/>
-            </a:schemeClr>
-          </a:solidFill>
-          <a:ln>
-            <a:solidFill>
+            </a:fontRef>
+          </p:style>
+        </p:cxnSp>
+        <p:cxnSp>
+          <p:nvCxnSpPr>
+            <p:cNvPr id="19" name="Straight Arrow Connector 18">
+              <a:extLst>
+                <a:ext uri="{FF2B5EF4-FFF2-40B4-BE49-F238E27FC236}">
+                  <a16:creationId xmlns:a16="http://schemas.microsoft.com/office/drawing/2014/main" id="{73CFE292-3EDB-9C41-B881-F5A29019BB23}"/>
+                </a:ext>
+              </a:extLst>
+            </p:cNvPr>
+            <p:cNvCxnSpPr>
+              <a:cxnSpLocks/>
+              <a:stCxn id="12" idx="3"/>
+            </p:cNvCxnSpPr>
+            <p:nvPr/>
+          </p:nvCxnSpPr>
+          <p:spPr>
+            <a:xfrm>
+              <a:off x="2368858" y="4755062"/>
+              <a:ext cx="5645730" cy="0"/>
+            </a:xfrm>
+            <a:prstGeom prst="straightConnector1">
+              <a:avLst/>
+            </a:prstGeom>
+            <a:ln>
+              <a:tailEnd type="triangle"/>
+            </a:ln>
+          </p:spPr>
+          <p:style>
+            <a:lnRef idx="1">
+              <a:schemeClr val="dk1"/>
+            </a:lnRef>
+            <a:fillRef idx="0">
+              <a:schemeClr val="dk1"/>
+            </a:fillRef>
+            <a:effectRef idx="0">
+              <a:schemeClr val="dk1"/>
+            </a:effectRef>
+            <a:fontRef idx="minor">
               <a:schemeClr val="tx1"/>
-            </a:solidFill>
-          </a:ln>
-        </p:spPr>
-        <p:style>
-          <a:lnRef idx="2">
-            <a:schemeClr val="accent1">
-              <a:shade val="50000"/>
-            </a:schemeClr>
-          </a:lnRef>
-          <a:fillRef idx="1">
-            <a:schemeClr val="accent1"/>
-          </a:fillRef>
-          <a:effectRef idx="0">
-            <a:schemeClr val="accent1"/>
-          </a:effectRef>
-          <a:fontRef idx="minor">
-            <a:schemeClr val="lt1"/>
-          </a:fontRef>
-        </p:style>
-        <p:txBody>
-          <a:bodyPr rtlCol="0" anchor="ctr"/>
-          <a:lstStyle/>
-          <a:p>
-            <a:pPr algn="ctr"/>
-            <a:r>
-              <a:rPr lang="en-US" dirty="0">
-                <a:solidFill>
-                  <a:sysClr val="windowText" lastClr="000000"/>
-                </a:solidFill>
-                <a:latin typeface="Avenir Book" panose="02000503020000020003" pitchFamily="2" charset="0"/>
-              </a:rPr>
-              <a:t>ATP Use</a:t>
-            </a:r>
-          </a:p>
-        </p:txBody>
-      </p:sp>
-      <p:cxnSp>
-        <p:nvCxnSpPr>
-          <p:cNvPr id="13" name="Straight Connector 12">
-            <a:extLst>
-              <a:ext uri="{FF2B5EF4-FFF2-40B4-BE49-F238E27FC236}">
-                <a16:creationId xmlns:a16="http://schemas.microsoft.com/office/drawing/2014/main" id="{626921E6-F3C4-904F-9836-C09F91FA8208}"/>
-              </a:ext>
-            </a:extLst>
-          </p:cNvPr>
-          <p:cNvCxnSpPr>
-            <a:cxnSpLocks/>
-            <a:stCxn id="6" idx="3"/>
-            <a:endCxn id="7" idx="1"/>
-          </p:cNvCxnSpPr>
-          <p:nvPr/>
-        </p:nvCxnSpPr>
-        <p:spPr>
-          <a:xfrm>
-            <a:off x="2368858" y="1869283"/>
-            <a:ext cx="491836" cy="0"/>
-          </a:xfrm>
-          <a:prstGeom prst="line">
-            <a:avLst/>
-          </a:prstGeom>
-        </p:spPr>
-        <p:style>
-          <a:lnRef idx="1">
-            <a:schemeClr val="dk1"/>
-          </a:lnRef>
-          <a:fillRef idx="0">
-            <a:schemeClr val="dk1"/>
-          </a:fillRef>
-          <a:effectRef idx="0">
-            <a:schemeClr val="dk1"/>
-          </a:effectRef>
-          <a:fontRef idx="minor">
-            <a:schemeClr val="tx1"/>
-          </a:fontRef>
-        </p:style>
-      </p:cxnSp>
-      <p:cxnSp>
-        <p:nvCxnSpPr>
-          <p:cNvPr id="14" name="Straight Connector 13">
-            <a:extLst>
-              <a:ext uri="{FF2B5EF4-FFF2-40B4-BE49-F238E27FC236}">
-                <a16:creationId xmlns:a16="http://schemas.microsoft.com/office/drawing/2014/main" id="{E6610521-834B-7B4E-940B-3ACAD293A61B}"/>
-              </a:ext>
-            </a:extLst>
-          </p:cNvPr>
-          <p:cNvCxnSpPr>
-            <a:cxnSpLocks/>
-            <a:stCxn id="7" idx="3"/>
-            <a:endCxn id="8" idx="1"/>
-          </p:cNvCxnSpPr>
-          <p:nvPr/>
-        </p:nvCxnSpPr>
-        <p:spPr>
-          <a:xfrm>
-            <a:off x="4803794" y="1869283"/>
-            <a:ext cx="491836" cy="0"/>
-          </a:xfrm>
-          <a:prstGeom prst="line">
-            <a:avLst/>
-          </a:prstGeom>
-        </p:spPr>
-        <p:style>
-          <a:lnRef idx="1">
-            <a:schemeClr val="dk1"/>
-          </a:lnRef>
-          <a:fillRef idx="0">
-            <a:schemeClr val="dk1"/>
-          </a:fillRef>
-          <a:effectRef idx="0">
-            <a:schemeClr val="dk1"/>
-          </a:effectRef>
-          <a:fontRef idx="minor">
-            <a:schemeClr val="tx1"/>
-          </a:fontRef>
-        </p:style>
-      </p:cxnSp>
-      <p:cxnSp>
-        <p:nvCxnSpPr>
-          <p:cNvPr id="15" name="Straight Connector 14">
-            <a:extLst>
-              <a:ext uri="{FF2B5EF4-FFF2-40B4-BE49-F238E27FC236}">
-                <a16:creationId xmlns:a16="http://schemas.microsoft.com/office/drawing/2014/main" id="{1343FE1C-F6FD-0B46-B8DB-679BF1C25E04}"/>
-              </a:ext>
-            </a:extLst>
-          </p:cNvPr>
-          <p:cNvCxnSpPr>
-            <a:cxnSpLocks/>
-            <a:stCxn id="9" idx="3"/>
-            <a:endCxn id="10" idx="1"/>
-          </p:cNvCxnSpPr>
-          <p:nvPr/>
-        </p:nvCxnSpPr>
-        <p:spPr>
-          <a:xfrm>
-            <a:off x="2368858" y="3310428"/>
-            <a:ext cx="491836" cy="0"/>
-          </a:xfrm>
-          <a:prstGeom prst="line">
-            <a:avLst/>
-          </a:prstGeom>
-        </p:spPr>
-        <p:style>
-          <a:lnRef idx="1">
-            <a:schemeClr val="dk1"/>
-          </a:lnRef>
-          <a:fillRef idx="0">
-            <a:schemeClr val="dk1"/>
-          </a:fillRef>
-          <a:effectRef idx="0">
-            <a:schemeClr val="dk1"/>
-          </a:effectRef>
-          <a:fontRef idx="minor">
-            <a:schemeClr val="tx1"/>
-          </a:fontRef>
-        </p:style>
-      </p:cxnSp>
-      <p:cxnSp>
-        <p:nvCxnSpPr>
-          <p:cNvPr id="16" name="Straight Connector 15">
-            <a:extLst>
-              <a:ext uri="{FF2B5EF4-FFF2-40B4-BE49-F238E27FC236}">
-                <a16:creationId xmlns:a16="http://schemas.microsoft.com/office/drawing/2014/main" id="{9005D673-B0E6-0E44-8AE1-346CFC9B3581}"/>
-              </a:ext>
-            </a:extLst>
-          </p:cNvPr>
-          <p:cNvCxnSpPr>
-            <a:cxnSpLocks/>
-            <a:stCxn id="10" idx="3"/>
-            <a:endCxn id="11" idx="1"/>
-          </p:cNvCxnSpPr>
-          <p:nvPr/>
-        </p:nvCxnSpPr>
-        <p:spPr>
-          <a:xfrm>
-            <a:off x="4803794" y="3310428"/>
-            <a:ext cx="491836" cy="0"/>
-          </a:xfrm>
-          <a:prstGeom prst="line">
-            <a:avLst/>
-          </a:prstGeom>
-        </p:spPr>
-        <p:style>
-          <a:lnRef idx="1">
-            <a:schemeClr val="dk1"/>
-          </a:lnRef>
-          <a:fillRef idx="0">
-            <a:schemeClr val="dk1"/>
-          </a:fillRef>
-          <a:effectRef idx="0">
-            <a:schemeClr val="dk1"/>
-          </a:effectRef>
-          <a:fontRef idx="minor">
-            <a:schemeClr val="tx1"/>
-          </a:fontRef>
-        </p:style>
-      </p:cxnSp>
-      <p:cxnSp>
-        <p:nvCxnSpPr>
-          <p:cNvPr id="17" name="Straight Arrow Connector 16">
-            <a:extLst>
-              <a:ext uri="{FF2B5EF4-FFF2-40B4-BE49-F238E27FC236}">
-                <a16:creationId xmlns:a16="http://schemas.microsoft.com/office/drawing/2014/main" id="{2F532151-FC6E-8A4F-A128-B4C9DDCE0371}"/>
-              </a:ext>
-            </a:extLst>
-          </p:cNvPr>
-          <p:cNvCxnSpPr>
-            <a:cxnSpLocks/>
-            <a:stCxn id="8" idx="3"/>
-          </p:cNvCxnSpPr>
-          <p:nvPr/>
-        </p:nvCxnSpPr>
-        <p:spPr>
-          <a:xfrm>
-            <a:off x="7238730" y="1869283"/>
-            <a:ext cx="775858" cy="0"/>
-          </a:xfrm>
-          <a:prstGeom prst="straightConnector1">
-            <a:avLst/>
-          </a:prstGeom>
-          <a:ln>
-            <a:tailEnd type="triangle"/>
-          </a:ln>
-        </p:spPr>
-        <p:style>
-          <a:lnRef idx="1">
-            <a:schemeClr val="dk1"/>
-          </a:lnRef>
-          <a:fillRef idx="0">
-            <a:schemeClr val="dk1"/>
-          </a:fillRef>
-          <a:effectRef idx="0">
-            <a:schemeClr val="dk1"/>
-          </a:effectRef>
-          <a:fontRef idx="minor">
-            <a:schemeClr val="tx1"/>
-          </a:fontRef>
-        </p:style>
-      </p:cxnSp>
-      <p:cxnSp>
-        <p:nvCxnSpPr>
-          <p:cNvPr id="18" name="Straight Arrow Connector 17">
-            <a:extLst>
-              <a:ext uri="{FF2B5EF4-FFF2-40B4-BE49-F238E27FC236}">
-                <a16:creationId xmlns:a16="http://schemas.microsoft.com/office/drawing/2014/main" id="{DFC5AF85-2BC1-1346-B04F-F65DACD1B225}"/>
-              </a:ext>
-            </a:extLst>
-          </p:cNvPr>
-          <p:cNvCxnSpPr>
-            <a:cxnSpLocks/>
-            <a:stCxn id="11" idx="3"/>
-          </p:cNvCxnSpPr>
-          <p:nvPr/>
-        </p:nvCxnSpPr>
-        <p:spPr>
-          <a:xfrm>
-            <a:off x="7238730" y="3310428"/>
-            <a:ext cx="775858" cy="0"/>
-          </a:xfrm>
-          <a:prstGeom prst="straightConnector1">
-            <a:avLst/>
-          </a:prstGeom>
-          <a:ln>
-            <a:tailEnd type="triangle"/>
-          </a:ln>
-        </p:spPr>
-        <p:style>
-          <a:lnRef idx="1">
-            <a:schemeClr val="dk1"/>
-          </a:lnRef>
-          <a:fillRef idx="0">
-            <a:schemeClr val="dk1"/>
-          </a:fillRef>
-          <a:effectRef idx="0">
-            <a:schemeClr val="dk1"/>
-          </a:effectRef>
-          <a:fontRef idx="minor">
-            <a:schemeClr val="tx1"/>
-          </a:fontRef>
-        </p:style>
-      </p:cxnSp>
-      <p:cxnSp>
-        <p:nvCxnSpPr>
-          <p:cNvPr id="19" name="Straight Arrow Connector 18">
-            <a:extLst>
-              <a:ext uri="{FF2B5EF4-FFF2-40B4-BE49-F238E27FC236}">
-                <a16:creationId xmlns:a16="http://schemas.microsoft.com/office/drawing/2014/main" id="{73CFE292-3EDB-9C41-B881-F5A29019BB23}"/>
-              </a:ext>
-            </a:extLst>
-          </p:cNvPr>
-          <p:cNvCxnSpPr>
-            <a:cxnSpLocks/>
-            <a:stCxn id="12" idx="3"/>
-          </p:cNvCxnSpPr>
-          <p:nvPr/>
-        </p:nvCxnSpPr>
-        <p:spPr>
-          <a:xfrm>
-            <a:off x="2368858" y="4755062"/>
-            <a:ext cx="5645730" cy="0"/>
-          </a:xfrm>
-          <a:prstGeom prst="straightConnector1">
-            <a:avLst/>
-          </a:prstGeom>
-          <a:ln>
-            <a:tailEnd type="triangle"/>
-          </a:ln>
-        </p:spPr>
-        <p:style>
-          <a:lnRef idx="1">
-            <a:schemeClr val="dk1"/>
-          </a:lnRef>
-          <a:fillRef idx="0">
-            <a:schemeClr val="dk1"/>
-          </a:fillRef>
-          <a:effectRef idx="0">
-            <a:schemeClr val="dk1"/>
-          </a:effectRef>
-          <a:fontRef idx="minor">
-            <a:schemeClr val="tx1"/>
-          </a:fontRef>
-        </p:style>
-      </p:cxnSp>
-      <p:sp>
-        <p:nvSpPr>
-          <p:cNvPr id="20" name="TextBox 19">
-            <a:extLst>
-              <a:ext uri="{FF2B5EF4-FFF2-40B4-BE49-F238E27FC236}">
-                <a16:creationId xmlns:a16="http://schemas.microsoft.com/office/drawing/2014/main" id="{419BAF2E-C8A8-E948-89CF-0BB26FEEEE11}"/>
-              </a:ext>
-            </a:extLst>
-          </p:cNvPr>
-          <p:cNvSpPr txBox="1"/>
-          <p:nvPr/>
-        </p:nvSpPr>
-        <p:spPr>
-          <a:xfrm>
-            <a:off x="8216015" y="1653320"/>
-            <a:ext cx="2150918" cy="461665"/>
-          </a:xfrm>
-          <a:prstGeom prst="rect">
-            <a:avLst/>
-          </a:prstGeom>
-          <a:noFill/>
-        </p:spPr>
-        <p:txBody>
-          <a:bodyPr wrap="square" rtlCol="0">
-            <a:spAutoFit/>
-          </a:bodyPr>
-          <a:lstStyle/>
-          <a:p>
-            <a:r>
-              <a:rPr lang="en-US" sz="2400" dirty="0">
-                <a:latin typeface="Avenir Book" panose="02000503020000020003" pitchFamily="2" charset="0"/>
-              </a:rPr>
-              <a:t>ATP Synthesis</a:t>
-            </a:r>
-          </a:p>
-        </p:txBody>
-      </p:sp>
-      <p:sp>
-        <p:nvSpPr>
-          <p:cNvPr id="21" name="TextBox 20">
-            <a:extLst>
-              <a:ext uri="{FF2B5EF4-FFF2-40B4-BE49-F238E27FC236}">
-                <a16:creationId xmlns:a16="http://schemas.microsoft.com/office/drawing/2014/main" id="{C3B5608D-2889-464F-9363-9C08BC2E2ED2}"/>
-              </a:ext>
-            </a:extLst>
-          </p:cNvPr>
-          <p:cNvSpPr txBox="1"/>
-          <p:nvPr/>
-        </p:nvSpPr>
-        <p:spPr>
-          <a:xfrm>
-            <a:off x="8216015" y="2964547"/>
-            <a:ext cx="2493818" cy="830997"/>
-          </a:xfrm>
-          <a:prstGeom prst="rect">
-            <a:avLst/>
-          </a:prstGeom>
-          <a:noFill/>
-        </p:spPr>
-        <p:txBody>
-          <a:bodyPr wrap="square" rtlCol="0">
-            <a:spAutoFit/>
-          </a:bodyPr>
-          <a:lstStyle/>
-          <a:p>
-            <a:r>
-              <a:rPr lang="en-US" sz="2400" dirty="0">
-                <a:latin typeface="Avenir Book" panose="02000503020000020003" pitchFamily="2" charset="0"/>
-              </a:rPr>
-              <a:t>Maintain Proton Gradient</a:t>
-            </a:r>
-          </a:p>
-        </p:txBody>
-      </p:sp>
-      <p:sp>
-        <p:nvSpPr>
-          <p:cNvPr id="22" name="TextBox 21">
-            <a:extLst>
-              <a:ext uri="{FF2B5EF4-FFF2-40B4-BE49-F238E27FC236}">
-                <a16:creationId xmlns:a16="http://schemas.microsoft.com/office/drawing/2014/main" id="{A1C3463E-C3B5-384A-9C85-047396987FCA}"/>
-              </a:ext>
-            </a:extLst>
-          </p:cNvPr>
-          <p:cNvSpPr txBox="1"/>
-          <p:nvPr/>
-        </p:nvSpPr>
-        <p:spPr>
-          <a:xfrm>
-            <a:off x="8216015" y="4503469"/>
-            <a:ext cx="2493818" cy="461665"/>
-          </a:xfrm>
-          <a:prstGeom prst="rect">
-            <a:avLst/>
-          </a:prstGeom>
-          <a:noFill/>
-        </p:spPr>
-        <p:txBody>
-          <a:bodyPr wrap="square" rtlCol="0">
-            <a:spAutoFit/>
-          </a:bodyPr>
-          <a:lstStyle/>
-          <a:p>
-            <a:r>
-              <a:rPr lang="en-US" sz="2400" dirty="0">
-                <a:latin typeface="Avenir Book" panose="02000503020000020003" pitchFamily="2" charset="0"/>
-              </a:rPr>
-              <a:t>ATP Hydrolysis</a:t>
-            </a:r>
-          </a:p>
-        </p:txBody>
-      </p:sp>
-      <p:pic>
-        <p:nvPicPr>
-          <p:cNvPr id="23" name="Picture 22" descr="A picture containing object, clock&#10;&#10;Description automatically generated">
-            <a:extLst>
-              <a:ext uri="{FF2B5EF4-FFF2-40B4-BE49-F238E27FC236}">
-                <a16:creationId xmlns:a16="http://schemas.microsoft.com/office/drawing/2014/main" id="{16213E55-0417-D645-8148-7773788B2D0C}"/>
-              </a:ext>
-            </a:extLst>
-          </p:cNvPr>
-          <p:cNvPicPr>
-            <a:picLocks noChangeAspect="1"/>
-          </p:cNvPicPr>
-          <p:nvPr/>
-        </p:nvPicPr>
-        <p:blipFill>
-          <a:blip r:embed="rId2"/>
-          <a:stretch>
-            <a:fillRect/>
-          </a:stretch>
-        </p:blipFill>
-        <p:spPr>
-          <a:xfrm>
-            <a:off x="10385873" y="1107757"/>
-            <a:ext cx="1787378" cy="1400367"/>
-          </a:xfrm>
-          <a:prstGeom prst="rect">
-            <a:avLst/>
-          </a:prstGeom>
-        </p:spPr>
-      </p:pic>
-      <p:pic>
-        <p:nvPicPr>
-          <p:cNvPr id="24" name="Picture 23" descr="A picture containing clock&#10;&#10;Description automatically generated">
-            <a:extLst>
-              <a:ext uri="{FF2B5EF4-FFF2-40B4-BE49-F238E27FC236}">
-                <a16:creationId xmlns:a16="http://schemas.microsoft.com/office/drawing/2014/main" id="{C888CBBC-0160-DE47-8065-54B33CAE1289}"/>
-              </a:ext>
-            </a:extLst>
-          </p:cNvPr>
-          <p:cNvPicPr>
-            <a:picLocks noChangeAspect="1"/>
-          </p:cNvPicPr>
-          <p:nvPr/>
-        </p:nvPicPr>
-        <p:blipFill>
-          <a:blip r:embed="rId3"/>
-          <a:stretch>
-            <a:fillRect/>
-          </a:stretch>
-        </p:blipFill>
-        <p:spPr>
-          <a:xfrm>
-            <a:off x="10585888" y="2660265"/>
-            <a:ext cx="1534484" cy="1300326"/>
-          </a:xfrm>
-          <a:prstGeom prst="rect">
-            <a:avLst/>
-          </a:prstGeom>
-        </p:spPr>
-      </p:pic>
-      <p:pic>
-        <p:nvPicPr>
-          <p:cNvPr id="25" name="Picture 24" descr="A picture containing object, clock&#10;&#10;Description automatically generated">
-            <a:extLst>
-              <a:ext uri="{FF2B5EF4-FFF2-40B4-BE49-F238E27FC236}">
-                <a16:creationId xmlns:a16="http://schemas.microsoft.com/office/drawing/2014/main" id="{DE36C045-EFC4-E746-9B90-B4F652767E07}"/>
-              </a:ext>
-            </a:extLst>
-          </p:cNvPr>
-          <p:cNvPicPr>
-            <a:picLocks noChangeAspect="1"/>
-          </p:cNvPicPr>
-          <p:nvPr/>
-        </p:nvPicPr>
-        <p:blipFill>
-          <a:blip r:embed="rId4"/>
-          <a:stretch>
-            <a:fillRect/>
-          </a:stretch>
-        </p:blipFill>
-        <p:spPr>
-          <a:xfrm>
-            <a:off x="10585889" y="4151476"/>
-            <a:ext cx="1381322" cy="1387199"/>
-          </a:xfrm>
-          <a:prstGeom prst="rect">
-            <a:avLst/>
-          </a:prstGeom>
-        </p:spPr>
-      </p:pic>
+            </a:fontRef>
+          </p:style>
+        </p:cxnSp>
+        <p:sp>
+          <p:nvSpPr>
+            <p:cNvPr id="20" name="TextBox 19">
+              <a:extLst>
+                <a:ext uri="{FF2B5EF4-FFF2-40B4-BE49-F238E27FC236}">
+                  <a16:creationId xmlns:a16="http://schemas.microsoft.com/office/drawing/2014/main" id="{419BAF2E-C8A8-E948-89CF-0BB26FEEEE11}"/>
+                </a:ext>
+              </a:extLst>
+            </p:cNvPr>
+            <p:cNvSpPr txBox="1"/>
+            <p:nvPr/>
+          </p:nvSpPr>
+          <p:spPr>
+            <a:xfrm>
+              <a:off x="8216015" y="1653320"/>
+              <a:ext cx="2150918" cy="461665"/>
+            </a:xfrm>
+            <a:prstGeom prst="rect">
+              <a:avLst/>
+            </a:prstGeom>
+            <a:noFill/>
+          </p:spPr>
+          <p:txBody>
+            <a:bodyPr wrap="square" rtlCol="0">
+              <a:spAutoFit/>
+            </a:bodyPr>
+            <a:lstStyle/>
+            <a:p>
+              <a:r>
+                <a:rPr lang="en-US" sz="2400" dirty="0">
+                  <a:latin typeface="Avenir Book" panose="02000503020000020003" pitchFamily="2" charset="0"/>
+                </a:rPr>
+                <a:t>ATP Synthesis</a:t>
+              </a:r>
+            </a:p>
+          </p:txBody>
+        </p:sp>
+        <p:sp>
+          <p:nvSpPr>
+            <p:cNvPr id="21" name="TextBox 20">
+              <a:extLst>
+                <a:ext uri="{FF2B5EF4-FFF2-40B4-BE49-F238E27FC236}">
+                  <a16:creationId xmlns:a16="http://schemas.microsoft.com/office/drawing/2014/main" id="{C3B5608D-2889-464F-9363-9C08BC2E2ED2}"/>
+                </a:ext>
+              </a:extLst>
+            </p:cNvPr>
+            <p:cNvSpPr txBox="1"/>
+            <p:nvPr/>
+          </p:nvSpPr>
+          <p:spPr>
+            <a:xfrm>
+              <a:off x="8216015" y="2964547"/>
+              <a:ext cx="2493818" cy="830997"/>
+            </a:xfrm>
+            <a:prstGeom prst="rect">
+              <a:avLst/>
+            </a:prstGeom>
+            <a:noFill/>
+          </p:spPr>
+          <p:txBody>
+            <a:bodyPr wrap="square" rtlCol="0">
+              <a:spAutoFit/>
+            </a:bodyPr>
+            <a:lstStyle/>
+            <a:p>
+              <a:r>
+                <a:rPr lang="en-US" sz="2400" dirty="0">
+                  <a:latin typeface="Avenir Book" panose="02000503020000020003" pitchFamily="2" charset="0"/>
+                </a:rPr>
+                <a:t>Maintain Proton Gradient</a:t>
+              </a:r>
+            </a:p>
+          </p:txBody>
+        </p:sp>
+        <p:sp>
+          <p:nvSpPr>
+            <p:cNvPr id="22" name="TextBox 21">
+              <a:extLst>
+                <a:ext uri="{FF2B5EF4-FFF2-40B4-BE49-F238E27FC236}">
+                  <a16:creationId xmlns:a16="http://schemas.microsoft.com/office/drawing/2014/main" id="{A1C3463E-C3B5-384A-9C85-047396987FCA}"/>
+                </a:ext>
+              </a:extLst>
+            </p:cNvPr>
+            <p:cNvSpPr txBox="1"/>
+            <p:nvPr/>
+          </p:nvSpPr>
+          <p:spPr>
+            <a:xfrm>
+              <a:off x="8216015" y="4503469"/>
+              <a:ext cx="2493818" cy="461665"/>
+            </a:xfrm>
+            <a:prstGeom prst="rect">
+              <a:avLst/>
+            </a:prstGeom>
+            <a:noFill/>
+          </p:spPr>
+          <p:txBody>
+            <a:bodyPr wrap="square" rtlCol="0">
+              <a:spAutoFit/>
+            </a:bodyPr>
+            <a:lstStyle/>
+            <a:p>
+              <a:r>
+                <a:rPr lang="en-US" sz="2400" dirty="0">
+                  <a:latin typeface="Avenir Book" panose="02000503020000020003" pitchFamily="2" charset="0"/>
+                </a:rPr>
+                <a:t>ATP Hydrolysis</a:t>
+              </a:r>
+            </a:p>
+          </p:txBody>
+        </p:sp>
+        <p:pic>
+          <p:nvPicPr>
+            <p:cNvPr id="23" name="Picture 22" descr="A picture containing object, clock&#10;&#10;Description automatically generated">
+              <a:extLst>
+                <a:ext uri="{FF2B5EF4-FFF2-40B4-BE49-F238E27FC236}">
+                  <a16:creationId xmlns:a16="http://schemas.microsoft.com/office/drawing/2014/main" id="{16213E55-0417-D645-8148-7773788B2D0C}"/>
+                </a:ext>
+              </a:extLst>
+            </p:cNvPr>
+            <p:cNvPicPr>
+              <a:picLocks noChangeAspect="1"/>
+            </p:cNvPicPr>
+            <p:nvPr/>
+          </p:nvPicPr>
+          <p:blipFill>
+            <a:blip r:embed="rId2"/>
+            <a:stretch>
+              <a:fillRect/>
+            </a:stretch>
+          </p:blipFill>
+          <p:spPr>
+            <a:xfrm>
+              <a:off x="10385873" y="1107757"/>
+              <a:ext cx="1787378" cy="1400367"/>
+            </a:xfrm>
+            <a:prstGeom prst="rect">
+              <a:avLst/>
+            </a:prstGeom>
+          </p:spPr>
+        </p:pic>
+        <p:pic>
+          <p:nvPicPr>
+            <p:cNvPr id="24" name="Picture 23" descr="A picture containing clock&#10;&#10;Description automatically generated">
+              <a:extLst>
+                <a:ext uri="{FF2B5EF4-FFF2-40B4-BE49-F238E27FC236}">
+                  <a16:creationId xmlns:a16="http://schemas.microsoft.com/office/drawing/2014/main" id="{C888CBBC-0160-DE47-8065-54B33CAE1289}"/>
+                </a:ext>
+              </a:extLst>
+            </p:cNvPr>
+            <p:cNvPicPr>
+              <a:picLocks noChangeAspect="1"/>
+            </p:cNvPicPr>
+            <p:nvPr/>
+          </p:nvPicPr>
+          <p:blipFill>
+            <a:blip r:embed="rId3"/>
+            <a:stretch>
+              <a:fillRect/>
+            </a:stretch>
+          </p:blipFill>
+          <p:spPr>
+            <a:xfrm>
+              <a:off x="10585888" y="2660265"/>
+              <a:ext cx="1534484" cy="1300326"/>
+            </a:xfrm>
+            <a:prstGeom prst="rect">
+              <a:avLst/>
+            </a:prstGeom>
+          </p:spPr>
+        </p:pic>
+        <p:pic>
+          <p:nvPicPr>
+            <p:cNvPr id="25" name="Picture 24" descr="A picture containing object, clock&#10;&#10;Description automatically generated">
+              <a:extLst>
+                <a:ext uri="{FF2B5EF4-FFF2-40B4-BE49-F238E27FC236}">
+                  <a16:creationId xmlns:a16="http://schemas.microsoft.com/office/drawing/2014/main" id="{DE36C045-EFC4-E746-9B90-B4F652767E07}"/>
+                </a:ext>
+              </a:extLst>
+            </p:cNvPr>
+            <p:cNvPicPr>
+              <a:picLocks noChangeAspect="1"/>
+            </p:cNvPicPr>
+            <p:nvPr/>
+          </p:nvPicPr>
+          <p:blipFill>
+            <a:blip r:embed="rId4"/>
+            <a:stretch>
+              <a:fillRect/>
+            </a:stretch>
+          </p:blipFill>
+          <p:spPr>
+            <a:xfrm>
+              <a:off x="10585889" y="4151476"/>
+              <a:ext cx="1381322" cy="1387199"/>
+            </a:xfrm>
+            <a:prstGeom prst="rect">
+              <a:avLst/>
+            </a:prstGeom>
+          </p:spPr>
+        </p:pic>
+      </p:grpSp>
     </p:spTree>
     <p:extLst>
       <p:ext uri="{BB962C8B-B14F-4D97-AF65-F5344CB8AC3E}">
@@ -19462,7 +19855,7 @@
           </p:xfrm>
           <a:graphic>
             <a:graphicData uri="http://schemas.openxmlformats.org/drawingml/2006/diagram">
-              <dgm:relIds xmlns:dgm="http://schemas.openxmlformats.org/drawingml/2006/diagram" xmlns:r="http://schemas.openxmlformats.org/officeDocument/2006/relationships" r:dm="rId2" r:lo="rId3" r:qs="rId4" r:cs="rId5"/>
+              <dgm:relIds xmlns:dgm="http://schemas.openxmlformats.org/drawingml/2006/diagram" xmlns:r="http://schemas.openxmlformats.org/officeDocument/2006/relationships" r:dm="rId3" r:lo="rId4" r:qs="rId5" r:cs="rId6"/>
             </a:graphicData>
           </a:graphic>
         </p:graphicFrame>
@@ -19721,7 +20114,7 @@
           <p:nvPr/>
         </p:nvPicPr>
         <p:blipFill>
-          <a:blip r:embed="rId7"/>
+          <a:blip r:embed="rId8"/>
           <a:stretch>
             <a:fillRect/>
           </a:stretch>
@@ -19751,7 +20144,7 @@
           <p:nvPr/>
         </p:nvPicPr>
         <p:blipFill>
-          <a:blip r:embed="rId8"/>
+          <a:blip r:embed="rId9"/>
           <a:stretch>
             <a:fillRect/>
           </a:stretch>
@@ -19781,7 +20174,7 @@
           <p:nvPr/>
         </p:nvPicPr>
         <p:blipFill>
-          <a:blip r:embed="rId9"/>
+          <a:blip r:embed="rId10"/>
           <a:stretch>
             <a:fillRect/>
           </a:stretch>
@@ -19796,6 +20189,73 @@
           </a:prstGeom>
         </p:spPr>
       </p:pic>
+      <p:sp>
+        <p:nvSpPr>
+          <p:cNvPr id="33" name="TextBox 32">
+            <a:extLst>
+              <a:ext uri="{FF2B5EF4-FFF2-40B4-BE49-F238E27FC236}">
+                <a16:creationId xmlns:a16="http://schemas.microsoft.com/office/drawing/2014/main" id="{48EC7D4E-13AB-4B4A-B6C3-C7FBA27020BF}"/>
+              </a:ext>
+            </a:extLst>
+          </p:cNvPr>
+          <p:cNvSpPr txBox="1"/>
+          <p:nvPr/>
+        </p:nvSpPr>
+        <p:spPr>
+          <a:xfrm>
+            <a:off x="400326" y="965046"/>
+            <a:ext cx="11162547" cy="369332"/>
+          </a:xfrm>
+          <a:prstGeom prst="rect">
+            <a:avLst/>
+          </a:prstGeom>
+          <a:noFill/>
+        </p:spPr>
+        <p:txBody>
+          <a:bodyPr wrap="square" rtlCol="0">
+            <a:spAutoFit/>
+          </a:bodyPr>
+          <a:lstStyle/>
+          <a:p>
+            <a:r>
+              <a:rPr lang="en-US" b="1" dirty="0">
+                <a:latin typeface="Avenir Book" panose="02000503020000020003" pitchFamily="2" charset="0"/>
+              </a:rPr>
+              <a:t>Initial Conditions - </a:t>
+            </a:r>
+            <a:r>
+              <a:rPr lang="en-US" dirty="0">
+                <a:latin typeface="Avenir Book" panose="02000503020000020003" pitchFamily="2" charset="0"/>
+              </a:rPr>
+              <a:t>Tx/Tl Machinery, </a:t>
+            </a:r>
+            <a:r>
+              <a:rPr lang="en-US" dirty="0" err="1">
+                <a:latin typeface="Avenir Book" panose="02000503020000020003" pitchFamily="2" charset="0"/>
+              </a:rPr>
+              <a:t>outside_H</a:t>
+            </a:r>
+            <a:r>
+              <a:rPr lang="en-US" dirty="0">
+                <a:latin typeface="Avenir Book" panose="02000503020000020003" pitchFamily="2" charset="0"/>
+              </a:rPr>
+              <a:t>, </a:t>
+            </a:r>
+            <a:r>
+              <a:rPr lang="en-US" dirty="0" err="1">
+                <a:latin typeface="Avenir Book" panose="02000503020000020003" pitchFamily="2" charset="0"/>
+              </a:rPr>
+              <a:t>dna</a:t>
+            </a:r>
+            <a:r>
+              <a:rPr lang="en-US" dirty="0">
+                <a:latin typeface="Avenir Book" panose="02000503020000020003" pitchFamily="2" charset="0"/>
+              </a:rPr>
+              <a:t> for protein, ATP: 10 nM</a:t>
+            </a:r>
+          </a:p>
+        </p:txBody>
+      </p:sp>
     </p:spTree>
     <p:extLst>
       <p:ext uri="{BB962C8B-B14F-4D97-AF65-F5344CB8AC3E}">
@@ -20219,7 +20679,7 @@
         </p:nvGrpSpPr>
         <p:grpSpPr>
           <a:xfrm>
-            <a:off x="6703142" y="1751440"/>
+            <a:off x="8131475" y="1795315"/>
             <a:ext cx="3386487" cy="3803915"/>
             <a:chOff x="6703142" y="1751440"/>
             <a:chExt cx="3386487" cy="3803915"/>
@@ -20892,7 +21352,7 @@
             </p:xfrm>
             <a:graphic>
               <a:graphicData uri="http://schemas.openxmlformats.org/drawingml/2006/diagram">
-                <dgm:relIds xmlns:dgm="http://schemas.openxmlformats.org/drawingml/2006/diagram" xmlns:r="http://schemas.openxmlformats.org/officeDocument/2006/relationships" r:dm="rId2" r:lo="rId3" r:qs="rId4" r:cs="rId5"/>
+                <dgm:relIds xmlns:dgm="http://schemas.openxmlformats.org/drawingml/2006/diagram" xmlns:r="http://schemas.openxmlformats.org/officeDocument/2006/relationships" r:dm="rId3" r:lo="rId4" r:qs="rId5" r:cs="rId6"/>
               </a:graphicData>
             </a:graphic>
           </p:graphicFrame>
@@ -21139,10 +21599,10 @@
       </p:grpSp>
       <p:pic>
         <p:nvPicPr>
-          <p:cNvPr id="36" name="Picture 35" descr="A close up of a map&#10;&#10;Description automatically generated">
+          <p:cNvPr id="40" name="Picture 39" descr="A close up of a map&#10;&#10;Description automatically generated">
             <a:extLst>
               <a:ext uri="{FF2B5EF4-FFF2-40B4-BE49-F238E27FC236}">
-                <a16:creationId xmlns:a16="http://schemas.microsoft.com/office/drawing/2014/main" id="{C61A7383-078E-9F49-B7CC-7917BFCF2D0C}"/>
+                <a16:creationId xmlns:a16="http://schemas.microsoft.com/office/drawing/2014/main" id="{DF506DB0-0717-9342-91A0-713804C95CA2}"/>
               </a:ext>
             </a:extLst>
           </p:cNvPr>
@@ -21152,15 +21612,15 @@
           <p:nvPr/>
         </p:nvPicPr>
         <p:blipFill>
-          <a:blip r:embed="rId7"/>
+          <a:blip r:embed="rId8"/>
           <a:stretch>
             <a:fillRect/>
           </a:stretch>
         </p:blipFill>
         <p:spPr>
           <a:xfrm>
-            <a:off x="628105" y="1577678"/>
-            <a:ext cx="5878286" cy="4572000"/>
+            <a:off x="1126275" y="1462028"/>
+            <a:ext cx="5715000" cy="4445000"/>
           </a:xfrm>
           <a:prstGeom prst="rect">
             <a:avLst/>

--- a/miscellaneous/presentations/20200825_labmtg.pptx
+++ b/miscellaneous/presentations/20200825_labmtg.pptx
@@ -11,7 +11,7 @@
     <p:sldId id="256" r:id="rId2"/>
     <p:sldId id="271" r:id="rId3"/>
     <p:sldId id="270" r:id="rId4"/>
-    <p:sldId id="272" r:id="rId5"/>
+    <p:sldId id="284" r:id="rId5"/>
     <p:sldId id="273" r:id="rId6"/>
     <p:sldId id="274" r:id="rId7"/>
     <p:sldId id="275" r:id="rId8"/>
@@ -6486,7 +6486,7 @@
           <a:p>
             <a:fld id="{1F6016E2-DE12-334C-8C04-EFBA018766FA}" type="datetimeFigureOut">
               <a:rPr lang="en-US" smtClean="0"/>
-              <a:t>8/23/20</a:t>
+              <a:t>8/24/20</a:t>
             </a:fld>
             <a:endParaRPr lang="en-US"/>
           </a:p>
@@ -6818,7 +6818,7 @@
           <a:p>
             <a:fld id="{E664AA93-6F0D-5A4C-B7F1-05D840C85487}" type="slidenum">
               <a:rPr lang="en-US" smtClean="0"/>
-              <a:t>5</a:t>
+              <a:t>4</a:t>
             </a:fld>
             <a:endParaRPr lang="en-US"/>
           </a:p>
@@ -6827,7 +6827,7 @@
     </p:spTree>
     <p:extLst>
       <p:ext uri="{BB962C8B-B14F-4D97-AF65-F5344CB8AC3E}">
-        <p14:creationId xmlns:p14="http://schemas.microsoft.com/office/powerpoint/2010/main" val="4044222828"/>
+        <p14:creationId xmlns:p14="http://schemas.microsoft.com/office/powerpoint/2010/main" val="3764383001"/>
       </p:ext>
     </p:extLst>
   </p:cSld>
@@ -6902,7 +6902,7 @@
           <a:p>
             <a:fld id="{E664AA93-6F0D-5A4C-B7F1-05D840C85487}" type="slidenum">
               <a:rPr lang="en-US" smtClean="0"/>
-              <a:t>8</a:t>
+              <a:t>5</a:t>
             </a:fld>
             <a:endParaRPr lang="en-US"/>
           </a:p>
@@ -6911,7 +6911,7 @@
     </p:spTree>
     <p:extLst>
       <p:ext uri="{BB962C8B-B14F-4D97-AF65-F5344CB8AC3E}">
-        <p14:creationId xmlns:p14="http://schemas.microsoft.com/office/powerpoint/2010/main" val="2616987978"/>
+        <p14:creationId xmlns:p14="http://schemas.microsoft.com/office/powerpoint/2010/main" val="4044222828"/>
       </p:ext>
     </p:extLst>
   </p:cSld>
@@ -6965,6 +6965,180 @@
           <a:bodyPr/>
           <a:lstStyle/>
           <a:p>
+            <a:r>
+              <a:rPr lang="en-US" dirty="0"/>
+              <a:t>Proton pump = </a:t>
+            </a:r>
+            <a:r>
+              <a:rPr lang="en-US" sz="1200" b="0" i="0" kern="1200" dirty="0">
+                <a:solidFill>
+                  <a:schemeClr val="tx1"/>
+                </a:solidFill>
+                <a:effectLst/>
+                <a:latin typeface="+mn-lt"/>
+                <a:ea typeface="+mn-ea"/>
+                <a:cs typeface="+mn-cs"/>
+              </a:rPr>
+              <a:t>Plasma membrane H+-ATPase</a:t>
+            </a:r>
+          </a:p>
+          <a:p>
+            <a:pPr marL="0" marR="0" lvl="0" indent="0" algn="l" defTabSz="914400" rtl="0" eaLnBrk="1" fontAlgn="auto" latinLnBrk="0" hangingPunct="1">
+              <a:lnSpc>
+                <a:spcPct val="100000"/>
+              </a:lnSpc>
+              <a:spcBef>
+                <a:spcPts val="0"/>
+              </a:spcBef>
+              <a:spcAft>
+                <a:spcPts val="0"/>
+              </a:spcAft>
+              <a:buClrTx/>
+              <a:buSzTx/>
+              <a:buFontTx/>
+              <a:buNone/>
+              <a:tabLst/>
+              <a:defRPr/>
+            </a:pPr>
+            <a:r>
+              <a:rPr lang="en-US" sz="1200" b="1" i="0" kern="1200" dirty="0">
+                <a:solidFill>
+                  <a:schemeClr val="tx1"/>
+                </a:solidFill>
+                <a:effectLst/>
+                <a:latin typeface="+mn-lt"/>
+                <a:ea typeface="+mn-ea"/>
+                <a:cs typeface="+mn-cs"/>
+              </a:rPr>
+              <a:t>P-type proton ATPase</a:t>
+            </a:r>
+          </a:p>
+          <a:p>
+            <a:r>
+              <a:rPr lang="en-US" sz="1200" b="0" i="0" kern="1200" dirty="0">
+                <a:solidFill>
+                  <a:schemeClr val="tx1"/>
+                </a:solidFill>
+                <a:effectLst/>
+                <a:latin typeface="+mn-lt"/>
+                <a:ea typeface="+mn-ea"/>
+                <a:cs typeface="+mn-cs"/>
+              </a:rPr>
+              <a:t>found in the plasma membrane of </a:t>
+            </a:r>
+            <a:r>
+              <a:rPr lang="en-US" sz="1200" b="0" i="0" u="none" strike="noStrike" kern="1200" dirty="0">
+                <a:solidFill>
+                  <a:schemeClr val="tx1"/>
+                </a:solidFill>
+                <a:effectLst/>
+                <a:latin typeface="+mn-lt"/>
+                <a:ea typeface="+mn-ea"/>
+                <a:cs typeface="+mn-cs"/>
+                <a:hlinkClick r:id="rId3" tooltip="Plants"/>
+              </a:rPr>
+              <a:t>plants</a:t>
+            </a:r>
+            <a:r>
+              <a:rPr lang="en-US" sz="1200" b="0" i="0" kern="1200" dirty="0">
+                <a:solidFill>
+                  <a:schemeClr val="tx1"/>
+                </a:solidFill>
+                <a:effectLst/>
+                <a:latin typeface="+mn-lt"/>
+                <a:ea typeface="+mn-ea"/>
+                <a:cs typeface="+mn-cs"/>
+              </a:rPr>
+              <a:t>, </a:t>
+            </a:r>
+            <a:r>
+              <a:rPr lang="en-US" sz="1200" b="0" i="0" u="none" strike="noStrike" kern="1200" dirty="0">
+                <a:solidFill>
+                  <a:schemeClr val="tx1"/>
+                </a:solidFill>
+                <a:effectLst/>
+                <a:latin typeface="+mn-lt"/>
+                <a:ea typeface="+mn-ea"/>
+                <a:cs typeface="+mn-cs"/>
+                <a:hlinkClick r:id="rId4" tooltip="Fungi"/>
+              </a:rPr>
+              <a:t>fungi</a:t>
+            </a:r>
+            <a:r>
+              <a:rPr lang="en-US" sz="1200" b="0" i="0" kern="1200" dirty="0">
+                <a:solidFill>
+                  <a:schemeClr val="tx1"/>
+                </a:solidFill>
+                <a:effectLst/>
+                <a:latin typeface="+mn-lt"/>
+                <a:ea typeface="+mn-ea"/>
+                <a:cs typeface="+mn-cs"/>
+              </a:rPr>
+              <a:t>, </a:t>
+            </a:r>
+            <a:r>
+              <a:rPr lang="en-US" sz="1200" b="0" i="0" u="none" strike="noStrike" kern="1200" dirty="0">
+                <a:solidFill>
+                  <a:schemeClr val="tx1"/>
+                </a:solidFill>
+                <a:effectLst/>
+                <a:latin typeface="+mn-lt"/>
+                <a:ea typeface="+mn-ea"/>
+                <a:cs typeface="+mn-cs"/>
+                <a:hlinkClick r:id="rId5" tooltip="Protists"/>
+              </a:rPr>
+              <a:t>protists</a:t>
+            </a:r>
+            <a:r>
+              <a:rPr lang="en-US" sz="1200" b="0" i="0" kern="1200" dirty="0">
+                <a:solidFill>
+                  <a:schemeClr val="tx1"/>
+                </a:solidFill>
+                <a:effectLst/>
+                <a:latin typeface="+mn-lt"/>
+                <a:ea typeface="+mn-ea"/>
+                <a:cs typeface="+mn-cs"/>
+              </a:rPr>
+              <a:t> and many </a:t>
+            </a:r>
+            <a:r>
+              <a:rPr lang="en-US" sz="1200" b="0" i="0" u="none" strike="noStrike" kern="1200" dirty="0">
+                <a:solidFill>
+                  <a:schemeClr val="tx1"/>
+                </a:solidFill>
+                <a:effectLst/>
+                <a:latin typeface="+mn-lt"/>
+                <a:ea typeface="+mn-ea"/>
+                <a:cs typeface="+mn-cs"/>
+                <a:hlinkClick r:id="rId6" tooltip="Prokaryotes"/>
+              </a:rPr>
+              <a:t>prokaryotes</a:t>
+            </a:r>
+            <a:r>
+              <a:rPr lang="en-US" sz="1200" b="0" i="0" kern="1200" dirty="0">
+                <a:solidFill>
+                  <a:schemeClr val="tx1"/>
+                </a:solidFill>
+                <a:effectLst/>
+                <a:latin typeface="+mn-lt"/>
+                <a:ea typeface="+mn-ea"/>
+                <a:cs typeface="+mn-cs"/>
+              </a:rPr>
+              <a:t>.</a:t>
+            </a:r>
+          </a:p>
+          <a:p>
+            <a:endParaRPr lang="en-US" sz="1200" b="0" i="0" kern="1200" dirty="0">
+              <a:solidFill>
+                <a:schemeClr val="tx1"/>
+              </a:solidFill>
+              <a:effectLst/>
+              <a:latin typeface="+mn-lt"/>
+              <a:ea typeface="+mn-ea"/>
+              <a:cs typeface="+mn-cs"/>
+            </a:endParaRPr>
+          </a:p>
+          <a:p>
             <a:endParaRPr lang="en-US" dirty="0"/>
           </a:p>
         </p:txBody>
@@ -6986,7 +7160,7 @@
           <a:p>
             <a:fld id="{E664AA93-6F0D-5A4C-B7F1-05D840C85487}" type="slidenum">
               <a:rPr lang="en-US" smtClean="0"/>
-              <a:t>9</a:t>
+              <a:t>7</a:t>
             </a:fld>
             <a:endParaRPr lang="en-US"/>
           </a:p>
@@ -6995,7 +7169,7 @@
     </p:spTree>
     <p:extLst>
       <p:ext uri="{BB962C8B-B14F-4D97-AF65-F5344CB8AC3E}">
-        <p14:creationId xmlns:p14="http://schemas.microsoft.com/office/powerpoint/2010/main" val="3301886910"/>
+        <p14:creationId xmlns:p14="http://schemas.microsoft.com/office/powerpoint/2010/main" val="3650279148"/>
       </p:ext>
     </p:extLst>
   </p:cSld>
@@ -7049,14 +7223,7 @@
           <a:bodyPr/>
           <a:lstStyle/>
           <a:p>
-            <a:r>
-              <a:rPr lang="en-US" dirty="0">
-                <a:solidFill>
-                  <a:srgbClr val="FF0000"/>
-                </a:solidFill>
-              </a:rPr>
-              <a:t>Recheck plots</a:t>
-            </a:r>
+            <a:endParaRPr lang="en-US" dirty="0"/>
           </a:p>
         </p:txBody>
       </p:sp>
@@ -7077,7 +7244,7 @@
           <a:p>
             <a:fld id="{E664AA93-6F0D-5A4C-B7F1-05D840C85487}" type="slidenum">
               <a:rPr lang="en-US" smtClean="0"/>
-              <a:t>10</a:t>
+              <a:t>8</a:t>
             </a:fld>
             <a:endParaRPr lang="en-US"/>
           </a:p>
@@ -7086,7 +7253,7 @@
     </p:spTree>
     <p:extLst>
       <p:ext uri="{BB962C8B-B14F-4D97-AF65-F5344CB8AC3E}">
-        <p14:creationId xmlns:p14="http://schemas.microsoft.com/office/powerpoint/2010/main" val="1608150766"/>
+        <p14:creationId xmlns:p14="http://schemas.microsoft.com/office/powerpoint/2010/main" val="2616987978"/>
       </p:ext>
     </p:extLst>
   </p:cSld>
@@ -7161,6 +7328,181 @@
           <a:p>
             <a:fld id="{E664AA93-6F0D-5A4C-B7F1-05D840C85487}" type="slidenum">
               <a:rPr lang="en-US" smtClean="0"/>
+              <a:t>9</a:t>
+            </a:fld>
+            <a:endParaRPr lang="en-US"/>
+          </a:p>
+        </p:txBody>
+      </p:sp>
+    </p:spTree>
+    <p:extLst>
+      <p:ext uri="{BB962C8B-B14F-4D97-AF65-F5344CB8AC3E}">
+        <p14:creationId xmlns:p14="http://schemas.microsoft.com/office/powerpoint/2010/main" val="3301886910"/>
+      </p:ext>
+    </p:extLst>
+  </p:cSld>
+  <p:clrMapOvr>
+    <a:masterClrMapping/>
+  </p:clrMapOvr>
+</p:notes>
+</file>
+
+<file path=ppt/notesSlides/notesSlide6.xml><?xml version="1.0" encoding="utf-8"?>
+<p:notes xmlns:a="http://schemas.openxmlformats.org/drawingml/2006/main" xmlns:r="http://schemas.openxmlformats.org/officeDocument/2006/relationships" xmlns:p="http://schemas.openxmlformats.org/presentationml/2006/main">
+  <p:cSld>
+    <p:spTree>
+      <p:nvGrpSpPr>
+        <p:cNvPr id="1" name=""/>
+        <p:cNvGrpSpPr/>
+        <p:nvPr/>
+      </p:nvGrpSpPr>
+      <p:grpSpPr>
+        <a:xfrm>
+          <a:off x="0" y="0"/>
+          <a:ext cx="0" cy="0"/>
+          <a:chOff x="0" y="0"/>
+          <a:chExt cx="0" cy="0"/>
+        </a:xfrm>
+      </p:grpSpPr>
+      <p:sp>
+        <p:nvSpPr>
+          <p:cNvPr id="2" name="Slide Image Placeholder 1"/>
+          <p:cNvSpPr>
+            <a:spLocks noGrp="1" noRot="1" noChangeAspect="1"/>
+          </p:cNvSpPr>
+          <p:nvPr>
+            <p:ph type="sldImg"/>
+          </p:nvPr>
+        </p:nvSpPr>
+        <p:spPr/>
+      </p:sp>
+      <p:sp>
+        <p:nvSpPr>
+          <p:cNvPr id="3" name="Notes Placeholder 2"/>
+          <p:cNvSpPr>
+            <a:spLocks noGrp="1"/>
+          </p:cNvSpPr>
+          <p:nvPr>
+            <p:ph type="body" idx="1"/>
+          </p:nvPr>
+        </p:nvSpPr>
+        <p:spPr/>
+        <p:txBody>
+          <a:bodyPr/>
+          <a:lstStyle/>
+          <a:p>
+            <a:r>
+              <a:rPr lang="en-US" dirty="0">
+                <a:solidFill>
+                  <a:srgbClr val="FF0000"/>
+                </a:solidFill>
+              </a:rPr>
+              <a:t>Recheck plots</a:t>
+            </a:r>
+          </a:p>
+        </p:txBody>
+      </p:sp>
+      <p:sp>
+        <p:nvSpPr>
+          <p:cNvPr id="4" name="Slide Number Placeholder 3"/>
+          <p:cNvSpPr>
+            <a:spLocks noGrp="1"/>
+          </p:cNvSpPr>
+          <p:nvPr>
+            <p:ph type="sldNum" sz="quarter" idx="5"/>
+          </p:nvPr>
+        </p:nvSpPr>
+        <p:spPr/>
+        <p:txBody>
+          <a:bodyPr/>
+          <a:lstStyle/>
+          <a:p>
+            <a:fld id="{E664AA93-6F0D-5A4C-B7F1-05D840C85487}" type="slidenum">
+              <a:rPr lang="en-US" smtClean="0"/>
+              <a:t>10</a:t>
+            </a:fld>
+            <a:endParaRPr lang="en-US"/>
+          </a:p>
+        </p:txBody>
+      </p:sp>
+    </p:spTree>
+    <p:extLst>
+      <p:ext uri="{BB962C8B-B14F-4D97-AF65-F5344CB8AC3E}">
+        <p14:creationId xmlns:p14="http://schemas.microsoft.com/office/powerpoint/2010/main" val="1608150766"/>
+      </p:ext>
+    </p:extLst>
+  </p:cSld>
+  <p:clrMapOvr>
+    <a:masterClrMapping/>
+  </p:clrMapOvr>
+</p:notes>
+</file>
+
+<file path=ppt/notesSlides/notesSlide7.xml><?xml version="1.0" encoding="utf-8"?>
+<p:notes xmlns:a="http://schemas.openxmlformats.org/drawingml/2006/main" xmlns:r="http://schemas.openxmlformats.org/officeDocument/2006/relationships" xmlns:p="http://schemas.openxmlformats.org/presentationml/2006/main">
+  <p:cSld>
+    <p:spTree>
+      <p:nvGrpSpPr>
+        <p:cNvPr id="1" name=""/>
+        <p:cNvGrpSpPr/>
+        <p:nvPr/>
+      </p:nvGrpSpPr>
+      <p:grpSpPr>
+        <a:xfrm>
+          <a:off x="0" y="0"/>
+          <a:ext cx="0" cy="0"/>
+          <a:chOff x="0" y="0"/>
+          <a:chExt cx="0" cy="0"/>
+        </a:xfrm>
+      </p:grpSpPr>
+      <p:sp>
+        <p:nvSpPr>
+          <p:cNvPr id="2" name="Slide Image Placeholder 1"/>
+          <p:cNvSpPr>
+            <a:spLocks noGrp="1" noRot="1" noChangeAspect="1"/>
+          </p:cNvSpPr>
+          <p:nvPr>
+            <p:ph type="sldImg"/>
+          </p:nvPr>
+        </p:nvSpPr>
+        <p:spPr/>
+      </p:sp>
+      <p:sp>
+        <p:nvSpPr>
+          <p:cNvPr id="3" name="Notes Placeholder 2"/>
+          <p:cNvSpPr>
+            <a:spLocks noGrp="1"/>
+          </p:cNvSpPr>
+          <p:nvPr>
+            <p:ph type="body" idx="1"/>
+          </p:nvPr>
+        </p:nvSpPr>
+        <p:spPr/>
+        <p:txBody>
+          <a:bodyPr/>
+          <a:lstStyle/>
+          <a:p>
+            <a:endParaRPr lang="en-US" dirty="0"/>
+          </a:p>
+        </p:txBody>
+      </p:sp>
+      <p:sp>
+        <p:nvSpPr>
+          <p:cNvPr id="4" name="Slide Number Placeholder 3"/>
+          <p:cNvSpPr>
+            <a:spLocks noGrp="1"/>
+          </p:cNvSpPr>
+          <p:nvPr>
+            <p:ph type="sldNum" sz="quarter" idx="5"/>
+          </p:nvPr>
+        </p:nvSpPr>
+        <p:spPr/>
+        <p:txBody>
+          <a:bodyPr/>
+          <a:lstStyle/>
+          <a:p>
+            <a:fld id="{E664AA93-6F0D-5A4C-B7F1-05D840C85487}" type="slidenum">
+              <a:rPr lang="en-US" smtClean="0"/>
               <a:t>12</a:t>
             </a:fld>
             <a:endParaRPr lang="en-US"/>
@@ -7180,7 +7522,7 @@
 </p:notes>
 </file>
 
-<file path=ppt/notesSlides/notesSlide6.xml><?xml version="1.0" encoding="utf-8"?>
+<file path=ppt/notesSlides/notesSlide8.xml><?xml version="1.0" encoding="utf-8"?>
 <p:notes xmlns:a="http://schemas.openxmlformats.org/drawingml/2006/main" xmlns:r="http://schemas.openxmlformats.org/officeDocument/2006/relationships" xmlns:p="http://schemas.openxmlformats.org/presentationml/2006/main">
   <p:cSld>
     <p:spTree>
@@ -10990,10 +11332,10 @@
       </p:sp>
       <p:pic>
         <p:nvPicPr>
-          <p:cNvPr id="9" name="Picture 8" descr="A close up of a map&#10;&#10;Description automatically generated">
+          <p:cNvPr id="7" name="Picture 6" descr="A close up of a map&#10;&#10;Description automatically generated">
             <a:extLst>
               <a:ext uri="{FF2B5EF4-FFF2-40B4-BE49-F238E27FC236}">
-                <a16:creationId xmlns:a16="http://schemas.microsoft.com/office/drawing/2014/main" id="{22F67FA9-C117-DC44-8775-37020064D2F5}"/>
+                <a16:creationId xmlns:a16="http://schemas.microsoft.com/office/drawing/2014/main" id="{97052A13-803C-CF4F-87B8-229F87CE6224}"/>
               </a:ext>
             </a:extLst>
           </p:cNvPr>
@@ -11010,8 +11352,8 @@
         </p:blipFill>
         <p:spPr>
           <a:xfrm>
-            <a:off x="6201653" y="1452774"/>
-            <a:ext cx="5290457" cy="4114800"/>
+            <a:off x="3661134" y="1835751"/>
+            <a:ext cx="5172892" cy="4023360"/>
           </a:xfrm>
           <a:prstGeom prst="rect">
             <a:avLst/>
@@ -11020,10 +11362,10 @@
       </p:pic>
       <p:pic>
         <p:nvPicPr>
-          <p:cNvPr id="11" name="Picture 10" descr="A screenshot of a cell phone&#10;&#10;Description automatically generated">
+          <p:cNvPr id="10" name="Picture 9" descr="A screenshot of a cell phone&#10;&#10;Description automatically generated">
             <a:extLst>
               <a:ext uri="{FF2B5EF4-FFF2-40B4-BE49-F238E27FC236}">
-                <a16:creationId xmlns:a16="http://schemas.microsoft.com/office/drawing/2014/main" id="{F75DB027-FE91-0D4C-9705-9D0F9D2C7812}"/>
+                <a16:creationId xmlns:a16="http://schemas.microsoft.com/office/drawing/2014/main" id="{890AA115-7BA5-5F4B-A59E-97E71D5132A5}"/>
               </a:ext>
             </a:extLst>
           </p:cNvPr>
@@ -11040,8 +11382,38 @@
         </p:blipFill>
         <p:spPr>
           <a:xfrm>
-            <a:off x="699892" y="1452774"/>
-            <a:ext cx="5290457" cy="4114800"/>
+            <a:off x="3661134" y="1835751"/>
+            <a:ext cx="5172892" cy="4023360"/>
+          </a:xfrm>
+          <a:prstGeom prst="rect">
+            <a:avLst/>
+          </a:prstGeom>
+        </p:spPr>
+      </p:pic>
+      <p:pic>
+        <p:nvPicPr>
+          <p:cNvPr id="13" name="Picture 12" descr="A close up of a map&#10;&#10;Description automatically generated">
+            <a:extLst>
+              <a:ext uri="{FF2B5EF4-FFF2-40B4-BE49-F238E27FC236}">
+                <a16:creationId xmlns:a16="http://schemas.microsoft.com/office/drawing/2014/main" id="{E2DD5719-FC58-B641-981F-046F9C300CAB}"/>
+              </a:ext>
+            </a:extLst>
+          </p:cNvPr>
+          <p:cNvPicPr>
+            <a:picLocks noChangeAspect="1"/>
+          </p:cNvPicPr>
+          <p:nvPr/>
+        </p:nvPicPr>
+        <p:blipFill>
+          <a:blip r:embed="rId5"/>
+          <a:stretch>
+            <a:fillRect/>
+          </a:stretch>
+        </p:blipFill>
+        <p:spPr>
+          <a:xfrm>
+            <a:off x="3661134" y="1835751"/>
+            <a:ext cx="5172892" cy="4023360"/>
           </a:xfrm>
           <a:prstGeom prst="rect">
             <a:avLst/>
@@ -11058,6 +11430,126 @@
   <p:clrMapOvr>
     <a:masterClrMapping/>
   </p:clrMapOvr>
+  <p:timing>
+    <p:tnLst>
+      <p:par>
+        <p:cTn id="1" dur="indefinite" restart="never" nodeType="tmRoot">
+          <p:childTnLst>
+            <p:seq concurrent="1" nextAc="seek">
+              <p:cTn id="2" dur="indefinite" nodeType="mainSeq">
+                <p:childTnLst>
+                  <p:par>
+                    <p:cTn id="3" fill="hold">
+                      <p:stCondLst>
+                        <p:cond delay="indefinite"/>
+                      </p:stCondLst>
+                      <p:childTnLst>
+                        <p:par>
+                          <p:cTn id="4" fill="hold">
+                            <p:stCondLst>
+                              <p:cond delay="0"/>
+                            </p:stCondLst>
+                            <p:childTnLst>
+                              <p:par>
+                                <p:cTn id="5" presetID="1" presetClass="entr" presetSubtype="0" fill="hold" nodeType="clickEffect">
+                                  <p:stCondLst>
+                                    <p:cond delay="0"/>
+                                  </p:stCondLst>
+                                  <p:childTnLst>
+                                    <p:set>
+                                      <p:cBhvr>
+                                        <p:cTn id="6" dur="1" fill="hold">
+                                          <p:stCondLst>
+                                            <p:cond delay="0"/>
+                                          </p:stCondLst>
+                                        </p:cTn>
+                                        <p:tgtEl>
+                                          <p:spTgt spid="10"/>
+                                        </p:tgtEl>
+                                        <p:attrNameLst>
+                                          <p:attrName>style.visibility</p:attrName>
+                                        </p:attrNameLst>
+                                      </p:cBhvr>
+                                      <p:to>
+                                        <p:strVal val="visible"/>
+                                      </p:to>
+                                    </p:set>
+                                  </p:childTnLst>
+                                </p:cTn>
+                              </p:par>
+                            </p:childTnLst>
+                          </p:cTn>
+                        </p:par>
+                      </p:childTnLst>
+                    </p:cTn>
+                  </p:par>
+                  <p:par>
+                    <p:cTn id="7" fill="hold">
+                      <p:stCondLst>
+                        <p:cond delay="indefinite"/>
+                      </p:stCondLst>
+                      <p:childTnLst>
+                        <p:par>
+                          <p:cTn id="8" fill="hold">
+                            <p:stCondLst>
+                              <p:cond delay="0"/>
+                            </p:stCondLst>
+                            <p:childTnLst>
+                              <p:par>
+                                <p:cTn id="9" presetID="1" presetClass="entr" presetSubtype="0" fill="hold" nodeType="clickEffect">
+                                  <p:stCondLst>
+                                    <p:cond delay="0"/>
+                                  </p:stCondLst>
+                                  <p:childTnLst>
+                                    <p:set>
+                                      <p:cBhvr>
+                                        <p:cTn id="10" dur="1" fill="hold">
+                                          <p:stCondLst>
+                                            <p:cond delay="0"/>
+                                          </p:stCondLst>
+                                        </p:cTn>
+                                        <p:tgtEl>
+                                          <p:spTgt spid="13"/>
+                                        </p:tgtEl>
+                                        <p:attrNameLst>
+                                          <p:attrName>style.visibility</p:attrName>
+                                        </p:attrNameLst>
+                                      </p:cBhvr>
+                                      <p:to>
+                                        <p:strVal val="visible"/>
+                                      </p:to>
+                                    </p:set>
+                                  </p:childTnLst>
+                                </p:cTn>
+                              </p:par>
+                            </p:childTnLst>
+                          </p:cTn>
+                        </p:par>
+                      </p:childTnLst>
+                    </p:cTn>
+                  </p:par>
+                </p:childTnLst>
+              </p:cTn>
+              <p:prevCondLst>
+                <p:cond evt="onPrev" delay="0">
+                  <p:tgtEl>
+                    <p:sldTgt/>
+                  </p:tgtEl>
+                </p:cond>
+              </p:prevCondLst>
+              <p:nextCondLst>
+                <p:cond evt="onNext" delay="0">
+                  <p:tgtEl>
+                    <p:sldTgt/>
+                  </p:tgtEl>
+                </p:cond>
+              </p:nextCondLst>
+            </p:seq>
+          </p:childTnLst>
+        </p:cTn>
+      </p:par>
+    </p:tnLst>
+  </p:timing>
 </p:sld>
 </file>
 
@@ -12063,7 +12555,7 @@
         </p:nvSpPr>
         <p:spPr>
           <a:xfrm>
-            <a:off x="0" y="30139"/>
+            <a:off x="117973" y="18426"/>
             <a:ext cx="10515600" cy="1325563"/>
           </a:xfrm>
         </p:spPr>
@@ -13040,6 +13532,15 @@
           </a:p>
           <a:p>
             <a:r>
+              <a:rPr lang="en-US" dirty="0"/>
+              <a:t>Murray Lab!</a:t>
+            </a:r>
+          </a:p>
+          <a:p>
+            <a:endParaRPr lang="en-US" dirty="0"/>
+          </a:p>
+          <a:p>
+            <a:r>
               <a:rPr lang="en-US" dirty="0">
                 <a:ea typeface="Cambria Math" panose="02040503050406030204" pitchFamily="18" charset="0"/>
               </a:rPr>
@@ -13162,7 +13663,7 @@
         </p:nvGrpSpPr>
         <p:grpSpPr>
           <a:xfrm>
-            <a:off x="6774911" y="4001294"/>
+            <a:off x="8931883" y="0"/>
             <a:ext cx="3253274" cy="2056656"/>
             <a:chOff x="2673543" y="2305946"/>
             <a:chExt cx="6358945" cy="3897417"/>
@@ -14250,7 +14751,7 @@
           <a:p>
             <a:r>
               <a:rPr lang="en-US" sz="3200" dirty="0"/>
-              <a:t>What are synthetic cells?</a:t>
+              <a:t>Motivation</a:t>
             </a:r>
           </a:p>
         </p:txBody>
@@ -16041,7 +16542,7 @@
           <p:cNvPr id="2" name="Title 1">
             <a:extLst>
               <a:ext uri="{FF2B5EF4-FFF2-40B4-BE49-F238E27FC236}">
-                <a16:creationId xmlns:a16="http://schemas.microsoft.com/office/drawing/2014/main" id="{3D6E3E7D-EA17-B04F-91AA-F791E5FEA069}"/>
+                <a16:creationId xmlns:a16="http://schemas.microsoft.com/office/drawing/2014/main" id="{0F284A7B-62E5-B749-B50A-81A4852C3193}"/>
               </a:ext>
             </a:extLst>
           </p:cNvPr>
@@ -16054,7 +16555,7 @@
         </p:nvSpPr>
         <p:spPr>
           <a:xfrm>
-            <a:off x="330778" y="5930"/>
+            <a:off x="751033" y="381914"/>
             <a:ext cx="10515600" cy="1325563"/>
           </a:xfrm>
         </p:spPr>
@@ -16065,9 +16566,10 @@
           <a:lstStyle/>
           <a:p>
             <a:r>
-              <a:rPr lang="en-US" sz="3200" dirty="0"/>
-              <a:t>Software Tools</a:t>
+              <a:rPr lang="en-US" sz="3200"/>
+              <a:t>Software Workflow</a:t>
             </a:r>
+            <a:endParaRPr lang="en-US" sz="3200" dirty="0"/>
           </a:p>
         </p:txBody>
       </p:sp>
@@ -16076,7 +16578,7 @@
           <p:cNvPr id="3" name="Date Placeholder 2">
             <a:extLst>
               <a:ext uri="{FF2B5EF4-FFF2-40B4-BE49-F238E27FC236}">
-                <a16:creationId xmlns:a16="http://schemas.microsoft.com/office/drawing/2014/main" id="{A3E00202-AE59-3441-A4EC-D70D1FFCB475}"/>
+                <a16:creationId xmlns:a16="http://schemas.microsoft.com/office/drawing/2014/main" id="{A54CA2FE-267F-3848-9595-4A38424CB444}"/>
               </a:ext>
             </a:extLst>
           </p:cNvPr>
@@ -16104,7 +16606,7 @@
           <p:cNvPr id="4" name="Footer Placeholder 3">
             <a:extLst>
               <a:ext uri="{FF2B5EF4-FFF2-40B4-BE49-F238E27FC236}">
-                <a16:creationId xmlns:a16="http://schemas.microsoft.com/office/drawing/2014/main" id="{AA4AC2F8-66EC-0748-B17F-2AF994CF5402}"/>
+                <a16:creationId xmlns:a16="http://schemas.microsoft.com/office/drawing/2014/main" id="{57025824-CC1F-A04E-983C-C22D55DEBECC}"/>
               </a:ext>
             </a:extLst>
           </p:cNvPr>
@@ -16132,7 +16634,7 @@
           <p:cNvPr id="5" name="Slide Number Placeholder 4">
             <a:extLst>
               <a:ext uri="{FF2B5EF4-FFF2-40B4-BE49-F238E27FC236}">
-                <a16:creationId xmlns:a16="http://schemas.microsoft.com/office/drawing/2014/main" id="{9B1E38FF-045F-8640-B0D0-16D8FA5D5CCA}"/>
+                <a16:creationId xmlns:a16="http://schemas.microsoft.com/office/drawing/2014/main" id="{49245131-B9F0-CE40-A0D4-3B3460F256A0}"/>
               </a:ext>
             </a:extLst>
           </p:cNvPr>
@@ -16156,491 +16658,527 @@
           </a:p>
         </p:txBody>
       </p:sp>
-      <p:pic>
-        <p:nvPicPr>
-          <p:cNvPr id="6" name="Google Shape;62;p14">
+      <p:grpSp>
+        <p:nvGrpSpPr>
+          <p:cNvPr id="6" name="Group 5">
             <a:extLst>
               <a:ext uri="{FF2B5EF4-FFF2-40B4-BE49-F238E27FC236}">
-                <a16:creationId xmlns:a16="http://schemas.microsoft.com/office/drawing/2014/main" id="{01E7C269-2877-1046-8339-4112AC83AC28}"/>
+                <a16:creationId xmlns:a16="http://schemas.microsoft.com/office/drawing/2014/main" id="{AE3CCAE6-F3C5-5C40-B06A-0555F68C102A}"/>
               </a:ext>
             </a:extLst>
           </p:cNvPr>
-          <p:cNvPicPr preferRelativeResize="0"/>
+          <p:cNvGrpSpPr/>
           <p:nvPr/>
-        </p:nvPicPr>
-        <p:blipFill>
-          <a:blip r:embed="rId2">
-            <a:alphaModFix/>
-          </a:blip>
-          <a:stretch>
-            <a:fillRect/>
-          </a:stretch>
-        </p:blipFill>
-        <p:spPr>
+        </p:nvGrpSpPr>
+        <p:grpSpPr>
           <a:xfrm>
-            <a:off x="1270645" y="2952744"/>
-            <a:ext cx="3560801" cy="619540"/>
+            <a:off x="1020854" y="2127700"/>
+            <a:ext cx="9617472" cy="2814717"/>
+            <a:chOff x="14264640" y="12623798"/>
+            <a:chExt cx="9617472" cy="2814717"/>
           </a:xfrm>
-          <a:prstGeom prst="rect">
-            <a:avLst/>
-          </a:prstGeom>
-          <a:noFill/>
-          <a:ln>
-            <a:noFill/>
-          </a:ln>
-        </p:spPr>
-      </p:pic>
-      <p:sp>
-        <p:nvSpPr>
-          <p:cNvPr id="7" name="Google Shape;63;p14">
-            <a:extLst>
-              <a:ext uri="{FF2B5EF4-FFF2-40B4-BE49-F238E27FC236}">
-                <a16:creationId xmlns:a16="http://schemas.microsoft.com/office/drawing/2014/main" id="{906D4A3B-8C32-1C41-B211-5BE9DF81AF30}"/>
-              </a:ext>
-            </a:extLst>
-          </p:cNvPr>
-          <p:cNvSpPr/>
-          <p:nvPr/>
-        </p:nvSpPr>
-        <p:spPr>
-          <a:xfrm>
-            <a:off x="5243677" y="1813578"/>
-            <a:ext cx="2662000" cy="333200"/>
-          </a:xfrm>
-          <a:prstGeom prst="rightArrow">
-            <a:avLst>
-              <a:gd name="adj1" fmla="val 50000"/>
-              <a:gd name="adj2" fmla="val 50000"/>
-            </a:avLst>
-          </a:prstGeom>
-          <a:solidFill>
-            <a:schemeClr val="lt2"/>
-          </a:solidFill>
-          <a:ln w="9525" cap="flat" cmpd="sng">
+        </p:grpSpPr>
+        <p:sp>
+          <p:nvSpPr>
+            <p:cNvPr id="7" name="Rounded Rectangle 6">
+              <a:extLst>
+                <a:ext uri="{FF2B5EF4-FFF2-40B4-BE49-F238E27FC236}">
+                  <a16:creationId xmlns:a16="http://schemas.microsoft.com/office/drawing/2014/main" id="{0704614A-7BA2-0246-A967-01D88BB722DB}"/>
+                </a:ext>
+              </a:extLst>
+            </p:cNvPr>
+            <p:cNvSpPr/>
+            <p:nvPr/>
+          </p:nvSpPr>
+          <p:spPr>
+            <a:xfrm>
+              <a:off x="14264640" y="12649200"/>
+              <a:ext cx="2575560" cy="914400"/>
+            </a:xfrm>
+            <a:prstGeom prst="roundRect">
+              <a:avLst/>
+            </a:prstGeom>
             <a:solidFill>
-              <a:schemeClr val="dk2"/>
+              <a:schemeClr val="accent2">
+                <a:lumMod val="40000"/>
+                <a:lumOff val="60000"/>
+              </a:schemeClr>
             </a:solidFill>
-            <a:prstDash val="solid"/>
-            <a:round/>
-            <a:headEnd type="none" w="sm" len="sm"/>
-            <a:tailEnd type="none" w="sm" len="sm"/>
-          </a:ln>
-        </p:spPr>
-        <p:txBody>
-          <a:bodyPr spcFirstLastPara="1" wrap="square" lIns="121900" tIns="121900" rIns="121900" bIns="121900" anchor="ctr" anchorCtr="0">
-            <a:noAutofit/>
-          </a:bodyPr>
-          <a:lstStyle/>
-          <a:p>
-            <a:endParaRPr sz="2400"/>
-          </a:p>
-        </p:txBody>
-      </p:sp>
-      <p:sp>
-        <p:nvSpPr>
-          <p:cNvPr id="8" name="Google Shape;65;p14">
-            <a:extLst>
-              <a:ext uri="{FF2B5EF4-FFF2-40B4-BE49-F238E27FC236}">
-                <a16:creationId xmlns:a16="http://schemas.microsoft.com/office/drawing/2014/main" id="{7DC617CB-92AA-E945-A8E7-E3F0125FBEE2}"/>
-              </a:ext>
-            </a:extLst>
-          </p:cNvPr>
-          <p:cNvSpPr/>
-          <p:nvPr/>
-        </p:nvSpPr>
-        <p:spPr>
-          <a:xfrm>
-            <a:off x="5243677" y="3345578"/>
-            <a:ext cx="2662000" cy="333200"/>
-          </a:xfrm>
-          <a:prstGeom prst="rightArrow">
-            <a:avLst>
-              <a:gd name="adj1" fmla="val 50000"/>
-              <a:gd name="adj2" fmla="val 50000"/>
-            </a:avLst>
-          </a:prstGeom>
-          <a:solidFill>
-            <a:schemeClr val="lt2"/>
-          </a:solidFill>
-          <a:ln w="9525" cap="flat" cmpd="sng">
+          </p:spPr>
+          <p:style>
+            <a:lnRef idx="2">
+              <a:schemeClr val="accent1">
+                <a:shade val="50000"/>
+              </a:schemeClr>
+            </a:lnRef>
+            <a:fillRef idx="1">
+              <a:schemeClr val="accent1"/>
+            </a:fillRef>
+            <a:effectRef idx="0">
+              <a:schemeClr val="accent1"/>
+            </a:effectRef>
+            <a:fontRef idx="minor">
+              <a:schemeClr val="lt1"/>
+            </a:fontRef>
+          </p:style>
+          <p:txBody>
+            <a:bodyPr rtlCol="0" anchor="ctr"/>
+            <a:lstStyle/>
+            <a:p>
+              <a:pPr algn="ctr"/>
+              <a:r>
+                <a:rPr lang="en-US" sz="2800" dirty="0">
+                  <a:solidFill>
+                    <a:schemeClr val="tx1"/>
+                  </a:solidFill>
+                  <a:latin typeface="Avenir Book" panose="02000503020000020003" pitchFamily="2" charset="0"/>
+                </a:rPr>
+                <a:t>Design Model</a:t>
+              </a:r>
+            </a:p>
+          </p:txBody>
+        </p:sp>
+        <p:sp>
+          <p:nvSpPr>
+            <p:cNvPr id="8" name="Right Arrow 7">
+              <a:extLst>
+                <a:ext uri="{FF2B5EF4-FFF2-40B4-BE49-F238E27FC236}">
+                  <a16:creationId xmlns:a16="http://schemas.microsoft.com/office/drawing/2014/main" id="{B0CF95E0-74D7-7F4C-AB97-3EA61C7232C3}"/>
+                </a:ext>
+              </a:extLst>
+            </p:cNvPr>
+            <p:cNvSpPr/>
+            <p:nvPr/>
+          </p:nvSpPr>
+          <p:spPr>
+            <a:xfrm>
+              <a:off x="16900427" y="12984617"/>
+              <a:ext cx="762733" cy="193259"/>
+            </a:xfrm>
+            <a:prstGeom prst="rightArrow">
+              <a:avLst/>
+            </a:prstGeom>
             <a:solidFill>
-              <a:schemeClr val="dk2"/>
+              <a:schemeClr val="accent2">
+                <a:lumMod val="40000"/>
+                <a:lumOff val="60000"/>
+              </a:schemeClr>
             </a:solidFill>
-            <a:prstDash val="solid"/>
-            <a:round/>
-            <a:headEnd type="none" w="sm" len="sm"/>
-            <a:tailEnd type="none" w="sm" len="sm"/>
-          </a:ln>
-        </p:spPr>
-        <p:txBody>
-          <a:bodyPr spcFirstLastPara="1" wrap="square" lIns="121900" tIns="121900" rIns="121900" bIns="121900" anchor="ctr" anchorCtr="0">
-            <a:noAutofit/>
-          </a:bodyPr>
-          <a:lstStyle/>
-          <a:p>
-            <a:endParaRPr sz="2400"/>
-          </a:p>
-        </p:txBody>
-      </p:sp>
-      <p:pic>
-        <p:nvPicPr>
-          <p:cNvPr id="9" name="Google Shape;67;p14">
-            <a:extLst>
-              <a:ext uri="{FF2B5EF4-FFF2-40B4-BE49-F238E27FC236}">
-                <a16:creationId xmlns:a16="http://schemas.microsoft.com/office/drawing/2014/main" id="{5F19FA73-3E97-8640-8398-AEE5516AFE22}"/>
-              </a:ext>
-            </a:extLst>
-          </p:cNvPr>
-          <p:cNvPicPr preferRelativeResize="0"/>
-          <p:nvPr/>
-        </p:nvPicPr>
-        <p:blipFill>
-          <a:blip r:embed="rId3">
-            <a:alphaModFix/>
-          </a:blip>
-          <a:stretch>
-            <a:fillRect/>
-          </a:stretch>
-        </p:blipFill>
-        <p:spPr>
-          <a:xfrm>
-            <a:off x="1270644" y="1401412"/>
-            <a:ext cx="3880200" cy="1157536"/>
-          </a:xfrm>
-          <a:prstGeom prst="rect">
-            <a:avLst/>
-          </a:prstGeom>
-          <a:noFill/>
-          <a:ln>
-            <a:noFill/>
-          </a:ln>
-        </p:spPr>
-      </p:pic>
-      <p:sp>
-        <p:nvSpPr>
-          <p:cNvPr id="10" name="Google Shape;70;p14">
-            <a:extLst>
-              <a:ext uri="{FF2B5EF4-FFF2-40B4-BE49-F238E27FC236}">
-                <a16:creationId xmlns:a16="http://schemas.microsoft.com/office/drawing/2014/main" id="{45ADD4F1-1B94-CC47-A63C-2F98B83B4FA1}"/>
-              </a:ext>
-            </a:extLst>
-          </p:cNvPr>
-          <p:cNvSpPr/>
-          <p:nvPr/>
-        </p:nvSpPr>
-        <p:spPr>
-          <a:xfrm>
-            <a:off x="1966010" y="4992078"/>
-            <a:ext cx="1850000" cy="1157600"/>
-          </a:xfrm>
-          <a:prstGeom prst="roundRect">
-            <a:avLst>
-              <a:gd name="adj" fmla="val 16667"/>
-            </a:avLst>
-          </a:prstGeom>
-          <a:solidFill>
-            <a:schemeClr val="lt2"/>
-          </a:solidFill>
-          <a:ln w="9525" cap="flat" cmpd="sng">
-            <a:solidFill>
-              <a:schemeClr val="dk2"/>
-            </a:solidFill>
-            <a:prstDash val="solid"/>
-            <a:round/>
-            <a:headEnd type="none" w="sm" len="sm"/>
-            <a:tailEnd type="none" w="sm" len="sm"/>
-          </a:ln>
-        </p:spPr>
-        <p:txBody>
-          <a:bodyPr spcFirstLastPara="1" wrap="square" lIns="121900" tIns="121900" rIns="121900" bIns="121900" anchor="ctr" anchorCtr="0">
-            <a:noAutofit/>
-          </a:bodyPr>
-          <a:lstStyle/>
-          <a:p>
-            <a:r>
-              <a:rPr lang="en" sz="2267" dirty="0">
-                <a:latin typeface="Avenir Book" panose="02000503020000020003" pitchFamily="2" charset="0"/>
-              </a:rPr>
-              <a:t>Bioscrape</a:t>
-            </a:r>
-            <a:endParaRPr sz="2267" dirty="0">
-              <a:latin typeface="Avenir Book" panose="02000503020000020003" pitchFamily="2" charset="0"/>
-            </a:endParaRPr>
-          </a:p>
-        </p:txBody>
-      </p:sp>
-      <p:sp>
-        <p:nvSpPr>
-          <p:cNvPr id="11" name="Google Shape;71;p14">
-            <a:extLst>
-              <a:ext uri="{FF2B5EF4-FFF2-40B4-BE49-F238E27FC236}">
-                <a16:creationId xmlns:a16="http://schemas.microsoft.com/office/drawing/2014/main" id="{1B8A0E23-74A2-DA46-B3EE-587B4135C559}"/>
-              </a:ext>
-            </a:extLst>
-          </p:cNvPr>
-          <p:cNvSpPr/>
-          <p:nvPr/>
-        </p:nvSpPr>
-        <p:spPr>
-          <a:xfrm>
-            <a:off x="5150844" y="5300029"/>
-            <a:ext cx="2662000" cy="333200"/>
-          </a:xfrm>
-          <a:prstGeom prst="rightArrow">
-            <a:avLst>
-              <a:gd name="adj1" fmla="val 50000"/>
-              <a:gd name="adj2" fmla="val 50000"/>
-            </a:avLst>
-          </a:prstGeom>
-          <a:solidFill>
-            <a:schemeClr val="lt2"/>
-          </a:solidFill>
-          <a:ln w="9525" cap="flat" cmpd="sng">
-            <a:solidFill>
-              <a:schemeClr val="dk2"/>
-            </a:solidFill>
-            <a:prstDash val="solid"/>
-            <a:round/>
-            <a:headEnd type="none" w="sm" len="sm"/>
-            <a:tailEnd type="none" w="sm" len="sm"/>
-          </a:ln>
-        </p:spPr>
-        <p:txBody>
-          <a:bodyPr spcFirstLastPara="1" wrap="square" lIns="121900" tIns="121900" rIns="121900" bIns="121900" anchor="ctr" anchorCtr="0">
-            <a:noAutofit/>
-          </a:bodyPr>
-          <a:lstStyle/>
-          <a:p>
-            <a:endParaRPr sz="2400"/>
-          </a:p>
-        </p:txBody>
-      </p:sp>
-      <p:pic>
-        <p:nvPicPr>
-          <p:cNvPr id="12" name="Google Shape;74;p14">
-            <a:extLst>
-              <a:ext uri="{FF2B5EF4-FFF2-40B4-BE49-F238E27FC236}">
-                <a16:creationId xmlns:a16="http://schemas.microsoft.com/office/drawing/2014/main" id="{06EC7C7E-AE25-6941-B94A-C95DFDCD589A}"/>
-              </a:ext>
-            </a:extLst>
-          </p:cNvPr>
-          <p:cNvPicPr preferRelativeResize="0"/>
-          <p:nvPr/>
-        </p:nvPicPr>
-        <p:blipFill rotWithShape="1">
-          <a:blip r:embed="rId4">
-            <a:alphaModFix/>
-          </a:blip>
-          <a:srcRect l="24672" t="78889" r="63435" b="12795"/>
-          <a:stretch/>
-        </p:blipFill>
-        <p:spPr>
-          <a:xfrm>
-            <a:off x="2084294" y="3688012"/>
-            <a:ext cx="1613433" cy="683599"/>
-          </a:xfrm>
-          <a:prstGeom prst="rect">
-            <a:avLst/>
-          </a:prstGeom>
-          <a:noFill/>
-          <a:ln>
-            <a:noFill/>
-          </a:ln>
-        </p:spPr>
-      </p:pic>
-      <p:sp>
-        <p:nvSpPr>
-          <p:cNvPr id="13" name="Google Shape;66;p14">
-            <a:extLst>
-              <a:ext uri="{FF2B5EF4-FFF2-40B4-BE49-F238E27FC236}">
-                <a16:creationId xmlns:a16="http://schemas.microsoft.com/office/drawing/2014/main" id="{96C33076-5D56-F443-9877-34C85A46EA4B}"/>
-              </a:ext>
-            </a:extLst>
-          </p:cNvPr>
-          <p:cNvSpPr txBox="1">
-            <a:spLocks/>
-          </p:cNvSpPr>
-          <p:nvPr/>
-        </p:nvSpPr>
-        <p:spPr>
-          <a:xfrm>
-            <a:off x="8253116" y="3297425"/>
-            <a:ext cx="3560762" cy="852488"/>
-          </a:xfrm>
-          <a:prstGeom prst="rect">
-            <a:avLst/>
-          </a:prstGeom>
-        </p:spPr>
-        <p:txBody>
-          <a:bodyPr spcFirstLastPara="1" vert="horz" wrap="square" lIns="121900" tIns="121900" rIns="121900" bIns="121900" rtlCol="0" anchor="t" anchorCtr="0">
-            <a:noAutofit/>
-          </a:bodyPr>
-          <a:lstStyle>
-            <a:lvl1pPr algn="l" defTabSz="914400" rtl="0" eaLnBrk="1" latinLnBrk="0" hangingPunct="1">
-              <a:lnSpc>
-                <a:spcPct val="90000"/>
-              </a:lnSpc>
-              <a:spcBef>
-                <a:spcPct val="0"/>
-              </a:spcBef>
-              <a:buNone/>
-              <a:defRPr sz="4400" kern="1200">
+          </p:spPr>
+          <p:style>
+            <a:lnRef idx="2">
+              <a:schemeClr val="accent1">
+                <a:shade val="50000"/>
+              </a:schemeClr>
+            </a:lnRef>
+            <a:fillRef idx="1">
+              <a:schemeClr val="accent1"/>
+            </a:fillRef>
+            <a:effectRef idx="0">
+              <a:schemeClr val="accent1"/>
+            </a:effectRef>
+            <a:fontRef idx="minor">
+              <a:schemeClr val="lt1"/>
+            </a:fontRef>
+          </p:style>
+          <p:txBody>
+            <a:bodyPr rtlCol="0" anchor="ctr"/>
+            <a:lstStyle/>
+            <a:p>
+              <a:pPr algn="ctr"/>
+              <a:endParaRPr lang="en-US" dirty="0">
                 <a:solidFill>
                   <a:schemeClr val="tx1"/>
                 </a:solidFill>
-                <a:latin typeface="Avenir Book" panose="02000503020000020003" pitchFamily="2" charset="0"/>
-                <a:ea typeface="+mj-ea"/>
-                <a:cs typeface="+mj-cs"/>
-              </a:defRPr>
-            </a:lvl1pPr>
-          </a:lstStyle>
-          <a:p>
-            <a:r>
-              <a:rPr lang="en-US" sz="2000">
-                <a:solidFill>
-                  <a:srgbClr val="434343"/>
-                </a:solidFill>
-              </a:rPr>
-              <a:t>Communicate &amp; Combine!</a:t>
-            </a:r>
-            <a:endParaRPr lang="en-US" sz="2000">
-              <a:solidFill>
-                <a:srgbClr val="FF0000"/>
-              </a:solidFill>
-            </a:endParaRPr>
-          </a:p>
-        </p:txBody>
-      </p:sp>
-      <p:sp>
-        <p:nvSpPr>
-          <p:cNvPr id="14" name="Google Shape;72;p14">
+              </a:endParaRPr>
+            </a:p>
+          </p:txBody>
+        </p:sp>
+        <p:pic>
+          <p:nvPicPr>
+            <p:cNvPr id="9" name="Picture 9">
+              <a:extLst>
+                <a:ext uri="{FF2B5EF4-FFF2-40B4-BE49-F238E27FC236}">
+                  <a16:creationId xmlns:a16="http://schemas.microsoft.com/office/drawing/2014/main" id="{8A59FB75-A1A8-F14F-8DDF-D7DC3916B24F}"/>
+                </a:ext>
+              </a:extLst>
+            </p:cNvPr>
+            <p:cNvPicPr>
+              <a:picLocks noChangeAspect="1" noChangeArrowheads="1"/>
+            </p:cNvPicPr>
+            <p:nvPr/>
+          </p:nvPicPr>
+          <p:blipFill>
+            <a:blip r:embed="rId3">
+              <a:extLst>
+                <a:ext uri="{28A0092B-C50C-407E-A947-70E740481C1C}">
+                  <a14:useLocalDpi xmlns:a14="http://schemas.microsoft.com/office/drawing/2010/main" val="0"/>
+                </a:ext>
+              </a:extLst>
+            </a:blip>
+            <a:srcRect/>
+            <a:stretch>
+              <a:fillRect/>
+            </a:stretch>
+          </p:blipFill>
+          <p:spPr bwMode="auto">
+            <a:xfrm>
+              <a:off x="17766135" y="12623798"/>
+              <a:ext cx="3235459" cy="965200"/>
+            </a:xfrm>
+            <a:prstGeom prst="rect">
+              <a:avLst/>
+            </a:prstGeom>
+            <a:noFill/>
             <a:extLst>
-              <a:ext uri="{FF2B5EF4-FFF2-40B4-BE49-F238E27FC236}">
-                <a16:creationId xmlns:a16="http://schemas.microsoft.com/office/drawing/2014/main" id="{08D2AC42-68F3-E447-BD9B-1C1FA2225141}"/>
+              <a:ext uri="{909E8E84-426E-40DD-AFC4-6F175D3DCCD1}">
+                <a14:hiddenFill xmlns:a14="http://schemas.microsoft.com/office/drawing/2010/main">
+                  <a:solidFill>
+                    <a:srgbClr val="FFFFFF"/>
+                  </a:solidFill>
+                </a14:hiddenFill>
               </a:ext>
             </a:extLst>
-          </p:cNvPr>
-          <p:cNvSpPr txBox="1">
-            <a:spLocks/>
-          </p:cNvSpPr>
-          <p:nvPr/>
-        </p:nvSpPr>
-        <p:spPr>
-          <a:xfrm>
-            <a:off x="8253116" y="5251638"/>
-            <a:ext cx="3560762" cy="852487"/>
-          </a:xfrm>
-          <a:prstGeom prst="rect">
-            <a:avLst/>
-          </a:prstGeom>
-        </p:spPr>
-        <p:txBody>
-          <a:bodyPr spcFirstLastPara="1" vert="horz" wrap="square" lIns="121900" tIns="121900" rIns="121900" bIns="121900" rtlCol="0" anchor="t" anchorCtr="0">
-            <a:noAutofit/>
-          </a:bodyPr>
-          <a:lstStyle>
-            <a:lvl1pPr algn="l" defTabSz="914400" rtl="0" eaLnBrk="1" latinLnBrk="0" hangingPunct="1">
-              <a:lnSpc>
-                <a:spcPct val="90000"/>
-              </a:lnSpc>
-              <a:spcBef>
-                <a:spcPct val="0"/>
-              </a:spcBef>
-              <a:buNone/>
-              <a:defRPr sz="4400" kern="1200">
+          </p:spPr>
+        </p:pic>
+        <p:pic>
+          <p:nvPicPr>
+            <p:cNvPr id="10" name="Picture 13">
+              <a:extLst>
+                <a:ext uri="{FF2B5EF4-FFF2-40B4-BE49-F238E27FC236}">
+                  <a16:creationId xmlns:a16="http://schemas.microsoft.com/office/drawing/2014/main" id="{23C2AC74-AEF2-EB42-9CE3-EB6CA99F6F8F}"/>
+                </a:ext>
+              </a:extLst>
+            </p:cNvPr>
+            <p:cNvPicPr>
+              <a:picLocks noChangeAspect="1" noChangeArrowheads="1"/>
+            </p:cNvPicPr>
+            <p:nvPr/>
+          </p:nvPicPr>
+          <p:blipFill rotWithShape="1">
+            <a:blip r:embed="rId4">
+              <a:extLst>
+                <a:ext uri="{28A0092B-C50C-407E-A947-70E740481C1C}">
+                  <a14:useLocalDpi xmlns:a14="http://schemas.microsoft.com/office/drawing/2010/main" val="0"/>
+                </a:ext>
+              </a:extLst>
+            </a:blip>
+            <a:srcRect r="62162"/>
+            <a:stretch/>
+          </p:blipFill>
+          <p:spPr bwMode="auto">
+            <a:xfrm>
+              <a:off x="21978123" y="12668651"/>
+              <a:ext cx="1903989" cy="875495"/>
+            </a:xfrm>
+            <a:prstGeom prst="rect">
+              <a:avLst/>
+            </a:prstGeom>
+            <a:noFill/>
+            <a:extLst>
+              <a:ext uri="{909E8E84-426E-40DD-AFC4-6F175D3DCCD1}">
+                <a14:hiddenFill xmlns:a14="http://schemas.microsoft.com/office/drawing/2010/main">
+                  <a:solidFill>
+                    <a:srgbClr val="FFFFFF"/>
+                  </a:solidFill>
+                </a14:hiddenFill>
+              </a:ext>
+            </a:extLst>
+          </p:spPr>
+        </p:pic>
+        <p:sp>
+          <p:nvSpPr>
+            <p:cNvPr id="11" name="Right Arrow 10">
+              <a:extLst>
+                <a:ext uri="{FF2B5EF4-FFF2-40B4-BE49-F238E27FC236}">
+                  <a16:creationId xmlns:a16="http://schemas.microsoft.com/office/drawing/2014/main" id="{8FE45800-CD43-DD45-AE1E-0E2F338A9738}"/>
+                </a:ext>
+              </a:extLst>
+            </p:cNvPr>
+            <p:cNvSpPr/>
+            <p:nvPr/>
+          </p:nvSpPr>
+          <p:spPr>
+            <a:xfrm>
+              <a:off x="21050691" y="13009770"/>
+              <a:ext cx="762733" cy="193259"/>
+            </a:xfrm>
+            <a:prstGeom prst="rightArrow">
+              <a:avLst/>
+            </a:prstGeom>
+            <a:solidFill>
+              <a:schemeClr val="accent2">
+                <a:lumMod val="40000"/>
+                <a:lumOff val="60000"/>
+              </a:schemeClr>
+            </a:solidFill>
+          </p:spPr>
+          <p:style>
+            <a:lnRef idx="2">
+              <a:schemeClr val="accent1">
+                <a:shade val="50000"/>
+              </a:schemeClr>
+            </a:lnRef>
+            <a:fillRef idx="1">
+              <a:schemeClr val="accent1"/>
+            </a:fillRef>
+            <a:effectRef idx="0">
+              <a:schemeClr val="accent1"/>
+            </a:effectRef>
+            <a:fontRef idx="minor">
+              <a:schemeClr val="lt1"/>
+            </a:fontRef>
+          </p:style>
+          <p:txBody>
+            <a:bodyPr rtlCol="0" anchor="ctr"/>
+            <a:lstStyle/>
+            <a:p>
+              <a:pPr algn="ctr"/>
+              <a:endParaRPr lang="en-US">
                 <a:solidFill>
                   <a:schemeClr val="tx1"/>
                 </a:solidFill>
-                <a:latin typeface="Avenir Book" panose="02000503020000020003" pitchFamily="2" charset="0"/>
-                <a:ea typeface="+mj-ea"/>
-                <a:cs typeface="+mj-cs"/>
-              </a:defRPr>
-            </a:lvl1pPr>
-          </a:lstStyle>
-          <a:p>
-            <a:r>
-              <a:rPr lang="en-US" sz="2000">
-                <a:solidFill>
-                  <a:srgbClr val="434343"/>
-                </a:solidFill>
-              </a:rPr>
-              <a:t>Simulate!</a:t>
-            </a:r>
-            <a:endParaRPr lang="en-US" sz="2000">
-              <a:solidFill>
-                <a:srgbClr val="FF0000"/>
-              </a:solidFill>
-            </a:endParaRPr>
-          </a:p>
-        </p:txBody>
-      </p:sp>
-      <p:sp>
-        <p:nvSpPr>
-          <p:cNvPr id="15" name="Google Shape;66;p14">
-            <a:extLst>
-              <a:ext uri="{FF2B5EF4-FFF2-40B4-BE49-F238E27FC236}">
-                <a16:creationId xmlns:a16="http://schemas.microsoft.com/office/drawing/2014/main" id="{CDB68465-9325-294A-B018-DE059FE1010D}"/>
-              </a:ext>
-            </a:extLst>
-          </p:cNvPr>
-          <p:cNvSpPr txBox="1">
-            <a:spLocks/>
-          </p:cNvSpPr>
-          <p:nvPr/>
-        </p:nvSpPr>
-        <p:spPr>
-          <a:xfrm>
-            <a:off x="8253116" y="1769456"/>
-            <a:ext cx="3560762" cy="852488"/>
-          </a:xfrm>
-          <a:prstGeom prst="rect">
-            <a:avLst/>
-          </a:prstGeom>
-        </p:spPr>
-        <p:txBody>
-          <a:bodyPr spcFirstLastPara="1" vert="horz" wrap="square" lIns="121900" tIns="121900" rIns="121900" bIns="121900" rtlCol="0" anchor="t" anchorCtr="0">
-            <a:noAutofit/>
-          </a:bodyPr>
-          <a:lstStyle>
-            <a:lvl1pPr algn="l" defTabSz="914400" rtl="0" eaLnBrk="1" latinLnBrk="0" hangingPunct="1">
-              <a:lnSpc>
-                <a:spcPct val="90000"/>
-              </a:lnSpc>
-              <a:spcBef>
-                <a:spcPct val="0"/>
-              </a:spcBef>
-              <a:buNone/>
-              <a:defRPr sz="4400" kern="1200">
+              </a:endParaRPr>
+            </a:p>
+          </p:txBody>
+        </p:sp>
+        <p:sp>
+          <p:nvSpPr>
+            <p:cNvPr id="12" name="Bent Arrow 11">
+              <a:extLst>
+                <a:ext uri="{FF2B5EF4-FFF2-40B4-BE49-F238E27FC236}">
+                  <a16:creationId xmlns:a16="http://schemas.microsoft.com/office/drawing/2014/main" id="{78C187DF-239C-8441-AF91-8A19523FFF95}"/>
+                </a:ext>
+              </a:extLst>
+            </p:cNvPr>
+            <p:cNvSpPr/>
+            <p:nvPr/>
+          </p:nvSpPr>
+          <p:spPr>
+            <a:xfrm rot="10800000">
+              <a:off x="22638009" y="13653851"/>
+              <a:ext cx="394353" cy="1414246"/>
+            </a:xfrm>
+            <a:prstGeom prst="bentArrow">
+              <a:avLst/>
+            </a:prstGeom>
+            <a:solidFill>
+              <a:schemeClr val="accent2">
+                <a:lumMod val="40000"/>
+                <a:lumOff val="60000"/>
+              </a:schemeClr>
+            </a:solidFill>
+          </p:spPr>
+          <p:style>
+            <a:lnRef idx="2">
+              <a:schemeClr val="accent1">
+                <a:shade val="50000"/>
+              </a:schemeClr>
+            </a:lnRef>
+            <a:fillRef idx="1">
+              <a:schemeClr val="accent1"/>
+            </a:fillRef>
+            <a:effectRef idx="0">
+              <a:schemeClr val="accent1"/>
+            </a:effectRef>
+            <a:fontRef idx="minor">
+              <a:schemeClr val="lt1"/>
+            </a:fontRef>
+          </p:style>
+          <p:txBody>
+            <a:bodyPr rtlCol="0" anchor="ctr"/>
+            <a:lstStyle/>
+            <a:p>
+              <a:pPr algn="ctr"/>
+              <a:endParaRPr lang="en-US">
                 <a:solidFill>
                   <a:schemeClr val="tx1"/>
                 </a:solidFill>
-                <a:latin typeface="Avenir Book" panose="02000503020000020003" pitchFamily="2" charset="0"/>
-                <a:ea typeface="+mj-ea"/>
-                <a:cs typeface="+mj-cs"/>
-              </a:defRPr>
-            </a:lvl1pPr>
-          </a:lstStyle>
-          <a:p>
-            <a:r>
-              <a:rPr lang="en-US" sz="2000" dirty="0">
+              </a:endParaRPr>
+            </a:p>
+          </p:txBody>
+        </p:sp>
+        <p:sp>
+          <p:nvSpPr>
+            <p:cNvPr id="13" name="Rounded Rectangle 12">
+              <a:extLst>
+                <a:ext uri="{FF2B5EF4-FFF2-40B4-BE49-F238E27FC236}">
+                  <a16:creationId xmlns:a16="http://schemas.microsoft.com/office/drawing/2014/main" id="{84B58FB3-F0C4-9B47-A911-88546C4651BD}"/>
+                </a:ext>
+              </a:extLst>
+            </p:cNvPr>
+            <p:cNvSpPr/>
+            <p:nvPr/>
+          </p:nvSpPr>
+          <p:spPr>
+            <a:xfrm>
+              <a:off x="19931094" y="14510729"/>
+              <a:ext cx="2575560" cy="914400"/>
+            </a:xfrm>
+            <a:prstGeom prst="roundRect">
+              <a:avLst/>
+            </a:prstGeom>
+            <a:solidFill>
+              <a:schemeClr val="accent2">
+                <a:lumMod val="40000"/>
+                <a:lumOff val="60000"/>
+              </a:schemeClr>
+            </a:solidFill>
+          </p:spPr>
+          <p:style>
+            <a:lnRef idx="2">
+              <a:schemeClr val="accent1">
+                <a:shade val="50000"/>
+              </a:schemeClr>
+            </a:lnRef>
+            <a:fillRef idx="1">
+              <a:schemeClr val="accent1"/>
+            </a:fillRef>
+            <a:effectRef idx="0">
+              <a:schemeClr val="accent1"/>
+            </a:effectRef>
+            <a:fontRef idx="minor">
+              <a:schemeClr val="lt1"/>
+            </a:fontRef>
+          </p:style>
+          <p:txBody>
+            <a:bodyPr rtlCol="0" anchor="ctr"/>
+            <a:lstStyle/>
+            <a:p>
+              <a:pPr algn="ctr"/>
+              <a:r>
+                <a:rPr lang="en-US" sz="2800" dirty="0">
+                  <a:solidFill>
+                    <a:schemeClr val="tx1"/>
+                  </a:solidFill>
+                  <a:latin typeface="Avenir Book" panose="02000503020000020003" pitchFamily="2" charset="0"/>
+                </a:rPr>
+                <a:t>Bioscrape</a:t>
+              </a:r>
+            </a:p>
+          </p:txBody>
+        </p:sp>
+        <p:sp>
+          <p:nvSpPr>
+            <p:cNvPr id="14" name="Right Arrow 13">
+              <a:extLst>
+                <a:ext uri="{FF2B5EF4-FFF2-40B4-BE49-F238E27FC236}">
+                  <a16:creationId xmlns:a16="http://schemas.microsoft.com/office/drawing/2014/main" id="{5FF803F4-8885-864F-B07E-2411EA8CFC93}"/>
+                </a:ext>
+              </a:extLst>
+            </p:cNvPr>
+            <p:cNvSpPr/>
+            <p:nvPr/>
+          </p:nvSpPr>
+          <p:spPr>
+            <a:xfrm rot="10800000">
+              <a:off x="19037006" y="14884685"/>
+              <a:ext cx="762733" cy="193259"/>
+            </a:xfrm>
+            <a:prstGeom prst="rightArrow">
+              <a:avLst/>
+            </a:prstGeom>
+            <a:solidFill>
+              <a:schemeClr val="accent2">
+                <a:lumMod val="40000"/>
+                <a:lumOff val="60000"/>
+              </a:schemeClr>
+            </a:solidFill>
+          </p:spPr>
+          <p:style>
+            <a:lnRef idx="2">
+              <a:schemeClr val="accent1">
+                <a:shade val="50000"/>
+              </a:schemeClr>
+            </a:lnRef>
+            <a:fillRef idx="1">
+              <a:schemeClr val="accent1"/>
+            </a:fillRef>
+            <a:effectRef idx="0">
+              <a:schemeClr val="accent1"/>
+            </a:effectRef>
+            <a:fontRef idx="minor">
+              <a:schemeClr val="lt1"/>
+            </a:fontRef>
+          </p:style>
+          <p:txBody>
+            <a:bodyPr rtlCol="0" anchor="ctr"/>
+            <a:lstStyle/>
+            <a:p>
+              <a:pPr algn="ctr"/>
+              <a:endParaRPr lang="en-US">
                 <a:solidFill>
-                  <a:srgbClr val="434343"/>
+                  <a:schemeClr val="tx1"/>
                 </a:solidFill>
-              </a:rPr>
-              <a:t>Create Model!</a:t>
-            </a:r>
-            <a:endParaRPr lang="en-US" sz="2000" dirty="0">
-              <a:solidFill>
-                <a:srgbClr val="FF0000"/>
-              </a:solidFill>
-            </a:endParaRPr>
-          </a:p>
-        </p:txBody>
-      </p:sp>
+              </a:endParaRPr>
+            </a:p>
+          </p:txBody>
+        </p:sp>
+        <p:sp>
+          <p:nvSpPr>
+            <p:cNvPr id="15" name="Rounded Rectangle 14">
+              <a:extLst>
+                <a:ext uri="{FF2B5EF4-FFF2-40B4-BE49-F238E27FC236}">
+                  <a16:creationId xmlns:a16="http://schemas.microsoft.com/office/drawing/2014/main" id="{5A8DAC31-3E86-1540-8BC0-4B38DF78E761}"/>
+                </a:ext>
+              </a:extLst>
+            </p:cNvPr>
+            <p:cNvSpPr/>
+            <p:nvPr/>
+          </p:nvSpPr>
+          <p:spPr>
+            <a:xfrm>
+              <a:off x="16330090" y="14524115"/>
+              <a:ext cx="2575560" cy="914400"/>
+            </a:xfrm>
+            <a:prstGeom prst="roundRect">
+              <a:avLst/>
+            </a:prstGeom>
+            <a:solidFill>
+              <a:schemeClr val="accent2">
+                <a:lumMod val="40000"/>
+                <a:lumOff val="60000"/>
+              </a:schemeClr>
+            </a:solidFill>
+          </p:spPr>
+          <p:style>
+            <a:lnRef idx="2">
+              <a:schemeClr val="accent1">
+                <a:shade val="50000"/>
+              </a:schemeClr>
+            </a:lnRef>
+            <a:fillRef idx="1">
+              <a:schemeClr val="accent1"/>
+            </a:fillRef>
+            <a:effectRef idx="0">
+              <a:schemeClr val="accent1"/>
+            </a:effectRef>
+            <a:fontRef idx="minor">
+              <a:schemeClr val="lt1"/>
+            </a:fontRef>
+          </p:style>
+          <p:txBody>
+            <a:bodyPr rtlCol="0" anchor="ctr"/>
+            <a:lstStyle/>
+            <a:p>
+              <a:pPr algn="ctr"/>
+              <a:r>
+                <a:rPr lang="en-US" sz="2800" dirty="0">
+                  <a:solidFill>
+                    <a:schemeClr val="tx1"/>
+                  </a:solidFill>
+                  <a:latin typeface="Avenir Book" panose="02000503020000020003" pitchFamily="2" charset="0"/>
+                </a:rPr>
+                <a:t>Output!</a:t>
+              </a:r>
+            </a:p>
+          </p:txBody>
+        </p:sp>
+      </p:grpSp>
     </p:spTree>
     <p:extLst>
       <p:ext uri="{BB962C8B-B14F-4D97-AF65-F5344CB8AC3E}">
-        <p14:creationId xmlns:p14="http://schemas.microsoft.com/office/powerpoint/2010/main" val="3914364791"/>
+        <p14:creationId xmlns:p14="http://schemas.microsoft.com/office/powerpoint/2010/main" val="1841707622"/>
       </p:ext>
     </p:extLst>
   </p:cSld>
@@ -16806,157 +17344,6 @@
           </a:p>
         </p:txBody>
       </p:sp>
-      <p:grpSp>
-        <p:nvGrpSpPr>
-          <p:cNvPr id="6" name="Group 5">
-            <a:extLst>
-              <a:ext uri="{FF2B5EF4-FFF2-40B4-BE49-F238E27FC236}">
-                <a16:creationId xmlns:a16="http://schemas.microsoft.com/office/drawing/2014/main" id="{FF52BA0A-0BBD-4649-A9B4-37EFF8B09DF4}"/>
-              </a:ext>
-            </a:extLst>
-          </p:cNvPr>
-          <p:cNvGrpSpPr/>
-          <p:nvPr/>
-        </p:nvGrpSpPr>
-        <p:grpSpPr>
-          <a:xfrm>
-            <a:off x="4422757" y="1404613"/>
-            <a:ext cx="6577038" cy="4606669"/>
-            <a:chOff x="4498957" y="2611113"/>
-            <a:chExt cx="6577038" cy="4606669"/>
-          </a:xfrm>
-        </p:grpSpPr>
-        <p:pic>
-          <p:nvPicPr>
-            <p:cNvPr id="8" name="Picture 7" descr="A screenshot of a cell phone&#10;&#10;Description automatically generated">
-              <a:extLst>
-                <a:ext uri="{FF2B5EF4-FFF2-40B4-BE49-F238E27FC236}">
-                  <a16:creationId xmlns:a16="http://schemas.microsoft.com/office/drawing/2014/main" id="{DDF31D52-4963-674A-B960-E9F0ACCCD3BD}"/>
-                </a:ext>
-              </a:extLst>
-            </p:cNvPr>
-            <p:cNvPicPr>
-              <a:picLocks noChangeAspect="1"/>
-            </p:cNvPicPr>
-            <p:nvPr/>
-          </p:nvPicPr>
-          <p:blipFill>
-            <a:blip r:embed="rId3"/>
-            <a:stretch>
-              <a:fillRect/>
-            </a:stretch>
-          </p:blipFill>
-          <p:spPr>
-            <a:xfrm>
-              <a:off x="9121593" y="2674991"/>
-              <a:ext cx="1954402" cy="2028308"/>
-            </a:xfrm>
-            <a:prstGeom prst="rect">
-              <a:avLst/>
-            </a:prstGeom>
-          </p:spPr>
-        </p:pic>
-        <p:sp>
-          <p:nvSpPr>
-            <p:cNvPr id="9" name="TextBox 8">
-              <a:extLst>
-                <a:ext uri="{FF2B5EF4-FFF2-40B4-BE49-F238E27FC236}">
-                  <a16:creationId xmlns:a16="http://schemas.microsoft.com/office/drawing/2014/main" id="{7150DA75-AD77-C049-ABEE-42144CE73FFC}"/>
-                </a:ext>
-              </a:extLst>
-            </p:cNvPr>
-            <p:cNvSpPr txBox="1"/>
-            <p:nvPr/>
-          </p:nvSpPr>
-          <p:spPr>
-            <a:xfrm>
-              <a:off x="6480688" y="6418985"/>
-              <a:ext cx="1054231" cy="276999"/>
-            </a:xfrm>
-            <a:prstGeom prst="rect">
-              <a:avLst/>
-            </a:prstGeom>
-            <a:noFill/>
-          </p:spPr>
-          <p:txBody>
-            <a:bodyPr wrap="square" rtlCol="0">
-              <a:spAutoFit/>
-            </a:bodyPr>
-            <a:lstStyle/>
-            <a:p>
-              <a:r>
-                <a:rPr lang="en-US" sz="1200" dirty="0">
-                  <a:solidFill>
-                    <a:srgbClr val="E53BDE"/>
-                  </a:solidFill>
-                  <a:latin typeface="Avenir Book" panose="02000503020000020003" pitchFamily="2" charset="0"/>
-                </a:rPr>
-                <a:t>414.6</a:t>
-              </a:r>
-            </a:p>
-          </p:txBody>
-        </p:sp>
-        <p:pic>
-          <p:nvPicPr>
-            <p:cNvPr id="10" name="Picture 9" descr="A screenshot of a cell phone&#10;&#10;Description automatically generated">
-              <a:extLst>
-                <a:ext uri="{FF2B5EF4-FFF2-40B4-BE49-F238E27FC236}">
-                  <a16:creationId xmlns:a16="http://schemas.microsoft.com/office/drawing/2014/main" id="{36C8EB9A-3FD5-FE43-8ED1-47DAB9147E9A}"/>
-                </a:ext>
-              </a:extLst>
-            </p:cNvPr>
-            <p:cNvPicPr>
-              <a:picLocks noChangeAspect="1"/>
-            </p:cNvPicPr>
-            <p:nvPr/>
-          </p:nvPicPr>
-          <p:blipFill>
-            <a:blip r:embed="rId4"/>
-            <a:stretch>
-              <a:fillRect/>
-            </a:stretch>
-          </p:blipFill>
-          <p:spPr>
-            <a:xfrm>
-              <a:off x="4498957" y="2611113"/>
-              <a:ext cx="4114800" cy="2286000"/>
-            </a:xfrm>
-            <a:prstGeom prst="rect">
-              <a:avLst/>
-            </a:prstGeom>
-          </p:spPr>
-        </p:pic>
-        <p:pic>
-          <p:nvPicPr>
-            <p:cNvPr id="11" name="Picture 10" descr="A picture containing knife&#10;&#10;Description automatically generated">
-              <a:extLst>
-                <a:ext uri="{FF2B5EF4-FFF2-40B4-BE49-F238E27FC236}">
-                  <a16:creationId xmlns:a16="http://schemas.microsoft.com/office/drawing/2014/main" id="{A77D7A99-317B-D348-8492-662B8B9B735A}"/>
-                </a:ext>
-              </a:extLst>
-            </p:cNvPr>
-            <p:cNvPicPr>
-              <a:picLocks noChangeAspect="1"/>
-            </p:cNvPicPr>
-            <p:nvPr/>
-          </p:nvPicPr>
-          <p:blipFill>
-            <a:blip r:embed="rId5"/>
-            <a:stretch>
-              <a:fillRect/>
-            </a:stretch>
-          </p:blipFill>
-          <p:spPr>
-            <a:xfrm>
-              <a:off x="9554944" y="4923095"/>
-              <a:ext cx="1212113" cy="2294687"/>
-            </a:xfrm>
-            <a:prstGeom prst="rect">
-              <a:avLst/>
-            </a:prstGeom>
-          </p:spPr>
-        </p:pic>
-      </p:grpSp>
       <p:pic>
         <p:nvPicPr>
           <p:cNvPr id="12" name="Content Placeholder 4" descr="A close up of a map&#10;&#10;Description automatically generated">
@@ -16972,7 +17359,7 @@
           <p:nvPr/>
         </p:nvPicPr>
         <p:blipFill>
-          <a:blip r:embed="rId6"/>
+          <a:blip r:embed="rId3"/>
           <a:stretch>
             <a:fillRect/>
           </a:stretch>
@@ -16987,72 +17374,244 @@
           </a:prstGeom>
         </p:spPr>
       </p:pic>
-      <p:pic>
-        <p:nvPicPr>
-          <p:cNvPr id="13" name="Picture 12" descr="A close up of a piece of paper&#10;&#10;Description automatically generated">
+      <p:grpSp>
+        <p:nvGrpSpPr>
+          <p:cNvPr id="7" name="Group 6">
             <a:extLst>
               <a:ext uri="{FF2B5EF4-FFF2-40B4-BE49-F238E27FC236}">
-                <a16:creationId xmlns:a16="http://schemas.microsoft.com/office/drawing/2014/main" id="{67ABAB01-899C-034B-A3D6-58EE90E80B63}"/>
+                <a16:creationId xmlns:a16="http://schemas.microsoft.com/office/drawing/2014/main" id="{24727520-B6AD-5A49-B299-FDDE487B63E9}"/>
               </a:ext>
             </a:extLst>
           </p:cNvPr>
-          <p:cNvPicPr>
-            <a:picLocks noChangeAspect="1"/>
-          </p:cNvPicPr>
+          <p:cNvGrpSpPr/>
           <p:nvPr/>
-        </p:nvPicPr>
-        <p:blipFill>
-          <a:blip r:embed="rId7">
-            <a:extLst>
-              <a:ext uri="{28A0092B-C50C-407E-A947-70E740481C1C}">
-                <a14:useLocalDpi xmlns:a14="http://schemas.microsoft.com/office/drawing/2010/main" val="0"/>
-              </a:ext>
-            </a:extLst>
-          </a:blip>
-          <a:stretch>
-            <a:fillRect/>
-          </a:stretch>
-        </p:blipFill>
-        <p:spPr>
+        </p:nvGrpSpPr>
+        <p:grpSpPr>
           <a:xfrm>
-            <a:off x="4422757" y="3725282"/>
-            <a:ext cx="4114800" cy="2286000"/>
+            <a:off x="3975408" y="1387278"/>
+            <a:ext cx="6632502" cy="4606669"/>
+            <a:chOff x="4367293" y="1404613"/>
+            <a:chExt cx="6632502" cy="4606669"/>
           </a:xfrm>
-          <a:prstGeom prst="rect">
-            <a:avLst/>
-          </a:prstGeom>
-        </p:spPr>
-      </p:pic>
-      <p:pic>
-        <p:nvPicPr>
-          <p:cNvPr id="15" name="Picture 14">
-            <a:extLst>
-              <a:ext uri="{FF2B5EF4-FFF2-40B4-BE49-F238E27FC236}">
-                <a16:creationId xmlns:a16="http://schemas.microsoft.com/office/drawing/2014/main" id="{D64719D3-D7A0-154C-A90D-52DEAF819D90}"/>
-              </a:ext>
-            </a:extLst>
-          </p:cNvPr>
-          <p:cNvPicPr>
-            <a:picLocks noChangeAspect="1"/>
-          </p:cNvPicPr>
-          <p:nvPr/>
-        </p:nvPicPr>
-        <p:blipFill>
-          <a:blip r:embed="rId8"/>
-          <a:stretch>
-            <a:fillRect/>
-          </a:stretch>
-        </p:blipFill>
-        <p:spPr>
-          <a:xfrm>
-            <a:off x="4367293" y="1868271"/>
-            <a:ext cx="245865" cy="1264447"/>
-          </a:xfrm>
-          <a:prstGeom prst="rect">
-            <a:avLst/>
-          </a:prstGeom>
-        </p:spPr>
-      </p:pic>
+        </p:grpSpPr>
+        <p:grpSp>
+          <p:nvGrpSpPr>
+            <p:cNvPr id="6" name="Group 5">
+              <a:extLst>
+                <a:ext uri="{FF2B5EF4-FFF2-40B4-BE49-F238E27FC236}">
+                  <a16:creationId xmlns:a16="http://schemas.microsoft.com/office/drawing/2014/main" id="{FF52BA0A-0BBD-4649-A9B4-37EFF8B09DF4}"/>
+                </a:ext>
+              </a:extLst>
+            </p:cNvPr>
+            <p:cNvGrpSpPr/>
+            <p:nvPr/>
+          </p:nvGrpSpPr>
+          <p:grpSpPr>
+            <a:xfrm>
+              <a:off x="4422757" y="1404613"/>
+              <a:ext cx="6577038" cy="4606669"/>
+              <a:chOff x="4498957" y="2611113"/>
+              <a:chExt cx="6577038" cy="4606669"/>
+            </a:xfrm>
+          </p:grpSpPr>
+          <p:pic>
+            <p:nvPicPr>
+              <p:cNvPr id="8" name="Picture 7" descr="A screenshot of a cell phone&#10;&#10;Description automatically generated">
+                <a:extLst>
+                  <a:ext uri="{FF2B5EF4-FFF2-40B4-BE49-F238E27FC236}">
+                    <a16:creationId xmlns:a16="http://schemas.microsoft.com/office/drawing/2014/main" id="{DDF31D52-4963-674A-B960-E9F0ACCCD3BD}"/>
+                  </a:ext>
+                </a:extLst>
+              </p:cNvPr>
+              <p:cNvPicPr>
+                <a:picLocks noChangeAspect="1"/>
+              </p:cNvPicPr>
+              <p:nvPr/>
+            </p:nvPicPr>
+            <p:blipFill>
+              <a:blip r:embed="rId4"/>
+              <a:stretch>
+                <a:fillRect/>
+              </a:stretch>
+            </p:blipFill>
+            <p:spPr>
+              <a:xfrm>
+                <a:off x="9121593" y="2674991"/>
+                <a:ext cx="1954402" cy="2028308"/>
+              </a:xfrm>
+              <a:prstGeom prst="rect">
+                <a:avLst/>
+              </a:prstGeom>
+            </p:spPr>
+          </p:pic>
+          <p:sp>
+            <p:nvSpPr>
+              <p:cNvPr id="9" name="TextBox 8">
+                <a:extLst>
+                  <a:ext uri="{FF2B5EF4-FFF2-40B4-BE49-F238E27FC236}">
+                    <a16:creationId xmlns:a16="http://schemas.microsoft.com/office/drawing/2014/main" id="{7150DA75-AD77-C049-ABEE-42144CE73FFC}"/>
+                  </a:ext>
+                </a:extLst>
+              </p:cNvPr>
+              <p:cNvSpPr txBox="1"/>
+              <p:nvPr/>
+            </p:nvSpPr>
+            <p:spPr>
+              <a:xfrm>
+                <a:off x="6480688" y="6418985"/>
+                <a:ext cx="1054231" cy="276999"/>
+              </a:xfrm>
+              <a:prstGeom prst="rect">
+                <a:avLst/>
+              </a:prstGeom>
+              <a:noFill/>
+            </p:spPr>
+            <p:txBody>
+              <a:bodyPr wrap="square" rtlCol="0">
+                <a:spAutoFit/>
+              </a:bodyPr>
+              <a:lstStyle/>
+              <a:p>
+                <a:r>
+                  <a:rPr lang="en-US" sz="1200" dirty="0">
+                    <a:solidFill>
+                      <a:srgbClr val="E53BDE"/>
+                    </a:solidFill>
+                    <a:latin typeface="Avenir Book" panose="02000503020000020003" pitchFamily="2" charset="0"/>
+                  </a:rPr>
+                  <a:t>414.6</a:t>
+                </a:r>
+              </a:p>
+            </p:txBody>
+          </p:sp>
+          <p:pic>
+            <p:nvPicPr>
+              <p:cNvPr id="10" name="Picture 9" descr="A screenshot of a cell phone&#10;&#10;Description automatically generated">
+                <a:extLst>
+                  <a:ext uri="{FF2B5EF4-FFF2-40B4-BE49-F238E27FC236}">
+                    <a16:creationId xmlns:a16="http://schemas.microsoft.com/office/drawing/2014/main" id="{36C8EB9A-3FD5-FE43-8ED1-47DAB9147E9A}"/>
+                  </a:ext>
+                </a:extLst>
+              </p:cNvPr>
+              <p:cNvPicPr>
+                <a:picLocks noChangeAspect="1"/>
+              </p:cNvPicPr>
+              <p:nvPr/>
+            </p:nvPicPr>
+            <p:blipFill>
+              <a:blip r:embed="rId5"/>
+              <a:stretch>
+                <a:fillRect/>
+              </a:stretch>
+            </p:blipFill>
+            <p:spPr>
+              <a:xfrm>
+                <a:off x="4498957" y="2611113"/>
+                <a:ext cx="4114800" cy="2286000"/>
+              </a:xfrm>
+              <a:prstGeom prst="rect">
+                <a:avLst/>
+              </a:prstGeom>
+            </p:spPr>
+          </p:pic>
+          <p:pic>
+            <p:nvPicPr>
+              <p:cNvPr id="11" name="Picture 10" descr="A picture containing knife&#10;&#10;Description automatically generated">
+                <a:extLst>
+                  <a:ext uri="{FF2B5EF4-FFF2-40B4-BE49-F238E27FC236}">
+                    <a16:creationId xmlns:a16="http://schemas.microsoft.com/office/drawing/2014/main" id="{A77D7A99-317B-D348-8492-662B8B9B735A}"/>
+                  </a:ext>
+                </a:extLst>
+              </p:cNvPr>
+              <p:cNvPicPr>
+                <a:picLocks noChangeAspect="1"/>
+              </p:cNvPicPr>
+              <p:nvPr/>
+            </p:nvPicPr>
+            <p:blipFill>
+              <a:blip r:embed="rId6"/>
+              <a:stretch>
+                <a:fillRect/>
+              </a:stretch>
+            </p:blipFill>
+            <p:spPr>
+              <a:xfrm>
+                <a:off x="9554944" y="4923095"/>
+                <a:ext cx="1212113" cy="2294687"/>
+              </a:xfrm>
+              <a:prstGeom prst="rect">
+                <a:avLst/>
+              </a:prstGeom>
+            </p:spPr>
+          </p:pic>
+        </p:grpSp>
+        <p:pic>
+          <p:nvPicPr>
+            <p:cNvPr id="13" name="Picture 12" descr="A close up of a piece of paper&#10;&#10;Description automatically generated">
+              <a:extLst>
+                <a:ext uri="{FF2B5EF4-FFF2-40B4-BE49-F238E27FC236}">
+                  <a16:creationId xmlns:a16="http://schemas.microsoft.com/office/drawing/2014/main" id="{67ABAB01-899C-034B-A3D6-58EE90E80B63}"/>
+                </a:ext>
+              </a:extLst>
+            </p:cNvPr>
+            <p:cNvPicPr>
+              <a:picLocks noChangeAspect="1"/>
+            </p:cNvPicPr>
+            <p:nvPr/>
+          </p:nvPicPr>
+          <p:blipFill>
+            <a:blip r:embed="rId7">
+              <a:extLst>
+                <a:ext uri="{28A0092B-C50C-407E-A947-70E740481C1C}">
+                  <a14:useLocalDpi xmlns:a14="http://schemas.microsoft.com/office/drawing/2010/main" val="0"/>
+                </a:ext>
+              </a:extLst>
+            </a:blip>
+            <a:stretch>
+              <a:fillRect/>
+            </a:stretch>
+          </p:blipFill>
+          <p:spPr>
+            <a:xfrm>
+              <a:off x="4422757" y="3725282"/>
+              <a:ext cx="4114800" cy="2286000"/>
+            </a:xfrm>
+            <a:prstGeom prst="rect">
+              <a:avLst/>
+            </a:prstGeom>
+          </p:spPr>
+        </p:pic>
+        <p:pic>
+          <p:nvPicPr>
+            <p:cNvPr id="15" name="Picture 14">
+              <a:extLst>
+                <a:ext uri="{FF2B5EF4-FFF2-40B4-BE49-F238E27FC236}">
+                  <a16:creationId xmlns:a16="http://schemas.microsoft.com/office/drawing/2014/main" id="{D64719D3-D7A0-154C-A90D-52DEAF819D90}"/>
+                </a:ext>
+              </a:extLst>
+            </p:cNvPr>
+            <p:cNvPicPr>
+              <a:picLocks noChangeAspect="1"/>
+            </p:cNvPicPr>
+            <p:nvPr/>
+          </p:nvPicPr>
+          <p:blipFill>
+            <a:blip r:embed="rId8"/>
+            <a:stretch>
+              <a:fillRect/>
+            </a:stretch>
+          </p:blipFill>
+          <p:spPr>
+            <a:xfrm>
+              <a:off x="4367293" y="1868271"/>
+              <a:ext cx="245865" cy="1264447"/>
+            </a:xfrm>
+            <a:prstGeom prst="rect">
+              <a:avLst/>
+            </a:prstGeom>
+          </p:spPr>
+        </p:pic>
+      </p:grpSp>
     </p:spTree>
     <p:extLst>
       <p:ext uri="{BB962C8B-B14F-4D97-AF65-F5344CB8AC3E}">
@@ -18621,7 +19180,7 @@
             <p:nvPr/>
           </p:nvPicPr>
           <p:blipFill>
-            <a:blip r:embed="rId2"/>
+            <a:blip r:embed="rId3"/>
             <a:stretch>
               <a:fillRect/>
             </a:stretch>
@@ -18651,7 +19210,7 @@
             <p:nvPr/>
           </p:nvPicPr>
           <p:blipFill>
-            <a:blip r:embed="rId3"/>
+            <a:blip r:embed="rId4"/>
             <a:stretch>
               <a:fillRect/>
             </a:stretch>
@@ -18681,7 +19240,7 @@
             <p:nvPr/>
           </p:nvPicPr>
           <p:blipFill>
-            <a:blip r:embed="rId4"/>
+            <a:blip r:embed="rId5"/>
             <a:stretch>
               <a:fillRect/>
             </a:stretch>
@@ -18828,7 +19387,7 @@
         </p:nvSpPr>
         <p:spPr>
           <a:xfrm>
-            <a:off x="244712" y="416182"/>
+            <a:off x="244712" y="284045"/>
             <a:ext cx="10515600" cy="548864"/>
           </a:xfrm>
           <a:prstGeom prst="rect">
@@ -20563,7 +21122,7 @@
         </p:nvSpPr>
         <p:spPr>
           <a:xfrm>
-            <a:off x="189808" y="217473"/>
+            <a:off x="220905" y="-6658"/>
             <a:ext cx="10515600" cy="1325563"/>
           </a:xfrm>
         </p:spPr>
